--- a/Inventory/PPT.pptx
+++ b/Inventory/PPT.pptx
@@ -4,31 +4,40 @@
   <p:sldMasterIdLst>
     <p:sldMasterId id="2147483648" r:id="rId1"/>
   </p:sldMasterIdLst>
+  <p:notesMasterIdLst>
+    <p:notesMasterId r:id="rId32"/>
+  </p:notesMasterIdLst>
   <p:sldIdLst>
-    <p:sldId id="256" r:id="rId3"/>
-    <p:sldId id="257" r:id="rId4"/>
-    <p:sldId id="260" r:id="rId5"/>
-    <p:sldId id="258" r:id="rId6"/>
-    <p:sldId id="265" r:id="rId7"/>
-    <p:sldId id="269" r:id="rId8"/>
-    <p:sldId id="259" r:id="rId9"/>
-    <p:sldId id="261" r:id="rId10"/>
-    <p:sldId id="262" r:id="rId11"/>
-    <p:sldId id="263" r:id="rId12"/>
-    <p:sldId id="264" r:id="rId13"/>
-    <p:sldId id="266" r:id="rId14"/>
-    <p:sldId id="267" r:id="rId15"/>
-    <p:sldId id="268" r:id="rId16"/>
-    <p:sldId id="270" r:id="rId17"/>
-    <p:sldId id="271" r:id="rId18"/>
-    <p:sldId id="272" r:id="rId19"/>
-    <p:sldId id="273" r:id="rId20"/>
-    <p:sldId id="274" r:id="rId21"/>
-    <p:sldId id="275" r:id="rId22"/>
-    <p:sldId id="276" r:id="rId23"/>
-    <p:sldId id="277" r:id="rId24"/>
-    <p:sldId id="278" r:id="rId25"/>
-    <p:sldId id="279" r:id="rId26"/>
+    <p:sldId id="256" r:id="rId2"/>
+    <p:sldId id="257" r:id="rId3"/>
+    <p:sldId id="260" r:id="rId4"/>
+    <p:sldId id="258" r:id="rId5"/>
+    <p:sldId id="265" r:id="rId6"/>
+    <p:sldId id="269" r:id="rId7"/>
+    <p:sldId id="259" r:id="rId8"/>
+    <p:sldId id="261" r:id="rId9"/>
+    <p:sldId id="262" r:id="rId10"/>
+    <p:sldId id="263" r:id="rId11"/>
+    <p:sldId id="264" r:id="rId12"/>
+    <p:sldId id="266" r:id="rId13"/>
+    <p:sldId id="267" r:id="rId14"/>
+    <p:sldId id="268" r:id="rId15"/>
+    <p:sldId id="270" r:id="rId16"/>
+    <p:sldId id="271" r:id="rId17"/>
+    <p:sldId id="272" r:id="rId18"/>
+    <p:sldId id="273" r:id="rId19"/>
+    <p:sldId id="274" r:id="rId20"/>
+    <p:sldId id="275" r:id="rId21"/>
+    <p:sldId id="276" r:id="rId22"/>
+    <p:sldId id="277" r:id="rId23"/>
+    <p:sldId id="278" r:id="rId24"/>
+    <p:sldId id="279" r:id="rId25"/>
+    <p:sldId id="281" r:id="rId26"/>
+    <p:sldId id="286" r:id="rId27"/>
+    <p:sldId id="282" r:id="rId28"/>
+    <p:sldId id="283" r:id="rId29"/>
+    <p:sldId id="284" r:id="rId30"/>
+    <p:sldId id="285" r:id="rId31"/>
   </p:sldIdLst>
   <p:sldSz cx="12192000" cy="6858000"/>
   <p:notesSz cx="6858000" cy="9144000"/>
@@ -127,7 +136,445 @@
       </a:defRPr>
     </a:lvl9pPr>
   </p:defaultTextStyle>
+  <p:extLst>
+    <p:ext uri="{EFAFB233-063F-42B5-8137-9DF3F51BA10A}">
+      <p15:sldGuideLst xmlns:p15="http://schemas.microsoft.com/office/powerpoint/2012/main"/>
+    </p:ext>
+  </p:extLst>
 </p:presentation>
+</file>
+
+<file path=ppt/notesMasters/notesMaster1.xml><?xml version="1.0" encoding="utf-8"?>
+<p:notesMaster xmlns:a="http://schemas.openxmlformats.org/drawingml/2006/main" xmlns:r="http://schemas.openxmlformats.org/officeDocument/2006/relationships" xmlns:p="http://schemas.openxmlformats.org/presentationml/2006/main">
+  <p:cSld>
+    <p:bg>
+      <p:bgRef idx="1001">
+        <a:schemeClr val="bg1"/>
+      </p:bgRef>
+    </p:bg>
+    <p:spTree>
+      <p:nvGrpSpPr>
+        <p:cNvPr id="1" name=""/>
+        <p:cNvGrpSpPr/>
+        <p:nvPr/>
+      </p:nvGrpSpPr>
+      <p:grpSpPr>
+        <a:xfrm>
+          <a:off x="0" y="0"/>
+          <a:ext cx="0" cy="0"/>
+          <a:chOff x="0" y="0"/>
+          <a:chExt cx="0" cy="0"/>
+        </a:xfrm>
+      </p:grpSpPr>
+      <p:sp>
+        <p:nvSpPr>
+          <p:cNvPr id="2" name="Header Placeholder 1"/>
+          <p:cNvSpPr>
+            <a:spLocks noGrp="1"/>
+          </p:cNvSpPr>
+          <p:nvPr>
+            <p:ph type="hdr" sz="quarter"/>
+          </p:nvPr>
+        </p:nvSpPr>
+        <p:spPr>
+          <a:xfrm>
+            <a:off x="0" y="0"/>
+            <a:ext cx="2971800" cy="458788"/>
+          </a:xfrm>
+          <a:prstGeom prst="rect">
+            <a:avLst/>
+          </a:prstGeom>
+        </p:spPr>
+        <p:txBody>
+          <a:bodyPr vert="horz" lIns="91440" tIns="45720" rIns="91440" bIns="45720" rtlCol="0"/>
+          <a:lstStyle>
+            <a:lvl1pPr algn="l">
+              <a:defRPr sz="1200"/>
+            </a:lvl1pPr>
+          </a:lstStyle>
+          <a:p>
+            <a:endParaRPr lang="en-US"/>
+          </a:p>
+        </p:txBody>
+      </p:sp>
+      <p:sp>
+        <p:nvSpPr>
+          <p:cNvPr id="3" name="Date Placeholder 2"/>
+          <p:cNvSpPr>
+            <a:spLocks noGrp="1"/>
+          </p:cNvSpPr>
+          <p:nvPr>
+            <p:ph type="dt" idx="1"/>
+          </p:nvPr>
+        </p:nvSpPr>
+        <p:spPr>
+          <a:xfrm>
+            <a:off x="3884613" y="0"/>
+            <a:ext cx="2971800" cy="458788"/>
+          </a:xfrm>
+          <a:prstGeom prst="rect">
+            <a:avLst/>
+          </a:prstGeom>
+        </p:spPr>
+        <p:txBody>
+          <a:bodyPr vert="horz" lIns="91440" tIns="45720" rIns="91440" bIns="45720" rtlCol="0"/>
+          <a:lstStyle>
+            <a:lvl1pPr algn="r">
+              <a:defRPr sz="1200"/>
+            </a:lvl1pPr>
+          </a:lstStyle>
+          <a:p>
+            <a:fld id="{8A58DE4D-A0AB-4C34-ADD0-D1EFF8D91A83}" type="datetimeFigureOut">
+              <a:rPr lang="en-US" smtClean="0"/>
+              <a:t>8/11/2022</a:t>
+            </a:fld>
+            <a:endParaRPr lang="en-US"/>
+          </a:p>
+        </p:txBody>
+      </p:sp>
+      <p:sp>
+        <p:nvSpPr>
+          <p:cNvPr id="4" name="Slide Image Placeholder 3"/>
+          <p:cNvSpPr>
+            <a:spLocks noGrp="1" noRot="1" noChangeAspect="1"/>
+          </p:cNvSpPr>
+          <p:nvPr>
+            <p:ph type="sldImg" idx="2"/>
+          </p:nvPr>
+        </p:nvSpPr>
+        <p:spPr>
+          <a:xfrm>
+            <a:off x="685800" y="1143000"/>
+            <a:ext cx="5486400" cy="3086100"/>
+          </a:xfrm>
+          <a:prstGeom prst="rect">
+            <a:avLst/>
+          </a:prstGeom>
+          <a:noFill/>
+          <a:ln w="12700">
+            <a:solidFill>
+              <a:prstClr val="black"/>
+            </a:solidFill>
+          </a:ln>
+        </p:spPr>
+        <p:txBody>
+          <a:bodyPr vert="horz" lIns="91440" tIns="45720" rIns="91440" bIns="45720" rtlCol="0" anchor="ctr"/>
+          <a:lstStyle/>
+          <a:p>
+            <a:endParaRPr lang="en-US"/>
+          </a:p>
+        </p:txBody>
+      </p:sp>
+      <p:sp>
+        <p:nvSpPr>
+          <p:cNvPr id="5" name="Notes Placeholder 4"/>
+          <p:cNvSpPr>
+            <a:spLocks noGrp="1"/>
+          </p:cNvSpPr>
+          <p:nvPr>
+            <p:ph type="body" sz="quarter" idx="3"/>
+          </p:nvPr>
+        </p:nvSpPr>
+        <p:spPr>
+          <a:xfrm>
+            <a:off x="685800" y="4400550"/>
+            <a:ext cx="5486400" cy="3600450"/>
+          </a:xfrm>
+          <a:prstGeom prst="rect">
+            <a:avLst/>
+          </a:prstGeom>
+        </p:spPr>
+        <p:txBody>
+          <a:bodyPr vert="horz" lIns="91440" tIns="45720" rIns="91440" bIns="45720" rtlCol="0"/>
+          <a:lstStyle/>
+          <a:p>
+            <a:pPr lvl="0"/>
+            <a:r>
+              <a:rPr lang="en-US"/>
+              <a:t>Click to edit Master text styles</a:t>
+            </a:r>
+          </a:p>
+          <a:p>
+            <a:pPr lvl="1"/>
+            <a:r>
+              <a:rPr lang="en-US"/>
+              <a:t>Second level</a:t>
+            </a:r>
+          </a:p>
+          <a:p>
+            <a:pPr lvl="2"/>
+            <a:r>
+              <a:rPr lang="en-US"/>
+              <a:t>Third level</a:t>
+            </a:r>
+          </a:p>
+          <a:p>
+            <a:pPr lvl="3"/>
+            <a:r>
+              <a:rPr lang="en-US"/>
+              <a:t>Fourth level</a:t>
+            </a:r>
+          </a:p>
+          <a:p>
+            <a:pPr lvl="4"/>
+            <a:r>
+              <a:rPr lang="en-US"/>
+              <a:t>Fifth level</a:t>
+            </a:r>
+          </a:p>
+        </p:txBody>
+      </p:sp>
+      <p:sp>
+        <p:nvSpPr>
+          <p:cNvPr id="6" name="Footer Placeholder 5"/>
+          <p:cNvSpPr>
+            <a:spLocks noGrp="1"/>
+          </p:cNvSpPr>
+          <p:nvPr>
+            <p:ph type="ftr" sz="quarter" idx="4"/>
+          </p:nvPr>
+        </p:nvSpPr>
+        <p:spPr>
+          <a:xfrm>
+            <a:off x="0" y="8685213"/>
+            <a:ext cx="2971800" cy="458787"/>
+          </a:xfrm>
+          <a:prstGeom prst="rect">
+            <a:avLst/>
+          </a:prstGeom>
+        </p:spPr>
+        <p:txBody>
+          <a:bodyPr vert="horz" lIns="91440" tIns="45720" rIns="91440" bIns="45720" rtlCol="0" anchor="b"/>
+          <a:lstStyle>
+            <a:lvl1pPr algn="l">
+              <a:defRPr sz="1200"/>
+            </a:lvl1pPr>
+          </a:lstStyle>
+          <a:p>
+            <a:endParaRPr lang="en-US"/>
+          </a:p>
+        </p:txBody>
+      </p:sp>
+      <p:sp>
+        <p:nvSpPr>
+          <p:cNvPr id="7" name="Slide Number Placeholder 6"/>
+          <p:cNvSpPr>
+            <a:spLocks noGrp="1"/>
+          </p:cNvSpPr>
+          <p:nvPr>
+            <p:ph type="sldNum" sz="quarter" idx="5"/>
+          </p:nvPr>
+        </p:nvSpPr>
+        <p:spPr>
+          <a:xfrm>
+            <a:off x="3884613" y="8685213"/>
+            <a:ext cx="2971800" cy="458787"/>
+          </a:xfrm>
+          <a:prstGeom prst="rect">
+            <a:avLst/>
+          </a:prstGeom>
+        </p:spPr>
+        <p:txBody>
+          <a:bodyPr vert="horz" lIns="91440" tIns="45720" rIns="91440" bIns="45720" rtlCol="0" anchor="b"/>
+          <a:lstStyle>
+            <a:lvl1pPr algn="r">
+              <a:defRPr sz="1200"/>
+            </a:lvl1pPr>
+          </a:lstStyle>
+          <a:p>
+            <a:fld id="{0B655963-E52E-4547-AB8D-B7453ABDAA6F}" type="slidenum">
+              <a:rPr lang="en-US" smtClean="0"/>
+              <a:t>‹#›</a:t>
+            </a:fld>
+            <a:endParaRPr lang="en-US"/>
+          </a:p>
+        </p:txBody>
+      </p:sp>
+    </p:spTree>
+    <p:extLst>
+      <p:ext uri="{BB962C8B-B14F-4D97-AF65-F5344CB8AC3E}">
+        <p14:creationId xmlns:p14="http://schemas.microsoft.com/office/powerpoint/2010/main" val="558248759"/>
+      </p:ext>
+    </p:extLst>
+  </p:cSld>
+  <p:clrMap bg1="lt1" tx1="dk1" bg2="lt2" tx2="dk2" accent1="accent1" accent2="accent2" accent3="accent3" accent4="accent4" accent5="accent5" accent6="accent6" hlink="hlink" folHlink="folHlink"/>
+  <p:notesStyle>
+    <a:lvl1pPr marL="0" algn="l" defTabSz="914400" rtl="0" eaLnBrk="1" latinLnBrk="0" hangingPunct="1">
+      <a:defRPr sz="1200" kern="1200">
+        <a:solidFill>
+          <a:schemeClr val="tx1"/>
+        </a:solidFill>
+        <a:latin typeface="+mn-lt"/>
+        <a:ea typeface="+mn-ea"/>
+        <a:cs typeface="+mn-cs"/>
+      </a:defRPr>
+    </a:lvl1pPr>
+    <a:lvl2pPr marL="457200" algn="l" defTabSz="914400" rtl="0" eaLnBrk="1" latinLnBrk="0" hangingPunct="1">
+      <a:defRPr sz="1200" kern="1200">
+        <a:solidFill>
+          <a:schemeClr val="tx1"/>
+        </a:solidFill>
+        <a:latin typeface="+mn-lt"/>
+        <a:ea typeface="+mn-ea"/>
+        <a:cs typeface="+mn-cs"/>
+      </a:defRPr>
+    </a:lvl2pPr>
+    <a:lvl3pPr marL="914400" algn="l" defTabSz="914400" rtl="0" eaLnBrk="1" latinLnBrk="0" hangingPunct="1">
+      <a:defRPr sz="1200" kern="1200">
+        <a:solidFill>
+          <a:schemeClr val="tx1"/>
+        </a:solidFill>
+        <a:latin typeface="+mn-lt"/>
+        <a:ea typeface="+mn-ea"/>
+        <a:cs typeface="+mn-cs"/>
+      </a:defRPr>
+    </a:lvl3pPr>
+    <a:lvl4pPr marL="1371600" algn="l" defTabSz="914400" rtl="0" eaLnBrk="1" latinLnBrk="0" hangingPunct="1">
+      <a:defRPr sz="1200" kern="1200">
+        <a:solidFill>
+          <a:schemeClr val="tx1"/>
+        </a:solidFill>
+        <a:latin typeface="+mn-lt"/>
+        <a:ea typeface="+mn-ea"/>
+        <a:cs typeface="+mn-cs"/>
+      </a:defRPr>
+    </a:lvl4pPr>
+    <a:lvl5pPr marL="1828800" algn="l" defTabSz="914400" rtl="0" eaLnBrk="1" latinLnBrk="0" hangingPunct="1">
+      <a:defRPr sz="1200" kern="1200">
+        <a:solidFill>
+          <a:schemeClr val="tx1"/>
+        </a:solidFill>
+        <a:latin typeface="+mn-lt"/>
+        <a:ea typeface="+mn-ea"/>
+        <a:cs typeface="+mn-cs"/>
+      </a:defRPr>
+    </a:lvl5pPr>
+    <a:lvl6pPr marL="2286000" algn="l" defTabSz="914400" rtl="0" eaLnBrk="1" latinLnBrk="0" hangingPunct="1">
+      <a:defRPr sz="1200" kern="1200">
+        <a:solidFill>
+          <a:schemeClr val="tx1"/>
+        </a:solidFill>
+        <a:latin typeface="+mn-lt"/>
+        <a:ea typeface="+mn-ea"/>
+        <a:cs typeface="+mn-cs"/>
+      </a:defRPr>
+    </a:lvl6pPr>
+    <a:lvl7pPr marL="2743200" algn="l" defTabSz="914400" rtl="0" eaLnBrk="1" latinLnBrk="0" hangingPunct="1">
+      <a:defRPr sz="1200" kern="1200">
+        <a:solidFill>
+          <a:schemeClr val="tx1"/>
+        </a:solidFill>
+        <a:latin typeface="+mn-lt"/>
+        <a:ea typeface="+mn-ea"/>
+        <a:cs typeface="+mn-cs"/>
+      </a:defRPr>
+    </a:lvl7pPr>
+    <a:lvl8pPr marL="3200400" algn="l" defTabSz="914400" rtl="0" eaLnBrk="1" latinLnBrk="0" hangingPunct="1">
+      <a:defRPr sz="1200" kern="1200">
+        <a:solidFill>
+          <a:schemeClr val="tx1"/>
+        </a:solidFill>
+        <a:latin typeface="+mn-lt"/>
+        <a:ea typeface="+mn-ea"/>
+        <a:cs typeface="+mn-cs"/>
+      </a:defRPr>
+    </a:lvl8pPr>
+    <a:lvl9pPr marL="3657600" algn="l" defTabSz="914400" rtl="0" eaLnBrk="1" latinLnBrk="0" hangingPunct="1">
+      <a:defRPr sz="1200" kern="1200">
+        <a:solidFill>
+          <a:schemeClr val="tx1"/>
+        </a:solidFill>
+        <a:latin typeface="+mn-lt"/>
+        <a:ea typeface="+mn-ea"/>
+        <a:cs typeface="+mn-cs"/>
+      </a:defRPr>
+    </a:lvl9pPr>
+  </p:notesStyle>
+</p:notesMaster>
+</file>
+
+<file path=ppt/notesSlides/notesSlide1.xml><?xml version="1.0" encoding="utf-8"?>
+<p:notes xmlns:a="http://schemas.openxmlformats.org/drawingml/2006/main" xmlns:r="http://schemas.openxmlformats.org/officeDocument/2006/relationships" xmlns:p="http://schemas.openxmlformats.org/presentationml/2006/main">
+  <p:cSld>
+    <p:spTree>
+      <p:nvGrpSpPr>
+        <p:cNvPr id="1" name=""/>
+        <p:cNvGrpSpPr/>
+        <p:nvPr/>
+      </p:nvGrpSpPr>
+      <p:grpSpPr>
+        <a:xfrm>
+          <a:off x="0" y="0"/>
+          <a:ext cx="0" cy="0"/>
+          <a:chOff x="0" y="0"/>
+          <a:chExt cx="0" cy="0"/>
+        </a:xfrm>
+      </p:grpSpPr>
+      <p:sp>
+        <p:nvSpPr>
+          <p:cNvPr id="2" name="Slide Image Placeholder 1"/>
+          <p:cNvSpPr>
+            <a:spLocks noGrp="1" noRot="1" noChangeAspect="1"/>
+          </p:cNvSpPr>
+          <p:nvPr>
+            <p:ph type="sldImg"/>
+          </p:nvPr>
+        </p:nvSpPr>
+        <p:spPr/>
+      </p:sp>
+      <p:sp>
+        <p:nvSpPr>
+          <p:cNvPr id="3" name="Notes Placeholder 2"/>
+          <p:cNvSpPr>
+            <a:spLocks noGrp="1"/>
+          </p:cNvSpPr>
+          <p:nvPr>
+            <p:ph type="body" idx="1"/>
+          </p:nvPr>
+        </p:nvSpPr>
+        <p:spPr/>
+        <p:txBody>
+          <a:bodyPr/>
+          <a:lstStyle/>
+          <a:p>
+            <a:endParaRPr lang="en-US" dirty="0"/>
+          </a:p>
+        </p:txBody>
+      </p:sp>
+      <p:sp>
+        <p:nvSpPr>
+          <p:cNvPr id="4" name="Slide Number Placeholder 3"/>
+          <p:cNvSpPr>
+            <a:spLocks noGrp="1"/>
+          </p:cNvSpPr>
+          <p:nvPr>
+            <p:ph type="sldNum" sz="quarter" idx="5"/>
+          </p:nvPr>
+        </p:nvSpPr>
+        <p:spPr/>
+        <p:txBody>
+          <a:bodyPr/>
+          <a:lstStyle/>
+          <a:p>
+            <a:fld id="{0B655963-E52E-4547-AB8D-B7453ABDAA6F}" type="slidenum">
+              <a:rPr lang="en-US" smtClean="0"/>
+              <a:t>25</a:t>
+            </a:fld>
+            <a:endParaRPr lang="en-US"/>
+          </a:p>
+        </p:txBody>
+      </p:sp>
+    </p:spTree>
+    <p:extLst>
+      <p:ext uri="{BB962C8B-B14F-4D97-AF65-F5344CB8AC3E}">
+        <p14:creationId xmlns:p14="http://schemas.microsoft.com/office/powerpoint/2010/main" val="2509097972"/>
+      </p:ext>
+    </p:extLst>
+  </p:cSld>
+  <p:clrMapOvr>
+    <a:masterClrMapping/>
+  </p:clrMapOvr>
+</p:notes>
 </file>
 
 <file path=ppt/slideLayouts/slideLayout1.xml><?xml version="1.0" encoding="utf-8"?>
@@ -175,7 +622,6 @@
               <a:rPr lang="en-US"/>
               <a:t>Click to edit Master title style</a:t>
             </a:r>
-            <a:endParaRPr lang="en-US"/>
           </a:p>
         </p:txBody>
       </p:sp>
@@ -240,7 +686,6 @@
               <a:rPr lang="en-US"/>
               <a:t>Click to edit Master subtitle style</a:t>
             </a:r>
-            <a:endParaRPr lang="en-US"/>
           </a:p>
         </p:txBody>
       </p:sp>
@@ -261,6 +706,7 @@
           <a:p>
             <a:fld id="{9AC883AB-B805-4728-A1D9-B04B5F8ABBB7}" type="datetimeFigureOut">
               <a:rPr lang="en-US" smtClean="0"/>
+              <a:t>8/11/2022</a:t>
             </a:fld>
             <a:endParaRPr lang="en-US"/>
           </a:p>
@@ -302,6 +748,7 @@
           <a:p>
             <a:fld id="{C9226A55-B2EB-47D1-9C6D-4BF64E17C388}" type="slidenum">
               <a:rPr lang="en-US" smtClean="0"/>
+              <a:t>‹#›</a:t>
             </a:fld>
             <a:endParaRPr lang="en-US"/>
           </a:p>
@@ -351,7 +798,6 @@
               <a:rPr lang="en-US"/>
               <a:t>Click to edit Master title style</a:t>
             </a:r>
-            <a:endParaRPr lang="en-US"/>
           </a:p>
         </p:txBody>
       </p:sp>
@@ -375,7 +821,6 @@
               <a:rPr lang="en-US"/>
               <a:t>Click to edit Master text styles</a:t>
             </a:r>
-            <a:endParaRPr lang="en-US"/>
           </a:p>
           <a:p>
             <a:pPr lvl="1"/>
@@ -383,7 +828,6 @@
               <a:rPr lang="en-US"/>
               <a:t>Second level</a:t>
             </a:r>
-            <a:endParaRPr lang="en-US"/>
           </a:p>
           <a:p>
             <a:pPr lvl="2"/>
@@ -391,7 +835,6 @@
               <a:rPr lang="en-US"/>
               <a:t>Third level</a:t>
             </a:r>
-            <a:endParaRPr lang="en-US"/>
           </a:p>
           <a:p>
             <a:pPr lvl="3"/>
@@ -399,7 +842,6 @@
               <a:rPr lang="en-US"/>
               <a:t>Fourth level</a:t>
             </a:r>
-            <a:endParaRPr lang="en-US"/>
           </a:p>
           <a:p>
             <a:pPr lvl="4"/>
@@ -407,7 +849,6 @@
               <a:rPr lang="en-US"/>
               <a:t>Fifth level</a:t>
             </a:r>
-            <a:endParaRPr lang="en-US"/>
           </a:p>
         </p:txBody>
       </p:sp>
@@ -428,6 +869,7 @@
           <a:p>
             <a:fld id="{9AC883AB-B805-4728-A1D9-B04B5F8ABBB7}" type="datetimeFigureOut">
               <a:rPr lang="en-US" smtClean="0"/>
+              <a:t>8/11/2022</a:t>
             </a:fld>
             <a:endParaRPr lang="en-US"/>
           </a:p>
@@ -469,6 +911,7 @@
           <a:p>
             <a:fld id="{C9226A55-B2EB-47D1-9C6D-4BF64E17C388}" type="slidenum">
               <a:rPr lang="en-US" smtClean="0"/>
+              <a:t>‹#›</a:t>
             </a:fld>
             <a:endParaRPr lang="en-US"/>
           </a:p>
@@ -523,7 +966,6 @@
               <a:rPr lang="en-US"/>
               <a:t>Click to edit Master title style</a:t>
             </a:r>
-            <a:endParaRPr lang="en-US"/>
           </a:p>
         </p:txBody>
       </p:sp>
@@ -552,7 +994,6 @@
               <a:rPr lang="en-US"/>
               <a:t>Click to edit Master text styles</a:t>
             </a:r>
-            <a:endParaRPr lang="en-US"/>
           </a:p>
           <a:p>
             <a:pPr lvl="1"/>
@@ -560,7 +1001,6 @@
               <a:rPr lang="en-US"/>
               <a:t>Second level</a:t>
             </a:r>
-            <a:endParaRPr lang="en-US"/>
           </a:p>
           <a:p>
             <a:pPr lvl="2"/>
@@ -568,7 +1008,6 @@
               <a:rPr lang="en-US"/>
               <a:t>Third level</a:t>
             </a:r>
-            <a:endParaRPr lang="en-US"/>
           </a:p>
           <a:p>
             <a:pPr lvl="3"/>
@@ -576,7 +1015,6 @@
               <a:rPr lang="en-US"/>
               <a:t>Fourth level</a:t>
             </a:r>
-            <a:endParaRPr lang="en-US"/>
           </a:p>
           <a:p>
             <a:pPr lvl="4"/>
@@ -584,7 +1022,6 @@
               <a:rPr lang="en-US"/>
               <a:t>Fifth level</a:t>
             </a:r>
-            <a:endParaRPr lang="en-US"/>
           </a:p>
         </p:txBody>
       </p:sp>
@@ -605,6 +1042,7 @@
           <a:p>
             <a:fld id="{9AC883AB-B805-4728-A1D9-B04B5F8ABBB7}" type="datetimeFigureOut">
               <a:rPr lang="en-US" smtClean="0"/>
+              <a:t>8/11/2022</a:t>
             </a:fld>
             <a:endParaRPr lang="en-US"/>
           </a:p>
@@ -646,6 +1084,7 @@
           <a:p>
             <a:fld id="{C9226A55-B2EB-47D1-9C6D-4BF64E17C388}" type="slidenum">
               <a:rPr lang="en-US" smtClean="0"/>
+              <a:t>‹#›</a:t>
             </a:fld>
             <a:endParaRPr lang="en-US"/>
           </a:p>
@@ -695,7 +1134,6 @@
               <a:rPr lang="en-US"/>
               <a:t>Click to edit Master title style</a:t>
             </a:r>
-            <a:endParaRPr lang="en-US"/>
           </a:p>
         </p:txBody>
       </p:sp>
@@ -719,7 +1157,6 @@
               <a:rPr lang="en-US"/>
               <a:t>Click to edit Master text styles</a:t>
             </a:r>
-            <a:endParaRPr lang="en-US"/>
           </a:p>
           <a:p>
             <a:pPr lvl="1"/>
@@ -727,7 +1164,6 @@
               <a:rPr lang="en-US"/>
               <a:t>Second level</a:t>
             </a:r>
-            <a:endParaRPr lang="en-US"/>
           </a:p>
           <a:p>
             <a:pPr lvl="2"/>
@@ -735,7 +1171,6 @@
               <a:rPr lang="en-US"/>
               <a:t>Third level</a:t>
             </a:r>
-            <a:endParaRPr lang="en-US"/>
           </a:p>
           <a:p>
             <a:pPr lvl="3"/>
@@ -743,7 +1178,6 @@
               <a:rPr lang="en-US"/>
               <a:t>Fourth level</a:t>
             </a:r>
-            <a:endParaRPr lang="en-US"/>
           </a:p>
           <a:p>
             <a:pPr lvl="4"/>
@@ -751,7 +1185,6 @@
               <a:rPr lang="en-US"/>
               <a:t>Fifth level</a:t>
             </a:r>
-            <a:endParaRPr lang="en-US"/>
           </a:p>
         </p:txBody>
       </p:sp>
@@ -772,6 +1205,7 @@
           <a:p>
             <a:fld id="{9AC883AB-B805-4728-A1D9-B04B5F8ABBB7}" type="datetimeFigureOut">
               <a:rPr lang="en-US" smtClean="0"/>
+              <a:t>8/11/2022</a:t>
             </a:fld>
             <a:endParaRPr lang="en-US"/>
           </a:p>
@@ -813,6 +1247,7 @@
           <a:p>
             <a:fld id="{C9226A55-B2EB-47D1-9C6D-4BF64E17C388}" type="slidenum">
               <a:rPr lang="en-US" smtClean="0"/>
+              <a:t>‹#›</a:t>
             </a:fld>
             <a:endParaRPr lang="en-US"/>
           </a:p>
@@ -871,7 +1306,6 @@
               <a:rPr lang="en-US"/>
               <a:t>Click to edit Master title style</a:t>
             </a:r>
-            <a:endParaRPr lang="en-US"/>
           </a:p>
         </p:txBody>
       </p:sp>
@@ -991,7 +1425,6 @@
               <a:rPr lang="en-US"/>
               <a:t>Click to edit Master text styles</a:t>
             </a:r>
-            <a:endParaRPr lang="en-US"/>
           </a:p>
         </p:txBody>
       </p:sp>
@@ -1012,6 +1445,7 @@
           <a:p>
             <a:fld id="{9AC883AB-B805-4728-A1D9-B04B5F8ABBB7}" type="datetimeFigureOut">
               <a:rPr lang="en-US" smtClean="0"/>
+              <a:t>8/11/2022</a:t>
             </a:fld>
             <a:endParaRPr lang="en-US"/>
           </a:p>
@@ -1053,6 +1487,7 @@
           <a:p>
             <a:fld id="{C9226A55-B2EB-47D1-9C6D-4BF64E17C388}" type="slidenum">
               <a:rPr lang="en-US" smtClean="0"/>
+              <a:t>‹#›</a:t>
             </a:fld>
             <a:endParaRPr lang="en-US"/>
           </a:p>
@@ -1102,7 +1537,6 @@
               <a:rPr lang="en-US"/>
               <a:t>Click to edit Master title style</a:t>
             </a:r>
-            <a:endParaRPr lang="en-US"/>
           </a:p>
         </p:txBody>
       </p:sp>
@@ -1131,7 +1565,6 @@
               <a:rPr lang="en-US"/>
               <a:t>Click to edit Master text styles</a:t>
             </a:r>
-            <a:endParaRPr lang="en-US"/>
           </a:p>
           <a:p>
             <a:pPr lvl="1"/>
@@ -1139,7 +1572,6 @@
               <a:rPr lang="en-US"/>
               <a:t>Second level</a:t>
             </a:r>
-            <a:endParaRPr lang="en-US"/>
           </a:p>
           <a:p>
             <a:pPr lvl="2"/>
@@ -1147,7 +1579,6 @@
               <a:rPr lang="en-US"/>
               <a:t>Third level</a:t>
             </a:r>
-            <a:endParaRPr lang="en-US"/>
           </a:p>
           <a:p>
             <a:pPr lvl="3"/>
@@ -1155,7 +1586,6 @@
               <a:rPr lang="en-US"/>
               <a:t>Fourth level</a:t>
             </a:r>
-            <a:endParaRPr lang="en-US"/>
           </a:p>
           <a:p>
             <a:pPr lvl="4"/>
@@ -1163,7 +1593,6 @@
               <a:rPr lang="en-US"/>
               <a:t>Fifth level</a:t>
             </a:r>
-            <a:endParaRPr lang="en-US"/>
           </a:p>
         </p:txBody>
       </p:sp>
@@ -1192,7 +1621,6 @@
               <a:rPr lang="en-US"/>
               <a:t>Click to edit Master text styles</a:t>
             </a:r>
-            <a:endParaRPr lang="en-US"/>
           </a:p>
           <a:p>
             <a:pPr lvl="1"/>
@@ -1200,7 +1628,6 @@
               <a:rPr lang="en-US"/>
               <a:t>Second level</a:t>
             </a:r>
-            <a:endParaRPr lang="en-US"/>
           </a:p>
           <a:p>
             <a:pPr lvl="2"/>
@@ -1208,7 +1635,6 @@
               <a:rPr lang="en-US"/>
               <a:t>Third level</a:t>
             </a:r>
-            <a:endParaRPr lang="en-US"/>
           </a:p>
           <a:p>
             <a:pPr lvl="3"/>
@@ -1216,7 +1642,6 @@
               <a:rPr lang="en-US"/>
               <a:t>Fourth level</a:t>
             </a:r>
-            <a:endParaRPr lang="en-US"/>
           </a:p>
           <a:p>
             <a:pPr lvl="4"/>
@@ -1224,7 +1649,6 @@
               <a:rPr lang="en-US"/>
               <a:t>Fifth level</a:t>
             </a:r>
-            <a:endParaRPr lang="en-US"/>
           </a:p>
         </p:txBody>
       </p:sp>
@@ -1245,6 +1669,7 @@
           <a:p>
             <a:fld id="{9AC883AB-B805-4728-A1D9-B04B5F8ABBB7}" type="datetimeFigureOut">
               <a:rPr lang="en-US" smtClean="0"/>
+              <a:t>8/11/2022</a:t>
             </a:fld>
             <a:endParaRPr lang="en-US"/>
           </a:p>
@@ -1286,6 +1711,7 @@
           <a:p>
             <a:fld id="{C9226A55-B2EB-47D1-9C6D-4BF64E17C388}" type="slidenum">
               <a:rPr lang="en-US" smtClean="0"/>
+              <a:t>‹#›</a:t>
             </a:fld>
             <a:endParaRPr lang="en-US"/>
           </a:p>
@@ -1340,7 +1766,6 @@
               <a:rPr lang="en-US"/>
               <a:t>Click to edit Master title style</a:t>
             </a:r>
-            <a:endParaRPr lang="en-US"/>
           </a:p>
         </p:txBody>
       </p:sp>
@@ -1406,7 +1831,6 @@
               <a:rPr lang="en-US"/>
               <a:t>Click to edit Master text styles</a:t>
             </a:r>
-            <a:endParaRPr lang="en-US"/>
           </a:p>
         </p:txBody>
       </p:sp>
@@ -1435,7 +1859,6 @@
               <a:rPr lang="en-US"/>
               <a:t>Click to edit Master text styles</a:t>
             </a:r>
-            <a:endParaRPr lang="en-US"/>
           </a:p>
           <a:p>
             <a:pPr lvl="1"/>
@@ -1443,7 +1866,6 @@
               <a:rPr lang="en-US"/>
               <a:t>Second level</a:t>
             </a:r>
-            <a:endParaRPr lang="en-US"/>
           </a:p>
           <a:p>
             <a:pPr lvl="2"/>
@@ -1451,7 +1873,6 @@
               <a:rPr lang="en-US"/>
               <a:t>Third level</a:t>
             </a:r>
-            <a:endParaRPr lang="en-US"/>
           </a:p>
           <a:p>
             <a:pPr lvl="3"/>
@@ -1459,7 +1880,6 @@
               <a:rPr lang="en-US"/>
               <a:t>Fourth level</a:t>
             </a:r>
-            <a:endParaRPr lang="en-US"/>
           </a:p>
           <a:p>
             <a:pPr lvl="4"/>
@@ -1467,7 +1887,6 @@
               <a:rPr lang="en-US"/>
               <a:t>Fifth level</a:t>
             </a:r>
-            <a:endParaRPr lang="en-US"/>
           </a:p>
         </p:txBody>
       </p:sp>
@@ -1533,7 +1952,6 @@
               <a:rPr lang="en-US"/>
               <a:t>Click to edit Master text styles</a:t>
             </a:r>
-            <a:endParaRPr lang="en-US"/>
           </a:p>
         </p:txBody>
       </p:sp>
@@ -1562,7 +1980,6 @@
               <a:rPr lang="en-US"/>
               <a:t>Click to edit Master text styles</a:t>
             </a:r>
-            <a:endParaRPr lang="en-US"/>
           </a:p>
           <a:p>
             <a:pPr lvl="1"/>
@@ -1570,7 +1987,6 @@
               <a:rPr lang="en-US"/>
               <a:t>Second level</a:t>
             </a:r>
-            <a:endParaRPr lang="en-US"/>
           </a:p>
           <a:p>
             <a:pPr lvl="2"/>
@@ -1578,7 +1994,6 @@
               <a:rPr lang="en-US"/>
               <a:t>Third level</a:t>
             </a:r>
-            <a:endParaRPr lang="en-US"/>
           </a:p>
           <a:p>
             <a:pPr lvl="3"/>
@@ -1586,7 +2001,6 @@
               <a:rPr lang="en-US"/>
               <a:t>Fourth level</a:t>
             </a:r>
-            <a:endParaRPr lang="en-US"/>
           </a:p>
           <a:p>
             <a:pPr lvl="4"/>
@@ -1594,7 +2008,6 @@
               <a:rPr lang="en-US"/>
               <a:t>Fifth level</a:t>
             </a:r>
-            <a:endParaRPr lang="en-US"/>
           </a:p>
         </p:txBody>
       </p:sp>
@@ -1615,6 +2028,7 @@
           <a:p>
             <a:fld id="{9AC883AB-B805-4728-A1D9-B04B5F8ABBB7}" type="datetimeFigureOut">
               <a:rPr lang="en-US" smtClean="0"/>
+              <a:t>8/11/2022</a:t>
             </a:fld>
             <a:endParaRPr lang="en-US"/>
           </a:p>
@@ -1656,6 +2070,7 @@
           <a:p>
             <a:fld id="{C9226A55-B2EB-47D1-9C6D-4BF64E17C388}" type="slidenum">
               <a:rPr lang="en-US" smtClean="0"/>
+              <a:t>‹#›</a:t>
             </a:fld>
             <a:endParaRPr lang="en-US"/>
           </a:p>
@@ -1705,7 +2120,6 @@
               <a:rPr lang="en-US"/>
               <a:t>Click to edit Master title style</a:t>
             </a:r>
-            <a:endParaRPr lang="en-US"/>
           </a:p>
         </p:txBody>
       </p:sp>
@@ -1726,6 +2140,7 @@
           <a:p>
             <a:fld id="{9AC883AB-B805-4728-A1D9-B04B5F8ABBB7}" type="datetimeFigureOut">
               <a:rPr lang="en-US" smtClean="0"/>
+              <a:t>8/11/2022</a:t>
             </a:fld>
             <a:endParaRPr lang="en-US"/>
           </a:p>
@@ -1767,6 +2182,7 @@
           <a:p>
             <a:fld id="{C9226A55-B2EB-47D1-9C6D-4BF64E17C388}" type="slidenum">
               <a:rPr lang="en-US" smtClean="0"/>
+              <a:t>‹#›</a:t>
             </a:fld>
             <a:endParaRPr lang="en-US"/>
           </a:p>
@@ -1814,6 +2230,7 @@
           <a:p>
             <a:fld id="{9AC883AB-B805-4728-A1D9-B04B5F8ABBB7}" type="datetimeFigureOut">
               <a:rPr lang="en-US" smtClean="0"/>
+              <a:t>8/11/2022</a:t>
             </a:fld>
             <a:endParaRPr lang="en-US"/>
           </a:p>
@@ -1855,6 +2272,7 @@
           <a:p>
             <a:fld id="{C9226A55-B2EB-47D1-9C6D-4BF64E17C388}" type="slidenum">
               <a:rPr lang="en-US" smtClean="0"/>
+              <a:t>‹#›</a:t>
             </a:fld>
             <a:endParaRPr lang="en-US"/>
           </a:p>
@@ -1913,7 +2331,6 @@
               <a:rPr lang="en-US"/>
               <a:t>Click to edit Master title style</a:t>
             </a:r>
-            <a:endParaRPr lang="en-US"/>
           </a:p>
         </p:txBody>
       </p:sp>
@@ -1970,7 +2387,6 @@
               <a:rPr lang="en-US"/>
               <a:t>Click to edit Master text styles</a:t>
             </a:r>
-            <a:endParaRPr lang="en-US"/>
           </a:p>
           <a:p>
             <a:pPr lvl="1"/>
@@ -1978,7 +2394,6 @@
               <a:rPr lang="en-US"/>
               <a:t>Second level</a:t>
             </a:r>
-            <a:endParaRPr lang="en-US"/>
           </a:p>
           <a:p>
             <a:pPr lvl="2"/>
@@ -1986,7 +2401,6 @@
               <a:rPr lang="en-US"/>
               <a:t>Third level</a:t>
             </a:r>
-            <a:endParaRPr lang="en-US"/>
           </a:p>
           <a:p>
             <a:pPr lvl="3"/>
@@ -1994,7 +2408,6 @@
               <a:rPr lang="en-US"/>
               <a:t>Fourth level</a:t>
             </a:r>
-            <a:endParaRPr lang="en-US"/>
           </a:p>
           <a:p>
             <a:pPr lvl="4"/>
@@ -2002,7 +2415,6 @@
               <a:rPr lang="en-US"/>
               <a:t>Fifth level</a:t>
             </a:r>
-            <a:endParaRPr lang="en-US"/>
           </a:p>
         </p:txBody>
       </p:sp>
@@ -2068,7 +2480,6 @@
               <a:rPr lang="en-US"/>
               <a:t>Click to edit Master text styles</a:t>
             </a:r>
-            <a:endParaRPr lang="en-US"/>
           </a:p>
         </p:txBody>
       </p:sp>
@@ -2089,6 +2500,7 @@
           <a:p>
             <a:fld id="{9AC883AB-B805-4728-A1D9-B04B5F8ABBB7}" type="datetimeFigureOut">
               <a:rPr lang="en-US" smtClean="0"/>
+              <a:t>8/11/2022</a:t>
             </a:fld>
             <a:endParaRPr lang="en-US"/>
           </a:p>
@@ -2130,6 +2542,7 @@
           <a:p>
             <a:fld id="{C9226A55-B2EB-47D1-9C6D-4BF64E17C388}" type="slidenum">
               <a:rPr lang="en-US" smtClean="0"/>
+              <a:t>‹#›</a:t>
             </a:fld>
             <a:endParaRPr lang="en-US"/>
           </a:p>
@@ -2188,7 +2601,6 @@
               <a:rPr lang="en-US"/>
               <a:t>Click to edit Master title style</a:t>
             </a:r>
-            <a:endParaRPr lang="en-US"/>
           </a:p>
         </p:txBody>
       </p:sp>
@@ -2315,7 +2727,6 @@
               <a:rPr lang="en-US"/>
               <a:t>Click to edit Master text styles</a:t>
             </a:r>
-            <a:endParaRPr lang="en-US"/>
           </a:p>
         </p:txBody>
       </p:sp>
@@ -2336,6 +2747,7 @@
           <a:p>
             <a:fld id="{9AC883AB-B805-4728-A1D9-B04B5F8ABBB7}" type="datetimeFigureOut">
               <a:rPr lang="en-US" smtClean="0"/>
+              <a:t>8/11/2022</a:t>
             </a:fld>
             <a:endParaRPr lang="en-US"/>
           </a:p>
@@ -2377,6 +2789,7 @@
           <a:p>
             <a:fld id="{C9226A55-B2EB-47D1-9C6D-4BF64E17C388}" type="slidenum">
               <a:rPr lang="en-US" smtClean="0"/>
+              <a:t>‹#›</a:t>
             </a:fld>
             <a:endParaRPr lang="en-US"/>
           </a:p>
@@ -2441,7 +2854,6 @@
               <a:rPr lang="en-US"/>
               <a:t>Click to edit Master title style</a:t>
             </a:r>
-            <a:endParaRPr lang="en-US"/>
           </a:p>
         </p:txBody>
       </p:sp>
@@ -2475,7 +2887,6 @@
               <a:rPr lang="en-US"/>
               <a:t>Click to edit Master text styles</a:t>
             </a:r>
-            <a:endParaRPr lang="en-US"/>
           </a:p>
           <a:p>
             <a:pPr lvl="1"/>
@@ -2483,7 +2894,6 @@
               <a:rPr lang="en-US"/>
               <a:t>Second level</a:t>
             </a:r>
-            <a:endParaRPr lang="en-US"/>
           </a:p>
           <a:p>
             <a:pPr lvl="2"/>
@@ -2491,7 +2901,6 @@
               <a:rPr lang="en-US"/>
               <a:t>Third level</a:t>
             </a:r>
-            <a:endParaRPr lang="en-US"/>
           </a:p>
           <a:p>
             <a:pPr lvl="3"/>
@@ -2499,7 +2908,6 @@
               <a:rPr lang="en-US"/>
               <a:t>Fourth level</a:t>
             </a:r>
-            <a:endParaRPr lang="en-US"/>
           </a:p>
           <a:p>
             <a:pPr lvl="4"/>
@@ -2507,7 +2915,6 @@
               <a:rPr lang="en-US"/>
               <a:t>Fifth level</a:t>
             </a:r>
-            <a:endParaRPr lang="en-US"/>
           </a:p>
         </p:txBody>
       </p:sp>
@@ -2546,6 +2953,7 @@
           <a:p>
             <a:fld id="{9AC883AB-B805-4728-A1D9-B04B5F8ABBB7}" type="datetimeFigureOut">
               <a:rPr lang="en-US" smtClean="0"/>
+              <a:t>8/11/2022</a:t>
             </a:fld>
             <a:endParaRPr lang="en-US"/>
           </a:p>
@@ -2623,6 +3031,7 @@
           <a:p>
             <a:fld id="{C9226A55-B2EB-47D1-9C6D-4BF64E17C388}" type="slidenum">
               <a:rPr lang="en-US" smtClean="0"/>
+              <a:t>‹#›</a:t>
             </a:fld>
             <a:endParaRPr lang="en-US"/>
           </a:p>
@@ -2978,15 +3387,6 @@
               </a:rPr>
               <a:t>INVENTORY MANAGEMENT SYSTEM</a:t>
             </a:r>
-            <a:endParaRPr lang="en-US" sz="2400" b="1" dirty="0">
-              <a:solidFill>
-                <a:schemeClr val="accent1">
-                  <a:lumMod val="75000"/>
-                </a:schemeClr>
-              </a:solidFill>
-              <a:latin typeface="Roboto" panose="02000000000000000000" pitchFamily="2" charset="0"/>
-              <a:ea typeface="Roboto" panose="02000000000000000000" pitchFamily="2" charset="0"/>
-            </a:endParaRPr>
           </a:p>
         </p:txBody>
       </p:sp>
@@ -3024,21 +3424,18 @@
               <a:rPr lang="en-US" dirty="0"/>
               <a:t>. </a:t>
             </a:r>
-            <a:endParaRPr lang="en-US" dirty="0"/>
           </a:p>
           <a:p>
             <a:r>
               <a:rPr lang="en-US" dirty="0"/>
               <a:t>This includes the management of raw materials, components, and finished products, as well as warehousing </a:t>
             </a:r>
-            <a:endParaRPr lang="en-US" dirty="0"/>
           </a:p>
           <a:p>
             <a:r>
               <a:rPr lang="en-US" dirty="0"/>
               <a:t>and processing of such items.</a:t>
             </a:r>
-            <a:endParaRPr lang="en-US" dirty="0"/>
           </a:p>
         </p:txBody>
       </p:sp>
@@ -3491,8 +3888,20 @@
                 <a:tableStyleId>{5C22544A-7EE6-4342-B048-85BDC9FD1C3A}</a:tableStyleId>
               </a:tblPr>
               <a:tblGrid>
-                <a:gridCol w="1433521"/>
-                <a:gridCol w="2502012"/>
+                <a:gridCol w="1433521">
+                  <a:extLst>
+                    <a:ext uri="{9D8B030D-6E8A-4147-A177-3AD203B41FA5}">
+                      <a16:colId xmlns:a16="http://schemas.microsoft.com/office/drawing/2014/main" val="20000"/>
+                    </a:ext>
+                  </a:extLst>
+                </a:gridCol>
+                <a:gridCol w="2502012">
+                  <a:extLst>
+                    <a:ext uri="{9D8B030D-6E8A-4147-A177-3AD203B41FA5}">
+                      <a16:colId xmlns:a16="http://schemas.microsoft.com/office/drawing/2014/main" val="20001"/>
+                    </a:ext>
+                  </a:extLst>
+                </a:gridCol>
               </a:tblGrid>
               <a:tr h="370840">
                 <a:tc gridSpan="2">
@@ -3504,14 +3913,25 @@
                         <a:rPr lang="en-US" sz="1400" b="0" dirty="0"/>
                         <a:t>Categories  Data Collection </a:t>
                       </a:r>
-                      <a:endParaRPr lang="en-US" sz="1400" b="0" dirty="0"/>
                     </a:p>
                   </a:txBody>
                   <a:tcPr/>
                 </a:tc>
                 <a:tc hMerge="1">
-                  <a:tcPr/>
-                </a:tc>
+                  <a:txBody>
+                    <a:bodyPr/>
+                    <a:lstStyle/>
+                    <a:p>
+                      <a:endParaRPr lang="en-US"/>
+                    </a:p>
+                  </a:txBody>
+                  <a:tcPr/>
+                </a:tc>
+                <a:extLst>
+                  <a:ext uri="{0D108BD9-81ED-4DB2-BD59-A6C34878D82A}">
+                    <a16:rowId xmlns:a16="http://schemas.microsoft.com/office/drawing/2014/main" val="10000"/>
+                  </a:ext>
+                </a:extLst>
               </a:tr>
               <a:tr h="370840">
                 <a:tc>
@@ -3523,7 +3943,6 @@
                         <a:rPr lang="en-US" sz="1400" b="1" dirty="0"/>
                         <a:t>_id</a:t>
                       </a:r>
-                      <a:endParaRPr lang="en-US" sz="1400" b="1" dirty="0"/>
                     </a:p>
                   </a:txBody>
                   <a:tcPr/>
@@ -3541,11 +3960,15 @@
                         <a:rPr lang="en-US" sz="1400" b="1" dirty="0"/>
                         <a:t> (Primary Key)</a:t>
                       </a:r>
-                      <a:endParaRPr lang="en-US" sz="1400" b="1" dirty="0"/>
-                    </a:p>
-                  </a:txBody>
-                  <a:tcPr/>
-                </a:tc>
+                    </a:p>
+                  </a:txBody>
+                  <a:tcPr/>
+                </a:tc>
+                <a:extLst>
+                  <a:ext uri="{0D108BD9-81ED-4DB2-BD59-A6C34878D82A}">
+                    <a16:rowId xmlns:a16="http://schemas.microsoft.com/office/drawing/2014/main" val="10001"/>
+                  </a:ext>
+                </a:extLst>
               </a:tr>
               <a:tr h="370840">
                 <a:tc>
@@ -3604,6 +4027,11 @@
                   </a:txBody>
                   <a:tcPr/>
                 </a:tc>
+                <a:extLst>
+                  <a:ext uri="{0D108BD9-81ED-4DB2-BD59-A6C34878D82A}">
+                    <a16:rowId xmlns:a16="http://schemas.microsoft.com/office/drawing/2014/main" val="10002"/>
+                  </a:ext>
+                </a:extLst>
               </a:tr>
               <a:tr h="370840">
                 <a:tc>
@@ -3650,6 +4078,11 @@
                   </a:txBody>
                   <a:tcPr/>
                 </a:tc>
+                <a:extLst>
+                  <a:ext uri="{0D108BD9-81ED-4DB2-BD59-A6C34878D82A}">
+                    <a16:rowId xmlns:a16="http://schemas.microsoft.com/office/drawing/2014/main" val="10003"/>
+                  </a:ext>
+                </a:extLst>
               </a:tr>
               <a:tr h="370840">
                 <a:tc>
@@ -3696,6 +4129,11 @@
                   </a:txBody>
                   <a:tcPr/>
                 </a:tc>
+                <a:extLst>
+                  <a:ext uri="{0D108BD9-81ED-4DB2-BD59-A6C34878D82A}">
+                    <a16:rowId xmlns:a16="http://schemas.microsoft.com/office/drawing/2014/main" val="10004"/>
+                  </a:ext>
+                </a:extLst>
               </a:tr>
             </a:tbl>
           </a:graphicData>
@@ -3733,10 +4171,6 @@
               </a:rPr>
               <a:t>New product create </a:t>
             </a:r>
-            <a:endParaRPr lang="en-US" sz="1400" dirty="0">
-              <a:latin typeface="Roboto" panose="02000000000000000000" pitchFamily="2" charset="0"/>
-              <a:ea typeface="Roboto" panose="02000000000000000000" pitchFamily="2" charset="0"/>
-            </a:endParaRPr>
           </a:p>
           <a:p>
             <a:pPr marL="342900" indent="-342900">
@@ -3749,10 +4183,6 @@
               </a:rPr>
               <a:t>Product update </a:t>
             </a:r>
-            <a:endParaRPr lang="en-US" sz="1400" dirty="0">
-              <a:latin typeface="Roboto" panose="02000000000000000000" pitchFamily="2" charset="0"/>
-              <a:ea typeface="Roboto" panose="02000000000000000000" pitchFamily="2" charset="0"/>
-            </a:endParaRPr>
           </a:p>
           <a:p>
             <a:pPr marL="342900" indent="-342900">
@@ -3765,10 +4195,6 @@
               </a:rPr>
               <a:t>Read/search/filter product list </a:t>
             </a:r>
-            <a:endParaRPr lang="en-US" sz="1400" dirty="0">
-              <a:latin typeface="Roboto" panose="02000000000000000000" pitchFamily="2" charset="0"/>
-              <a:ea typeface="Roboto" panose="02000000000000000000" pitchFamily="2" charset="0"/>
-            </a:endParaRPr>
           </a:p>
           <a:p>
             <a:pPr marL="342900" indent="-342900">
@@ -3781,10 +4207,6 @@
               </a:rPr>
               <a:t>Can delete product item if never used </a:t>
             </a:r>
-            <a:endParaRPr lang="en-US" sz="1400" dirty="0">
-              <a:latin typeface="Roboto" panose="02000000000000000000" pitchFamily="2" charset="0"/>
-              <a:ea typeface="Roboto" panose="02000000000000000000" pitchFamily="2" charset="0"/>
-            </a:endParaRPr>
           </a:p>
           <a:p>
             <a:pPr marL="342900" indent="-342900">
@@ -3797,10 +4219,6 @@
               </a:rPr>
               <a:t>Can’t delete product if exist with any other’s sells/purchase/return  </a:t>
             </a:r>
-            <a:endParaRPr lang="en-US" sz="1400" dirty="0">
-              <a:latin typeface="Roboto" panose="02000000000000000000" pitchFamily="2" charset="0"/>
-              <a:ea typeface="Roboto" panose="02000000000000000000" pitchFamily="2" charset="0"/>
-            </a:endParaRPr>
           </a:p>
         </p:txBody>
       </p:sp>
@@ -3823,8 +4241,20 @@
                 <a:tableStyleId>{5C22544A-7EE6-4342-B048-85BDC9FD1C3A}</a:tableStyleId>
               </a:tblPr>
               <a:tblGrid>
-                <a:gridCol w="1433521"/>
-                <a:gridCol w="2502012"/>
+                <a:gridCol w="1433521">
+                  <a:extLst>
+                    <a:ext uri="{9D8B030D-6E8A-4147-A177-3AD203B41FA5}">
+                      <a16:colId xmlns:a16="http://schemas.microsoft.com/office/drawing/2014/main" val="20000"/>
+                    </a:ext>
+                  </a:extLst>
+                </a:gridCol>
+                <a:gridCol w="2502012">
+                  <a:extLst>
+                    <a:ext uri="{9D8B030D-6E8A-4147-A177-3AD203B41FA5}">
+                      <a16:colId xmlns:a16="http://schemas.microsoft.com/office/drawing/2014/main" val="20001"/>
+                    </a:ext>
+                  </a:extLst>
+                </a:gridCol>
               </a:tblGrid>
               <a:tr h="370840">
                 <a:tc gridSpan="2">
@@ -3836,14 +4266,25 @@
                         <a:rPr lang="en-US" sz="1400" b="0" dirty="0"/>
                         <a:t>Brands  Data Collection </a:t>
                       </a:r>
-                      <a:endParaRPr lang="en-US" sz="1400" b="0" dirty="0"/>
                     </a:p>
                   </a:txBody>
                   <a:tcPr/>
                 </a:tc>
                 <a:tc hMerge="1">
-                  <a:tcPr/>
-                </a:tc>
+                  <a:txBody>
+                    <a:bodyPr/>
+                    <a:lstStyle/>
+                    <a:p>
+                      <a:endParaRPr lang="en-US"/>
+                    </a:p>
+                  </a:txBody>
+                  <a:tcPr/>
+                </a:tc>
+                <a:extLst>
+                  <a:ext uri="{0D108BD9-81ED-4DB2-BD59-A6C34878D82A}">
+                    <a16:rowId xmlns:a16="http://schemas.microsoft.com/office/drawing/2014/main" val="10000"/>
+                  </a:ext>
+                </a:extLst>
               </a:tr>
               <a:tr h="370840">
                 <a:tc>
@@ -3855,7 +4296,6 @@
                         <a:rPr lang="en-US" sz="1400" b="1" dirty="0"/>
                         <a:t>_id</a:t>
                       </a:r>
-                      <a:endParaRPr lang="en-US" sz="1400" b="1" dirty="0"/>
                     </a:p>
                   </a:txBody>
                   <a:tcPr/>
@@ -3873,11 +4313,15 @@
                         <a:rPr lang="en-US" sz="1400" b="1" dirty="0"/>
                         <a:t> (Primary Key)</a:t>
                       </a:r>
-                      <a:endParaRPr lang="en-US" sz="1400" b="1" dirty="0"/>
-                    </a:p>
-                  </a:txBody>
-                  <a:tcPr/>
-                </a:tc>
+                    </a:p>
+                  </a:txBody>
+                  <a:tcPr/>
+                </a:tc>
+                <a:extLst>
+                  <a:ext uri="{0D108BD9-81ED-4DB2-BD59-A6C34878D82A}">
+                    <a16:rowId xmlns:a16="http://schemas.microsoft.com/office/drawing/2014/main" val="10001"/>
+                  </a:ext>
+                </a:extLst>
               </a:tr>
               <a:tr h="370840">
                 <a:tc>
@@ -3936,6 +4380,11 @@
                   </a:txBody>
                   <a:tcPr/>
                 </a:tc>
+                <a:extLst>
+                  <a:ext uri="{0D108BD9-81ED-4DB2-BD59-A6C34878D82A}">
+                    <a16:rowId xmlns:a16="http://schemas.microsoft.com/office/drawing/2014/main" val="10002"/>
+                  </a:ext>
+                </a:extLst>
               </a:tr>
               <a:tr h="370840">
                 <a:tc>
@@ -3982,6 +4431,11 @@
                   </a:txBody>
                   <a:tcPr/>
                 </a:tc>
+                <a:extLst>
+                  <a:ext uri="{0D108BD9-81ED-4DB2-BD59-A6C34878D82A}">
+                    <a16:rowId xmlns:a16="http://schemas.microsoft.com/office/drawing/2014/main" val="10003"/>
+                  </a:ext>
+                </a:extLst>
               </a:tr>
               <a:tr h="370840">
                 <a:tc>
@@ -4028,6 +4482,11 @@
                   </a:txBody>
                   <a:tcPr/>
                 </a:tc>
+                <a:extLst>
+                  <a:ext uri="{0D108BD9-81ED-4DB2-BD59-A6C34878D82A}">
+                    <a16:rowId xmlns:a16="http://schemas.microsoft.com/office/drawing/2014/main" val="10004"/>
+                  </a:ext>
+                </a:extLst>
               </a:tr>
             </a:tbl>
           </a:graphicData>
@@ -4056,8 +4515,20 @@
                 <a:tableStyleId>{5C22544A-7EE6-4342-B048-85BDC9FD1C3A}</a:tableStyleId>
               </a:tblPr>
               <a:tblGrid>
-                <a:gridCol w="1535017"/>
-                <a:gridCol w="2679160"/>
+                <a:gridCol w="1535017">
+                  <a:extLst>
+                    <a:ext uri="{9D8B030D-6E8A-4147-A177-3AD203B41FA5}">
+                      <a16:colId xmlns:a16="http://schemas.microsoft.com/office/drawing/2014/main" val="20000"/>
+                    </a:ext>
+                  </a:extLst>
+                </a:gridCol>
+                <a:gridCol w="2679160">
+                  <a:extLst>
+                    <a:ext uri="{9D8B030D-6E8A-4147-A177-3AD203B41FA5}">
+                      <a16:colId xmlns:a16="http://schemas.microsoft.com/office/drawing/2014/main" val="20001"/>
+                    </a:ext>
+                  </a:extLst>
+                </a:gridCol>
               </a:tblGrid>
               <a:tr h="370840">
                 <a:tc gridSpan="2">
@@ -4069,14 +4540,25 @@
                         <a:rPr lang="en-US" sz="1400" b="0" dirty="0"/>
                         <a:t>Product List  Data Collection </a:t>
                       </a:r>
-                      <a:endParaRPr lang="en-US" sz="1400" b="0" dirty="0"/>
                     </a:p>
                   </a:txBody>
                   <a:tcPr/>
                 </a:tc>
                 <a:tc hMerge="1">
-                  <a:tcPr/>
-                </a:tc>
+                  <a:txBody>
+                    <a:bodyPr/>
+                    <a:lstStyle/>
+                    <a:p>
+                      <a:endParaRPr lang="en-US"/>
+                    </a:p>
+                  </a:txBody>
+                  <a:tcPr/>
+                </a:tc>
+                <a:extLst>
+                  <a:ext uri="{0D108BD9-81ED-4DB2-BD59-A6C34878D82A}">
+                    <a16:rowId xmlns:a16="http://schemas.microsoft.com/office/drawing/2014/main" val="10000"/>
+                  </a:ext>
+                </a:extLst>
               </a:tr>
               <a:tr h="370840">
                 <a:tc>
@@ -4088,7 +4570,6 @@
                         <a:rPr lang="en-US" sz="1400" b="1" dirty="0"/>
                         <a:t>_id</a:t>
                       </a:r>
-                      <a:endParaRPr lang="en-US" sz="1400" b="1" dirty="0"/>
                     </a:p>
                   </a:txBody>
                   <a:tcPr/>
@@ -4106,11 +4587,15 @@
                         <a:rPr lang="en-US" sz="1400" b="1" dirty="0"/>
                         <a:t> (Primary Key)</a:t>
                       </a:r>
-                      <a:endParaRPr lang="en-US" sz="1400" b="1" dirty="0"/>
-                    </a:p>
-                  </a:txBody>
-                  <a:tcPr/>
-                </a:tc>
+                    </a:p>
+                  </a:txBody>
+                  <a:tcPr/>
+                </a:tc>
+                <a:extLst>
+                  <a:ext uri="{0D108BD9-81ED-4DB2-BD59-A6C34878D82A}">
+                    <a16:rowId xmlns:a16="http://schemas.microsoft.com/office/drawing/2014/main" val="10001"/>
+                  </a:ext>
+                </a:extLst>
               </a:tr>
               <a:tr h="370840">
                 <a:tc>
@@ -4201,6 +4686,11 @@
                   </a:txBody>
                   <a:tcPr/>
                 </a:tc>
+                <a:extLst>
+                  <a:ext uri="{0D108BD9-81ED-4DB2-BD59-A6C34878D82A}">
+                    <a16:rowId xmlns:a16="http://schemas.microsoft.com/office/drawing/2014/main" val="10002"/>
+                  </a:ext>
+                </a:extLst>
               </a:tr>
               <a:tr h="370840">
                 <a:tc>
@@ -4266,11 +4756,15 @@
                         <a:rPr lang="en-US" sz="1400" b="1" dirty="0"/>
                         <a:t> (Foreign key)</a:t>
                       </a:r>
-                      <a:endParaRPr lang="en-US" sz="1400" b="1" dirty="0"/>
-                    </a:p>
-                  </a:txBody>
-                  <a:tcPr/>
-                </a:tc>
+                    </a:p>
+                  </a:txBody>
+                  <a:tcPr/>
+                </a:tc>
+                <a:extLst>
+                  <a:ext uri="{0D108BD9-81ED-4DB2-BD59-A6C34878D82A}">
+                    <a16:rowId xmlns:a16="http://schemas.microsoft.com/office/drawing/2014/main" val="10003"/>
+                  </a:ext>
+                </a:extLst>
               </a:tr>
               <a:tr h="370840">
                 <a:tc>
@@ -4324,11 +4818,15 @@
                         <a:rPr lang="en-US" sz="1400" b="1" dirty="0"/>
                         <a:t> (Foreign key)</a:t>
                       </a:r>
-                      <a:endParaRPr lang="en-US" sz="1400" b="1" dirty="0"/>
-                    </a:p>
-                  </a:txBody>
-                  <a:tcPr/>
-                </a:tc>
+                    </a:p>
+                  </a:txBody>
+                  <a:tcPr/>
+                </a:tc>
+                <a:extLst>
+                  <a:ext uri="{0D108BD9-81ED-4DB2-BD59-A6C34878D82A}">
+                    <a16:rowId xmlns:a16="http://schemas.microsoft.com/office/drawing/2014/main" val="10004"/>
+                  </a:ext>
+                </a:extLst>
               </a:tr>
               <a:tr h="370840">
                 <a:tc>
@@ -4340,7 +4838,6 @@
                         <a:rPr lang="en-US" sz="1400" b="0" dirty="0"/>
                         <a:t>Name</a:t>
                       </a:r>
-                      <a:endParaRPr lang="en-US" sz="1400" b="0" dirty="0"/>
                     </a:p>
                   </a:txBody>
                   <a:tcPr/>
@@ -4367,6 +4864,11 @@
                   </a:txBody>
                   <a:tcPr/>
                 </a:tc>
+                <a:extLst>
+                  <a:ext uri="{0D108BD9-81ED-4DB2-BD59-A6C34878D82A}">
+                    <a16:rowId xmlns:a16="http://schemas.microsoft.com/office/drawing/2014/main" val="10005"/>
+                  </a:ext>
+                </a:extLst>
               </a:tr>
               <a:tr h="370840">
                 <a:tc>
@@ -4378,7 +4880,6 @@
                         <a:rPr lang="en-US" sz="1400" b="0" dirty="0"/>
                         <a:t>Unit</a:t>
                       </a:r>
-                      <a:endParaRPr lang="en-US" sz="1400" b="0" dirty="0"/>
                     </a:p>
                   </a:txBody>
                   <a:tcPr/>
@@ -4405,6 +4906,11 @@
                   </a:txBody>
                   <a:tcPr/>
                 </a:tc>
+                <a:extLst>
+                  <a:ext uri="{0D108BD9-81ED-4DB2-BD59-A6C34878D82A}">
+                    <a16:rowId xmlns:a16="http://schemas.microsoft.com/office/drawing/2014/main" val="10006"/>
+                  </a:ext>
+                </a:extLst>
               </a:tr>
               <a:tr h="370840">
                 <a:tc>
@@ -4416,7 +4922,6 @@
                         <a:rPr lang="en-US" sz="1400" b="0" dirty="0"/>
                         <a:t>Details</a:t>
                       </a:r>
-                      <a:endParaRPr lang="en-US" sz="1400" b="0" dirty="0"/>
                     </a:p>
                   </a:txBody>
                   <a:tcPr/>
@@ -4443,6 +4948,11 @@
                   </a:txBody>
                   <a:tcPr/>
                 </a:tc>
+                <a:extLst>
+                  <a:ext uri="{0D108BD9-81ED-4DB2-BD59-A6C34878D82A}">
+                    <a16:rowId xmlns:a16="http://schemas.microsoft.com/office/drawing/2014/main" val="10007"/>
+                  </a:ext>
+                </a:extLst>
               </a:tr>
               <a:tr h="370840">
                 <a:tc>
@@ -4489,6 +4999,11 @@
                   </a:txBody>
                   <a:tcPr/>
                 </a:tc>
+                <a:extLst>
+                  <a:ext uri="{0D108BD9-81ED-4DB2-BD59-A6C34878D82A}">
+                    <a16:rowId xmlns:a16="http://schemas.microsoft.com/office/drawing/2014/main" val="10008"/>
+                  </a:ext>
+                </a:extLst>
               </a:tr>
             </a:tbl>
           </a:graphicData>
@@ -5772,8 +6287,20 @@
                 <a:tableStyleId>{5C22544A-7EE6-4342-B048-85BDC9FD1C3A}</a:tableStyleId>
               </a:tblPr>
               <a:tblGrid>
-                <a:gridCol w="1244585"/>
-                <a:gridCol w="2672565"/>
+                <a:gridCol w="1244585">
+                  <a:extLst>
+                    <a:ext uri="{9D8B030D-6E8A-4147-A177-3AD203B41FA5}">
+                      <a16:colId xmlns:a16="http://schemas.microsoft.com/office/drawing/2014/main" val="20000"/>
+                    </a:ext>
+                  </a:extLst>
+                </a:gridCol>
+                <a:gridCol w="2672565">
+                  <a:extLst>
+                    <a:ext uri="{9D8B030D-6E8A-4147-A177-3AD203B41FA5}">
+                      <a16:colId xmlns:a16="http://schemas.microsoft.com/office/drawing/2014/main" val="20001"/>
+                    </a:ext>
+                  </a:extLst>
+                </a:gridCol>
               </a:tblGrid>
               <a:tr h="370840">
                 <a:tc gridSpan="2">
@@ -5785,14 +6312,25 @@
                         <a:rPr lang="en-US" sz="1400" b="0" dirty="0"/>
                         <a:t>Suppliers  Data Collection </a:t>
                       </a:r>
-                      <a:endParaRPr lang="en-US" sz="1400" b="0" dirty="0"/>
                     </a:p>
                   </a:txBody>
                   <a:tcPr/>
                 </a:tc>
                 <a:tc hMerge="1">
-                  <a:tcPr/>
-                </a:tc>
+                  <a:txBody>
+                    <a:bodyPr/>
+                    <a:lstStyle/>
+                    <a:p>
+                      <a:endParaRPr lang="en-US"/>
+                    </a:p>
+                  </a:txBody>
+                  <a:tcPr/>
+                </a:tc>
+                <a:extLst>
+                  <a:ext uri="{0D108BD9-81ED-4DB2-BD59-A6C34878D82A}">
+                    <a16:rowId xmlns:a16="http://schemas.microsoft.com/office/drawing/2014/main" val="10000"/>
+                  </a:ext>
+                </a:extLst>
               </a:tr>
               <a:tr h="370840">
                 <a:tc>
@@ -5804,7 +6342,6 @@
                         <a:rPr lang="en-US" sz="1400" b="1" dirty="0"/>
                         <a:t>_id</a:t>
                       </a:r>
-                      <a:endParaRPr lang="en-US" sz="1400" b="1" dirty="0"/>
                     </a:p>
                   </a:txBody>
                   <a:tcPr/>
@@ -5822,11 +6359,15 @@
                         <a:rPr lang="en-US" sz="1400" b="1" dirty="0"/>
                         <a:t> (Primary Key)</a:t>
                       </a:r>
-                      <a:endParaRPr lang="en-US" sz="1400" b="1" dirty="0"/>
-                    </a:p>
-                  </a:txBody>
-                  <a:tcPr/>
-                </a:tc>
+                    </a:p>
+                  </a:txBody>
+                  <a:tcPr/>
+                </a:tc>
+                <a:extLst>
+                  <a:ext uri="{0D108BD9-81ED-4DB2-BD59-A6C34878D82A}">
+                    <a16:rowId xmlns:a16="http://schemas.microsoft.com/office/drawing/2014/main" val="10001"/>
+                  </a:ext>
+                </a:extLst>
               </a:tr>
               <a:tr h="370840">
                 <a:tc>
@@ -5885,6 +6426,11 @@
                   </a:txBody>
                   <a:tcPr/>
                 </a:tc>
+                <a:extLst>
+                  <a:ext uri="{0D108BD9-81ED-4DB2-BD59-A6C34878D82A}">
+                    <a16:rowId xmlns:a16="http://schemas.microsoft.com/office/drawing/2014/main" val="10002"/>
+                  </a:ext>
+                </a:extLst>
               </a:tr>
               <a:tr h="370840">
                 <a:tc>
@@ -5931,6 +6477,11 @@
                   </a:txBody>
                   <a:tcPr/>
                 </a:tc>
+                <a:extLst>
+                  <a:ext uri="{0D108BD9-81ED-4DB2-BD59-A6C34878D82A}">
+                    <a16:rowId xmlns:a16="http://schemas.microsoft.com/office/drawing/2014/main" val="10003"/>
+                  </a:ext>
+                </a:extLst>
               </a:tr>
               <a:tr h="370840">
                 <a:tc>
@@ -5942,7 +6493,6 @@
                         <a:rPr lang="en-US" sz="1400" b="0" dirty="0"/>
                         <a:t>Address</a:t>
                       </a:r>
-                      <a:endParaRPr lang="en-US" sz="1400" b="0" dirty="0"/>
                     </a:p>
                   </a:txBody>
                   <a:tcPr/>
@@ -5969,6 +6519,11 @@
                   </a:txBody>
                   <a:tcPr/>
                 </a:tc>
+                <a:extLst>
+                  <a:ext uri="{0D108BD9-81ED-4DB2-BD59-A6C34878D82A}">
+                    <a16:rowId xmlns:a16="http://schemas.microsoft.com/office/drawing/2014/main" val="10004"/>
+                  </a:ext>
+                </a:extLst>
               </a:tr>
               <a:tr h="370840">
                 <a:tc>
@@ -5980,7 +6535,6 @@
                         <a:rPr lang="en-US" sz="1400" b="0" dirty="0"/>
                         <a:t>Phone</a:t>
                       </a:r>
-                      <a:endParaRPr lang="en-US" sz="1400" b="0" dirty="0"/>
                     </a:p>
                   </a:txBody>
                   <a:tcPr/>
@@ -6007,6 +6561,11 @@
                   </a:txBody>
                   <a:tcPr/>
                 </a:tc>
+                <a:extLst>
+                  <a:ext uri="{0D108BD9-81ED-4DB2-BD59-A6C34878D82A}">
+                    <a16:rowId xmlns:a16="http://schemas.microsoft.com/office/drawing/2014/main" val="10005"/>
+                  </a:ext>
+                </a:extLst>
               </a:tr>
               <a:tr h="370840">
                 <a:tc>
@@ -6018,7 +6577,6 @@
                         <a:rPr lang="en-US" sz="1400" b="0" dirty="0"/>
                         <a:t>Email</a:t>
                       </a:r>
-                      <a:endParaRPr lang="en-US" sz="1400" b="0" dirty="0"/>
                     </a:p>
                   </a:txBody>
                   <a:tcPr/>
@@ -6045,6 +6603,11 @@
                   </a:txBody>
                   <a:tcPr/>
                 </a:tc>
+                <a:extLst>
+                  <a:ext uri="{0D108BD9-81ED-4DB2-BD59-A6C34878D82A}">
+                    <a16:rowId xmlns:a16="http://schemas.microsoft.com/office/drawing/2014/main" val="10006"/>
+                  </a:ext>
+                </a:extLst>
               </a:tr>
               <a:tr h="370840">
                 <a:tc>
@@ -6091,6 +6654,11 @@
                   </a:txBody>
                   <a:tcPr/>
                 </a:tc>
+                <a:extLst>
+                  <a:ext uri="{0D108BD9-81ED-4DB2-BD59-A6C34878D82A}">
+                    <a16:rowId xmlns:a16="http://schemas.microsoft.com/office/drawing/2014/main" val="10007"/>
+                  </a:ext>
+                </a:extLst>
               </a:tr>
             </a:tbl>
           </a:graphicData>
@@ -6128,10 +6696,6 @@
               </a:rPr>
               <a:t>New supplier create </a:t>
             </a:r>
-            <a:endParaRPr lang="en-US" sz="1400" dirty="0">
-              <a:latin typeface="Roboto" panose="02000000000000000000" pitchFamily="2" charset="0"/>
-              <a:ea typeface="Roboto" panose="02000000000000000000" pitchFamily="2" charset="0"/>
-            </a:endParaRPr>
           </a:p>
           <a:p>
             <a:pPr marL="342900" indent="-342900">
@@ -6144,10 +6708,6 @@
               </a:rPr>
               <a:t>Supplier update </a:t>
             </a:r>
-            <a:endParaRPr lang="en-US" sz="1400" dirty="0">
-              <a:latin typeface="Roboto" panose="02000000000000000000" pitchFamily="2" charset="0"/>
-              <a:ea typeface="Roboto" panose="02000000000000000000" pitchFamily="2" charset="0"/>
-            </a:endParaRPr>
           </a:p>
           <a:p>
             <a:pPr marL="342900" indent="-342900">
@@ -6160,10 +6720,6 @@
               </a:rPr>
               <a:t>Read/search/filter supplier list </a:t>
             </a:r>
-            <a:endParaRPr lang="en-US" sz="1400" dirty="0">
-              <a:latin typeface="Roboto" panose="02000000000000000000" pitchFamily="2" charset="0"/>
-              <a:ea typeface="Roboto" panose="02000000000000000000" pitchFamily="2" charset="0"/>
-            </a:endParaRPr>
           </a:p>
           <a:p>
             <a:pPr marL="342900" indent="-342900">
@@ -6176,10 +6732,6 @@
               </a:rPr>
               <a:t>Can delete Suppliers item if never used </a:t>
             </a:r>
-            <a:endParaRPr lang="en-US" sz="1400" dirty="0">
-              <a:latin typeface="Roboto" panose="02000000000000000000" pitchFamily="2" charset="0"/>
-              <a:ea typeface="Roboto" panose="02000000000000000000" pitchFamily="2" charset="0"/>
-            </a:endParaRPr>
           </a:p>
           <a:p>
             <a:pPr marL="342900" indent="-342900">
@@ -6192,10 +6744,6 @@
               </a:rPr>
               <a:t>Can’t suppliers category if exist with any other’s purchase </a:t>
             </a:r>
-            <a:endParaRPr lang="en-US" sz="1400" dirty="0">
-              <a:latin typeface="Roboto" panose="02000000000000000000" pitchFamily="2" charset="0"/>
-              <a:ea typeface="Roboto" panose="02000000000000000000" pitchFamily="2" charset="0"/>
-            </a:endParaRPr>
           </a:p>
         </p:txBody>
       </p:sp>
@@ -7013,8 +7561,20 @@
                 <a:tableStyleId>{5C22544A-7EE6-4342-B048-85BDC9FD1C3A}</a:tableStyleId>
               </a:tblPr>
               <a:tblGrid>
-                <a:gridCol w="1244585"/>
-                <a:gridCol w="2672565"/>
+                <a:gridCol w="1244585">
+                  <a:extLst>
+                    <a:ext uri="{9D8B030D-6E8A-4147-A177-3AD203B41FA5}">
+                      <a16:colId xmlns:a16="http://schemas.microsoft.com/office/drawing/2014/main" val="20000"/>
+                    </a:ext>
+                  </a:extLst>
+                </a:gridCol>
+                <a:gridCol w="2672565">
+                  <a:extLst>
+                    <a:ext uri="{9D8B030D-6E8A-4147-A177-3AD203B41FA5}">
+                      <a16:colId xmlns:a16="http://schemas.microsoft.com/office/drawing/2014/main" val="20001"/>
+                    </a:ext>
+                  </a:extLst>
+                </a:gridCol>
               </a:tblGrid>
               <a:tr h="370840">
                 <a:tc gridSpan="2">
@@ -7026,14 +7586,25 @@
                         <a:rPr lang="en-US" sz="1400" b="0" dirty="0"/>
                         <a:t>Customers  Data Collection </a:t>
                       </a:r>
-                      <a:endParaRPr lang="en-US" sz="1400" b="0" dirty="0"/>
                     </a:p>
                   </a:txBody>
                   <a:tcPr/>
                 </a:tc>
                 <a:tc hMerge="1">
-                  <a:tcPr/>
-                </a:tc>
+                  <a:txBody>
+                    <a:bodyPr/>
+                    <a:lstStyle/>
+                    <a:p>
+                      <a:endParaRPr lang="en-US"/>
+                    </a:p>
+                  </a:txBody>
+                  <a:tcPr/>
+                </a:tc>
+                <a:extLst>
+                  <a:ext uri="{0D108BD9-81ED-4DB2-BD59-A6C34878D82A}">
+                    <a16:rowId xmlns:a16="http://schemas.microsoft.com/office/drawing/2014/main" val="10000"/>
+                  </a:ext>
+                </a:extLst>
               </a:tr>
               <a:tr h="370840">
                 <a:tc>
@@ -7045,7 +7616,6 @@
                         <a:rPr lang="en-US" sz="1400" b="1" dirty="0"/>
                         <a:t>_id</a:t>
                       </a:r>
-                      <a:endParaRPr lang="en-US" sz="1400" b="1" dirty="0"/>
                     </a:p>
                   </a:txBody>
                   <a:tcPr/>
@@ -7063,11 +7633,15 @@
                         <a:rPr lang="en-US" sz="1400" b="1" dirty="0"/>
                         <a:t> (Primary Key)</a:t>
                       </a:r>
-                      <a:endParaRPr lang="en-US" sz="1400" b="1" dirty="0"/>
-                    </a:p>
-                  </a:txBody>
-                  <a:tcPr/>
-                </a:tc>
+                    </a:p>
+                  </a:txBody>
+                  <a:tcPr/>
+                </a:tc>
+                <a:extLst>
+                  <a:ext uri="{0D108BD9-81ED-4DB2-BD59-A6C34878D82A}">
+                    <a16:rowId xmlns:a16="http://schemas.microsoft.com/office/drawing/2014/main" val="10001"/>
+                  </a:ext>
+                </a:extLst>
               </a:tr>
               <a:tr h="370840">
                 <a:tc>
@@ -7126,6 +7700,11 @@
                   </a:txBody>
                   <a:tcPr/>
                 </a:tc>
+                <a:extLst>
+                  <a:ext uri="{0D108BD9-81ED-4DB2-BD59-A6C34878D82A}">
+                    <a16:rowId xmlns:a16="http://schemas.microsoft.com/office/drawing/2014/main" val="10002"/>
+                  </a:ext>
+                </a:extLst>
               </a:tr>
               <a:tr h="370840">
                 <a:tc>
@@ -7172,6 +7751,11 @@
                   </a:txBody>
                   <a:tcPr/>
                 </a:tc>
+                <a:extLst>
+                  <a:ext uri="{0D108BD9-81ED-4DB2-BD59-A6C34878D82A}">
+                    <a16:rowId xmlns:a16="http://schemas.microsoft.com/office/drawing/2014/main" val="10003"/>
+                  </a:ext>
+                </a:extLst>
               </a:tr>
               <a:tr h="370840">
                 <a:tc>
@@ -7183,7 +7767,6 @@
                         <a:rPr lang="en-US" sz="1400" b="0" dirty="0"/>
                         <a:t>Address</a:t>
                       </a:r>
-                      <a:endParaRPr lang="en-US" sz="1400" b="0" dirty="0"/>
                     </a:p>
                   </a:txBody>
                   <a:tcPr/>
@@ -7210,6 +7793,11 @@
                   </a:txBody>
                   <a:tcPr/>
                 </a:tc>
+                <a:extLst>
+                  <a:ext uri="{0D108BD9-81ED-4DB2-BD59-A6C34878D82A}">
+                    <a16:rowId xmlns:a16="http://schemas.microsoft.com/office/drawing/2014/main" val="10004"/>
+                  </a:ext>
+                </a:extLst>
               </a:tr>
               <a:tr h="370840">
                 <a:tc>
@@ -7221,7 +7809,6 @@
                         <a:rPr lang="en-US" sz="1400" b="0" dirty="0"/>
                         <a:t>Phone</a:t>
                       </a:r>
-                      <a:endParaRPr lang="en-US" sz="1400" b="0" dirty="0"/>
                     </a:p>
                   </a:txBody>
                   <a:tcPr/>
@@ -7248,6 +7835,11 @@
                   </a:txBody>
                   <a:tcPr/>
                 </a:tc>
+                <a:extLst>
+                  <a:ext uri="{0D108BD9-81ED-4DB2-BD59-A6C34878D82A}">
+                    <a16:rowId xmlns:a16="http://schemas.microsoft.com/office/drawing/2014/main" val="10005"/>
+                  </a:ext>
+                </a:extLst>
               </a:tr>
               <a:tr h="370840">
                 <a:tc>
@@ -7259,7 +7851,6 @@
                         <a:rPr lang="en-US" sz="1400" b="0" dirty="0"/>
                         <a:t>Email</a:t>
                       </a:r>
-                      <a:endParaRPr lang="en-US" sz="1400" b="0" dirty="0"/>
                     </a:p>
                   </a:txBody>
                   <a:tcPr/>
@@ -7286,6 +7877,11 @@
                   </a:txBody>
                   <a:tcPr/>
                 </a:tc>
+                <a:extLst>
+                  <a:ext uri="{0D108BD9-81ED-4DB2-BD59-A6C34878D82A}">
+                    <a16:rowId xmlns:a16="http://schemas.microsoft.com/office/drawing/2014/main" val="10006"/>
+                  </a:ext>
+                </a:extLst>
               </a:tr>
               <a:tr h="370840">
                 <a:tc>
@@ -7332,6 +7928,11 @@
                   </a:txBody>
                   <a:tcPr/>
                 </a:tc>
+                <a:extLst>
+                  <a:ext uri="{0D108BD9-81ED-4DB2-BD59-A6C34878D82A}">
+                    <a16:rowId xmlns:a16="http://schemas.microsoft.com/office/drawing/2014/main" val="10007"/>
+                  </a:ext>
+                </a:extLst>
               </a:tr>
             </a:tbl>
           </a:graphicData>
@@ -7369,10 +7970,6 @@
               </a:rPr>
               <a:t>New customer create </a:t>
             </a:r>
-            <a:endParaRPr lang="en-US" sz="1400" dirty="0">
-              <a:latin typeface="Roboto" panose="02000000000000000000" pitchFamily="2" charset="0"/>
-              <a:ea typeface="Roboto" panose="02000000000000000000" pitchFamily="2" charset="0"/>
-            </a:endParaRPr>
           </a:p>
           <a:p>
             <a:pPr marL="342900" indent="-342900">
@@ -7385,10 +7982,6 @@
               </a:rPr>
               <a:t>Customer update </a:t>
             </a:r>
-            <a:endParaRPr lang="en-US" sz="1400" dirty="0">
-              <a:latin typeface="Roboto" panose="02000000000000000000" pitchFamily="2" charset="0"/>
-              <a:ea typeface="Roboto" panose="02000000000000000000" pitchFamily="2" charset="0"/>
-            </a:endParaRPr>
           </a:p>
           <a:p>
             <a:pPr marL="342900" indent="-342900">
@@ -7401,10 +7994,6 @@
               </a:rPr>
               <a:t>Read/search/filter customer list </a:t>
             </a:r>
-            <a:endParaRPr lang="en-US" sz="1400" dirty="0">
-              <a:latin typeface="Roboto" panose="02000000000000000000" pitchFamily="2" charset="0"/>
-              <a:ea typeface="Roboto" panose="02000000000000000000" pitchFamily="2" charset="0"/>
-            </a:endParaRPr>
           </a:p>
           <a:p>
             <a:pPr marL="342900" indent="-342900">
@@ -7417,10 +8006,6 @@
               </a:rPr>
               <a:t>Can delete customer item if never used </a:t>
             </a:r>
-            <a:endParaRPr lang="en-US" sz="1400" dirty="0">
-              <a:latin typeface="Roboto" panose="02000000000000000000" pitchFamily="2" charset="0"/>
-              <a:ea typeface="Roboto" panose="02000000000000000000" pitchFamily="2" charset="0"/>
-            </a:endParaRPr>
           </a:p>
           <a:p>
             <a:pPr marL="342900" indent="-342900">
@@ -7433,10 +8018,6 @@
               </a:rPr>
               <a:t>Can’t delete customer if exist with any other’s sells/return </a:t>
             </a:r>
-            <a:endParaRPr lang="en-US" sz="1400" dirty="0">
-              <a:latin typeface="Roboto" panose="02000000000000000000" pitchFamily="2" charset="0"/>
-              <a:ea typeface="Roboto" panose="02000000000000000000" pitchFamily="2" charset="0"/>
-            </a:endParaRPr>
           </a:p>
         </p:txBody>
       </p:sp>
@@ -8267,10 +8848,6 @@
               </a:rPr>
               <a:t>New expense type create </a:t>
             </a:r>
-            <a:endParaRPr lang="en-US" sz="1400" dirty="0">
-              <a:latin typeface="Roboto" panose="02000000000000000000" pitchFamily="2" charset="0"/>
-              <a:ea typeface="Roboto" panose="02000000000000000000" pitchFamily="2" charset="0"/>
-            </a:endParaRPr>
           </a:p>
           <a:p>
             <a:pPr marL="342900" indent="-342900">
@@ -8283,10 +8860,6 @@
               </a:rPr>
               <a:t>Expense type update </a:t>
             </a:r>
-            <a:endParaRPr lang="en-US" sz="1400" dirty="0">
-              <a:latin typeface="Roboto" panose="02000000000000000000" pitchFamily="2" charset="0"/>
-              <a:ea typeface="Roboto" panose="02000000000000000000" pitchFamily="2" charset="0"/>
-            </a:endParaRPr>
           </a:p>
           <a:p>
             <a:pPr marL="342900" indent="-342900">
@@ -8299,10 +8872,6 @@
               </a:rPr>
               <a:t>Read/search/filter expense type list </a:t>
             </a:r>
-            <a:endParaRPr lang="en-US" sz="1400" dirty="0">
-              <a:latin typeface="Roboto" panose="02000000000000000000" pitchFamily="2" charset="0"/>
-              <a:ea typeface="Roboto" panose="02000000000000000000" pitchFamily="2" charset="0"/>
-            </a:endParaRPr>
           </a:p>
           <a:p>
             <a:pPr marL="342900" indent="-342900">
@@ -8315,10 +8884,6 @@
               </a:rPr>
               <a:t>Can delete expense type item if never used </a:t>
             </a:r>
-            <a:endParaRPr lang="en-US" sz="1400" dirty="0">
-              <a:latin typeface="Roboto" panose="02000000000000000000" pitchFamily="2" charset="0"/>
-              <a:ea typeface="Roboto" panose="02000000000000000000" pitchFamily="2" charset="0"/>
-            </a:endParaRPr>
           </a:p>
           <a:p>
             <a:pPr marL="342900" indent="-342900">
@@ -8331,10 +8896,6 @@
               </a:rPr>
               <a:t>Can’t delete expense type if exist with any other’s expense</a:t>
             </a:r>
-            <a:endParaRPr lang="en-US" sz="1400" dirty="0">
-              <a:latin typeface="Roboto" panose="02000000000000000000" pitchFamily="2" charset="0"/>
-              <a:ea typeface="Roboto" panose="02000000000000000000" pitchFamily="2" charset="0"/>
-            </a:endParaRPr>
           </a:p>
         </p:txBody>
       </p:sp>
@@ -8357,8 +8918,20 @@
                 <a:tableStyleId>{5C22544A-7EE6-4342-B048-85BDC9FD1C3A}</a:tableStyleId>
               </a:tblPr>
               <a:tblGrid>
-                <a:gridCol w="1433521"/>
-                <a:gridCol w="2502012"/>
+                <a:gridCol w="1433521">
+                  <a:extLst>
+                    <a:ext uri="{9D8B030D-6E8A-4147-A177-3AD203B41FA5}">
+                      <a16:colId xmlns:a16="http://schemas.microsoft.com/office/drawing/2014/main" val="20000"/>
+                    </a:ext>
+                  </a:extLst>
+                </a:gridCol>
+                <a:gridCol w="2502012">
+                  <a:extLst>
+                    <a:ext uri="{9D8B030D-6E8A-4147-A177-3AD203B41FA5}">
+                      <a16:colId xmlns:a16="http://schemas.microsoft.com/office/drawing/2014/main" val="20001"/>
+                    </a:ext>
+                  </a:extLst>
+                </a:gridCol>
               </a:tblGrid>
               <a:tr h="370840">
                 <a:tc gridSpan="2">
@@ -8370,14 +8943,25 @@
                         <a:rPr lang="en-US" sz="1400" b="0" dirty="0"/>
                         <a:t>Expense Types  Data Collection </a:t>
                       </a:r>
-                      <a:endParaRPr lang="en-US" sz="1400" b="0" dirty="0"/>
                     </a:p>
                   </a:txBody>
                   <a:tcPr/>
                 </a:tc>
                 <a:tc hMerge="1">
-                  <a:tcPr/>
-                </a:tc>
+                  <a:txBody>
+                    <a:bodyPr/>
+                    <a:lstStyle/>
+                    <a:p>
+                      <a:endParaRPr lang="en-US"/>
+                    </a:p>
+                  </a:txBody>
+                  <a:tcPr/>
+                </a:tc>
+                <a:extLst>
+                  <a:ext uri="{0D108BD9-81ED-4DB2-BD59-A6C34878D82A}">
+                    <a16:rowId xmlns:a16="http://schemas.microsoft.com/office/drawing/2014/main" val="10000"/>
+                  </a:ext>
+                </a:extLst>
               </a:tr>
               <a:tr h="370840">
                 <a:tc>
@@ -8389,7 +8973,6 @@
                         <a:rPr lang="en-US" sz="1400" b="1" dirty="0"/>
                         <a:t>_id</a:t>
                       </a:r>
-                      <a:endParaRPr lang="en-US" sz="1400" b="1" dirty="0"/>
                     </a:p>
                   </a:txBody>
                   <a:tcPr/>
@@ -8407,11 +8990,15 @@
                         <a:rPr lang="en-US" sz="1400" b="1" dirty="0"/>
                         <a:t> (Primary Key)</a:t>
                       </a:r>
-                      <a:endParaRPr lang="en-US" sz="1400" b="1" dirty="0"/>
-                    </a:p>
-                  </a:txBody>
-                  <a:tcPr/>
-                </a:tc>
+                    </a:p>
+                  </a:txBody>
+                  <a:tcPr/>
+                </a:tc>
+                <a:extLst>
+                  <a:ext uri="{0D108BD9-81ED-4DB2-BD59-A6C34878D82A}">
+                    <a16:rowId xmlns:a16="http://schemas.microsoft.com/office/drawing/2014/main" val="10001"/>
+                  </a:ext>
+                </a:extLst>
               </a:tr>
               <a:tr h="370840">
                 <a:tc>
@@ -8470,6 +9057,11 @@
                   </a:txBody>
                   <a:tcPr/>
                 </a:tc>
+                <a:extLst>
+                  <a:ext uri="{0D108BD9-81ED-4DB2-BD59-A6C34878D82A}">
+                    <a16:rowId xmlns:a16="http://schemas.microsoft.com/office/drawing/2014/main" val="10002"/>
+                  </a:ext>
+                </a:extLst>
               </a:tr>
               <a:tr h="370840">
                 <a:tc>
@@ -8516,6 +9108,11 @@
                   </a:txBody>
                   <a:tcPr/>
                 </a:tc>
+                <a:extLst>
+                  <a:ext uri="{0D108BD9-81ED-4DB2-BD59-A6C34878D82A}">
+                    <a16:rowId xmlns:a16="http://schemas.microsoft.com/office/drawing/2014/main" val="10003"/>
+                  </a:ext>
+                </a:extLst>
               </a:tr>
               <a:tr h="370840">
                 <a:tc>
@@ -8562,6 +9159,11 @@
                   </a:txBody>
                   <a:tcPr/>
                 </a:tc>
+                <a:extLst>
+                  <a:ext uri="{0D108BD9-81ED-4DB2-BD59-A6C34878D82A}">
+                    <a16:rowId xmlns:a16="http://schemas.microsoft.com/office/drawing/2014/main" val="10004"/>
+                  </a:ext>
+                </a:extLst>
               </a:tr>
             </a:tbl>
           </a:graphicData>
@@ -9394,10 +9996,6 @@
               </a:rPr>
               <a:t>New expense create </a:t>
             </a:r>
-            <a:endParaRPr lang="en-US" sz="1400" dirty="0">
-              <a:latin typeface="Roboto" panose="02000000000000000000" pitchFamily="2" charset="0"/>
-              <a:ea typeface="Roboto" panose="02000000000000000000" pitchFamily="2" charset="0"/>
-            </a:endParaRPr>
           </a:p>
           <a:p>
             <a:pPr marL="342900" indent="-342900">
@@ -9410,10 +10008,6 @@
               </a:rPr>
               <a:t>Expense update </a:t>
             </a:r>
-            <a:endParaRPr lang="en-US" sz="1400" dirty="0">
-              <a:latin typeface="Roboto" panose="02000000000000000000" pitchFamily="2" charset="0"/>
-              <a:ea typeface="Roboto" panose="02000000000000000000" pitchFamily="2" charset="0"/>
-            </a:endParaRPr>
           </a:p>
           <a:p>
             <a:pPr marL="342900" indent="-342900">
@@ -9426,10 +10020,6 @@
               </a:rPr>
               <a:t>Read/search/filter expense list </a:t>
             </a:r>
-            <a:endParaRPr lang="en-US" sz="1400" dirty="0">
-              <a:latin typeface="Roboto" panose="02000000000000000000" pitchFamily="2" charset="0"/>
-              <a:ea typeface="Roboto" panose="02000000000000000000" pitchFamily="2" charset="0"/>
-            </a:endParaRPr>
           </a:p>
           <a:p>
             <a:pPr marL="342900" indent="-342900">
@@ -9442,10 +10032,6 @@
               </a:rPr>
               <a:t>Can delete expense </a:t>
             </a:r>
-            <a:endParaRPr lang="en-US" sz="1400" dirty="0">
-              <a:latin typeface="Roboto" panose="02000000000000000000" pitchFamily="2" charset="0"/>
-              <a:ea typeface="Roboto" panose="02000000000000000000" pitchFamily="2" charset="0"/>
-            </a:endParaRPr>
           </a:p>
         </p:txBody>
       </p:sp>
@@ -9468,8 +10054,20 @@
                 <a:tableStyleId>{5C22544A-7EE6-4342-B048-85BDC9FD1C3A}</a:tableStyleId>
               </a:tblPr>
               <a:tblGrid>
-                <a:gridCol w="1433521"/>
-                <a:gridCol w="2502012"/>
+                <a:gridCol w="1433521">
+                  <a:extLst>
+                    <a:ext uri="{9D8B030D-6E8A-4147-A177-3AD203B41FA5}">
+                      <a16:colId xmlns:a16="http://schemas.microsoft.com/office/drawing/2014/main" val="20000"/>
+                    </a:ext>
+                  </a:extLst>
+                </a:gridCol>
+                <a:gridCol w="2502012">
+                  <a:extLst>
+                    <a:ext uri="{9D8B030D-6E8A-4147-A177-3AD203B41FA5}">
+                      <a16:colId xmlns:a16="http://schemas.microsoft.com/office/drawing/2014/main" val="20001"/>
+                    </a:ext>
+                  </a:extLst>
+                </a:gridCol>
               </a:tblGrid>
               <a:tr h="370840">
                 <a:tc gridSpan="2">
@@ -9481,14 +10079,25 @@
                         <a:rPr lang="en-US" sz="1400" b="0" dirty="0"/>
                         <a:t>Expense Data Collection </a:t>
                       </a:r>
-                      <a:endParaRPr lang="en-US" sz="1400" b="0" dirty="0"/>
                     </a:p>
                   </a:txBody>
                   <a:tcPr/>
                 </a:tc>
                 <a:tc hMerge="1">
-                  <a:tcPr/>
-                </a:tc>
+                  <a:txBody>
+                    <a:bodyPr/>
+                    <a:lstStyle/>
+                    <a:p>
+                      <a:endParaRPr lang="en-US"/>
+                    </a:p>
+                  </a:txBody>
+                  <a:tcPr/>
+                </a:tc>
+                <a:extLst>
+                  <a:ext uri="{0D108BD9-81ED-4DB2-BD59-A6C34878D82A}">
+                    <a16:rowId xmlns:a16="http://schemas.microsoft.com/office/drawing/2014/main" val="10000"/>
+                  </a:ext>
+                </a:extLst>
               </a:tr>
               <a:tr h="370840">
                 <a:tc>
@@ -9500,7 +10109,6 @@
                         <a:rPr lang="en-US" sz="1400" b="1" dirty="0"/>
                         <a:t>_id</a:t>
                       </a:r>
-                      <a:endParaRPr lang="en-US" sz="1400" b="1" dirty="0"/>
                     </a:p>
                   </a:txBody>
                   <a:tcPr/>
@@ -9518,11 +10126,15 @@
                         <a:rPr lang="en-US" sz="1400" b="1" dirty="0"/>
                         <a:t> (Primary Key)</a:t>
                       </a:r>
-                      <a:endParaRPr lang="en-US" sz="1400" b="1" dirty="0"/>
-                    </a:p>
-                  </a:txBody>
-                  <a:tcPr/>
-                </a:tc>
+                    </a:p>
+                  </a:txBody>
+                  <a:tcPr/>
+                </a:tc>
+                <a:extLst>
+                  <a:ext uri="{0D108BD9-81ED-4DB2-BD59-A6C34878D82A}">
+                    <a16:rowId xmlns:a16="http://schemas.microsoft.com/office/drawing/2014/main" val="10001"/>
+                  </a:ext>
+                </a:extLst>
               </a:tr>
               <a:tr h="370840">
                 <a:tc>
@@ -9581,6 +10193,11 @@
                   </a:txBody>
                   <a:tcPr/>
                 </a:tc>
+                <a:extLst>
+                  <a:ext uri="{0D108BD9-81ED-4DB2-BD59-A6C34878D82A}">
+                    <a16:rowId xmlns:a16="http://schemas.microsoft.com/office/drawing/2014/main" val="10002"/>
+                  </a:ext>
+                </a:extLst>
               </a:tr>
               <a:tr h="370840">
                 <a:tc>
@@ -9626,11 +10243,15 @@
                         <a:rPr lang="en-US" sz="1400" b="1" dirty="0"/>
                         <a:t> (Foreign key)</a:t>
                       </a:r>
-                      <a:endParaRPr lang="en-US" sz="1400" b="1" dirty="0"/>
-                    </a:p>
-                  </a:txBody>
-                  <a:tcPr/>
-                </a:tc>
+                    </a:p>
+                  </a:txBody>
+                  <a:tcPr/>
+                </a:tc>
+                <a:extLst>
+                  <a:ext uri="{0D108BD9-81ED-4DB2-BD59-A6C34878D82A}">
+                    <a16:rowId xmlns:a16="http://schemas.microsoft.com/office/drawing/2014/main" val="10003"/>
+                  </a:ext>
+                </a:extLst>
               </a:tr>
               <a:tr h="370840">
                 <a:tc>
@@ -9677,6 +10298,11 @@
                   </a:txBody>
                   <a:tcPr/>
                 </a:tc>
+                <a:extLst>
+                  <a:ext uri="{0D108BD9-81ED-4DB2-BD59-A6C34878D82A}">
+                    <a16:rowId xmlns:a16="http://schemas.microsoft.com/office/drawing/2014/main" val="10004"/>
+                  </a:ext>
+                </a:extLst>
               </a:tr>
               <a:tr h="370840">
                 <a:tc>
@@ -9688,7 +10314,6 @@
                         <a:rPr lang="en-US" sz="1400" b="0" dirty="0"/>
                         <a:t>Amount</a:t>
                       </a:r>
-                      <a:endParaRPr lang="en-US" sz="1400" b="0" dirty="0"/>
                     </a:p>
                   </a:txBody>
                   <a:tcPr/>
@@ -9702,11 +10327,15 @@
                         <a:rPr lang="en-US" sz="1400" b="0" dirty="0"/>
                         <a:t>Number</a:t>
                       </a:r>
-                      <a:endParaRPr lang="en-US" sz="1400" b="0" dirty="0"/>
-                    </a:p>
-                  </a:txBody>
-                  <a:tcPr/>
-                </a:tc>
+                    </a:p>
+                  </a:txBody>
+                  <a:tcPr/>
+                </a:tc>
+                <a:extLst>
+                  <a:ext uri="{0D108BD9-81ED-4DB2-BD59-A6C34878D82A}">
+                    <a16:rowId xmlns:a16="http://schemas.microsoft.com/office/drawing/2014/main" val="10005"/>
+                  </a:ext>
+                </a:extLst>
               </a:tr>
               <a:tr h="370840">
                 <a:tc>
@@ -9718,7 +10347,6 @@
                         <a:rPr lang="en-US" sz="1400" b="0" dirty="0"/>
                         <a:t>Note</a:t>
                       </a:r>
-                      <a:endParaRPr lang="en-US" sz="1400" b="0" dirty="0"/>
                     </a:p>
                   </a:txBody>
                   <a:tcPr/>
@@ -9745,6 +10373,11 @@
                   </a:txBody>
                   <a:tcPr/>
                 </a:tc>
+                <a:extLst>
+                  <a:ext uri="{0D108BD9-81ED-4DB2-BD59-A6C34878D82A}">
+                    <a16:rowId xmlns:a16="http://schemas.microsoft.com/office/drawing/2014/main" val="10006"/>
+                  </a:ext>
+                </a:extLst>
               </a:tr>
               <a:tr h="370840">
                 <a:tc>
@@ -9791,6 +10424,11 @@
                   </a:txBody>
                   <a:tcPr/>
                 </a:tc>
+                <a:extLst>
+                  <a:ext uri="{0D108BD9-81ED-4DB2-BD59-A6C34878D82A}">
+                    <a16:rowId xmlns:a16="http://schemas.microsoft.com/office/drawing/2014/main" val="10007"/>
+                  </a:ext>
+                </a:extLst>
               </a:tr>
             </a:tbl>
           </a:graphicData>
@@ -9815,8 +10453,20 @@
                 <a:tableStyleId>{5C22544A-7EE6-4342-B048-85BDC9FD1C3A}</a:tableStyleId>
               </a:tblPr>
               <a:tblGrid>
-                <a:gridCol w="1433521"/>
-                <a:gridCol w="2502012"/>
+                <a:gridCol w="1433521">
+                  <a:extLst>
+                    <a:ext uri="{9D8B030D-6E8A-4147-A177-3AD203B41FA5}">
+                      <a16:colId xmlns:a16="http://schemas.microsoft.com/office/drawing/2014/main" val="20000"/>
+                    </a:ext>
+                  </a:extLst>
+                </a:gridCol>
+                <a:gridCol w="2502012">
+                  <a:extLst>
+                    <a:ext uri="{9D8B030D-6E8A-4147-A177-3AD203B41FA5}">
+                      <a16:colId xmlns:a16="http://schemas.microsoft.com/office/drawing/2014/main" val="20001"/>
+                    </a:ext>
+                  </a:extLst>
+                </a:gridCol>
               </a:tblGrid>
               <a:tr h="0">
                 <a:tc gridSpan="2">
@@ -9828,14 +10478,25 @@
                         <a:rPr lang="en-US" sz="1400" b="0" dirty="0"/>
                         <a:t>Expense Types  Data Collection </a:t>
                       </a:r>
-                      <a:endParaRPr lang="en-US" sz="1400" b="0" dirty="0"/>
                     </a:p>
                   </a:txBody>
                   <a:tcPr/>
                 </a:tc>
                 <a:tc hMerge="1">
-                  <a:tcPr/>
-                </a:tc>
+                  <a:txBody>
+                    <a:bodyPr/>
+                    <a:lstStyle/>
+                    <a:p>
+                      <a:endParaRPr lang="en-US"/>
+                    </a:p>
+                  </a:txBody>
+                  <a:tcPr/>
+                </a:tc>
+                <a:extLst>
+                  <a:ext uri="{0D108BD9-81ED-4DB2-BD59-A6C34878D82A}">
+                    <a16:rowId xmlns:a16="http://schemas.microsoft.com/office/drawing/2014/main" val="10000"/>
+                  </a:ext>
+                </a:extLst>
               </a:tr>
               <a:tr h="370840">
                 <a:tc>
@@ -9847,7 +10508,6 @@
                         <a:rPr lang="en-US" sz="1400" b="1" dirty="0"/>
                         <a:t>_id</a:t>
                       </a:r>
-                      <a:endParaRPr lang="en-US" sz="1400" b="1" dirty="0"/>
                     </a:p>
                   </a:txBody>
                   <a:tcPr/>
@@ -9865,11 +10525,15 @@
                         <a:rPr lang="en-US" sz="1400" b="1" dirty="0"/>
                         <a:t> (Primary Key)</a:t>
                       </a:r>
-                      <a:endParaRPr lang="en-US" sz="1400" b="1" dirty="0"/>
-                    </a:p>
-                  </a:txBody>
-                  <a:tcPr/>
-                </a:tc>
+                    </a:p>
+                  </a:txBody>
+                  <a:tcPr/>
+                </a:tc>
+                <a:extLst>
+                  <a:ext uri="{0D108BD9-81ED-4DB2-BD59-A6C34878D82A}">
+                    <a16:rowId xmlns:a16="http://schemas.microsoft.com/office/drawing/2014/main" val="10001"/>
+                  </a:ext>
+                </a:extLst>
               </a:tr>
               <a:tr h="370840">
                 <a:tc>
@@ -9928,6 +10592,11 @@
                   </a:txBody>
                   <a:tcPr/>
                 </a:tc>
+                <a:extLst>
+                  <a:ext uri="{0D108BD9-81ED-4DB2-BD59-A6C34878D82A}">
+                    <a16:rowId xmlns:a16="http://schemas.microsoft.com/office/drawing/2014/main" val="10002"/>
+                  </a:ext>
+                </a:extLst>
               </a:tr>
               <a:tr h="370840">
                 <a:tc>
@@ -9974,6 +10643,11 @@
                   </a:txBody>
                   <a:tcPr/>
                 </a:tc>
+                <a:extLst>
+                  <a:ext uri="{0D108BD9-81ED-4DB2-BD59-A6C34878D82A}">
+                    <a16:rowId xmlns:a16="http://schemas.microsoft.com/office/drawing/2014/main" val="10003"/>
+                  </a:ext>
+                </a:extLst>
               </a:tr>
               <a:tr h="370840">
                 <a:tc>
@@ -10020,6 +10694,11 @@
                   </a:txBody>
                   <a:tcPr/>
                 </a:tc>
+                <a:extLst>
+                  <a:ext uri="{0D108BD9-81ED-4DB2-BD59-A6C34878D82A}">
+                    <a16:rowId xmlns:a16="http://schemas.microsoft.com/office/drawing/2014/main" val="10004"/>
+                  </a:ext>
+                </a:extLst>
               </a:tr>
             </a:tbl>
           </a:graphicData>
@@ -10959,8 +11638,20 @@
                 <a:tableStyleId>{5C22544A-7EE6-4342-B048-85BDC9FD1C3A}</a:tableStyleId>
               </a:tblPr>
               <a:tblGrid>
-                <a:gridCol w="1433830"/>
-                <a:gridCol w="2502012"/>
+                <a:gridCol w="1433830">
+                  <a:extLst>
+                    <a:ext uri="{9D8B030D-6E8A-4147-A177-3AD203B41FA5}">
+                      <a16:colId xmlns:a16="http://schemas.microsoft.com/office/drawing/2014/main" val="20000"/>
+                    </a:ext>
+                  </a:extLst>
+                </a:gridCol>
+                <a:gridCol w="2502012">
+                  <a:extLst>
+                    <a:ext uri="{9D8B030D-6E8A-4147-A177-3AD203B41FA5}">
+                      <a16:colId xmlns:a16="http://schemas.microsoft.com/office/drawing/2014/main" val="20001"/>
+                    </a:ext>
+                  </a:extLst>
+                </a:gridCol>
               </a:tblGrid>
               <a:tr h="370840">
                 <a:tc gridSpan="2">
@@ -10972,14 +11663,25 @@
                         <a:rPr lang="en-US" sz="1400" b="0" dirty="0"/>
                         <a:t>Purchase Summary  Data Collection </a:t>
                       </a:r>
-                      <a:endParaRPr lang="en-US" sz="1400" b="0" dirty="0"/>
                     </a:p>
                   </a:txBody>
                   <a:tcPr/>
                 </a:tc>
                 <a:tc hMerge="1">
-                  <a:tcPr/>
-                </a:tc>
+                  <a:txBody>
+                    <a:bodyPr/>
+                    <a:lstStyle/>
+                    <a:p>
+                      <a:endParaRPr lang="en-US"/>
+                    </a:p>
+                  </a:txBody>
+                  <a:tcPr/>
+                </a:tc>
+                <a:extLst>
+                  <a:ext uri="{0D108BD9-81ED-4DB2-BD59-A6C34878D82A}">
+                    <a16:rowId xmlns:a16="http://schemas.microsoft.com/office/drawing/2014/main" val="10000"/>
+                  </a:ext>
+                </a:extLst>
               </a:tr>
               <a:tr h="370840">
                 <a:tc>
@@ -10991,7 +11693,6 @@
                         <a:rPr lang="en-US" sz="1400" b="1" dirty="0"/>
                         <a:t>_id</a:t>
                       </a:r>
-                      <a:endParaRPr lang="en-US" sz="1400" b="1" dirty="0"/>
                     </a:p>
                   </a:txBody>
                   <a:tcPr/>
@@ -11009,11 +11710,15 @@
                         <a:rPr lang="en-US" sz="1400" b="1" dirty="0"/>
                         <a:t> (Primary Key)</a:t>
                       </a:r>
-                      <a:endParaRPr lang="en-US" sz="1400" b="1" dirty="0"/>
-                    </a:p>
-                  </a:txBody>
-                  <a:tcPr/>
-                </a:tc>
+                    </a:p>
+                  </a:txBody>
+                  <a:tcPr/>
+                </a:tc>
+                <a:extLst>
+                  <a:ext uri="{0D108BD9-81ED-4DB2-BD59-A6C34878D82A}">
+                    <a16:rowId xmlns:a16="http://schemas.microsoft.com/office/drawing/2014/main" val="10001"/>
+                  </a:ext>
+                </a:extLst>
               </a:tr>
               <a:tr h="370840">
                 <a:tc>
@@ -11072,6 +11777,11 @@
                   </a:txBody>
                   <a:tcPr/>
                 </a:tc>
+                <a:extLst>
+                  <a:ext uri="{0D108BD9-81ED-4DB2-BD59-A6C34878D82A}">
+                    <a16:rowId xmlns:a16="http://schemas.microsoft.com/office/drawing/2014/main" val="10002"/>
+                  </a:ext>
+                </a:extLst>
               </a:tr>
               <a:tr h="370840">
                 <a:tc>
@@ -11117,11 +11827,15 @@
                         <a:rPr lang="en-US" sz="1400" b="1" dirty="0"/>
                         <a:t> (Foreign key)</a:t>
                       </a:r>
-                      <a:endParaRPr lang="en-US" sz="1400" b="1" dirty="0"/>
-                    </a:p>
-                  </a:txBody>
-                  <a:tcPr/>
-                </a:tc>
+                    </a:p>
+                  </a:txBody>
+                  <a:tcPr/>
+                </a:tc>
+                <a:extLst>
+                  <a:ext uri="{0D108BD9-81ED-4DB2-BD59-A6C34878D82A}">
+                    <a16:rowId xmlns:a16="http://schemas.microsoft.com/office/drawing/2014/main" val="10003"/>
+                  </a:ext>
+                </a:extLst>
               </a:tr>
               <a:tr h="370840">
                 <a:tc>
@@ -11155,11 +11869,15 @@
                         <a:rPr lang="en-US" sz="1400" b="0" dirty="0"/>
                         <a:t>Number</a:t>
                       </a:r>
-                      <a:endParaRPr lang="en-US" sz="1400" b="0" dirty="0"/>
-                    </a:p>
-                  </a:txBody>
-                  <a:tcPr/>
-                </a:tc>
+                    </a:p>
+                  </a:txBody>
+                  <a:tcPr/>
+                </a:tc>
+                <a:extLst>
+                  <a:ext uri="{0D108BD9-81ED-4DB2-BD59-A6C34878D82A}">
+                    <a16:rowId xmlns:a16="http://schemas.microsoft.com/office/drawing/2014/main" val="10004"/>
+                  </a:ext>
+                </a:extLst>
               </a:tr>
               <a:tr h="370840">
                 <a:tc>
@@ -11171,7 +11889,6 @@
                         <a:rPr lang="en-US" sz="1400" b="0" dirty="0"/>
                         <a:t>Discount</a:t>
                       </a:r>
-                      <a:endParaRPr lang="en-US" sz="1400" b="0" dirty="0"/>
                     </a:p>
                   </a:txBody>
                   <a:tcPr/>
@@ -11185,11 +11902,15 @@
                         <a:rPr lang="en-US" sz="1400" b="0" dirty="0"/>
                         <a:t>Number</a:t>
                       </a:r>
-                      <a:endParaRPr lang="en-US" sz="1400" b="0" dirty="0"/>
-                    </a:p>
-                  </a:txBody>
-                  <a:tcPr/>
-                </a:tc>
+                    </a:p>
+                  </a:txBody>
+                  <a:tcPr/>
+                </a:tc>
+                <a:extLst>
+                  <a:ext uri="{0D108BD9-81ED-4DB2-BD59-A6C34878D82A}">
+                    <a16:rowId xmlns:a16="http://schemas.microsoft.com/office/drawing/2014/main" val="10005"/>
+                  </a:ext>
+                </a:extLst>
               </a:tr>
               <a:tr h="370840">
                 <a:tc>
@@ -11215,11 +11936,15 @@
                         <a:rPr lang="en-US" sz="1400" b="0" dirty="0"/>
                         <a:t>Number</a:t>
                       </a:r>
-                      <a:endParaRPr lang="en-US" sz="1400" b="0" dirty="0"/>
-                    </a:p>
-                  </a:txBody>
-                  <a:tcPr/>
-                </a:tc>
+                    </a:p>
+                  </a:txBody>
+                  <a:tcPr/>
+                </a:tc>
+                <a:extLst>
+                  <a:ext uri="{0D108BD9-81ED-4DB2-BD59-A6C34878D82A}">
+                    <a16:rowId xmlns:a16="http://schemas.microsoft.com/office/drawing/2014/main" val="10006"/>
+                  </a:ext>
+                </a:extLst>
               </a:tr>
               <a:tr h="370840">
                 <a:tc>
@@ -11245,11 +11970,15 @@
                         <a:rPr lang="en-US" sz="1400" b="0" dirty="0"/>
                         <a:t>Number</a:t>
                       </a:r>
-                      <a:endParaRPr lang="en-US" sz="1400" b="0" dirty="0"/>
-                    </a:p>
-                  </a:txBody>
-                  <a:tcPr/>
-                </a:tc>
+                    </a:p>
+                  </a:txBody>
+                  <a:tcPr/>
+                </a:tc>
+                <a:extLst>
+                  <a:ext uri="{0D108BD9-81ED-4DB2-BD59-A6C34878D82A}">
+                    <a16:rowId xmlns:a16="http://schemas.microsoft.com/office/drawing/2014/main" val="10007"/>
+                  </a:ext>
+                </a:extLst>
               </a:tr>
               <a:tr h="370840">
                 <a:tc>
@@ -11275,11 +12004,15 @@
                         <a:rPr lang="en-US" sz="1400" b="0" dirty="0"/>
                         <a:t>Number</a:t>
                       </a:r>
-                      <a:endParaRPr lang="en-US" sz="1400" b="0" dirty="0"/>
-                    </a:p>
-                  </a:txBody>
-                  <a:tcPr/>
-                </a:tc>
+                    </a:p>
+                  </a:txBody>
+                  <a:tcPr/>
+                </a:tc>
+                <a:extLst>
+                  <a:ext uri="{0D108BD9-81ED-4DB2-BD59-A6C34878D82A}">
+                    <a16:rowId xmlns:a16="http://schemas.microsoft.com/office/drawing/2014/main" val="10008"/>
+                  </a:ext>
+                </a:extLst>
               </a:tr>
               <a:tr h="370840">
                 <a:tc>
@@ -11291,7 +12024,6 @@
                         <a:rPr lang="en-US" sz="1400" b="0" dirty="0"/>
                         <a:t>Note</a:t>
                       </a:r>
-                      <a:endParaRPr lang="en-US" sz="1400" b="0" dirty="0"/>
                     </a:p>
                   </a:txBody>
                   <a:tcPr/>
@@ -11318,6 +12050,11 @@
                   </a:txBody>
                   <a:tcPr/>
                 </a:tc>
+                <a:extLst>
+                  <a:ext uri="{0D108BD9-81ED-4DB2-BD59-A6C34878D82A}">
+                    <a16:rowId xmlns:a16="http://schemas.microsoft.com/office/drawing/2014/main" val="10009"/>
+                  </a:ext>
+                </a:extLst>
               </a:tr>
               <a:tr h="370840">
                 <a:tc>
@@ -11364,6 +12101,11 @@
                   </a:txBody>
                   <a:tcPr/>
                 </a:tc>
+                <a:extLst>
+                  <a:ext uri="{0D108BD9-81ED-4DB2-BD59-A6C34878D82A}">
+                    <a16:rowId xmlns:a16="http://schemas.microsoft.com/office/drawing/2014/main" val="10010"/>
+                  </a:ext>
+                </a:extLst>
               </a:tr>
             </a:tbl>
           </a:graphicData>
@@ -11392,8 +12134,20 @@
                 <a:tableStyleId>{5C22544A-7EE6-4342-B048-85BDC9FD1C3A}</a:tableStyleId>
               </a:tblPr>
               <a:tblGrid>
-                <a:gridCol w="1408046"/>
-                <a:gridCol w="2502012"/>
+                <a:gridCol w="1408046">
+                  <a:extLst>
+                    <a:ext uri="{9D8B030D-6E8A-4147-A177-3AD203B41FA5}">
+                      <a16:colId xmlns:a16="http://schemas.microsoft.com/office/drawing/2014/main" val="20000"/>
+                    </a:ext>
+                  </a:extLst>
+                </a:gridCol>
+                <a:gridCol w="2502012">
+                  <a:extLst>
+                    <a:ext uri="{9D8B030D-6E8A-4147-A177-3AD203B41FA5}">
+                      <a16:colId xmlns:a16="http://schemas.microsoft.com/office/drawing/2014/main" val="20001"/>
+                    </a:ext>
+                  </a:extLst>
+                </a:gridCol>
               </a:tblGrid>
               <a:tr h="370840">
                 <a:tc gridSpan="2">
@@ -11405,14 +12159,25 @@
                         <a:rPr lang="en-US" sz="1400" b="0" dirty="0"/>
                         <a:t>Purchase Product  Data Collection </a:t>
                       </a:r>
-                      <a:endParaRPr lang="en-US" sz="1400" b="0" dirty="0"/>
                     </a:p>
                   </a:txBody>
                   <a:tcPr/>
                 </a:tc>
                 <a:tc hMerge="1">
-                  <a:tcPr/>
-                </a:tc>
+                  <a:txBody>
+                    <a:bodyPr/>
+                    <a:lstStyle/>
+                    <a:p>
+                      <a:endParaRPr lang="en-US"/>
+                    </a:p>
+                  </a:txBody>
+                  <a:tcPr/>
+                </a:tc>
+                <a:extLst>
+                  <a:ext uri="{0D108BD9-81ED-4DB2-BD59-A6C34878D82A}">
+                    <a16:rowId xmlns:a16="http://schemas.microsoft.com/office/drawing/2014/main" val="10000"/>
+                  </a:ext>
+                </a:extLst>
               </a:tr>
               <a:tr h="370840">
                 <a:tc>
@@ -11424,7 +12189,6 @@
                         <a:rPr lang="en-US" sz="1400" b="1" dirty="0"/>
                         <a:t>_id</a:t>
                       </a:r>
-                      <a:endParaRPr lang="en-US" sz="1400" b="1" dirty="0"/>
                     </a:p>
                   </a:txBody>
                   <a:tcPr/>
@@ -11442,11 +12206,15 @@
                         <a:rPr lang="en-US" sz="1400" b="1" dirty="0"/>
                         <a:t> (Primary Key)</a:t>
                       </a:r>
-                      <a:endParaRPr lang="en-US" sz="1400" b="1" dirty="0"/>
-                    </a:p>
-                  </a:txBody>
-                  <a:tcPr/>
-                </a:tc>
+                    </a:p>
+                  </a:txBody>
+                  <a:tcPr/>
+                </a:tc>
+                <a:extLst>
+                  <a:ext uri="{0D108BD9-81ED-4DB2-BD59-A6C34878D82A}">
+                    <a16:rowId xmlns:a16="http://schemas.microsoft.com/office/drawing/2014/main" val="10001"/>
+                  </a:ext>
+                </a:extLst>
               </a:tr>
               <a:tr h="370840">
                 <a:tc>
@@ -11505,6 +12273,11 @@
                   </a:txBody>
                   <a:tcPr/>
                 </a:tc>
+                <a:extLst>
+                  <a:ext uri="{0D108BD9-81ED-4DB2-BD59-A6C34878D82A}">
+                    <a16:rowId xmlns:a16="http://schemas.microsoft.com/office/drawing/2014/main" val="10002"/>
+                  </a:ext>
+                </a:extLst>
               </a:tr>
               <a:tr h="370840">
                 <a:tc>
@@ -11550,11 +12323,15 @@
                         <a:rPr lang="en-US" sz="1400" b="1" dirty="0"/>
                         <a:t> (Foreign key)</a:t>
                       </a:r>
-                      <a:endParaRPr lang="en-US" sz="1400" b="1" dirty="0"/>
-                    </a:p>
-                  </a:txBody>
-                  <a:tcPr/>
-                </a:tc>
+                    </a:p>
+                  </a:txBody>
+                  <a:tcPr/>
+                </a:tc>
+                <a:extLst>
+                  <a:ext uri="{0D108BD9-81ED-4DB2-BD59-A6C34878D82A}">
+                    <a16:rowId xmlns:a16="http://schemas.microsoft.com/office/drawing/2014/main" val="10003"/>
+                  </a:ext>
+                </a:extLst>
               </a:tr>
               <a:tr h="370840">
                 <a:tc>
@@ -11600,11 +12377,15 @@
                         <a:rPr lang="en-US" sz="1400" b="1" dirty="0"/>
                         <a:t> (Foreign key)</a:t>
                       </a:r>
-                      <a:endParaRPr lang="en-US" sz="1400" b="1" dirty="0"/>
-                    </a:p>
-                  </a:txBody>
-                  <a:tcPr/>
-                </a:tc>
+                    </a:p>
+                  </a:txBody>
+                  <a:tcPr/>
+                </a:tc>
+                <a:extLst>
+                  <a:ext uri="{0D108BD9-81ED-4DB2-BD59-A6C34878D82A}">
+                    <a16:rowId xmlns:a16="http://schemas.microsoft.com/office/drawing/2014/main" val="10004"/>
+                  </a:ext>
+                </a:extLst>
               </a:tr>
               <a:tr h="370840">
                 <a:tc>
@@ -11638,11 +12419,15 @@
                         <a:rPr lang="en-US" sz="1400" b="0" dirty="0"/>
                         <a:t>Number</a:t>
                       </a:r>
-                      <a:endParaRPr lang="en-US" sz="1400" b="0" dirty="0"/>
-                    </a:p>
-                  </a:txBody>
-                  <a:tcPr/>
-                </a:tc>
+                    </a:p>
+                  </a:txBody>
+                  <a:tcPr/>
+                </a:tc>
+                <a:extLst>
+                  <a:ext uri="{0D108BD9-81ED-4DB2-BD59-A6C34878D82A}">
+                    <a16:rowId xmlns:a16="http://schemas.microsoft.com/office/drawing/2014/main" val="10005"/>
+                  </a:ext>
+                </a:extLst>
               </a:tr>
               <a:tr h="370840">
                 <a:tc>
@@ -11668,11 +12453,15 @@
                         <a:rPr lang="en-US" sz="1400" b="0" dirty="0"/>
                         <a:t>Number</a:t>
                       </a:r>
-                      <a:endParaRPr lang="en-US" sz="1400" b="0" dirty="0"/>
-                    </a:p>
-                  </a:txBody>
-                  <a:tcPr/>
-                </a:tc>
+                    </a:p>
+                  </a:txBody>
+                  <a:tcPr/>
+                </a:tc>
+                <a:extLst>
+                  <a:ext uri="{0D108BD9-81ED-4DB2-BD59-A6C34878D82A}">
+                    <a16:rowId xmlns:a16="http://schemas.microsoft.com/office/drawing/2014/main" val="10006"/>
+                  </a:ext>
+                </a:extLst>
               </a:tr>
               <a:tr h="370840">
                 <a:tc>
@@ -11684,7 +12473,6 @@
                         <a:rPr lang="en-US" sz="1400" b="0" dirty="0"/>
                         <a:t>Total</a:t>
                       </a:r>
-                      <a:endParaRPr lang="en-US" sz="1400" b="0" dirty="0"/>
                     </a:p>
                   </a:txBody>
                   <a:tcPr/>
@@ -11698,11 +12486,15 @@
                         <a:rPr lang="en-US" sz="1400" b="0" dirty="0"/>
                         <a:t>Number</a:t>
                       </a:r>
-                      <a:endParaRPr lang="en-US" sz="1400" b="0" dirty="0"/>
-                    </a:p>
-                  </a:txBody>
-                  <a:tcPr/>
-                </a:tc>
+                    </a:p>
+                  </a:txBody>
+                  <a:tcPr/>
+                </a:tc>
+                <a:extLst>
+                  <a:ext uri="{0D108BD9-81ED-4DB2-BD59-A6C34878D82A}">
+                    <a16:rowId xmlns:a16="http://schemas.microsoft.com/office/drawing/2014/main" val="10007"/>
+                  </a:ext>
+                </a:extLst>
               </a:tr>
               <a:tr h="370840">
                 <a:tc>
@@ -11749,6 +12541,11 @@
                   </a:txBody>
                   <a:tcPr/>
                 </a:tc>
+                <a:extLst>
+                  <a:ext uri="{0D108BD9-81ED-4DB2-BD59-A6C34878D82A}">
+                    <a16:rowId xmlns:a16="http://schemas.microsoft.com/office/drawing/2014/main" val="10008"/>
+                  </a:ext>
+                </a:extLst>
               </a:tr>
             </a:tbl>
           </a:graphicData>
@@ -12224,8 +13021,20 @@
                 <a:tableStyleId>{5C22544A-7EE6-4342-B048-85BDC9FD1C3A}</a:tableStyleId>
               </a:tblPr>
               <a:tblGrid>
-                <a:gridCol w="1179297"/>
-                <a:gridCol w="2058301"/>
+                <a:gridCol w="1179297">
+                  <a:extLst>
+                    <a:ext uri="{9D8B030D-6E8A-4147-A177-3AD203B41FA5}">
+                      <a16:colId xmlns:a16="http://schemas.microsoft.com/office/drawing/2014/main" val="20000"/>
+                    </a:ext>
+                  </a:extLst>
+                </a:gridCol>
+                <a:gridCol w="2058301">
+                  <a:extLst>
+                    <a:ext uri="{9D8B030D-6E8A-4147-A177-3AD203B41FA5}">
+                      <a16:colId xmlns:a16="http://schemas.microsoft.com/office/drawing/2014/main" val="20001"/>
+                    </a:ext>
+                  </a:extLst>
+                </a:gridCol>
               </a:tblGrid>
               <a:tr h="235252">
                 <a:tc gridSpan="2">
@@ -12237,14 +13046,25 @@
                         <a:rPr lang="en-US" sz="1050" b="0" dirty="0"/>
                         <a:t>Purchase Summary  Data Collection </a:t>
                       </a:r>
-                      <a:endParaRPr lang="en-US" sz="1050" b="0" dirty="0"/>
                     </a:p>
                   </a:txBody>
                   <a:tcPr/>
                 </a:tc>
                 <a:tc hMerge="1">
-                  <a:tcPr/>
-                </a:tc>
+                  <a:txBody>
+                    <a:bodyPr/>
+                    <a:lstStyle/>
+                    <a:p>
+                      <a:endParaRPr lang="en-US"/>
+                    </a:p>
+                  </a:txBody>
+                  <a:tcPr/>
+                </a:tc>
+                <a:extLst>
+                  <a:ext uri="{0D108BD9-81ED-4DB2-BD59-A6C34878D82A}">
+                    <a16:rowId xmlns:a16="http://schemas.microsoft.com/office/drawing/2014/main" val="10000"/>
+                  </a:ext>
+                </a:extLst>
               </a:tr>
               <a:tr h="235252">
                 <a:tc>
@@ -12256,7 +13076,6 @@
                         <a:rPr lang="en-US" sz="1050" b="1" dirty="0"/>
                         <a:t>_id</a:t>
                       </a:r>
-                      <a:endParaRPr lang="en-US" sz="1050" b="1" dirty="0"/>
                     </a:p>
                   </a:txBody>
                   <a:tcPr/>
@@ -12274,11 +13093,15 @@
                         <a:rPr lang="en-US" sz="1050" b="1" dirty="0"/>
                         <a:t> (Primary Key)</a:t>
                       </a:r>
-                      <a:endParaRPr lang="en-US" sz="1050" b="1" dirty="0"/>
-                    </a:p>
-                  </a:txBody>
-                  <a:tcPr/>
-                </a:tc>
+                    </a:p>
+                  </a:txBody>
+                  <a:tcPr/>
+                </a:tc>
+                <a:extLst>
+                  <a:ext uri="{0D108BD9-81ED-4DB2-BD59-A6C34878D82A}">
+                    <a16:rowId xmlns:a16="http://schemas.microsoft.com/office/drawing/2014/main" val="10001"/>
+                  </a:ext>
+                </a:extLst>
               </a:tr>
               <a:tr h="235252">
                 <a:tc>
@@ -12337,6 +13160,11 @@
                   </a:txBody>
                   <a:tcPr/>
                 </a:tc>
+                <a:extLst>
+                  <a:ext uri="{0D108BD9-81ED-4DB2-BD59-A6C34878D82A}">
+                    <a16:rowId xmlns:a16="http://schemas.microsoft.com/office/drawing/2014/main" val="10002"/>
+                  </a:ext>
+                </a:extLst>
               </a:tr>
               <a:tr h="235252">
                 <a:tc>
@@ -12382,11 +13210,15 @@
                         <a:rPr lang="en-US" sz="1050" b="1" dirty="0"/>
                         <a:t> (Foreign key)</a:t>
                       </a:r>
-                      <a:endParaRPr lang="en-US" sz="1050" b="1" dirty="0"/>
-                    </a:p>
-                  </a:txBody>
-                  <a:tcPr/>
-                </a:tc>
+                    </a:p>
+                  </a:txBody>
+                  <a:tcPr/>
+                </a:tc>
+                <a:extLst>
+                  <a:ext uri="{0D108BD9-81ED-4DB2-BD59-A6C34878D82A}">
+                    <a16:rowId xmlns:a16="http://schemas.microsoft.com/office/drawing/2014/main" val="10003"/>
+                  </a:ext>
+                </a:extLst>
               </a:tr>
               <a:tr h="235252">
                 <a:tc>
@@ -12420,11 +13252,15 @@
                         <a:rPr lang="en-US" sz="1050" b="0" dirty="0"/>
                         <a:t>Number</a:t>
                       </a:r>
-                      <a:endParaRPr lang="en-US" sz="1050" b="0" dirty="0"/>
-                    </a:p>
-                  </a:txBody>
-                  <a:tcPr/>
-                </a:tc>
+                    </a:p>
+                  </a:txBody>
+                  <a:tcPr/>
+                </a:tc>
+                <a:extLst>
+                  <a:ext uri="{0D108BD9-81ED-4DB2-BD59-A6C34878D82A}">
+                    <a16:rowId xmlns:a16="http://schemas.microsoft.com/office/drawing/2014/main" val="10004"/>
+                  </a:ext>
+                </a:extLst>
               </a:tr>
               <a:tr h="235252">
                 <a:tc>
@@ -12436,7 +13272,6 @@
                         <a:rPr lang="en-US" sz="1050" b="0" dirty="0"/>
                         <a:t>Discount</a:t>
                       </a:r>
-                      <a:endParaRPr lang="en-US" sz="1050" b="0" dirty="0"/>
                     </a:p>
                   </a:txBody>
                   <a:tcPr/>
@@ -12450,11 +13285,15 @@
                         <a:rPr lang="en-US" sz="1050" b="0" dirty="0"/>
                         <a:t>Number</a:t>
                       </a:r>
-                      <a:endParaRPr lang="en-US" sz="1050" b="0" dirty="0"/>
-                    </a:p>
-                  </a:txBody>
-                  <a:tcPr/>
-                </a:tc>
+                    </a:p>
+                  </a:txBody>
+                  <a:tcPr/>
+                </a:tc>
+                <a:extLst>
+                  <a:ext uri="{0D108BD9-81ED-4DB2-BD59-A6C34878D82A}">
+                    <a16:rowId xmlns:a16="http://schemas.microsoft.com/office/drawing/2014/main" val="10005"/>
+                  </a:ext>
+                </a:extLst>
               </a:tr>
               <a:tr h="235252">
                 <a:tc>
@@ -12480,11 +13319,15 @@
                         <a:rPr lang="en-US" sz="1050" b="0" dirty="0"/>
                         <a:t>Number</a:t>
                       </a:r>
-                      <a:endParaRPr lang="en-US" sz="1050" b="0" dirty="0"/>
-                    </a:p>
-                  </a:txBody>
-                  <a:tcPr/>
-                </a:tc>
+                    </a:p>
+                  </a:txBody>
+                  <a:tcPr/>
+                </a:tc>
+                <a:extLst>
+                  <a:ext uri="{0D108BD9-81ED-4DB2-BD59-A6C34878D82A}">
+                    <a16:rowId xmlns:a16="http://schemas.microsoft.com/office/drawing/2014/main" val="10006"/>
+                  </a:ext>
+                </a:extLst>
               </a:tr>
               <a:tr h="235252">
                 <a:tc>
@@ -12510,11 +13353,15 @@
                         <a:rPr lang="en-US" sz="1050" b="0" dirty="0"/>
                         <a:t>Number</a:t>
                       </a:r>
-                      <a:endParaRPr lang="en-US" sz="1050" b="0" dirty="0"/>
-                    </a:p>
-                  </a:txBody>
-                  <a:tcPr/>
-                </a:tc>
+                    </a:p>
+                  </a:txBody>
+                  <a:tcPr/>
+                </a:tc>
+                <a:extLst>
+                  <a:ext uri="{0D108BD9-81ED-4DB2-BD59-A6C34878D82A}">
+                    <a16:rowId xmlns:a16="http://schemas.microsoft.com/office/drawing/2014/main" val="10007"/>
+                  </a:ext>
+                </a:extLst>
               </a:tr>
               <a:tr h="235252">
                 <a:tc>
@@ -12540,11 +13387,15 @@
                         <a:rPr lang="en-US" sz="1050" b="0" dirty="0"/>
                         <a:t>Number</a:t>
                       </a:r>
-                      <a:endParaRPr lang="en-US" sz="1050" b="0" dirty="0"/>
-                    </a:p>
-                  </a:txBody>
-                  <a:tcPr/>
-                </a:tc>
+                    </a:p>
+                  </a:txBody>
+                  <a:tcPr/>
+                </a:tc>
+                <a:extLst>
+                  <a:ext uri="{0D108BD9-81ED-4DB2-BD59-A6C34878D82A}">
+                    <a16:rowId xmlns:a16="http://schemas.microsoft.com/office/drawing/2014/main" val="10008"/>
+                  </a:ext>
+                </a:extLst>
               </a:tr>
               <a:tr h="235252">
                 <a:tc>
@@ -12556,7 +13407,6 @@
                         <a:rPr lang="en-US" sz="1050" b="0" dirty="0"/>
                         <a:t>Note</a:t>
                       </a:r>
-                      <a:endParaRPr lang="en-US" sz="1050" b="0" dirty="0"/>
                     </a:p>
                   </a:txBody>
                   <a:tcPr/>
@@ -12583,6 +13433,11 @@
                   </a:txBody>
                   <a:tcPr/>
                 </a:tc>
+                <a:extLst>
+                  <a:ext uri="{0D108BD9-81ED-4DB2-BD59-A6C34878D82A}">
+                    <a16:rowId xmlns:a16="http://schemas.microsoft.com/office/drawing/2014/main" val="10009"/>
+                  </a:ext>
+                </a:extLst>
               </a:tr>
               <a:tr h="235252">
                 <a:tc>
@@ -12629,6 +13484,11 @@
                   </a:txBody>
                   <a:tcPr/>
                 </a:tc>
+                <a:extLst>
+                  <a:ext uri="{0D108BD9-81ED-4DB2-BD59-A6C34878D82A}">
+                    <a16:rowId xmlns:a16="http://schemas.microsoft.com/office/drawing/2014/main" val="10010"/>
+                  </a:ext>
+                </a:extLst>
               </a:tr>
             </a:tbl>
           </a:graphicData>
@@ -12653,8 +13513,20 @@
                 <a:tableStyleId>{5C22544A-7EE6-4342-B048-85BDC9FD1C3A}</a:tableStyleId>
               </a:tblPr>
               <a:tblGrid>
-                <a:gridCol w="1200717"/>
-                <a:gridCol w="2133600"/>
+                <a:gridCol w="1200717">
+                  <a:extLst>
+                    <a:ext uri="{9D8B030D-6E8A-4147-A177-3AD203B41FA5}">
+                      <a16:colId xmlns:a16="http://schemas.microsoft.com/office/drawing/2014/main" val="20000"/>
+                    </a:ext>
+                  </a:extLst>
+                </a:gridCol>
+                <a:gridCol w="2133600">
+                  <a:extLst>
+                    <a:ext uri="{9D8B030D-6E8A-4147-A177-3AD203B41FA5}">
+                      <a16:colId xmlns:a16="http://schemas.microsoft.com/office/drawing/2014/main" val="20001"/>
+                    </a:ext>
+                  </a:extLst>
+                </a:gridCol>
               </a:tblGrid>
               <a:tr h="236144">
                 <a:tc gridSpan="2">
@@ -12666,14 +13538,25 @@
                         <a:rPr lang="en-US" sz="1050" b="0" dirty="0"/>
                         <a:t>Purchase Product  Data Collection </a:t>
                       </a:r>
-                      <a:endParaRPr lang="en-US" sz="1050" b="0" dirty="0"/>
                     </a:p>
                   </a:txBody>
                   <a:tcPr/>
                 </a:tc>
                 <a:tc hMerge="1">
-                  <a:tcPr/>
-                </a:tc>
+                  <a:txBody>
+                    <a:bodyPr/>
+                    <a:lstStyle/>
+                    <a:p>
+                      <a:endParaRPr lang="en-US"/>
+                    </a:p>
+                  </a:txBody>
+                  <a:tcPr/>
+                </a:tc>
+                <a:extLst>
+                  <a:ext uri="{0D108BD9-81ED-4DB2-BD59-A6C34878D82A}">
+                    <a16:rowId xmlns:a16="http://schemas.microsoft.com/office/drawing/2014/main" val="10000"/>
+                  </a:ext>
+                </a:extLst>
               </a:tr>
               <a:tr h="287530">
                 <a:tc>
@@ -12685,7 +13568,6 @@
                         <a:rPr lang="en-US" sz="1050" b="1" dirty="0"/>
                         <a:t>_id</a:t>
                       </a:r>
-                      <a:endParaRPr lang="en-US" sz="1050" b="1" dirty="0"/>
                     </a:p>
                   </a:txBody>
                   <a:tcPr/>
@@ -12703,11 +13585,15 @@
                         <a:rPr lang="en-US" sz="1050" b="1" dirty="0"/>
                         <a:t> (Primary Key)</a:t>
                       </a:r>
-                      <a:endParaRPr lang="en-US" sz="1050" b="1" dirty="0"/>
-                    </a:p>
-                  </a:txBody>
-                  <a:tcPr/>
-                </a:tc>
+                    </a:p>
+                  </a:txBody>
+                  <a:tcPr/>
+                </a:tc>
+                <a:extLst>
+                  <a:ext uri="{0D108BD9-81ED-4DB2-BD59-A6C34878D82A}">
+                    <a16:rowId xmlns:a16="http://schemas.microsoft.com/office/drawing/2014/main" val="10001"/>
+                  </a:ext>
+                </a:extLst>
               </a:tr>
               <a:tr h="287530">
                 <a:tc>
@@ -12766,6 +13652,11 @@
                   </a:txBody>
                   <a:tcPr/>
                 </a:tc>
+                <a:extLst>
+                  <a:ext uri="{0D108BD9-81ED-4DB2-BD59-A6C34878D82A}">
+                    <a16:rowId xmlns:a16="http://schemas.microsoft.com/office/drawing/2014/main" val="10002"/>
+                  </a:ext>
+                </a:extLst>
               </a:tr>
               <a:tr h="287530">
                 <a:tc>
@@ -12811,11 +13702,15 @@
                         <a:rPr lang="en-US" sz="1050" b="1" dirty="0"/>
                         <a:t> (Foreign key)</a:t>
                       </a:r>
-                      <a:endParaRPr lang="en-US" sz="1050" b="1" dirty="0"/>
-                    </a:p>
-                  </a:txBody>
-                  <a:tcPr/>
-                </a:tc>
+                    </a:p>
+                  </a:txBody>
+                  <a:tcPr/>
+                </a:tc>
+                <a:extLst>
+                  <a:ext uri="{0D108BD9-81ED-4DB2-BD59-A6C34878D82A}">
+                    <a16:rowId xmlns:a16="http://schemas.microsoft.com/office/drawing/2014/main" val="10003"/>
+                  </a:ext>
+                </a:extLst>
               </a:tr>
               <a:tr h="287530">
                 <a:tc>
@@ -12861,11 +13756,15 @@
                         <a:rPr lang="en-US" sz="1050" b="1" dirty="0"/>
                         <a:t> (Foreign key)</a:t>
                       </a:r>
-                      <a:endParaRPr lang="en-US" sz="1050" b="1" dirty="0"/>
-                    </a:p>
-                  </a:txBody>
-                  <a:tcPr/>
-                </a:tc>
+                    </a:p>
+                  </a:txBody>
+                  <a:tcPr/>
+                </a:tc>
+                <a:extLst>
+                  <a:ext uri="{0D108BD9-81ED-4DB2-BD59-A6C34878D82A}">
+                    <a16:rowId xmlns:a16="http://schemas.microsoft.com/office/drawing/2014/main" val="10004"/>
+                  </a:ext>
+                </a:extLst>
               </a:tr>
               <a:tr h="287530">
                 <a:tc>
@@ -12899,11 +13798,15 @@
                         <a:rPr lang="en-US" sz="1050" b="0" dirty="0"/>
                         <a:t>Number</a:t>
                       </a:r>
-                      <a:endParaRPr lang="en-US" sz="1050" b="0" dirty="0"/>
-                    </a:p>
-                  </a:txBody>
-                  <a:tcPr/>
-                </a:tc>
+                    </a:p>
+                  </a:txBody>
+                  <a:tcPr/>
+                </a:tc>
+                <a:extLst>
+                  <a:ext uri="{0D108BD9-81ED-4DB2-BD59-A6C34878D82A}">
+                    <a16:rowId xmlns:a16="http://schemas.microsoft.com/office/drawing/2014/main" val="10005"/>
+                  </a:ext>
+                </a:extLst>
               </a:tr>
               <a:tr h="287530">
                 <a:tc>
@@ -12929,11 +13832,15 @@
                         <a:rPr lang="en-US" sz="1050" b="0" dirty="0"/>
                         <a:t>Number</a:t>
                       </a:r>
-                      <a:endParaRPr lang="en-US" sz="1050" b="0" dirty="0"/>
-                    </a:p>
-                  </a:txBody>
-                  <a:tcPr/>
-                </a:tc>
+                    </a:p>
+                  </a:txBody>
+                  <a:tcPr/>
+                </a:tc>
+                <a:extLst>
+                  <a:ext uri="{0D108BD9-81ED-4DB2-BD59-A6C34878D82A}">
+                    <a16:rowId xmlns:a16="http://schemas.microsoft.com/office/drawing/2014/main" val="10006"/>
+                  </a:ext>
+                </a:extLst>
               </a:tr>
               <a:tr h="287530">
                 <a:tc>
@@ -12945,7 +13852,6 @@
                         <a:rPr lang="en-US" sz="1050" b="0" dirty="0"/>
                         <a:t>Total</a:t>
                       </a:r>
-                      <a:endParaRPr lang="en-US" sz="1050" b="0" dirty="0"/>
                     </a:p>
                   </a:txBody>
                   <a:tcPr/>
@@ -12959,11 +13865,15 @@
                         <a:rPr lang="en-US" sz="1050" b="0" dirty="0"/>
                         <a:t>Number</a:t>
                       </a:r>
-                      <a:endParaRPr lang="en-US" sz="1050" b="0" dirty="0"/>
-                    </a:p>
-                  </a:txBody>
-                  <a:tcPr/>
-                </a:tc>
+                    </a:p>
+                  </a:txBody>
+                  <a:tcPr/>
+                </a:tc>
+                <a:extLst>
+                  <a:ext uri="{0D108BD9-81ED-4DB2-BD59-A6C34878D82A}">
+                    <a16:rowId xmlns:a16="http://schemas.microsoft.com/office/drawing/2014/main" val="10007"/>
+                  </a:ext>
+                </a:extLst>
               </a:tr>
               <a:tr h="287530">
                 <a:tc>
@@ -13010,6 +13920,11 @@
                   </a:txBody>
                   <a:tcPr/>
                 </a:tc>
+                <a:extLst>
+                  <a:ext uri="{0D108BD9-81ED-4DB2-BD59-A6C34878D82A}">
+                    <a16:rowId xmlns:a16="http://schemas.microsoft.com/office/drawing/2014/main" val="10008"/>
+                  </a:ext>
+                </a:extLst>
               </a:tr>
             </a:tbl>
           </a:graphicData>
@@ -13034,8 +13949,20 @@
                 <a:tableStyleId>{5C22544A-7EE6-4342-B048-85BDC9FD1C3A}</a:tableStyleId>
               </a:tblPr>
               <a:tblGrid>
-                <a:gridCol w="873451"/>
-                <a:gridCol w="1875607"/>
+                <a:gridCol w="873451">
+                  <a:extLst>
+                    <a:ext uri="{9D8B030D-6E8A-4147-A177-3AD203B41FA5}">
+                      <a16:colId xmlns:a16="http://schemas.microsoft.com/office/drawing/2014/main" val="20000"/>
+                    </a:ext>
+                  </a:extLst>
+                </a:gridCol>
+                <a:gridCol w="1875607">
+                  <a:extLst>
+                    <a:ext uri="{9D8B030D-6E8A-4147-A177-3AD203B41FA5}">
+                      <a16:colId xmlns:a16="http://schemas.microsoft.com/office/drawing/2014/main" val="20001"/>
+                    </a:ext>
+                  </a:extLst>
+                </a:gridCol>
               </a:tblGrid>
               <a:tr h="298194">
                 <a:tc gridSpan="2">
@@ -13047,14 +13974,25 @@
                         <a:rPr lang="en-US" sz="1050" b="0" dirty="0"/>
                         <a:t>Suppliers  Data Collection </a:t>
                       </a:r>
-                      <a:endParaRPr lang="en-US" sz="1050" b="0" dirty="0"/>
                     </a:p>
                   </a:txBody>
                   <a:tcPr/>
                 </a:tc>
                 <a:tc hMerge="1">
-                  <a:tcPr/>
-                </a:tc>
+                  <a:txBody>
+                    <a:bodyPr/>
+                    <a:lstStyle/>
+                    <a:p>
+                      <a:endParaRPr lang="en-US"/>
+                    </a:p>
+                  </a:txBody>
+                  <a:tcPr/>
+                </a:tc>
+                <a:extLst>
+                  <a:ext uri="{0D108BD9-81ED-4DB2-BD59-A6C34878D82A}">
+                    <a16:rowId xmlns:a16="http://schemas.microsoft.com/office/drawing/2014/main" val="10000"/>
+                  </a:ext>
+                </a:extLst>
               </a:tr>
               <a:tr h="298194">
                 <a:tc>
@@ -13066,7 +14004,6 @@
                         <a:rPr lang="en-US" sz="1050" b="1" dirty="0"/>
                         <a:t>_id</a:t>
                       </a:r>
-                      <a:endParaRPr lang="en-US" sz="1050" b="1" dirty="0"/>
                     </a:p>
                   </a:txBody>
                   <a:tcPr/>
@@ -13084,11 +14021,15 @@
                         <a:rPr lang="en-US" sz="1050" b="1" dirty="0"/>
                         <a:t> (Primary Key)</a:t>
                       </a:r>
-                      <a:endParaRPr lang="en-US" sz="1050" b="1" dirty="0"/>
-                    </a:p>
-                  </a:txBody>
-                  <a:tcPr/>
-                </a:tc>
+                    </a:p>
+                  </a:txBody>
+                  <a:tcPr/>
+                </a:tc>
+                <a:extLst>
+                  <a:ext uri="{0D108BD9-81ED-4DB2-BD59-A6C34878D82A}">
+                    <a16:rowId xmlns:a16="http://schemas.microsoft.com/office/drawing/2014/main" val="10001"/>
+                  </a:ext>
+                </a:extLst>
               </a:tr>
               <a:tr h="298194">
                 <a:tc>
@@ -13147,6 +14088,11 @@
                   </a:txBody>
                   <a:tcPr/>
                 </a:tc>
+                <a:extLst>
+                  <a:ext uri="{0D108BD9-81ED-4DB2-BD59-A6C34878D82A}">
+                    <a16:rowId xmlns:a16="http://schemas.microsoft.com/office/drawing/2014/main" val="10002"/>
+                  </a:ext>
+                </a:extLst>
               </a:tr>
               <a:tr h="298194">
                 <a:tc>
@@ -13193,6 +14139,11 @@
                   </a:txBody>
                   <a:tcPr/>
                 </a:tc>
+                <a:extLst>
+                  <a:ext uri="{0D108BD9-81ED-4DB2-BD59-A6C34878D82A}">
+                    <a16:rowId xmlns:a16="http://schemas.microsoft.com/office/drawing/2014/main" val="10003"/>
+                  </a:ext>
+                </a:extLst>
               </a:tr>
               <a:tr h="298194">
                 <a:tc>
@@ -13204,7 +14155,6 @@
                         <a:rPr lang="en-US" sz="1050" b="0" dirty="0"/>
                         <a:t>Address</a:t>
                       </a:r>
-                      <a:endParaRPr lang="en-US" sz="1050" b="0" dirty="0"/>
                     </a:p>
                   </a:txBody>
                   <a:tcPr/>
@@ -13231,6 +14181,11 @@
                   </a:txBody>
                   <a:tcPr/>
                 </a:tc>
+                <a:extLst>
+                  <a:ext uri="{0D108BD9-81ED-4DB2-BD59-A6C34878D82A}">
+                    <a16:rowId xmlns:a16="http://schemas.microsoft.com/office/drawing/2014/main" val="10004"/>
+                  </a:ext>
+                </a:extLst>
               </a:tr>
               <a:tr h="298194">
                 <a:tc>
@@ -13242,7 +14197,6 @@
                         <a:rPr lang="en-US" sz="1050" b="0" dirty="0"/>
                         <a:t>Phone</a:t>
                       </a:r>
-                      <a:endParaRPr lang="en-US" sz="1050" b="0" dirty="0"/>
                     </a:p>
                   </a:txBody>
                   <a:tcPr/>
@@ -13269,6 +14223,11 @@
                   </a:txBody>
                   <a:tcPr/>
                 </a:tc>
+                <a:extLst>
+                  <a:ext uri="{0D108BD9-81ED-4DB2-BD59-A6C34878D82A}">
+                    <a16:rowId xmlns:a16="http://schemas.microsoft.com/office/drawing/2014/main" val="10005"/>
+                  </a:ext>
+                </a:extLst>
               </a:tr>
               <a:tr h="298194">
                 <a:tc>
@@ -13280,7 +14239,6 @@
                         <a:rPr lang="en-US" sz="1050" b="0" dirty="0"/>
                         <a:t>Email</a:t>
                       </a:r>
-                      <a:endParaRPr lang="en-US" sz="1050" b="0" dirty="0"/>
                     </a:p>
                   </a:txBody>
                   <a:tcPr/>
@@ -13307,6 +14265,11 @@
                   </a:txBody>
                   <a:tcPr/>
                 </a:tc>
+                <a:extLst>
+                  <a:ext uri="{0D108BD9-81ED-4DB2-BD59-A6C34878D82A}">
+                    <a16:rowId xmlns:a16="http://schemas.microsoft.com/office/drawing/2014/main" val="10006"/>
+                  </a:ext>
+                </a:extLst>
               </a:tr>
               <a:tr h="298194">
                 <a:tc>
@@ -13353,6 +14316,11 @@
                   </a:txBody>
                   <a:tcPr/>
                 </a:tc>
+                <a:extLst>
+                  <a:ext uri="{0D108BD9-81ED-4DB2-BD59-A6C34878D82A}">
+                    <a16:rowId xmlns:a16="http://schemas.microsoft.com/office/drawing/2014/main" val="10007"/>
+                  </a:ext>
+                </a:extLst>
               </a:tr>
             </a:tbl>
           </a:graphicData>
@@ -13377,8 +14345,20 @@
                 <a:tableStyleId>{5C22544A-7EE6-4342-B048-85BDC9FD1C3A}</a:tableStyleId>
               </a:tblPr>
               <a:tblGrid>
-                <a:gridCol w="1179297"/>
-                <a:gridCol w="2058301"/>
+                <a:gridCol w="1179297">
+                  <a:extLst>
+                    <a:ext uri="{9D8B030D-6E8A-4147-A177-3AD203B41FA5}">
+                      <a16:colId xmlns:a16="http://schemas.microsoft.com/office/drawing/2014/main" val="20000"/>
+                    </a:ext>
+                  </a:extLst>
+                </a:gridCol>
+                <a:gridCol w="2058301">
+                  <a:extLst>
+                    <a:ext uri="{9D8B030D-6E8A-4147-A177-3AD203B41FA5}">
+                      <a16:colId xmlns:a16="http://schemas.microsoft.com/office/drawing/2014/main" val="20001"/>
+                    </a:ext>
+                  </a:extLst>
+                </a:gridCol>
               </a:tblGrid>
               <a:tr h="240738">
                 <a:tc gridSpan="2">
@@ -13390,14 +14370,25 @@
                         <a:rPr lang="en-US" sz="1050" b="0" dirty="0"/>
                         <a:t>Product List  Data Collection </a:t>
                       </a:r>
-                      <a:endParaRPr lang="en-US" sz="1050" b="0" dirty="0"/>
                     </a:p>
                   </a:txBody>
                   <a:tcPr marL="88011" marR="88011" marT="44005" marB="44005"/>
                 </a:tc>
                 <a:tc hMerge="1">
-                  <a:tcPr/>
-                </a:tc>
+                  <a:txBody>
+                    <a:bodyPr/>
+                    <a:lstStyle/>
+                    <a:p>
+                      <a:endParaRPr lang="en-US"/>
+                    </a:p>
+                  </a:txBody>
+                  <a:tcPr/>
+                </a:tc>
+                <a:extLst>
+                  <a:ext uri="{0D108BD9-81ED-4DB2-BD59-A6C34878D82A}">
+                    <a16:rowId xmlns:a16="http://schemas.microsoft.com/office/drawing/2014/main" val="10000"/>
+                  </a:ext>
+                </a:extLst>
               </a:tr>
               <a:tr h="240738">
                 <a:tc>
@@ -13409,7 +14400,6 @@
                         <a:rPr lang="en-US" sz="1050" b="1" dirty="0"/>
                         <a:t>_id</a:t>
                       </a:r>
-                      <a:endParaRPr lang="en-US" sz="1050" b="1" dirty="0"/>
                     </a:p>
                   </a:txBody>
                   <a:tcPr marL="88011" marR="88011" marT="44005" marB="44005"/>
@@ -13427,11 +14417,15 @@
                         <a:rPr lang="en-US" sz="1050" b="1" dirty="0"/>
                         <a:t> (Primary Key)</a:t>
                       </a:r>
-                      <a:endParaRPr lang="en-US" sz="1050" b="1" dirty="0"/>
                     </a:p>
                   </a:txBody>
                   <a:tcPr marL="88011" marR="88011" marT="44005" marB="44005"/>
                 </a:tc>
+                <a:extLst>
+                  <a:ext uri="{0D108BD9-81ED-4DB2-BD59-A6C34878D82A}">
+                    <a16:rowId xmlns:a16="http://schemas.microsoft.com/office/drawing/2014/main" val="10001"/>
+                  </a:ext>
+                </a:extLst>
               </a:tr>
               <a:tr h="240738">
                 <a:tc>
@@ -13522,6 +14516,11 @@
                   </a:txBody>
                   <a:tcPr marL="88011" marR="88011" marT="44005" marB="44005"/>
                 </a:tc>
+                <a:extLst>
+                  <a:ext uri="{0D108BD9-81ED-4DB2-BD59-A6C34878D82A}">
+                    <a16:rowId xmlns:a16="http://schemas.microsoft.com/office/drawing/2014/main" val="10002"/>
+                  </a:ext>
+                </a:extLst>
               </a:tr>
               <a:tr h="240738">
                 <a:tc>
@@ -13587,11 +14586,15 @@
                         <a:rPr lang="en-US" sz="1050" b="1" dirty="0"/>
                         <a:t> (Foreign key)</a:t>
                       </a:r>
-                      <a:endParaRPr lang="en-US" sz="1050" b="1" dirty="0"/>
                     </a:p>
                   </a:txBody>
                   <a:tcPr marL="88011" marR="88011" marT="44005" marB="44005"/>
                 </a:tc>
+                <a:extLst>
+                  <a:ext uri="{0D108BD9-81ED-4DB2-BD59-A6C34878D82A}">
+                    <a16:rowId xmlns:a16="http://schemas.microsoft.com/office/drawing/2014/main" val="10003"/>
+                  </a:ext>
+                </a:extLst>
               </a:tr>
               <a:tr h="240738">
                 <a:tc>
@@ -13645,11 +14648,15 @@
                         <a:rPr lang="en-US" sz="1050" b="1" dirty="0"/>
                         <a:t> (Foreign key)</a:t>
                       </a:r>
-                      <a:endParaRPr lang="en-US" sz="1050" b="1" dirty="0"/>
                     </a:p>
                   </a:txBody>
                   <a:tcPr marL="88011" marR="88011" marT="44005" marB="44005"/>
                 </a:tc>
+                <a:extLst>
+                  <a:ext uri="{0D108BD9-81ED-4DB2-BD59-A6C34878D82A}">
+                    <a16:rowId xmlns:a16="http://schemas.microsoft.com/office/drawing/2014/main" val="10004"/>
+                  </a:ext>
+                </a:extLst>
               </a:tr>
               <a:tr h="240738">
                 <a:tc>
@@ -13661,7 +14668,6 @@
                         <a:rPr lang="en-US" sz="1050" b="0" dirty="0"/>
                         <a:t>Name</a:t>
                       </a:r>
-                      <a:endParaRPr lang="en-US" sz="1050" b="0" dirty="0"/>
                     </a:p>
                   </a:txBody>
                   <a:tcPr marL="88011" marR="88011" marT="44005" marB="44005"/>
@@ -13688,6 +14694,11 @@
                   </a:txBody>
                   <a:tcPr marL="88011" marR="88011" marT="44005" marB="44005"/>
                 </a:tc>
+                <a:extLst>
+                  <a:ext uri="{0D108BD9-81ED-4DB2-BD59-A6C34878D82A}">
+                    <a16:rowId xmlns:a16="http://schemas.microsoft.com/office/drawing/2014/main" val="10005"/>
+                  </a:ext>
+                </a:extLst>
               </a:tr>
               <a:tr h="240738">
                 <a:tc>
@@ -13699,7 +14710,6 @@
                         <a:rPr lang="en-US" sz="1050" b="0" dirty="0"/>
                         <a:t>Unit</a:t>
                       </a:r>
-                      <a:endParaRPr lang="en-US" sz="1050" b="0" dirty="0"/>
                     </a:p>
                   </a:txBody>
                   <a:tcPr marL="88011" marR="88011" marT="44005" marB="44005"/>
@@ -13726,6 +14736,11 @@
                   </a:txBody>
                   <a:tcPr marL="88011" marR="88011" marT="44005" marB="44005"/>
                 </a:tc>
+                <a:extLst>
+                  <a:ext uri="{0D108BD9-81ED-4DB2-BD59-A6C34878D82A}">
+                    <a16:rowId xmlns:a16="http://schemas.microsoft.com/office/drawing/2014/main" val="10006"/>
+                  </a:ext>
+                </a:extLst>
               </a:tr>
               <a:tr h="240738">
                 <a:tc>
@@ -13737,7 +14752,6 @@
                         <a:rPr lang="en-US" sz="1050" b="0" dirty="0"/>
                         <a:t>Details</a:t>
                       </a:r>
-                      <a:endParaRPr lang="en-US" sz="1050" b="0" dirty="0"/>
                     </a:p>
                   </a:txBody>
                   <a:tcPr marL="88011" marR="88011" marT="44005" marB="44005"/>
@@ -13764,6 +14778,11 @@
                   </a:txBody>
                   <a:tcPr marL="88011" marR="88011" marT="44005" marB="44005"/>
                 </a:tc>
+                <a:extLst>
+                  <a:ext uri="{0D108BD9-81ED-4DB2-BD59-A6C34878D82A}">
+                    <a16:rowId xmlns:a16="http://schemas.microsoft.com/office/drawing/2014/main" val="10007"/>
+                  </a:ext>
+                </a:extLst>
               </a:tr>
               <a:tr h="240738">
                 <a:tc>
@@ -13810,6 +14829,11 @@
                   </a:txBody>
                   <a:tcPr marL="88011" marR="88011" marT="44005" marB="44005"/>
                 </a:tc>
+                <a:extLst>
+                  <a:ext uri="{0D108BD9-81ED-4DB2-BD59-A6C34878D82A}">
+                    <a16:rowId xmlns:a16="http://schemas.microsoft.com/office/drawing/2014/main" val="10008"/>
+                  </a:ext>
+                </a:extLst>
               </a:tr>
             </a:tbl>
           </a:graphicData>
@@ -13834,8 +14858,20 @@
                 <a:tableStyleId>{5C22544A-7EE6-4342-B048-85BDC9FD1C3A}</a:tableStyleId>
               </a:tblPr>
               <a:tblGrid>
-                <a:gridCol w="1433521"/>
-                <a:gridCol w="2502012"/>
+                <a:gridCol w="1433521">
+                  <a:extLst>
+                    <a:ext uri="{9D8B030D-6E8A-4147-A177-3AD203B41FA5}">
+                      <a16:colId xmlns:a16="http://schemas.microsoft.com/office/drawing/2014/main" val="20000"/>
+                    </a:ext>
+                  </a:extLst>
+                </a:gridCol>
+                <a:gridCol w="2502012">
+                  <a:extLst>
+                    <a:ext uri="{9D8B030D-6E8A-4147-A177-3AD203B41FA5}">
+                      <a16:colId xmlns:a16="http://schemas.microsoft.com/office/drawing/2014/main" val="20001"/>
+                    </a:ext>
+                  </a:extLst>
+                </a:gridCol>
               </a:tblGrid>
               <a:tr h="195059">
                 <a:tc gridSpan="2">
@@ -13847,14 +14883,25 @@
                         <a:rPr lang="en-US" sz="1050" b="0" dirty="0"/>
                         <a:t>Categories  Data Collection </a:t>
                       </a:r>
-                      <a:endParaRPr lang="en-US" sz="1050" b="0" dirty="0"/>
                     </a:p>
                   </a:txBody>
                   <a:tcPr/>
                 </a:tc>
                 <a:tc hMerge="1">
-                  <a:tcPr/>
-                </a:tc>
+                  <a:txBody>
+                    <a:bodyPr/>
+                    <a:lstStyle/>
+                    <a:p>
+                      <a:endParaRPr lang="en-US"/>
+                    </a:p>
+                  </a:txBody>
+                  <a:tcPr/>
+                </a:tc>
+                <a:extLst>
+                  <a:ext uri="{0D108BD9-81ED-4DB2-BD59-A6C34878D82A}">
+                    <a16:rowId xmlns:a16="http://schemas.microsoft.com/office/drawing/2014/main" val="10000"/>
+                  </a:ext>
+                </a:extLst>
               </a:tr>
               <a:tr h="287663">
                 <a:tc>
@@ -13866,7 +14913,6 @@
                         <a:rPr lang="en-US" sz="1050" b="1" dirty="0"/>
                         <a:t>_id</a:t>
                       </a:r>
-                      <a:endParaRPr lang="en-US" sz="1050" b="1" dirty="0"/>
                     </a:p>
                   </a:txBody>
                   <a:tcPr/>
@@ -13884,11 +14930,15 @@
                         <a:rPr lang="en-US" sz="1050" b="1" dirty="0"/>
                         <a:t> (Primary Key)</a:t>
                       </a:r>
-                      <a:endParaRPr lang="en-US" sz="1050" b="1" dirty="0"/>
-                    </a:p>
-                  </a:txBody>
-                  <a:tcPr/>
-                </a:tc>
+                    </a:p>
+                  </a:txBody>
+                  <a:tcPr/>
+                </a:tc>
+                <a:extLst>
+                  <a:ext uri="{0D108BD9-81ED-4DB2-BD59-A6C34878D82A}">
+                    <a16:rowId xmlns:a16="http://schemas.microsoft.com/office/drawing/2014/main" val="10001"/>
+                  </a:ext>
+                </a:extLst>
               </a:tr>
               <a:tr h="287663">
                 <a:tc>
@@ -13947,6 +14997,11 @@
                   </a:txBody>
                   <a:tcPr/>
                 </a:tc>
+                <a:extLst>
+                  <a:ext uri="{0D108BD9-81ED-4DB2-BD59-A6C34878D82A}">
+                    <a16:rowId xmlns:a16="http://schemas.microsoft.com/office/drawing/2014/main" val="10002"/>
+                  </a:ext>
+                </a:extLst>
               </a:tr>
               <a:tr h="287663">
                 <a:tc>
@@ -13993,6 +15048,11 @@
                   </a:txBody>
                   <a:tcPr/>
                 </a:tc>
+                <a:extLst>
+                  <a:ext uri="{0D108BD9-81ED-4DB2-BD59-A6C34878D82A}">
+                    <a16:rowId xmlns:a16="http://schemas.microsoft.com/office/drawing/2014/main" val="10003"/>
+                  </a:ext>
+                </a:extLst>
               </a:tr>
               <a:tr h="287663">
                 <a:tc>
@@ -14039,6 +15099,11 @@
                   </a:txBody>
                   <a:tcPr/>
                 </a:tc>
+                <a:extLst>
+                  <a:ext uri="{0D108BD9-81ED-4DB2-BD59-A6C34878D82A}">
+                    <a16:rowId xmlns:a16="http://schemas.microsoft.com/office/drawing/2014/main" val="10004"/>
+                  </a:ext>
+                </a:extLst>
               </a:tr>
             </a:tbl>
           </a:graphicData>
@@ -14063,8 +15128,20 @@
                 <a:tableStyleId>{5C22544A-7EE6-4342-B048-85BDC9FD1C3A}</a:tableStyleId>
               </a:tblPr>
               <a:tblGrid>
-                <a:gridCol w="1433521"/>
-                <a:gridCol w="2502012"/>
+                <a:gridCol w="1433521">
+                  <a:extLst>
+                    <a:ext uri="{9D8B030D-6E8A-4147-A177-3AD203B41FA5}">
+                      <a16:colId xmlns:a16="http://schemas.microsoft.com/office/drawing/2014/main" val="20000"/>
+                    </a:ext>
+                  </a:extLst>
+                </a:gridCol>
+                <a:gridCol w="2502012">
+                  <a:extLst>
+                    <a:ext uri="{9D8B030D-6E8A-4147-A177-3AD203B41FA5}">
+                      <a16:colId xmlns:a16="http://schemas.microsoft.com/office/drawing/2014/main" val="20001"/>
+                    </a:ext>
+                  </a:extLst>
+                </a:gridCol>
               </a:tblGrid>
               <a:tr h="280422">
                 <a:tc gridSpan="2">
@@ -14076,14 +15153,25 @@
                         <a:rPr lang="en-US" sz="1050" b="0" dirty="0"/>
                         <a:t>Brands  Data Collection </a:t>
                       </a:r>
-                      <a:endParaRPr lang="en-US" sz="1050" b="0" dirty="0"/>
                     </a:p>
                   </a:txBody>
                   <a:tcPr/>
                 </a:tc>
                 <a:tc hMerge="1">
-                  <a:tcPr/>
-                </a:tc>
+                  <a:txBody>
+                    <a:bodyPr/>
+                    <a:lstStyle/>
+                    <a:p>
+                      <a:endParaRPr lang="en-US"/>
+                    </a:p>
+                  </a:txBody>
+                  <a:tcPr/>
+                </a:tc>
+                <a:extLst>
+                  <a:ext uri="{0D108BD9-81ED-4DB2-BD59-A6C34878D82A}">
+                    <a16:rowId xmlns:a16="http://schemas.microsoft.com/office/drawing/2014/main" val="10000"/>
+                  </a:ext>
+                </a:extLst>
               </a:tr>
               <a:tr h="280422">
                 <a:tc>
@@ -14095,7 +15183,6 @@
                         <a:rPr lang="en-US" sz="1050" b="1" dirty="0"/>
                         <a:t>_id</a:t>
                       </a:r>
-                      <a:endParaRPr lang="en-US" sz="1050" b="1" dirty="0"/>
                     </a:p>
                   </a:txBody>
                   <a:tcPr/>
@@ -14113,11 +15200,15 @@
                         <a:rPr lang="en-US" sz="1050" b="1" dirty="0"/>
                         <a:t> (Primary Key)</a:t>
                       </a:r>
-                      <a:endParaRPr lang="en-US" sz="1050" b="1" dirty="0"/>
-                    </a:p>
-                  </a:txBody>
-                  <a:tcPr/>
-                </a:tc>
+                    </a:p>
+                  </a:txBody>
+                  <a:tcPr/>
+                </a:tc>
+                <a:extLst>
+                  <a:ext uri="{0D108BD9-81ED-4DB2-BD59-A6C34878D82A}">
+                    <a16:rowId xmlns:a16="http://schemas.microsoft.com/office/drawing/2014/main" val="10001"/>
+                  </a:ext>
+                </a:extLst>
               </a:tr>
               <a:tr h="280422">
                 <a:tc>
@@ -14176,6 +15267,11 @@
                   </a:txBody>
                   <a:tcPr/>
                 </a:tc>
+                <a:extLst>
+                  <a:ext uri="{0D108BD9-81ED-4DB2-BD59-A6C34878D82A}">
+                    <a16:rowId xmlns:a16="http://schemas.microsoft.com/office/drawing/2014/main" val="10002"/>
+                  </a:ext>
+                </a:extLst>
               </a:tr>
               <a:tr h="280422">
                 <a:tc>
@@ -14222,6 +15318,11 @@
                   </a:txBody>
                   <a:tcPr/>
                 </a:tc>
+                <a:extLst>
+                  <a:ext uri="{0D108BD9-81ED-4DB2-BD59-A6C34878D82A}">
+                    <a16:rowId xmlns:a16="http://schemas.microsoft.com/office/drawing/2014/main" val="10003"/>
+                  </a:ext>
+                </a:extLst>
               </a:tr>
               <a:tr h="280422">
                 <a:tc>
@@ -14268,6 +15369,11 @@
                   </a:txBody>
                   <a:tcPr/>
                 </a:tc>
+                <a:extLst>
+                  <a:ext uri="{0D108BD9-81ED-4DB2-BD59-A6C34878D82A}">
+                    <a16:rowId xmlns:a16="http://schemas.microsoft.com/office/drawing/2014/main" val="10004"/>
+                  </a:ext>
+                </a:extLst>
               </a:tr>
             </a:tbl>
           </a:graphicData>
@@ -15202,10 +16308,6 @@
               </a:rPr>
               <a:t>New purchase create ( with transaction rollback ) </a:t>
             </a:r>
-            <a:endParaRPr lang="en-US" sz="1400" dirty="0">
-              <a:latin typeface="Roboto" panose="02000000000000000000" pitchFamily="2" charset="0"/>
-              <a:ea typeface="Roboto" panose="02000000000000000000" pitchFamily="2" charset="0"/>
-            </a:endParaRPr>
           </a:p>
           <a:p>
             <a:pPr marL="342900" indent="-342900">
@@ -15219,10 +16321,6 @@
               </a:rPr>
               <a:t>Purchase update ( with transaction rollback ) </a:t>
             </a:r>
-            <a:endParaRPr lang="en-US" sz="1400" dirty="0">
-              <a:latin typeface="Roboto" panose="02000000000000000000" pitchFamily="2" charset="0"/>
-              <a:ea typeface="Roboto" panose="02000000000000000000" pitchFamily="2" charset="0"/>
-            </a:endParaRPr>
           </a:p>
           <a:p>
             <a:pPr marL="342900" indent="-342900">
@@ -15235,10 +16333,6 @@
               </a:rPr>
               <a:t>Read/search/filter purchase list </a:t>
             </a:r>
-            <a:endParaRPr lang="en-US" sz="1400" dirty="0">
-              <a:latin typeface="Roboto" panose="02000000000000000000" pitchFamily="2" charset="0"/>
-              <a:ea typeface="Roboto" panose="02000000000000000000" pitchFamily="2" charset="0"/>
-            </a:endParaRPr>
           </a:p>
           <a:p>
             <a:pPr marL="342900" indent="-342900">
@@ -15251,10 +16345,6 @@
               </a:rPr>
               <a:t>Can delete purchase with safety ( with transaction rollback )</a:t>
             </a:r>
-            <a:endParaRPr lang="en-US" sz="1400" dirty="0">
-              <a:latin typeface="Roboto" panose="02000000000000000000" pitchFamily="2" charset="0"/>
-              <a:ea typeface="Roboto" panose="02000000000000000000" pitchFamily="2" charset="0"/>
-            </a:endParaRPr>
           </a:p>
         </p:txBody>
       </p:sp>
@@ -15858,8 +16948,20 @@
                 <a:tableStyleId>{5C22544A-7EE6-4342-B048-85BDC9FD1C3A}</a:tableStyleId>
               </a:tblPr>
               <a:tblGrid>
-                <a:gridCol w="1433521"/>
-                <a:gridCol w="2502012"/>
+                <a:gridCol w="1433521">
+                  <a:extLst>
+                    <a:ext uri="{9D8B030D-6E8A-4147-A177-3AD203B41FA5}">
+                      <a16:colId xmlns:a16="http://schemas.microsoft.com/office/drawing/2014/main" val="20000"/>
+                    </a:ext>
+                  </a:extLst>
+                </a:gridCol>
+                <a:gridCol w="2502012">
+                  <a:extLst>
+                    <a:ext uri="{9D8B030D-6E8A-4147-A177-3AD203B41FA5}">
+                      <a16:colId xmlns:a16="http://schemas.microsoft.com/office/drawing/2014/main" val="20001"/>
+                    </a:ext>
+                  </a:extLst>
+                </a:gridCol>
               </a:tblGrid>
               <a:tr h="370840">
                 <a:tc gridSpan="2">
@@ -15871,14 +16973,25 @@
                         <a:rPr lang="en-US" sz="1400" b="0" dirty="0"/>
                         <a:t>Sell Summary  Data Collection </a:t>
                       </a:r>
-                      <a:endParaRPr lang="en-US" sz="1400" b="0" dirty="0"/>
                     </a:p>
                   </a:txBody>
                   <a:tcPr/>
                 </a:tc>
                 <a:tc hMerge="1">
-                  <a:tcPr/>
-                </a:tc>
+                  <a:txBody>
+                    <a:bodyPr/>
+                    <a:lstStyle/>
+                    <a:p>
+                      <a:endParaRPr lang="en-US"/>
+                    </a:p>
+                  </a:txBody>
+                  <a:tcPr/>
+                </a:tc>
+                <a:extLst>
+                  <a:ext uri="{0D108BD9-81ED-4DB2-BD59-A6C34878D82A}">
+                    <a16:rowId xmlns:a16="http://schemas.microsoft.com/office/drawing/2014/main" val="10000"/>
+                  </a:ext>
+                </a:extLst>
               </a:tr>
               <a:tr h="370840">
                 <a:tc>
@@ -15890,7 +17003,6 @@
                         <a:rPr lang="en-US" sz="1400" b="1" dirty="0"/>
                         <a:t>_id</a:t>
                       </a:r>
-                      <a:endParaRPr lang="en-US" sz="1400" b="1" dirty="0"/>
                     </a:p>
                   </a:txBody>
                   <a:tcPr/>
@@ -15908,11 +17020,15 @@
                         <a:rPr lang="en-US" sz="1400" b="1" dirty="0"/>
                         <a:t> (Primary Key)</a:t>
                       </a:r>
-                      <a:endParaRPr lang="en-US" sz="1400" b="1" dirty="0"/>
-                    </a:p>
-                  </a:txBody>
-                  <a:tcPr/>
-                </a:tc>
+                    </a:p>
+                  </a:txBody>
+                  <a:tcPr/>
+                </a:tc>
+                <a:extLst>
+                  <a:ext uri="{0D108BD9-81ED-4DB2-BD59-A6C34878D82A}">
+                    <a16:rowId xmlns:a16="http://schemas.microsoft.com/office/drawing/2014/main" val="10001"/>
+                  </a:ext>
+                </a:extLst>
               </a:tr>
               <a:tr h="370840">
                 <a:tc>
@@ -15971,6 +17087,11 @@
                   </a:txBody>
                   <a:tcPr/>
                 </a:tc>
+                <a:extLst>
+                  <a:ext uri="{0D108BD9-81ED-4DB2-BD59-A6C34878D82A}">
+                    <a16:rowId xmlns:a16="http://schemas.microsoft.com/office/drawing/2014/main" val="10002"/>
+                  </a:ext>
+                </a:extLst>
               </a:tr>
               <a:tr h="370840">
                 <a:tc>
@@ -16016,11 +17137,15 @@
                         <a:rPr lang="en-US" sz="1400" b="1" dirty="0"/>
                         <a:t> (Foreign key)</a:t>
                       </a:r>
-                      <a:endParaRPr lang="en-US" sz="1400" b="1" dirty="0"/>
-                    </a:p>
-                  </a:txBody>
-                  <a:tcPr/>
-                </a:tc>
+                    </a:p>
+                  </a:txBody>
+                  <a:tcPr/>
+                </a:tc>
+                <a:extLst>
+                  <a:ext uri="{0D108BD9-81ED-4DB2-BD59-A6C34878D82A}">
+                    <a16:rowId xmlns:a16="http://schemas.microsoft.com/office/drawing/2014/main" val="10003"/>
+                  </a:ext>
+                </a:extLst>
               </a:tr>
               <a:tr h="370840">
                 <a:tc>
@@ -16054,11 +17179,15 @@
                         <a:rPr lang="en-US" sz="1400" b="0" dirty="0"/>
                         <a:t>Number</a:t>
                       </a:r>
-                      <a:endParaRPr lang="en-US" sz="1400" b="0" dirty="0"/>
-                    </a:p>
-                  </a:txBody>
-                  <a:tcPr/>
-                </a:tc>
+                    </a:p>
+                  </a:txBody>
+                  <a:tcPr/>
+                </a:tc>
+                <a:extLst>
+                  <a:ext uri="{0D108BD9-81ED-4DB2-BD59-A6C34878D82A}">
+                    <a16:rowId xmlns:a16="http://schemas.microsoft.com/office/drawing/2014/main" val="10004"/>
+                  </a:ext>
+                </a:extLst>
               </a:tr>
               <a:tr h="370840">
                 <a:tc>
@@ -16070,7 +17199,6 @@
                         <a:rPr lang="en-US" sz="1400" b="0" dirty="0"/>
                         <a:t>Discount</a:t>
                       </a:r>
-                      <a:endParaRPr lang="en-US" sz="1400" b="0" dirty="0"/>
                     </a:p>
                   </a:txBody>
                   <a:tcPr/>
@@ -16084,11 +17212,15 @@
                         <a:rPr lang="en-US" sz="1400" b="0" dirty="0"/>
                         <a:t>Number</a:t>
                       </a:r>
-                      <a:endParaRPr lang="en-US" sz="1400" b="0" dirty="0"/>
-                    </a:p>
-                  </a:txBody>
-                  <a:tcPr/>
-                </a:tc>
+                    </a:p>
+                  </a:txBody>
+                  <a:tcPr/>
+                </a:tc>
+                <a:extLst>
+                  <a:ext uri="{0D108BD9-81ED-4DB2-BD59-A6C34878D82A}">
+                    <a16:rowId xmlns:a16="http://schemas.microsoft.com/office/drawing/2014/main" val="10005"/>
+                  </a:ext>
+                </a:extLst>
               </a:tr>
               <a:tr h="370840">
                 <a:tc>
@@ -16114,11 +17246,15 @@
                         <a:rPr lang="en-US" sz="1400" b="0" dirty="0"/>
                         <a:t>Number</a:t>
                       </a:r>
-                      <a:endParaRPr lang="en-US" sz="1400" b="0" dirty="0"/>
-                    </a:p>
-                  </a:txBody>
-                  <a:tcPr/>
-                </a:tc>
+                    </a:p>
+                  </a:txBody>
+                  <a:tcPr/>
+                </a:tc>
+                <a:extLst>
+                  <a:ext uri="{0D108BD9-81ED-4DB2-BD59-A6C34878D82A}">
+                    <a16:rowId xmlns:a16="http://schemas.microsoft.com/office/drawing/2014/main" val="10006"/>
+                  </a:ext>
+                </a:extLst>
               </a:tr>
               <a:tr h="370840">
                 <a:tc>
@@ -16144,11 +17280,15 @@
                         <a:rPr lang="en-US" sz="1400" b="0" dirty="0"/>
                         <a:t>Number</a:t>
                       </a:r>
-                      <a:endParaRPr lang="en-US" sz="1400" b="0" dirty="0"/>
-                    </a:p>
-                  </a:txBody>
-                  <a:tcPr/>
-                </a:tc>
+                    </a:p>
+                  </a:txBody>
+                  <a:tcPr/>
+                </a:tc>
+                <a:extLst>
+                  <a:ext uri="{0D108BD9-81ED-4DB2-BD59-A6C34878D82A}">
+                    <a16:rowId xmlns:a16="http://schemas.microsoft.com/office/drawing/2014/main" val="10007"/>
+                  </a:ext>
+                </a:extLst>
               </a:tr>
               <a:tr h="370840">
                 <a:tc>
@@ -16174,11 +17314,15 @@
                         <a:rPr lang="en-US" sz="1400" b="0" dirty="0"/>
                         <a:t>Number</a:t>
                       </a:r>
-                      <a:endParaRPr lang="en-US" sz="1400" b="0" dirty="0"/>
-                    </a:p>
-                  </a:txBody>
-                  <a:tcPr/>
-                </a:tc>
+                    </a:p>
+                  </a:txBody>
+                  <a:tcPr/>
+                </a:tc>
+                <a:extLst>
+                  <a:ext uri="{0D108BD9-81ED-4DB2-BD59-A6C34878D82A}">
+                    <a16:rowId xmlns:a16="http://schemas.microsoft.com/office/drawing/2014/main" val="10008"/>
+                  </a:ext>
+                </a:extLst>
               </a:tr>
               <a:tr h="370840">
                 <a:tc>
@@ -16190,7 +17334,6 @@
                         <a:rPr lang="en-US" sz="1400" b="0" dirty="0"/>
                         <a:t>Note</a:t>
                       </a:r>
-                      <a:endParaRPr lang="en-US" sz="1400" b="0" dirty="0"/>
                     </a:p>
                   </a:txBody>
                   <a:tcPr/>
@@ -16217,6 +17360,11 @@
                   </a:txBody>
                   <a:tcPr/>
                 </a:tc>
+                <a:extLst>
+                  <a:ext uri="{0D108BD9-81ED-4DB2-BD59-A6C34878D82A}">
+                    <a16:rowId xmlns:a16="http://schemas.microsoft.com/office/drawing/2014/main" val="10009"/>
+                  </a:ext>
+                </a:extLst>
               </a:tr>
               <a:tr h="370840">
                 <a:tc>
@@ -16263,6 +17411,11 @@
                   </a:txBody>
                   <a:tcPr/>
                 </a:tc>
+                <a:extLst>
+                  <a:ext uri="{0D108BD9-81ED-4DB2-BD59-A6C34878D82A}">
+                    <a16:rowId xmlns:a16="http://schemas.microsoft.com/office/drawing/2014/main" val="10010"/>
+                  </a:ext>
+                </a:extLst>
               </a:tr>
             </a:tbl>
           </a:graphicData>
@@ -16287,8 +17440,20 @@
                 <a:tableStyleId>{5C22544A-7EE6-4342-B048-85BDC9FD1C3A}</a:tableStyleId>
               </a:tblPr>
               <a:tblGrid>
-                <a:gridCol w="1408046"/>
-                <a:gridCol w="2502012"/>
+                <a:gridCol w="1408046">
+                  <a:extLst>
+                    <a:ext uri="{9D8B030D-6E8A-4147-A177-3AD203B41FA5}">
+                      <a16:colId xmlns:a16="http://schemas.microsoft.com/office/drawing/2014/main" val="20000"/>
+                    </a:ext>
+                  </a:extLst>
+                </a:gridCol>
+                <a:gridCol w="2502012">
+                  <a:extLst>
+                    <a:ext uri="{9D8B030D-6E8A-4147-A177-3AD203B41FA5}">
+                      <a16:colId xmlns:a16="http://schemas.microsoft.com/office/drawing/2014/main" val="20001"/>
+                    </a:ext>
+                  </a:extLst>
+                </a:gridCol>
               </a:tblGrid>
               <a:tr h="370840">
                 <a:tc gridSpan="2">
@@ -16300,14 +17465,25 @@
                         <a:rPr lang="en-US" sz="1400" b="0" dirty="0"/>
                         <a:t>Sell Product  Data Collection </a:t>
                       </a:r>
-                      <a:endParaRPr lang="en-US" sz="1400" b="0" dirty="0"/>
                     </a:p>
                   </a:txBody>
                   <a:tcPr/>
                 </a:tc>
                 <a:tc hMerge="1">
-                  <a:tcPr/>
-                </a:tc>
+                  <a:txBody>
+                    <a:bodyPr/>
+                    <a:lstStyle/>
+                    <a:p>
+                      <a:endParaRPr lang="en-US"/>
+                    </a:p>
+                  </a:txBody>
+                  <a:tcPr/>
+                </a:tc>
+                <a:extLst>
+                  <a:ext uri="{0D108BD9-81ED-4DB2-BD59-A6C34878D82A}">
+                    <a16:rowId xmlns:a16="http://schemas.microsoft.com/office/drawing/2014/main" val="10000"/>
+                  </a:ext>
+                </a:extLst>
               </a:tr>
               <a:tr h="370840">
                 <a:tc>
@@ -16319,7 +17495,6 @@
                         <a:rPr lang="en-US" sz="1400" b="1" dirty="0"/>
                         <a:t>_id</a:t>
                       </a:r>
-                      <a:endParaRPr lang="en-US" sz="1400" b="1" dirty="0"/>
                     </a:p>
                   </a:txBody>
                   <a:tcPr/>
@@ -16337,11 +17512,15 @@
                         <a:rPr lang="en-US" sz="1400" b="1" dirty="0"/>
                         <a:t> (Primary Key)</a:t>
                       </a:r>
-                      <a:endParaRPr lang="en-US" sz="1400" b="1" dirty="0"/>
-                    </a:p>
-                  </a:txBody>
-                  <a:tcPr/>
-                </a:tc>
+                    </a:p>
+                  </a:txBody>
+                  <a:tcPr/>
+                </a:tc>
+                <a:extLst>
+                  <a:ext uri="{0D108BD9-81ED-4DB2-BD59-A6C34878D82A}">
+                    <a16:rowId xmlns:a16="http://schemas.microsoft.com/office/drawing/2014/main" val="10001"/>
+                  </a:ext>
+                </a:extLst>
               </a:tr>
               <a:tr h="370840">
                 <a:tc>
@@ -16400,6 +17579,11 @@
                   </a:txBody>
                   <a:tcPr/>
                 </a:tc>
+                <a:extLst>
+                  <a:ext uri="{0D108BD9-81ED-4DB2-BD59-A6C34878D82A}">
+                    <a16:rowId xmlns:a16="http://schemas.microsoft.com/office/drawing/2014/main" val="10002"/>
+                  </a:ext>
+                </a:extLst>
               </a:tr>
               <a:tr h="370840">
                 <a:tc>
@@ -16445,11 +17629,15 @@
                         <a:rPr lang="en-US" sz="1400" b="1" dirty="0"/>
                         <a:t> (Foreign key)</a:t>
                       </a:r>
-                      <a:endParaRPr lang="en-US" sz="1400" b="1" dirty="0"/>
-                    </a:p>
-                  </a:txBody>
-                  <a:tcPr/>
-                </a:tc>
+                    </a:p>
+                  </a:txBody>
+                  <a:tcPr/>
+                </a:tc>
+                <a:extLst>
+                  <a:ext uri="{0D108BD9-81ED-4DB2-BD59-A6C34878D82A}">
+                    <a16:rowId xmlns:a16="http://schemas.microsoft.com/office/drawing/2014/main" val="10003"/>
+                  </a:ext>
+                </a:extLst>
               </a:tr>
               <a:tr h="370840">
                 <a:tc>
@@ -16495,11 +17683,15 @@
                         <a:rPr lang="en-US" sz="1400" b="1" dirty="0"/>
                         <a:t> (Foreign key)</a:t>
                       </a:r>
-                      <a:endParaRPr lang="en-US" sz="1400" b="1" dirty="0"/>
-                    </a:p>
-                  </a:txBody>
-                  <a:tcPr/>
-                </a:tc>
+                    </a:p>
+                  </a:txBody>
+                  <a:tcPr/>
+                </a:tc>
+                <a:extLst>
+                  <a:ext uri="{0D108BD9-81ED-4DB2-BD59-A6C34878D82A}">
+                    <a16:rowId xmlns:a16="http://schemas.microsoft.com/office/drawing/2014/main" val="10004"/>
+                  </a:ext>
+                </a:extLst>
               </a:tr>
               <a:tr h="370840">
                 <a:tc>
@@ -16533,11 +17725,15 @@
                         <a:rPr lang="en-US" sz="1400" b="0" dirty="0"/>
                         <a:t>Number</a:t>
                       </a:r>
-                      <a:endParaRPr lang="en-US" sz="1400" b="0" dirty="0"/>
-                    </a:p>
-                  </a:txBody>
-                  <a:tcPr/>
-                </a:tc>
+                    </a:p>
+                  </a:txBody>
+                  <a:tcPr/>
+                </a:tc>
+                <a:extLst>
+                  <a:ext uri="{0D108BD9-81ED-4DB2-BD59-A6C34878D82A}">
+                    <a16:rowId xmlns:a16="http://schemas.microsoft.com/office/drawing/2014/main" val="10005"/>
+                  </a:ext>
+                </a:extLst>
               </a:tr>
               <a:tr h="370840">
                 <a:tc>
@@ -16563,11 +17759,15 @@
                         <a:rPr lang="en-US" sz="1400" b="0" dirty="0"/>
                         <a:t>Number</a:t>
                       </a:r>
-                      <a:endParaRPr lang="en-US" sz="1400" b="0" dirty="0"/>
-                    </a:p>
-                  </a:txBody>
-                  <a:tcPr/>
-                </a:tc>
+                    </a:p>
+                  </a:txBody>
+                  <a:tcPr/>
+                </a:tc>
+                <a:extLst>
+                  <a:ext uri="{0D108BD9-81ED-4DB2-BD59-A6C34878D82A}">
+                    <a16:rowId xmlns:a16="http://schemas.microsoft.com/office/drawing/2014/main" val="10006"/>
+                  </a:ext>
+                </a:extLst>
               </a:tr>
               <a:tr h="370840">
                 <a:tc>
@@ -16579,7 +17779,6 @@
                         <a:rPr lang="en-US" sz="1400" b="0" dirty="0"/>
                         <a:t>Total</a:t>
                       </a:r>
-                      <a:endParaRPr lang="en-US" sz="1400" b="0" dirty="0"/>
                     </a:p>
                   </a:txBody>
                   <a:tcPr/>
@@ -16593,11 +17792,15 @@
                         <a:rPr lang="en-US" sz="1400" b="0" dirty="0"/>
                         <a:t>Number</a:t>
                       </a:r>
-                      <a:endParaRPr lang="en-US" sz="1400" b="0" dirty="0"/>
-                    </a:p>
-                  </a:txBody>
-                  <a:tcPr/>
-                </a:tc>
+                    </a:p>
+                  </a:txBody>
+                  <a:tcPr/>
+                </a:tc>
+                <a:extLst>
+                  <a:ext uri="{0D108BD9-81ED-4DB2-BD59-A6C34878D82A}">
+                    <a16:rowId xmlns:a16="http://schemas.microsoft.com/office/drawing/2014/main" val="10007"/>
+                  </a:ext>
+                </a:extLst>
               </a:tr>
               <a:tr h="370840">
                 <a:tc>
@@ -16644,6 +17847,11 @@
                   </a:txBody>
                   <a:tcPr/>
                 </a:tc>
+                <a:extLst>
+                  <a:ext uri="{0D108BD9-81ED-4DB2-BD59-A6C34878D82A}">
+                    <a16:rowId xmlns:a16="http://schemas.microsoft.com/office/drawing/2014/main" val="10008"/>
+                  </a:ext>
+                </a:extLst>
               </a:tr>
             </a:tbl>
           </a:graphicData>
@@ -17057,8 +18265,20 @@
                 <a:tableStyleId>{5C22544A-7EE6-4342-B048-85BDC9FD1C3A}</a:tableStyleId>
               </a:tblPr>
               <a:tblGrid>
-                <a:gridCol w="856097"/>
-                <a:gridCol w="1838344"/>
+                <a:gridCol w="856097">
+                  <a:extLst>
+                    <a:ext uri="{9D8B030D-6E8A-4147-A177-3AD203B41FA5}">
+                      <a16:colId xmlns:a16="http://schemas.microsoft.com/office/drawing/2014/main" val="20000"/>
+                    </a:ext>
+                  </a:extLst>
+                </a:gridCol>
+                <a:gridCol w="1838344">
+                  <a:extLst>
+                    <a:ext uri="{9D8B030D-6E8A-4147-A177-3AD203B41FA5}">
+                      <a16:colId xmlns:a16="http://schemas.microsoft.com/office/drawing/2014/main" val="20001"/>
+                    </a:ext>
+                  </a:extLst>
+                </a:gridCol>
               </a:tblGrid>
               <a:tr h="304800">
                 <a:tc gridSpan="2">
@@ -17070,14 +18290,25 @@
                         <a:rPr lang="en-US" sz="1400" b="0" dirty="0"/>
                         <a:t>Customers  Data Collection </a:t>
                       </a:r>
-                      <a:endParaRPr lang="en-US" sz="1400" b="0" dirty="0"/>
                     </a:p>
                   </a:txBody>
                   <a:tcPr/>
                 </a:tc>
                 <a:tc hMerge="1">
-                  <a:tcPr/>
-                </a:tc>
+                  <a:txBody>
+                    <a:bodyPr/>
+                    <a:lstStyle/>
+                    <a:p>
+                      <a:endParaRPr lang="en-US"/>
+                    </a:p>
+                  </a:txBody>
+                  <a:tcPr/>
+                </a:tc>
+                <a:extLst>
+                  <a:ext uri="{0D108BD9-81ED-4DB2-BD59-A6C34878D82A}">
+                    <a16:rowId xmlns:a16="http://schemas.microsoft.com/office/drawing/2014/main" val="10000"/>
+                  </a:ext>
+                </a:extLst>
               </a:tr>
               <a:tr h="304580">
                 <a:tc>
@@ -17089,7 +18320,6 @@
                         <a:rPr lang="en-US" sz="1050" b="1" dirty="0"/>
                         <a:t>_id</a:t>
                       </a:r>
-                      <a:endParaRPr lang="en-US" sz="1050" b="1" dirty="0"/>
                     </a:p>
                   </a:txBody>
                   <a:tcPr/>
@@ -17107,11 +18337,15 @@
                         <a:rPr lang="en-US" sz="1050" b="1" dirty="0"/>
                         <a:t> (Primary Key)</a:t>
                       </a:r>
-                      <a:endParaRPr lang="en-US" sz="1050" b="1" dirty="0"/>
-                    </a:p>
-                  </a:txBody>
-                  <a:tcPr/>
-                </a:tc>
+                    </a:p>
+                  </a:txBody>
+                  <a:tcPr/>
+                </a:tc>
+                <a:extLst>
+                  <a:ext uri="{0D108BD9-81ED-4DB2-BD59-A6C34878D82A}">
+                    <a16:rowId xmlns:a16="http://schemas.microsoft.com/office/drawing/2014/main" val="10001"/>
+                  </a:ext>
+                </a:extLst>
               </a:tr>
               <a:tr h="304580">
                 <a:tc>
@@ -17170,6 +18404,11 @@
                   </a:txBody>
                   <a:tcPr/>
                 </a:tc>
+                <a:extLst>
+                  <a:ext uri="{0D108BD9-81ED-4DB2-BD59-A6C34878D82A}">
+                    <a16:rowId xmlns:a16="http://schemas.microsoft.com/office/drawing/2014/main" val="10002"/>
+                  </a:ext>
+                </a:extLst>
               </a:tr>
               <a:tr h="304580">
                 <a:tc>
@@ -17216,6 +18455,11 @@
                   </a:txBody>
                   <a:tcPr/>
                 </a:tc>
+                <a:extLst>
+                  <a:ext uri="{0D108BD9-81ED-4DB2-BD59-A6C34878D82A}">
+                    <a16:rowId xmlns:a16="http://schemas.microsoft.com/office/drawing/2014/main" val="10003"/>
+                  </a:ext>
+                </a:extLst>
               </a:tr>
               <a:tr h="304580">
                 <a:tc>
@@ -17227,7 +18471,6 @@
                         <a:rPr lang="en-US" sz="1050" b="0" dirty="0"/>
                         <a:t>Address</a:t>
                       </a:r>
-                      <a:endParaRPr lang="en-US" sz="1050" b="0" dirty="0"/>
                     </a:p>
                   </a:txBody>
                   <a:tcPr/>
@@ -17254,6 +18497,11 @@
                   </a:txBody>
                   <a:tcPr/>
                 </a:tc>
+                <a:extLst>
+                  <a:ext uri="{0D108BD9-81ED-4DB2-BD59-A6C34878D82A}">
+                    <a16:rowId xmlns:a16="http://schemas.microsoft.com/office/drawing/2014/main" val="10004"/>
+                  </a:ext>
+                </a:extLst>
               </a:tr>
               <a:tr h="304580">
                 <a:tc>
@@ -17265,7 +18513,6 @@
                         <a:rPr lang="en-US" sz="1050" b="0" dirty="0"/>
                         <a:t>Phone</a:t>
                       </a:r>
-                      <a:endParaRPr lang="en-US" sz="1050" b="0" dirty="0"/>
                     </a:p>
                   </a:txBody>
                   <a:tcPr/>
@@ -17292,6 +18539,11 @@
                   </a:txBody>
                   <a:tcPr/>
                 </a:tc>
+                <a:extLst>
+                  <a:ext uri="{0D108BD9-81ED-4DB2-BD59-A6C34878D82A}">
+                    <a16:rowId xmlns:a16="http://schemas.microsoft.com/office/drawing/2014/main" val="10005"/>
+                  </a:ext>
+                </a:extLst>
               </a:tr>
               <a:tr h="304580">
                 <a:tc>
@@ -17303,7 +18555,6 @@
                         <a:rPr lang="en-US" sz="1050" b="0" dirty="0"/>
                         <a:t>Email</a:t>
                       </a:r>
-                      <a:endParaRPr lang="en-US" sz="1050" b="0" dirty="0"/>
                     </a:p>
                   </a:txBody>
                   <a:tcPr/>
@@ -17330,6 +18581,11 @@
                   </a:txBody>
                   <a:tcPr/>
                 </a:tc>
+                <a:extLst>
+                  <a:ext uri="{0D108BD9-81ED-4DB2-BD59-A6C34878D82A}">
+                    <a16:rowId xmlns:a16="http://schemas.microsoft.com/office/drawing/2014/main" val="10006"/>
+                  </a:ext>
+                </a:extLst>
               </a:tr>
               <a:tr h="304580">
                 <a:tc>
@@ -17376,6 +18632,11 @@
                   </a:txBody>
                   <a:tcPr/>
                 </a:tc>
+                <a:extLst>
+                  <a:ext uri="{0D108BD9-81ED-4DB2-BD59-A6C34878D82A}">
+                    <a16:rowId xmlns:a16="http://schemas.microsoft.com/office/drawing/2014/main" val="10007"/>
+                  </a:ext>
+                </a:extLst>
               </a:tr>
             </a:tbl>
           </a:graphicData>
@@ -17470,8 +18731,20 @@
                 <a:tableStyleId>{5C22544A-7EE6-4342-B048-85BDC9FD1C3A}</a:tableStyleId>
               </a:tblPr>
               <a:tblGrid>
-                <a:gridCol w="1179297"/>
-                <a:gridCol w="2058301"/>
+                <a:gridCol w="1179297">
+                  <a:extLst>
+                    <a:ext uri="{9D8B030D-6E8A-4147-A177-3AD203B41FA5}">
+                      <a16:colId xmlns:a16="http://schemas.microsoft.com/office/drawing/2014/main" val="20000"/>
+                    </a:ext>
+                  </a:extLst>
+                </a:gridCol>
+                <a:gridCol w="2058301">
+                  <a:extLst>
+                    <a:ext uri="{9D8B030D-6E8A-4147-A177-3AD203B41FA5}">
+                      <a16:colId xmlns:a16="http://schemas.microsoft.com/office/drawing/2014/main" val="20001"/>
+                    </a:ext>
+                  </a:extLst>
+                </a:gridCol>
               </a:tblGrid>
               <a:tr h="235252">
                 <a:tc gridSpan="2">
@@ -17483,14 +18756,25 @@
                         <a:rPr lang="en-US" sz="1050" b="0" dirty="0"/>
                         <a:t>Sell Summary  Data Collection </a:t>
                       </a:r>
-                      <a:endParaRPr lang="en-US" sz="1050" b="0" dirty="0"/>
                     </a:p>
                   </a:txBody>
                   <a:tcPr/>
                 </a:tc>
                 <a:tc hMerge="1">
-                  <a:tcPr/>
-                </a:tc>
+                  <a:txBody>
+                    <a:bodyPr/>
+                    <a:lstStyle/>
+                    <a:p>
+                      <a:endParaRPr lang="en-US"/>
+                    </a:p>
+                  </a:txBody>
+                  <a:tcPr/>
+                </a:tc>
+                <a:extLst>
+                  <a:ext uri="{0D108BD9-81ED-4DB2-BD59-A6C34878D82A}">
+                    <a16:rowId xmlns:a16="http://schemas.microsoft.com/office/drawing/2014/main" val="10000"/>
+                  </a:ext>
+                </a:extLst>
               </a:tr>
               <a:tr h="235252">
                 <a:tc>
@@ -17502,7 +18786,6 @@
                         <a:rPr lang="en-US" sz="1050" b="1" dirty="0"/>
                         <a:t>_id</a:t>
                       </a:r>
-                      <a:endParaRPr lang="en-US" sz="1050" b="1" dirty="0"/>
                     </a:p>
                   </a:txBody>
                   <a:tcPr/>
@@ -17520,11 +18803,15 @@
                         <a:rPr lang="en-US" sz="1050" b="1" dirty="0"/>
                         <a:t> (Primary Key)</a:t>
                       </a:r>
-                      <a:endParaRPr lang="en-US" sz="1050" b="1" dirty="0"/>
-                    </a:p>
-                  </a:txBody>
-                  <a:tcPr/>
-                </a:tc>
+                    </a:p>
+                  </a:txBody>
+                  <a:tcPr/>
+                </a:tc>
+                <a:extLst>
+                  <a:ext uri="{0D108BD9-81ED-4DB2-BD59-A6C34878D82A}">
+                    <a16:rowId xmlns:a16="http://schemas.microsoft.com/office/drawing/2014/main" val="10001"/>
+                  </a:ext>
+                </a:extLst>
               </a:tr>
               <a:tr h="235252">
                 <a:tc>
@@ -17583,6 +18870,11 @@
                   </a:txBody>
                   <a:tcPr/>
                 </a:tc>
+                <a:extLst>
+                  <a:ext uri="{0D108BD9-81ED-4DB2-BD59-A6C34878D82A}">
+                    <a16:rowId xmlns:a16="http://schemas.microsoft.com/office/drawing/2014/main" val="10002"/>
+                  </a:ext>
+                </a:extLst>
               </a:tr>
               <a:tr h="235252">
                 <a:tc>
@@ -17628,11 +18920,15 @@
                         <a:rPr lang="en-US" sz="1050" b="1" dirty="0"/>
                         <a:t> (Foreign key)</a:t>
                       </a:r>
-                      <a:endParaRPr lang="en-US" sz="1050" b="1" dirty="0"/>
-                    </a:p>
-                  </a:txBody>
-                  <a:tcPr/>
-                </a:tc>
+                    </a:p>
+                  </a:txBody>
+                  <a:tcPr/>
+                </a:tc>
+                <a:extLst>
+                  <a:ext uri="{0D108BD9-81ED-4DB2-BD59-A6C34878D82A}">
+                    <a16:rowId xmlns:a16="http://schemas.microsoft.com/office/drawing/2014/main" val="10003"/>
+                  </a:ext>
+                </a:extLst>
               </a:tr>
               <a:tr h="235252">
                 <a:tc>
@@ -17666,11 +18962,15 @@
                         <a:rPr lang="en-US" sz="1050" b="0" dirty="0"/>
                         <a:t>Number</a:t>
                       </a:r>
-                      <a:endParaRPr lang="en-US" sz="1050" b="0" dirty="0"/>
-                    </a:p>
-                  </a:txBody>
-                  <a:tcPr/>
-                </a:tc>
+                    </a:p>
+                  </a:txBody>
+                  <a:tcPr/>
+                </a:tc>
+                <a:extLst>
+                  <a:ext uri="{0D108BD9-81ED-4DB2-BD59-A6C34878D82A}">
+                    <a16:rowId xmlns:a16="http://schemas.microsoft.com/office/drawing/2014/main" val="10004"/>
+                  </a:ext>
+                </a:extLst>
               </a:tr>
               <a:tr h="235252">
                 <a:tc>
@@ -17682,7 +18982,6 @@
                         <a:rPr lang="en-US" sz="1050" b="0" dirty="0"/>
                         <a:t>Discount</a:t>
                       </a:r>
-                      <a:endParaRPr lang="en-US" sz="1050" b="0" dirty="0"/>
                     </a:p>
                   </a:txBody>
                   <a:tcPr/>
@@ -17696,11 +18995,15 @@
                         <a:rPr lang="en-US" sz="1050" b="0" dirty="0"/>
                         <a:t>Number</a:t>
                       </a:r>
-                      <a:endParaRPr lang="en-US" sz="1050" b="0" dirty="0"/>
-                    </a:p>
-                  </a:txBody>
-                  <a:tcPr/>
-                </a:tc>
+                    </a:p>
+                  </a:txBody>
+                  <a:tcPr/>
+                </a:tc>
+                <a:extLst>
+                  <a:ext uri="{0D108BD9-81ED-4DB2-BD59-A6C34878D82A}">
+                    <a16:rowId xmlns:a16="http://schemas.microsoft.com/office/drawing/2014/main" val="10005"/>
+                  </a:ext>
+                </a:extLst>
               </a:tr>
               <a:tr h="235252">
                 <a:tc>
@@ -17726,11 +19029,15 @@
                         <a:rPr lang="en-US" sz="1050" b="0" dirty="0"/>
                         <a:t>Number</a:t>
                       </a:r>
-                      <a:endParaRPr lang="en-US" sz="1050" b="0" dirty="0"/>
-                    </a:p>
-                  </a:txBody>
-                  <a:tcPr/>
-                </a:tc>
+                    </a:p>
+                  </a:txBody>
+                  <a:tcPr/>
+                </a:tc>
+                <a:extLst>
+                  <a:ext uri="{0D108BD9-81ED-4DB2-BD59-A6C34878D82A}">
+                    <a16:rowId xmlns:a16="http://schemas.microsoft.com/office/drawing/2014/main" val="10006"/>
+                  </a:ext>
+                </a:extLst>
               </a:tr>
               <a:tr h="235252">
                 <a:tc>
@@ -17756,11 +19063,15 @@
                         <a:rPr lang="en-US" sz="1050" b="0" dirty="0"/>
                         <a:t>Number</a:t>
                       </a:r>
-                      <a:endParaRPr lang="en-US" sz="1050" b="0" dirty="0"/>
-                    </a:p>
-                  </a:txBody>
-                  <a:tcPr/>
-                </a:tc>
+                    </a:p>
+                  </a:txBody>
+                  <a:tcPr/>
+                </a:tc>
+                <a:extLst>
+                  <a:ext uri="{0D108BD9-81ED-4DB2-BD59-A6C34878D82A}">
+                    <a16:rowId xmlns:a16="http://schemas.microsoft.com/office/drawing/2014/main" val="10007"/>
+                  </a:ext>
+                </a:extLst>
               </a:tr>
               <a:tr h="235252">
                 <a:tc>
@@ -17786,11 +19097,15 @@
                         <a:rPr lang="en-US" sz="1050" b="0" dirty="0"/>
                         <a:t>Number</a:t>
                       </a:r>
-                      <a:endParaRPr lang="en-US" sz="1050" b="0" dirty="0"/>
-                    </a:p>
-                  </a:txBody>
-                  <a:tcPr/>
-                </a:tc>
+                    </a:p>
+                  </a:txBody>
+                  <a:tcPr/>
+                </a:tc>
+                <a:extLst>
+                  <a:ext uri="{0D108BD9-81ED-4DB2-BD59-A6C34878D82A}">
+                    <a16:rowId xmlns:a16="http://schemas.microsoft.com/office/drawing/2014/main" val="10008"/>
+                  </a:ext>
+                </a:extLst>
               </a:tr>
               <a:tr h="235252">
                 <a:tc>
@@ -17802,7 +19117,6 @@
                         <a:rPr lang="en-US" sz="1050" b="0" dirty="0"/>
                         <a:t>Note</a:t>
                       </a:r>
-                      <a:endParaRPr lang="en-US" sz="1050" b="0" dirty="0"/>
                     </a:p>
                   </a:txBody>
                   <a:tcPr/>
@@ -17829,6 +19143,11 @@
                   </a:txBody>
                   <a:tcPr/>
                 </a:tc>
+                <a:extLst>
+                  <a:ext uri="{0D108BD9-81ED-4DB2-BD59-A6C34878D82A}">
+                    <a16:rowId xmlns:a16="http://schemas.microsoft.com/office/drawing/2014/main" val="10009"/>
+                  </a:ext>
+                </a:extLst>
               </a:tr>
               <a:tr h="235252">
                 <a:tc>
@@ -17875,6 +19194,11 @@
                   </a:txBody>
                   <a:tcPr/>
                 </a:tc>
+                <a:extLst>
+                  <a:ext uri="{0D108BD9-81ED-4DB2-BD59-A6C34878D82A}">
+                    <a16:rowId xmlns:a16="http://schemas.microsoft.com/office/drawing/2014/main" val="10010"/>
+                  </a:ext>
+                </a:extLst>
               </a:tr>
             </a:tbl>
           </a:graphicData>
@@ -17903,8 +19227,20 @@
                 <a:tableStyleId>{5C22544A-7EE6-4342-B048-85BDC9FD1C3A}</a:tableStyleId>
               </a:tblPr>
               <a:tblGrid>
-                <a:gridCol w="1200717"/>
-                <a:gridCol w="2133600"/>
+                <a:gridCol w="1200717">
+                  <a:extLst>
+                    <a:ext uri="{9D8B030D-6E8A-4147-A177-3AD203B41FA5}">
+                      <a16:colId xmlns:a16="http://schemas.microsoft.com/office/drawing/2014/main" val="20000"/>
+                    </a:ext>
+                  </a:extLst>
+                </a:gridCol>
+                <a:gridCol w="2133600">
+                  <a:extLst>
+                    <a:ext uri="{9D8B030D-6E8A-4147-A177-3AD203B41FA5}">
+                      <a16:colId xmlns:a16="http://schemas.microsoft.com/office/drawing/2014/main" val="20001"/>
+                    </a:ext>
+                  </a:extLst>
+                </a:gridCol>
               </a:tblGrid>
               <a:tr h="236144">
                 <a:tc gridSpan="2">
@@ -17916,14 +19252,25 @@
                         <a:rPr lang="en-US" sz="1050" b="0" dirty="0"/>
                         <a:t>Sell Product  Data Collection </a:t>
                       </a:r>
-                      <a:endParaRPr lang="en-US" sz="1050" b="0" dirty="0"/>
                     </a:p>
                   </a:txBody>
                   <a:tcPr/>
                 </a:tc>
                 <a:tc hMerge="1">
-                  <a:tcPr/>
-                </a:tc>
+                  <a:txBody>
+                    <a:bodyPr/>
+                    <a:lstStyle/>
+                    <a:p>
+                      <a:endParaRPr lang="en-US"/>
+                    </a:p>
+                  </a:txBody>
+                  <a:tcPr/>
+                </a:tc>
+                <a:extLst>
+                  <a:ext uri="{0D108BD9-81ED-4DB2-BD59-A6C34878D82A}">
+                    <a16:rowId xmlns:a16="http://schemas.microsoft.com/office/drawing/2014/main" val="10000"/>
+                  </a:ext>
+                </a:extLst>
               </a:tr>
               <a:tr h="287530">
                 <a:tc>
@@ -17935,7 +19282,6 @@
                         <a:rPr lang="en-US" sz="1050" b="1" dirty="0"/>
                         <a:t>_id</a:t>
                       </a:r>
-                      <a:endParaRPr lang="en-US" sz="1050" b="1" dirty="0"/>
                     </a:p>
                   </a:txBody>
                   <a:tcPr/>
@@ -17953,11 +19299,15 @@
                         <a:rPr lang="en-US" sz="1050" b="1" dirty="0"/>
                         <a:t> (Primary Key)</a:t>
                       </a:r>
-                      <a:endParaRPr lang="en-US" sz="1050" b="1" dirty="0"/>
-                    </a:p>
-                  </a:txBody>
-                  <a:tcPr/>
-                </a:tc>
+                    </a:p>
+                  </a:txBody>
+                  <a:tcPr/>
+                </a:tc>
+                <a:extLst>
+                  <a:ext uri="{0D108BD9-81ED-4DB2-BD59-A6C34878D82A}">
+                    <a16:rowId xmlns:a16="http://schemas.microsoft.com/office/drawing/2014/main" val="10001"/>
+                  </a:ext>
+                </a:extLst>
               </a:tr>
               <a:tr h="287530">
                 <a:tc>
@@ -18016,6 +19366,11 @@
                   </a:txBody>
                   <a:tcPr/>
                 </a:tc>
+                <a:extLst>
+                  <a:ext uri="{0D108BD9-81ED-4DB2-BD59-A6C34878D82A}">
+                    <a16:rowId xmlns:a16="http://schemas.microsoft.com/office/drawing/2014/main" val="10002"/>
+                  </a:ext>
+                </a:extLst>
               </a:tr>
               <a:tr h="287530">
                 <a:tc>
@@ -18061,11 +19416,15 @@
                         <a:rPr lang="en-US" sz="1050" b="1" dirty="0"/>
                         <a:t> (Foreign key)</a:t>
                       </a:r>
-                      <a:endParaRPr lang="en-US" sz="1050" b="1" dirty="0"/>
-                    </a:p>
-                  </a:txBody>
-                  <a:tcPr/>
-                </a:tc>
+                    </a:p>
+                  </a:txBody>
+                  <a:tcPr/>
+                </a:tc>
+                <a:extLst>
+                  <a:ext uri="{0D108BD9-81ED-4DB2-BD59-A6C34878D82A}">
+                    <a16:rowId xmlns:a16="http://schemas.microsoft.com/office/drawing/2014/main" val="10003"/>
+                  </a:ext>
+                </a:extLst>
               </a:tr>
               <a:tr h="287530">
                 <a:tc>
@@ -18111,11 +19470,15 @@
                         <a:rPr lang="en-US" sz="1050" b="1" dirty="0"/>
                         <a:t> (Foreign key)</a:t>
                       </a:r>
-                      <a:endParaRPr lang="en-US" sz="1050" b="1" dirty="0"/>
-                    </a:p>
-                  </a:txBody>
-                  <a:tcPr/>
-                </a:tc>
+                    </a:p>
+                  </a:txBody>
+                  <a:tcPr/>
+                </a:tc>
+                <a:extLst>
+                  <a:ext uri="{0D108BD9-81ED-4DB2-BD59-A6C34878D82A}">
+                    <a16:rowId xmlns:a16="http://schemas.microsoft.com/office/drawing/2014/main" val="10004"/>
+                  </a:ext>
+                </a:extLst>
               </a:tr>
               <a:tr h="287530">
                 <a:tc>
@@ -18149,11 +19512,15 @@
                         <a:rPr lang="en-US" sz="1050" b="0" dirty="0"/>
                         <a:t>Number</a:t>
                       </a:r>
-                      <a:endParaRPr lang="en-US" sz="1050" b="0" dirty="0"/>
-                    </a:p>
-                  </a:txBody>
-                  <a:tcPr/>
-                </a:tc>
+                    </a:p>
+                  </a:txBody>
+                  <a:tcPr/>
+                </a:tc>
+                <a:extLst>
+                  <a:ext uri="{0D108BD9-81ED-4DB2-BD59-A6C34878D82A}">
+                    <a16:rowId xmlns:a16="http://schemas.microsoft.com/office/drawing/2014/main" val="10005"/>
+                  </a:ext>
+                </a:extLst>
               </a:tr>
               <a:tr h="287530">
                 <a:tc>
@@ -18179,11 +19546,15 @@
                         <a:rPr lang="en-US" sz="1050" b="0" dirty="0"/>
                         <a:t>Number</a:t>
                       </a:r>
-                      <a:endParaRPr lang="en-US" sz="1050" b="0" dirty="0"/>
-                    </a:p>
-                  </a:txBody>
-                  <a:tcPr/>
-                </a:tc>
+                    </a:p>
+                  </a:txBody>
+                  <a:tcPr/>
+                </a:tc>
+                <a:extLst>
+                  <a:ext uri="{0D108BD9-81ED-4DB2-BD59-A6C34878D82A}">
+                    <a16:rowId xmlns:a16="http://schemas.microsoft.com/office/drawing/2014/main" val="10006"/>
+                  </a:ext>
+                </a:extLst>
               </a:tr>
               <a:tr h="287530">
                 <a:tc>
@@ -18195,7 +19566,6 @@
                         <a:rPr lang="en-US" sz="1050" b="0" dirty="0"/>
                         <a:t>Total</a:t>
                       </a:r>
-                      <a:endParaRPr lang="en-US" sz="1050" b="0" dirty="0"/>
                     </a:p>
                   </a:txBody>
                   <a:tcPr/>
@@ -18209,11 +19579,15 @@
                         <a:rPr lang="en-US" sz="1050" b="0" dirty="0"/>
                         <a:t>Number</a:t>
                       </a:r>
-                      <a:endParaRPr lang="en-US" sz="1050" b="0" dirty="0"/>
-                    </a:p>
-                  </a:txBody>
-                  <a:tcPr/>
-                </a:tc>
+                    </a:p>
+                  </a:txBody>
+                  <a:tcPr/>
+                </a:tc>
+                <a:extLst>
+                  <a:ext uri="{0D108BD9-81ED-4DB2-BD59-A6C34878D82A}">
+                    <a16:rowId xmlns:a16="http://schemas.microsoft.com/office/drawing/2014/main" val="10007"/>
+                  </a:ext>
+                </a:extLst>
               </a:tr>
               <a:tr h="287530">
                 <a:tc>
@@ -18260,6 +19634,11 @@
                   </a:txBody>
                   <a:tcPr/>
                 </a:tc>
+                <a:extLst>
+                  <a:ext uri="{0D108BD9-81ED-4DB2-BD59-A6C34878D82A}">
+                    <a16:rowId xmlns:a16="http://schemas.microsoft.com/office/drawing/2014/main" val="10008"/>
+                  </a:ext>
+                </a:extLst>
               </a:tr>
             </a:tbl>
           </a:graphicData>
@@ -18288,8 +19667,20 @@
                 <a:tableStyleId>{5C22544A-7EE6-4342-B048-85BDC9FD1C3A}</a:tableStyleId>
               </a:tblPr>
               <a:tblGrid>
-                <a:gridCol w="1179297"/>
-                <a:gridCol w="2058301"/>
+                <a:gridCol w="1179297">
+                  <a:extLst>
+                    <a:ext uri="{9D8B030D-6E8A-4147-A177-3AD203B41FA5}">
+                      <a16:colId xmlns:a16="http://schemas.microsoft.com/office/drawing/2014/main" val="20000"/>
+                    </a:ext>
+                  </a:extLst>
+                </a:gridCol>
+                <a:gridCol w="2058301">
+                  <a:extLst>
+                    <a:ext uri="{9D8B030D-6E8A-4147-A177-3AD203B41FA5}">
+                      <a16:colId xmlns:a16="http://schemas.microsoft.com/office/drawing/2014/main" val="20001"/>
+                    </a:ext>
+                  </a:extLst>
+                </a:gridCol>
               </a:tblGrid>
               <a:tr h="240738">
                 <a:tc gridSpan="2">
@@ -18301,14 +19692,25 @@
                         <a:rPr lang="en-US" sz="1050" b="0" dirty="0"/>
                         <a:t>Product List  Data Collection </a:t>
                       </a:r>
-                      <a:endParaRPr lang="en-US" sz="1050" b="0" dirty="0"/>
                     </a:p>
                   </a:txBody>
                   <a:tcPr marL="88011" marR="88011" marT="44005" marB="44005"/>
                 </a:tc>
                 <a:tc hMerge="1">
-                  <a:tcPr/>
-                </a:tc>
+                  <a:txBody>
+                    <a:bodyPr/>
+                    <a:lstStyle/>
+                    <a:p>
+                      <a:endParaRPr lang="en-US"/>
+                    </a:p>
+                  </a:txBody>
+                  <a:tcPr/>
+                </a:tc>
+                <a:extLst>
+                  <a:ext uri="{0D108BD9-81ED-4DB2-BD59-A6C34878D82A}">
+                    <a16:rowId xmlns:a16="http://schemas.microsoft.com/office/drawing/2014/main" val="10000"/>
+                  </a:ext>
+                </a:extLst>
               </a:tr>
               <a:tr h="240738">
                 <a:tc>
@@ -18320,7 +19722,6 @@
                         <a:rPr lang="en-US" sz="1050" b="1" dirty="0"/>
                         <a:t>_id</a:t>
                       </a:r>
-                      <a:endParaRPr lang="en-US" sz="1050" b="1" dirty="0"/>
                     </a:p>
                   </a:txBody>
                   <a:tcPr marL="88011" marR="88011" marT="44005" marB="44005"/>
@@ -18338,11 +19739,15 @@
                         <a:rPr lang="en-US" sz="1050" b="1" dirty="0"/>
                         <a:t> (Primary Key)</a:t>
                       </a:r>
-                      <a:endParaRPr lang="en-US" sz="1050" b="1" dirty="0"/>
                     </a:p>
                   </a:txBody>
                   <a:tcPr marL="88011" marR="88011" marT="44005" marB="44005"/>
                 </a:tc>
+                <a:extLst>
+                  <a:ext uri="{0D108BD9-81ED-4DB2-BD59-A6C34878D82A}">
+                    <a16:rowId xmlns:a16="http://schemas.microsoft.com/office/drawing/2014/main" val="10001"/>
+                  </a:ext>
+                </a:extLst>
               </a:tr>
               <a:tr h="240738">
                 <a:tc>
@@ -18433,6 +19838,11 @@
                   </a:txBody>
                   <a:tcPr marL="88011" marR="88011" marT="44005" marB="44005"/>
                 </a:tc>
+                <a:extLst>
+                  <a:ext uri="{0D108BD9-81ED-4DB2-BD59-A6C34878D82A}">
+                    <a16:rowId xmlns:a16="http://schemas.microsoft.com/office/drawing/2014/main" val="10002"/>
+                  </a:ext>
+                </a:extLst>
               </a:tr>
               <a:tr h="240738">
                 <a:tc>
@@ -18498,11 +19908,15 @@
                         <a:rPr lang="en-US" sz="1050" b="1" dirty="0"/>
                         <a:t> (Foreign key)</a:t>
                       </a:r>
-                      <a:endParaRPr lang="en-US" sz="1050" b="1" dirty="0"/>
                     </a:p>
                   </a:txBody>
                   <a:tcPr marL="88011" marR="88011" marT="44005" marB="44005"/>
                 </a:tc>
+                <a:extLst>
+                  <a:ext uri="{0D108BD9-81ED-4DB2-BD59-A6C34878D82A}">
+                    <a16:rowId xmlns:a16="http://schemas.microsoft.com/office/drawing/2014/main" val="10003"/>
+                  </a:ext>
+                </a:extLst>
               </a:tr>
               <a:tr h="240738">
                 <a:tc>
@@ -18556,11 +19970,15 @@
                         <a:rPr lang="en-US" sz="1050" b="1" dirty="0"/>
                         <a:t> (Foreign key)</a:t>
                       </a:r>
-                      <a:endParaRPr lang="en-US" sz="1050" b="1" dirty="0"/>
                     </a:p>
                   </a:txBody>
                   <a:tcPr marL="88011" marR="88011" marT="44005" marB="44005"/>
                 </a:tc>
+                <a:extLst>
+                  <a:ext uri="{0D108BD9-81ED-4DB2-BD59-A6C34878D82A}">
+                    <a16:rowId xmlns:a16="http://schemas.microsoft.com/office/drawing/2014/main" val="10004"/>
+                  </a:ext>
+                </a:extLst>
               </a:tr>
               <a:tr h="240738">
                 <a:tc>
@@ -18572,7 +19990,6 @@
                         <a:rPr lang="en-US" sz="1050" b="0" dirty="0"/>
                         <a:t>Name</a:t>
                       </a:r>
-                      <a:endParaRPr lang="en-US" sz="1050" b="0" dirty="0"/>
                     </a:p>
                   </a:txBody>
                   <a:tcPr marL="88011" marR="88011" marT="44005" marB="44005"/>
@@ -18599,6 +20016,11 @@
                   </a:txBody>
                   <a:tcPr marL="88011" marR="88011" marT="44005" marB="44005"/>
                 </a:tc>
+                <a:extLst>
+                  <a:ext uri="{0D108BD9-81ED-4DB2-BD59-A6C34878D82A}">
+                    <a16:rowId xmlns:a16="http://schemas.microsoft.com/office/drawing/2014/main" val="10005"/>
+                  </a:ext>
+                </a:extLst>
               </a:tr>
               <a:tr h="240738">
                 <a:tc>
@@ -18610,7 +20032,6 @@
                         <a:rPr lang="en-US" sz="1050" b="0" dirty="0"/>
                         <a:t>Unit</a:t>
                       </a:r>
-                      <a:endParaRPr lang="en-US" sz="1050" b="0" dirty="0"/>
                     </a:p>
                   </a:txBody>
                   <a:tcPr marL="88011" marR="88011" marT="44005" marB="44005"/>
@@ -18637,6 +20058,11 @@
                   </a:txBody>
                   <a:tcPr marL="88011" marR="88011" marT="44005" marB="44005"/>
                 </a:tc>
+                <a:extLst>
+                  <a:ext uri="{0D108BD9-81ED-4DB2-BD59-A6C34878D82A}">
+                    <a16:rowId xmlns:a16="http://schemas.microsoft.com/office/drawing/2014/main" val="10006"/>
+                  </a:ext>
+                </a:extLst>
               </a:tr>
               <a:tr h="240738">
                 <a:tc>
@@ -18648,7 +20074,6 @@
                         <a:rPr lang="en-US" sz="1050" b="0" dirty="0"/>
                         <a:t>Details</a:t>
                       </a:r>
-                      <a:endParaRPr lang="en-US" sz="1050" b="0" dirty="0"/>
                     </a:p>
                   </a:txBody>
                   <a:tcPr marL="88011" marR="88011" marT="44005" marB="44005"/>
@@ -18675,6 +20100,11 @@
                   </a:txBody>
                   <a:tcPr marL="88011" marR="88011" marT="44005" marB="44005"/>
                 </a:tc>
+                <a:extLst>
+                  <a:ext uri="{0D108BD9-81ED-4DB2-BD59-A6C34878D82A}">
+                    <a16:rowId xmlns:a16="http://schemas.microsoft.com/office/drawing/2014/main" val="10007"/>
+                  </a:ext>
+                </a:extLst>
               </a:tr>
               <a:tr h="240738">
                 <a:tc>
@@ -18721,6 +20151,11 @@
                   </a:txBody>
                   <a:tcPr marL="88011" marR="88011" marT="44005" marB="44005"/>
                 </a:tc>
+                <a:extLst>
+                  <a:ext uri="{0D108BD9-81ED-4DB2-BD59-A6C34878D82A}">
+                    <a16:rowId xmlns:a16="http://schemas.microsoft.com/office/drawing/2014/main" val="10008"/>
+                  </a:ext>
+                </a:extLst>
               </a:tr>
             </a:tbl>
           </a:graphicData>
@@ -18749,8 +20184,20 @@
                 <a:tableStyleId>{5C22544A-7EE6-4342-B048-85BDC9FD1C3A}</a:tableStyleId>
               </a:tblPr>
               <a:tblGrid>
-                <a:gridCol w="1433521"/>
-                <a:gridCol w="2502012"/>
+                <a:gridCol w="1433521">
+                  <a:extLst>
+                    <a:ext uri="{9D8B030D-6E8A-4147-A177-3AD203B41FA5}">
+                      <a16:colId xmlns:a16="http://schemas.microsoft.com/office/drawing/2014/main" val="20000"/>
+                    </a:ext>
+                  </a:extLst>
+                </a:gridCol>
+                <a:gridCol w="2502012">
+                  <a:extLst>
+                    <a:ext uri="{9D8B030D-6E8A-4147-A177-3AD203B41FA5}">
+                      <a16:colId xmlns:a16="http://schemas.microsoft.com/office/drawing/2014/main" val="20001"/>
+                    </a:ext>
+                  </a:extLst>
+                </a:gridCol>
               </a:tblGrid>
               <a:tr h="195059">
                 <a:tc gridSpan="2">
@@ -18762,14 +20209,25 @@
                         <a:rPr lang="en-US" sz="1050" b="0" dirty="0"/>
                         <a:t>Categories  Data Collection </a:t>
                       </a:r>
-                      <a:endParaRPr lang="en-US" sz="1050" b="0" dirty="0"/>
                     </a:p>
                   </a:txBody>
                   <a:tcPr/>
                 </a:tc>
                 <a:tc hMerge="1">
-                  <a:tcPr/>
-                </a:tc>
+                  <a:txBody>
+                    <a:bodyPr/>
+                    <a:lstStyle/>
+                    <a:p>
+                      <a:endParaRPr lang="en-US"/>
+                    </a:p>
+                  </a:txBody>
+                  <a:tcPr/>
+                </a:tc>
+                <a:extLst>
+                  <a:ext uri="{0D108BD9-81ED-4DB2-BD59-A6C34878D82A}">
+                    <a16:rowId xmlns:a16="http://schemas.microsoft.com/office/drawing/2014/main" val="10000"/>
+                  </a:ext>
+                </a:extLst>
               </a:tr>
               <a:tr h="287663">
                 <a:tc>
@@ -18781,7 +20239,6 @@
                         <a:rPr lang="en-US" sz="1050" b="1" dirty="0"/>
                         <a:t>_id</a:t>
                       </a:r>
-                      <a:endParaRPr lang="en-US" sz="1050" b="1" dirty="0"/>
                     </a:p>
                   </a:txBody>
                   <a:tcPr/>
@@ -18799,11 +20256,15 @@
                         <a:rPr lang="en-US" sz="1050" b="1" dirty="0"/>
                         <a:t> (Primary Key)</a:t>
                       </a:r>
-                      <a:endParaRPr lang="en-US" sz="1050" b="1" dirty="0"/>
-                    </a:p>
-                  </a:txBody>
-                  <a:tcPr/>
-                </a:tc>
+                    </a:p>
+                  </a:txBody>
+                  <a:tcPr/>
+                </a:tc>
+                <a:extLst>
+                  <a:ext uri="{0D108BD9-81ED-4DB2-BD59-A6C34878D82A}">
+                    <a16:rowId xmlns:a16="http://schemas.microsoft.com/office/drawing/2014/main" val="10001"/>
+                  </a:ext>
+                </a:extLst>
               </a:tr>
               <a:tr h="287663">
                 <a:tc>
@@ -18862,6 +20323,11 @@
                   </a:txBody>
                   <a:tcPr/>
                 </a:tc>
+                <a:extLst>
+                  <a:ext uri="{0D108BD9-81ED-4DB2-BD59-A6C34878D82A}">
+                    <a16:rowId xmlns:a16="http://schemas.microsoft.com/office/drawing/2014/main" val="10002"/>
+                  </a:ext>
+                </a:extLst>
               </a:tr>
               <a:tr h="287663">
                 <a:tc>
@@ -18908,6 +20374,11 @@
                   </a:txBody>
                   <a:tcPr/>
                 </a:tc>
+                <a:extLst>
+                  <a:ext uri="{0D108BD9-81ED-4DB2-BD59-A6C34878D82A}">
+                    <a16:rowId xmlns:a16="http://schemas.microsoft.com/office/drawing/2014/main" val="10003"/>
+                  </a:ext>
+                </a:extLst>
               </a:tr>
               <a:tr h="287663">
                 <a:tc>
@@ -18954,6 +20425,11 @@
                   </a:txBody>
                   <a:tcPr/>
                 </a:tc>
+                <a:extLst>
+                  <a:ext uri="{0D108BD9-81ED-4DB2-BD59-A6C34878D82A}">
+                    <a16:rowId xmlns:a16="http://schemas.microsoft.com/office/drawing/2014/main" val="10004"/>
+                  </a:ext>
+                </a:extLst>
               </a:tr>
             </a:tbl>
           </a:graphicData>
@@ -18982,8 +20458,20 @@
                 <a:tableStyleId>{5C22544A-7EE6-4342-B048-85BDC9FD1C3A}</a:tableStyleId>
               </a:tblPr>
               <a:tblGrid>
-                <a:gridCol w="1433521"/>
-                <a:gridCol w="2502012"/>
+                <a:gridCol w="1433521">
+                  <a:extLst>
+                    <a:ext uri="{9D8B030D-6E8A-4147-A177-3AD203B41FA5}">
+                      <a16:colId xmlns:a16="http://schemas.microsoft.com/office/drawing/2014/main" val="20000"/>
+                    </a:ext>
+                  </a:extLst>
+                </a:gridCol>
+                <a:gridCol w="2502012">
+                  <a:extLst>
+                    <a:ext uri="{9D8B030D-6E8A-4147-A177-3AD203B41FA5}">
+                      <a16:colId xmlns:a16="http://schemas.microsoft.com/office/drawing/2014/main" val="20001"/>
+                    </a:ext>
+                  </a:extLst>
+                </a:gridCol>
               </a:tblGrid>
               <a:tr h="280422">
                 <a:tc gridSpan="2">
@@ -18995,14 +20483,25 @@
                         <a:rPr lang="en-US" sz="1050" b="0" dirty="0"/>
                         <a:t>Brands  Data Collection </a:t>
                       </a:r>
-                      <a:endParaRPr lang="en-US" sz="1050" b="0" dirty="0"/>
                     </a:p>
                   </a:txBody>
                   <a:tcPr/>
                 </a:tc>
                 <a:tc hMerge="1">
-                  <a:tcPr/>
-                </a:tc>
+                  <a:txBody>
+                    <a:bodyPr/>
+                    <a:lstStyle/>
+                    <a:p>
+                      <a:endParaRPr lang="en-US"/>
+                    </a:p>
+                  </a:txBody>
+                  <a:tcPr/>
+                </a:tc>
+                <a:extLst>
+                  <a:ext uri="{0D108BD9-81ED-4DB2-BD59-A6C34878D82A}">
+                    <a16:rowId xmlns:a16="http://schemas.microsoft.com/office/drawing/2014/main" val="10000"/>
+                  </a:ext>
+                </a:extLst>
               </a:tr>
               <a:tr h="280422">
                 <a:tc>
@@ -19014,7 +20513,6 @@
                         <a:rPr lang="en-US" sz="1050" b="1" dirty="0"/>
                         <a:t>_id</a:t>
                       </a:r>
-                      <a:endParaRPr lang="en-US" sz="1050" b="1" dirty="0"/>
                     </a:p>
                   </a:txBody>
                   <a:tcPr/>
@@ -19032,11 +20530,15 @@
                         <a:rPr lang="en-US" sz="1050" b="1" dirty="0"/>
                         <a:t> (Primary Key)</a:t>
                       </a:r>
-                      <a:endParaRPr lang="en-US" sz="1050" b="1" dirty="0"/>
-                    </a:p>
-                  </a:txBody>
-                  <a:tcPr/>
-                </a:tc>
+                    </a:p>
+                  </a:txBody>
+                  <a:tcPr/>
+                </a:tc>
+                <a:extLst>
+                  <a:ext uri="{0D108BD9-81ED-4DB2-BD59-A6C34878D82A}">
+                    <a16:rowId xmlns:a16="http://schemas.microsoft.com/office/drawing/2014/main" val="10001"/>
+                  </a:ext>
+                </a:extLst>
               </a:tr>
               <a:tr h="280422">
                 <a:tc>
@@ -19095,6 +20597,11 @@
                   </a:txBody>
                   <a:tcPr/>
                 </a:tc>
+                <a:extLst>
+                  <a:ext uri="{0D108BD9-81ED-4DB2-BD59-A6C34878D82A}">
+                    <a16:rowId xmlns:a16="http://schemas.microsoft.com/office/drawing/2014/main" val="10002"/>
+                  </a:ext>
+                </a:extLst>
               </a:tr>
               <a:tr h="280422">
                 <a:tc>
@@ -19141,6 +20648,11 @@
                   </a:txBody>
                   <a:tcPr/>
                 </a:tc>
+                <a:extLst>
+                  <a:ext uri="{0D108BD9-81ED-4DB2-BD59-A6C34878D82A}">
+                    <a16:rowId xmlns:a16="http://schemas.microsoft.com/office/drawing/2014/main" val="10003"/>
+                  </a:ext>
+                </a:extLst>
               </a:tr>
               <a:tr h="280422">
                 <a:tc>
@@ -19187,6 +20699,11 @@
                   </a:txBody>
                   <a:tcPr/>
                 </a:tc>
+                <a:extLst>
+                  <a:ext uri="{0D108BD9-81ED-4DB2-BD59-A6C34878D82A}">
+                    <a16:rowId xmlns:a16="http://schemas.microsoft.com/office/drawing/2014/main" val="10004"/>
+                  </a:ext>
+                </a:extLst>
               </a:tr>
             </a:tbl>
           </a:graphicData>
@@ -20057,15 +21574,6 @@
               </a:rPr>
               <a:t>WHY WE BUILD INVENTORY? </a:t>
             </a:r>
-            <a:endParaRPr lang="en-US" sz="2400" b="1" dirty="0">
-              <a:solidFill>
-                <a:schemeClr val="accent1">
-                  <a:lumMod val="75000"/>
-                </a:schemeClr>
-              </a:solidFill>
-              <a:latin typeface="Roboto" panose="02000000000000000000" pitchFamily="2" charset="0"/>
-              <a:ea typeface="Roboto" panose="02000000000000000000" pitchFamily="2" charset="0"/>
-            </a:endParaRPr>
           </a:p>
         </p:txBody>
       </p:sp>
@@ -20098,7 +21606,6 @@
               <a:rPr lang="en-US" dirty="0"/>
               <a:t>To learn industry standard software development. </a:t>
             </a:r>
-            <a:endParaRPr lang="en-US" dirty="0"/>
           </a:p>
           <a:p>
             <a:pPr marL="342900" indent="-342900">
@@ -20108,7 +21615,6 @@
               <a:rPr lang="en-US" dirty="0"/>
               <a:t>To learn ins &amp; outs of business application development  </a:t>
             </a:r>
-            <a:endParaRPr lang="en-US" dirty="0"/>
           </a:p>
           <a:p>
             <a:pPr marL="342900" indent="-342900">
@@ -20118,7 +21624,6 @@
               <a:rPr lang="en-US" dirty="0"/>
               <a:t>To utilize this project experience with other’s any types business of business application   </a:t>
             </a:r>
-            <a:endParaRPr lang="en-US" dirty="0"/>
           </a:p>
         </p:txBody>
       </p:sp>
@@ -20620,10 +22125,6 @@
               </a:rPr>
               <a:t>New sell create ( with transaction rollback ) </a:t>
             </a:r>
-            <a:endParaRPr lang="en-US" sz="1400" dirty="0">
-              <a:latin typeface="Roboto" panose="02000000000000000000" pitchFamily="2" charset="0"/>
-              <a:ea typeface="Roboto" panose="02000000000000000000" pitchFamily="2" charset="0"/>
-            </a:endParaRPr>
           </a:p>
           <a:p>
             <a:pPr marL="342900" indent="-342900">
@@ -20637,10 +22138,6 @@
               </a:rPr>
               <a:t>Sell update ( with transaction rollback ) </a:t>
             </a:r>
-            <a:endParaRPr lang="en-US" sz="1400" dirty="0">
-              <a:latin typeface="Roboto" panose="02000000000000000000" pitchFamily="2" charset="0"/>
-              <a:ea typeface="Roboto" panose="02000000000000000000" pitchFamily="2" charset="0"/>
-            </a:endParaRPr>
           </a:p>
           <a:p>
             <a:pPr marL="342900" indent="-342900">
@@ -20653,10 +22150,6 @@
               </a:rPr>
               <a:t>Read/search/filter sell  list </a:t>
             </a:r>
-            <a:endParaRPr lang="en-US" sz="1400" dirty="0">
-              <a:latin typeface="Roboto" panose="02000000000000000000" pitchFamily="2" charset="0"/>
-              <a:ea typeface="Roboto" panose="02000000000000000000" pitchFamily="2" charset="0"/>
-            </a:endParaRPr>
           </a:p>
           <a:p>
             <a:pPr marL="342900" indent="-342900">
@@ -20669,10 +22162,6 @@
               </a:rPr>
               <a:t>Can delete sell with safety ( with transaction rollback )</a:t>
             </a:r>
-            <a:endParaRPr lang="en-US" sz="1400" dirty="0">
-              <a:latin typeface="Roboto" panose="02000000000000000000" pitchFamily="2" charset="0"/>
-              <a:ea typeface="Roboto" panose="02000000000000000000" pitchFamily="2" charset="0"/>
-            </a:endParaRPr>
           </a:p>
           <a:p>
             <a:pPr marL="342900" indent="-342900">
@@ -20686,10 +22175,6 @@
               </a:rPr>
               <a:t>Sell Invoice Create &amp; Print   </a:t>
             </a:r>
-            <a:endParaRPr lang="en-US" sz="1400" dirty="0">
-              <a:latin typeface="Roboto" panose="02000000000000000000" pitchFamily="2" charset="0"/>
-              <a:ea typeface="Roboto" panose="02000000000000000000" pitchFamily="2" charset="0"/>
-            </a:endParaRPr>
           </a:p>
         </p:txBody>
       </p:sp>
@@ -21408,8 +22893,20 @@
                 <a:tableStyleId>{5C22544A-7EE6-4342-B048-85BDC9FD1C3A}</a:tableStyleId>
               </a:tblPr>
               <a:tblGrid>
-                <a:gridCol w="1433521"/>
-                <a:gridCol w="2502012"/>
+                <a:gridCol w="1433521">
+                  <a:extLst>
+                    <a:ext uri="{9D8B030D-6E8A-4147-A177-3AD203B41FA5}">
+                      <a16:colId xmlns:a16="http://schemas.microsoft.com/office/drawing/2014/main" val="20000"/>
+                    </a:ext>
+                  </a:extLst>
+                </a:gridCol>
+                <a:gridCol w="2502012">
+                  <a:extLst>
+                    <a:ext uri="{9D8B030D-6E8A-4147-A177-3AD203B41FA5}">
+                      <a16:colId xmlns:a16="http://schemas.microsoft.com/office/drawing/2014/main" val="20001"/>
+                    </a:ext>
+                  </a:extLst>
+                </a:gridCol>
               </a:tblGrid>
               <a:tr h="370840">
                 <a:tc gridSpan="2">
@@ -21421,14 +22918,25 @@
                         <a:rPr lang="en-US" sz="1400" b="0" dirty="0"/>
                         <a:t>Return Summary  Data Collection </a:t>
                       </a:r>
-                      <a:endParaRPr lang="en-US" sz="1400" b="0" dirty="0"/>
                     </a:p>
                   </a:txBody>
                   <a:tcPr/>
                 </a:tc>
                 <a:tc hMerge="1">
-                  <a:tcPr/>
-                </a:tc>
+                  <a:txBody>
+                    <a:bodyPr/>
+                    <a:lstStyle/>
+                    <a:p>
+                      <a:endParaRPr lang="en-US"/>
+                    </a:p>
+                  </a:txBody>
+                  <a:tcPr/>
+                </a:tc>
+                <a:extLst>
+                  <a:ext uri="{0D108BD9-81ED-4DB2-BD59-A6C34878D82A}">
+                    <a16:rowId xmlns:a16="http://schemas.microsoft.com/office/drawing/2014/main" val="10000"/>
+                  </a:ext>
+                </a:extLst>
               </a:tr>
               <a:tr h="370840">
                 <a:tc>
@@ -21440,7 +22948,6 @@
                         <a:rPr lang="en-US" sz="1400" b="1" dirty="0"/>
                         <a:t>_id</a:t>
                       </a:r>
-                      <a:endParaRPr lang="en-US" sz="1400" b="1" dirty="0"/>
                     </a:p>
                   </a:txBody>
                   <a:tcPr/>
@@ -21458,11 +22965,15 @@
                         <a:rPr lang="en-US" sz="1400" b="1" dirty="0"/>
                         <a:t> (Primary Key)</a:t>
                       </a:r>
-                      <a:endParaRPr lang="en-US" sz="1400" b="1" dirty="0"/>
-                    </a:p>
-                  </a:txBody>
-                  <a:tcPr/>
-                </a:tc>
+                    </a:p>
+                  </a:txBody>
+                  <a:tcPr/>
+                </a:tc>
+                <a:extLst>
+                  <a:ext uri="{0D108BD9-81ED-4DB2-BD59-A6C34878D82A}">
+                    <a16:rowId xmlns:a16="http://schemas.microsoft.com/office/drawing/2014/main" val="10001"/>
+                  </a:ext>
+                </a:extLst>
               </a:tr>
               <a:tr h="370840">
                 <a:tc>
@@ -21521,6 +23032,11 @@
                   </a:txBody>
                   <a:tcPr/>
                 </a:tc>
+                <a:extLst>
+                  <a:ext uri="{0D108BD9-81ED-4DB2-BD59-A6C34878D82A}">
+                    <a16:rowId xmlns:a16="http://schemas.microsoft.com/office/drawing/2014/main" val="10002"/>
+                  </a:ext>
+                </a:extLst>
               </a:tr>
               <a:tr h="370840">
                 <a:tc>
@@ -21566,11 +23082,15 @@
                         <a:rPr lang="en-US" sz="1400" b="1" dirty="0"/>
                         <a:t> (Foreign key)</a:t>
                       </a:r>
-                      <a:endParaRPr lang="en-US" sz="1400" b="1" dirty="0"/>
-                    </a:p>
-                  </a:txBody>
-                  <a:tcPr/>
-                </a:tc>
+                    </a:p>
+                  </a:txBody>
+                  <a:tcPr/>
+                </a:tc>
+                <a:extLst>
+                  <a:ext uri="{0D108BD9-81ED-4DB2-BD59-A6C34878D82A}">
+                    <a16:rowId xmlns:a16="http://schemas.microsoft.com/office/drawing/2014/main" val="10003"/>
+                  </a:ext>
+                </a:extLst>
               </a:tr>
               <a:tr h="370840">
                 <a:tc>
@@ -21604,11 +23124,15 @@
                         <a:rPr lang="en-US" sz="1400" b="0" dirty="0"/>
                         <a:t>Number</a:t>
                       </a:r>
-                      <a:endParaRPr lang="en-US" sz="1400" b="0" dirty="0"/>
-                    </a:p>
-                  </a:txBody>
-                  <a:tcPr/>
-                </a:tc>
+                    </a:p>
+                  </a:txBody>
+                  <a:tcPr/>
+                </a:tc>
+                <a:extLst>
+                  <a:ext uri="{0D108BD9-81ED-4DB2-BD59-A6C34878D82A}">
+                    <a16:rowId xmlns:a16="http://schemas.microsoft.com/office/drawing/2014/main" val="10004"/>
+                  </a:ext>
+                </a:extLst>
               </a:tr>
               <a:tr h="370840">
                 <a:tc>
@@ -21620,7 +23144,6 @@
                         <a:rPr lang="en-US" sz="1400" b="0" dirty="0"/>
                         <a:t>Discount</a:t>
                       </a:r>
-                      <a:endParaRPr lang="en-US" sz="1400" b="0" dirty="0"/>
                     </a:p>
                   </a:txBody>
                   <a:tcPr/>
@@ -21634,11 +23157,15 @@
                         <a:rPr lang="en-US" sz="1400" b="0" dirty="0"/>
                         <a:t>Number</a:t>
                       </a:r>
-                      <a:endParaRPr lang="en-US" sz="1400" b="0" dirty="0"/>
-                    </a:p>
-                  </a:txBody>
-                  <a:tcPr/>
-                </a:tc>
+                    </a:p>
+                  </a:txBody>
+                  <a:tcPr/>
+                </a:tc>
+                <a:extLst>
+                  <a:ext uri="{0D108BD9-81ED-4DB2-BD59-A6C34878D82A}">
+                    <a16:rowId xmlns:a16="http://schemas.microsoft.com/office/drawing/2014/main" val="10005"/>
+                  </a:ext>
+                </a:extLst>
               </a:tr>
               <a:tr h="370840">
                 <a:tc>
@@ -21664,11 +23191,15 @@
                         <a:rPr lang="en-US" sz="1400" b="0" dirty="0"/>
                         <a:t>Number</a:t>
                       </a:r>
-                      <a:endParaRPr lang="en-US" sz="1400" b="0" dirty="0"/>
-                    </a:p>
-                  </a:txBody>
-                  <a:tcPr/>
-                </a:tc>
+                    </a:p>
+                  </a:txBody>
+                  <a:tcPr/>
+                </a:tc>
+                <a:extLst>
+                  <a:ext uri="{0D108BD9-81ED-4DB2-BD59-A6C34878D82A}">
+                    <a16:rowId xmlns:a16="http://schemas.microsoft.com/office/drawing/2014/main" val="10006"/>
+                  </a:ext>
+                </a:extLst>
               </a:tr>
               <a:tr h="370840">
                 <a:tc>
@@ -21694,11 +23225,15 @@
                         <a:rPr lang="en-US" sz="1400" b="0" dirty="0"/>
                         <a:t>Number</a:t>
                       </a:r>
-                      <a:endParaRPr lang="en-US" sz="1400" b="0" dirty="0"/>
-                    </a:p>
-                  </a:txBody>
-                  <a:tcPr/>
-                </a:tc>
+                    </a:p>
+                  </a:txBody>
+                  <a:tcPr/>
+                </a:tc>
+                <a:extLst>
+                  <a:ext uri="{0D108BD9-81ED-4DB2-BD59-A6C34878D82A}">
+                    <a16:rowId xmlns:a16="http://schemas.microsoft.com/office/drawing/2014/main" val="10007"/>
+                  </a:ext>
+                </a:extLst>
               </a:tr>
               <a:tr h="370840">
                 <a:tc>
@@ -21724,11 +23259,15 @@
                         <a:rPr lang="en-US" sz="1400" b="0" dirty="0"/>
                         <a:t>Number</a:t>
                       </a:r>
-                      <a:endParaRPr lang="en-US" sz="1400" b="0" dirty="0"/>
-                    </a:p>
-                  </a:txBody>
-                  <a:tcPr/>
-                </a:tc>
+                    </a:p>
+                  </a:txBody>
+                  <a:tcPr/>
+                </a:tc>
+                <a:extLst>
+                  <a:ext uri="{0D108BD9-81ED-4DB2-BD59-A6C34878D82A}">
+                    <a16:rowId xmlns:a16="http://schemas.microsoft.com/office/drawing/2014/main" val="10008"/>
+                  </a:ext>
+                </a:extLst>
               </a:tr>
               <a:tr h="370840">
                 <a:tc>
@@ -21740,7 +23279,6 @@
                         <a:rPr lang="en-US" sz="1400" b="0" dirty="0"/>
                         <a:t>Note</a:t>
                       </a:r>
-                      <a:endParaRPr lang="en-US" sz="1400" b="0" dirty="0"/>
                     </a:p>
                   </a:txBody>
                   <a:tcPr/>
@@ -21767,6 +23305,11 @@
                   </a:txBody>
                   <a:tcPr/>
                 </a:tc>
+                <a:extLst>
+                  <a:ext uri="{0D108BD9-81ED-4DB2-BD59-A6C34878D82A}">
+                    <a16:rowId xmlns:a16="http://schemas.microsoft.com/office/drawing/2014/main" val="10009"/>
+                  </a:ext>
+                </a:extLst>
               </a:tr>
               <a:tr h="370840">
                 <a:tc>
@@ -21813,6 +23356,11 @@
                   </a:txBody>
                   <a:tcPr/>
                 </a:tc>
+                <a:extLst>
+                  <a:ext uri="{0D108BD9-81ED-4DB2-BD59-A6C34878D82A}">
+                    <a16:rowId xmlns:a16="http://schemas.microsoft.com/office/drawing/2014/main" val="10010"/>
+                  </a:ext>
+                </a:extLst>
               </a:tr>
             </a:tbl>
           </a:graphicData>
@@ -21837,8 +23385,20 @@
                 <a:tableStyleId>{5C22544A-7EE6-4342-B048-85BDC9FD1C3A}</a:tableStyleId>
               </a:tblPr>
               <a:tblGrid>
-                <a:gridCol w="1408046"/>
-                <a:gridCol w="2502012"/>
+                <a:gridCol w="1408046">
+                  <a:extLst>
+                    <a:ext uri="{9D8B030D-6E8A-4147-A177-3AD203B41FA5}">
+                      <a16:colId xmlns:a16="http://schemas.microsoft.com/office/drawing/2014/main" val="20000"/>
+                    </a:ext>
+                  </a:extLst>
+                </a:gridCol>
+                <a:gridCol w="2502012">
+                  <a:extLst>
+                    <a:ext uri="{9D8B030D-6E8A-4147-A177-3AD203B41FA5}">
+                      <a16:colId xmlns:a16="http://schemas.microsoft.com/office/drawing/2014/main" val="20001"/>
+                    </a:ext>
+                  </a:extLst>
+                </a:gridCol>
               </a:tblGrid>
               <a:tr h="370840">
                 <a:tc gridSpan="2">
@@ -21850,14 +23410,25 @@
                         <a:rPr lang="en-US" sz="1400" b="0" dirty="0"/>
                         <a:t>Return Product  Data Collection </a:t>
                       </a:r>
-                      <a:endParaRPr lang="en-US" sz="1400" b="0" dirty="0"/>
                     </a:p>
                   </a:txBody>
                   <a:tcPr/>
                 </a:tc>
                 <a:tc hMerge="1">
-                  <a:tcPr/>
-                </a:tc>
+                  <a:txBody>
+                    <a:bodyPr/>
+                    <a:lstStyle/>
+                    <a:p>
+                      <a:endParaRPr lang="en-US"/>
+                    </a:p>
+                  </a:txBody>
+                  <a:tcPr/>
+                </a:tc>
+                <a:extLst>
+                  <a:ext uri="{0D108BD9-81ED-4DB2-BD59-A6C34878D82A}">
+                    <a16:rowId xmlns:a16="http://schemas.microsoft.com/office/drawing/2014/main" val="10000"/>
+                  </a:ext>
+                </a:extLst>
               </a:tr>
               <a:tr h="370840">
                 <a:tc>
@@ -21869,7 +23440,6 @@
                         <a:rPr lang="en-US" sz="1400" b="1" dirty="0"/>
                         <a:t>_id</a:t>
                       </a:r>
-                      <a:endParaRPr lang="en-US" sz="1400" b="1" dirty="0"/>
                     </a:p>
                   </a:txBody>
                   <a:tcPr/>
@@ -21887,11 +23457,15 @@
                         <a:rPr lang="en-US" sz="1400" b="1" dirty="0"/>
                         <a:t> (Primary Key)</a:t>
                       </a:r>
-                      <a:endParaRPr lang="en-US" sz="1400" b="1" dirty="0"/>
-                    </a:p>
-                  </a:txBody>
-                  <a:tcPr/>
-                </a:tc>
+                    </a:p>
+                  </a:txBody>
+                  <a:tcPr/>
+                </a:tc>
+                <a:extLst>
+                  <a:ext uri="{0D108BD9-81ED-4DB2-BD59-A6C34878D82A}">
+                    <a16:rowId xmlns:a16="http://schemas.microsoft.com/office/drawing/2014/main" val="10001"/>
+                  </a:ext>
+                </a:extLst>
               </a:tr>
               <a:tr h="370840">
                 <a:tc>
@@ -21950,6 +23524,11 @@
                   </a:txBody>
                   <a:tcPr/>
                 </a:tc>
+                <a:extLst>
+                  <a:ext uri="{0D108BD9-81ED-4DB2-BD59-A6C34878D82A}">
+                    <a16:rowId xmlns:a16="http://schemas.microsoft.com/office/drawing/2014/main" val="10002"/>
+                  </a:ext>
+                </a:extLst>
               </a:tr>
               <a:tr h="370840">
                 <a:tc>
@@ -21995,11 +23574,15 @@
                         <a:rPr lang="en-US" sz="1400" b="1" dirty="0"/>
                         <a:t> (Foreign key)</a:t>
                       </a:r>
-                      <a:endParaRPr lang="en-US" sz="1400" b="1" dirty="0"/>
-                    </a:p>
-                  </a:txBody>
-                  <a:tcPr/>
-                </a:tc>
+                    </a:p>
+                  </a:txBody>
+                  <a:tcPr/>
+                </a:tc>
+                <a:extLst>
+                  <a:ext uri="{0D108BD9-81ED-4DB2-BD59-A6C34878D82A}">
+                    <a16:rowId xmlns:a16="http://schemas.microsoft.com/office/drawing/2014/main" val="10003"/>
+                  </a:ext>
+                </a:extLst>
               </a:tr>
               <a:tr h="370840">
                 <a:tc>
@@ -22045,11 +23628,15 @@
                         <a:rPr lang="en-US" sz="1400" b="1" dirty="0"/>
                         <a:t> (Foreign key)</a:t>
                       </a:r>
-                      <a:endParaRPr lang="en-US" sz="1400" b="1" dirty="0"/>
-                    </a:p>
-                  </a:txBody>
-                  <a:tcPr/>
-                </a:tc>
+                    </a:p>
+                  </a:txBody>
+                  <a:tcPr/>
+                </a:tc>
+                <a:extLst>
+                  <a:ext uri="{0D108BD9-81ED-4DB2-BD59-A6C34878D82A}">
+                    <a16:rowId xmlns:a16="http://schemas.microsoft.com/office/drawing/2014/main" val="10004"/>
+                  </a:ext>
+                </a:extLst>
               </a:tr>
               <a:tr h="370840">
                 <a:tc>
@@ -22083,11 +23670,15 @@
                         <a:rPr lang="en-US" sz="1400" b="0" dirty="0"/>
                         <a:t>Number</a:t>
                       </a:r>
-                      <a:endParaRPr lang="en-US" sz="1400" b="0" dirty="0"/>
-                    </a:p>
-                  </a:txBody>
-                  <a:tcPr/>
-                </a:tc>
+                    </a:p>
+                  </a:txBody>
+                  <a:tcPr/>
+                </a:tc>
+                <a:extLst>
+                  <a:ext uri="{0D108BD9-81ED-4DB2-BD59-A6C34878D82A}">
+                    <a16:rowId xmlns:a16="http://schemas.microsoft.com/office/drawing/2014/main" val="10005"/>
+                  </a:ext>
+                </a:extLst>
               </a:tr>
               <a:tr h="370840">
                 <a:tc>
@@ -22113,11 +23704,15 @@
                         <a:rPr lang="en-US" sz="1400" b="0" dirty="0"/>
                         <a:t>Number</a:t>
                       </a:r>
-                      <a:endParaRPr lang="en-US" sz="1400" b="0" dirty="0"/>
-                    </a:p>
-                  </a:txBody>
-                  <a:tcPr/>
-                </a:tc>
+                    </a:p>
+                  </a:txBody>
+                  <a:tcPr/>
+                </a:tc>
+                <a:extLst>
+                  <a:ext uri="{0D108BD9-81ED-4DB2-BD59-A6C34878D82A}">
+                    <a16:rowId xmlns:a16="http://schemas.microsoft.com/office/drawing/2014/main" val="10006"/>
+                  </a:ext>
+                </a:extLst>
               </a:tr>
               <a:tr h="370840">
                 <a:tc>
@@ -22129,7 +23724,6 @@
                         <a:rPr lang="en-US" sz="1400" b="0" dirty="0"/>
                         <a:t>Total</a:t>
                       </a:r>
-                      <a:endParaRPr lang="en-US" sz="1400" b="0" dirty="0"/>
                     </a:p>
                   </a:txBody>
                   <a:tcPr/>
@@ -22143,11 +23737,15 @@
                         <a:rPr lang="en-US" sz="1400" b="0" dirty="0"/>
                         <a:t>Number</a:t>
                       </a:r>
-                      <a:endParaRPr lang="en-US" sz="1400" b="0" dirty="0"/>
-                    </a:p>
-                  </a:txBody>
-                  <a:tcPr/>
-                </a:tc>
+                    </a:p>
+                  </a:txBody>
+                  <a:tcPr/>
+                </a:tc>
+                <a:extLst>
+                  <a:ext uri="{0D108BD9-81ED-4DB2-BD59-A6C34878D82A}">
+                    <a16:rowId xmlns:a16="http://schemas.microsoft.com/office/drawing/2014/main" val="10007"/>
+                  </a:ext>
+                </a:extLst>
               </a:tr>
               <a:tr h="370840">
                 <a:tc>
@@ -22194,6 +23792,11 @@
                   </a:txBody>
                   <a:tcPr/>
                 </a:tc>
+                <a:extLst>
+                  <a:ext uri="{0D108BD9-81ED-4DB2-BD59-A6C34878D82A}">
+                    <a16:rowId xmlns:a16="http://schemas.microsoft.com/office/drawing/2014/main" val="10008"/>
+                  </a:ext>
+                </a:extLst>
               </a:tr>
             </a:tbl>
           </a:graphicData>
@@ -22603,8 +24206,20 @@
                 <a:tableStyleId>{5C22544A-7EE6-4342-B048-85BDC9FD1C3A}</a:tableStyleId>
               </a:tblPr>
               <a:tblGrid>
-                <a:gridCol w="856097"/>
-                <a:gridCol w="1838344"/>
+                <a:gridCol w="856097">
+                  <a:extLst>
+                    <a:ext uri="{9D8B030D-6E8A-4147-A177-3AD203B41FA5}">
+                      <a16:colId xmlns:a16="http://schemas.microsoft.com/office/drawing/2014/main" val="20000"/>
+                    </a:ext>
+                  </a:extLst>
+                </a:gridCol>
+                <a:gridCol w="1838344">
+                  <a:extLst>
+                    <a:ext uri="{9D8B030D-6E8A-4147-A177-3AD203B41FA5}">
+                      <a16:colId xmlns:a16="http://schemas.microsoft.com/office/drawing/2014/main" val="20001"/>
+                    </a:ext>
+                  </a:extLst>
+                </a:gridCol>
               </a:tblGrid>
               <a:tr h="304580">
                 <a:tc gridSpan="2">
@@ -22616,14 +24231,25 @@
                         <a:rPr lang="en-US" sz="1400" b="0" dirty="0"/>
                         <a:t>Customers  Data Collection </a:t>
                       </a:r>
-                      <a:endParaRPr lang="en-US" sz="1400" b="0" dirty="0"/>
                     </a:p>
                   </a:txBody>
                   <a:tcPr/>
                 </a:tc>
                 <a:tc hMerge="1">
-                  <a:tcPr/>
-                </a:tc>
+                  <a:txBody>
+                    <a:bodyPr/>
+                    <a:lstStyle/>
+                    <a:p>
+                      <a:endParaRPr lang="en-US"/>
+                    </a:p>
+                  </a:txBody>
+                  <a:tcPr/>
+                </a:tc>
+                <a:extLst>
+                  <a:ext uri="{0D108BD9-81ED-4DB2-BD59-A6C34878D82A}">
+                    <a16:rowId xmlns:a16="http://schemas.microsoft.com/office/drawing/2014/main" val="10000"/>
+                  </a:ext>
+                </a:extLst>
               </a:tr>
               <a:tr h="304580">
                 <a:tc>
@@ -22635,7 +24261,6 @@
                         <a:rPr lang="en-US" sz="1050" b="1" dirty="0"/>
                         <a:t>_id</a:t>
                       </a:r>
-                      <a:endParaRPr lang="en-US" sz="1050" b="1" dirty="0"/>
                     </a:p>
                   </a:txBody>
                   <a:tcPr/>
@@ -22653,11 +24278,15 @@
                         <a:rPr lang="en-US" sz="1050" b="1" dirty="0"/>
                         <a:t> (Primary Key)</a:t>
                       </a:r>
-                      <a:endParaRPr lang="en-US" sz="1050" b="1" dirty="0"/>
-                    </a:p>
-                  </a:txBody>
-                  <a:tcPr/>
-                </a:tc>
+                    </a:p>
+                  </a:txBody>
+                  <a:tcPr/>
+                </a:tc>
+                <a:extLst>
+                  <a:ext uri="{0D108BD9-81ED-4DB2-BD59-A6C34878D82A}">
+                    <a16:rowId xmlns:a16="http://schemas.microsoft.com/office/drawing/2014/main" val="10001"/>
+                  </a:ext>
+                </a:extLst>
               </a:tr>
               <a:tr h="304580">
                 <a:tc>
@@ -22716,6 +24345,11 @@
                   </a:txBody>
                   <a:tcPr/>
                 </a:tc>
+                <a:extLst>
+                  <a:ext uri="{0D108BD9-81ED-4DB2-BD59-A6C34878D82A}">
+                    <a16:rowId xmlns:a16="http://schemas.microsoft.com/office/drawing/2014/main" val="10002"/>
+                  </a:ext>
+                </a:extLst>
               </a:tr>
               <a:tr h="304580">
                 <a:tc>
@@ -22762,6 +24396,11 @@
                   </a:txBody>
                   <a:tcPr/>
                 </a:tc>
+                <a:extLst>
+                  <a:ext uri="{0D108BD9-81ED-4DB2-BD59-A6C34878D82A}">
+                    <a16:rowId xmlns:a16="http://schemas.microsoft.com/office/drawing/2014/main" val="10003"/>
+                  </a:ext>
+                </a:extLst>
               </a:tr>
               <a:tr h="304580">
                 <a:tc>
@@ -22773,7 +24412,6 @@
                         <a:rPr lang="en-US" sz="1050" b="0" dirty="0"/>
                         <a:t>Address</a:t>
                       </a:r>
-                      <a:endParaRPr lang="en-US" sz="1050" b="0" dirty="0"/>
                     </a:p>
                   </a:txBody>
                   <a:tcPr/>
@@ -22800,6 +24438,11 @@
                   </a:txBody>
                   <a:tcPr/>
                 </a:tc>
+                <a:extLst>
+                  <a:ext uri="{0D108BD9-81ED-4DB2-BD59-A6C34878D82A}">
+                    <a16:rowId xmlns:a16="http://schemas.microsoft.com/office/drawing/2014/main" val="10004"/>
+                  </a:ext>
+                </a:extLst>
               </a:tr>
               <a:tr h="304580">
                 <a:tc>
@@ -22811,7 +24454,6 @@
                         <a:rPr lang="en-US" sz="1050" b="0" dirty="0"/>
                         <a:t>Phone</a:t>
                       </a:r>
-                      <a:endParaRPr lang="en-US" sz="1050" b="0" dirty="0"/>
                     </a:p>
                   </a:txBody>
                   <a:tcPr/>
@@ -22838,6 +24480,11 @@
                   </a:txBody>
                   <a:tcPr/>
                 </a:tc>
+                <a:extLst>
+                  <a:ext uri="{0D108BD9-81ED-4DB2-BD59-A6C34878D82A}">
+                    <a16:rowId xmlns:a16="http://schemas.microsoft.com/office/drawing/2014/main" val="10005"/>
+                  </a:ext>
+                </a:extLst>
               </a:tr>
               <a:tr h="304580">
                 <a:tc>
@@ -22849,7 +24496,6 @@
                         <a:rPr lang="en-US" sz="1050" b="0" dirty="0"/>
                         <a:t>Email</a:t>
                       </a:r>
-                      <a:endParaRPr lang="en-US" sz="1050" b="0" dirty="0"/>
                     </a:p>
                   </a:txBody>
                   <a:tcPr/>
@@ -22876,6 +24522,11 @@
                   </a:txBody>
                   <a:tcPr/>
                 </a:tc>
+                <a:extLst>
+                  <a:ext uri="{0D108BD9-81ED-4DB2-BD59-A6C34878D82A}">
+                    <a16:rowId xmlns:a16="http://schemas.microsoft.com/office/drawing/2014/main" val="10006"/>
+                  </a:ext>
+                </a:extLst>
               </a:tr>
               <a:tr h="304580">
                 <a:tc>
@@ -22922,6 +24573,11 @@
                   </a:txBody>
                   <a:tcPr/>
                 </a:tc>
+                <a:extLst>
+                  <a:ext uri="{0D108BD9-81ED-4DB2-BD59-A6C34878D82A}">
+                    <a16:rowId xmlns:a16="http://schemas.microsoft.com/office/drawing/2014/main" val="10007"/>
+                  </a:ext>
+                </a:extLst>
               </a:tr>
             </a:tbl>
           </a:graphicData>
@@ -23012,8 +24668,20 @@
                 <a:tableStyleId>{5C22544A-7EE6-4342-B048-85BDC9FD1C3A}</a:tableStyleId>
               </a:tblPr>
               <a:tblGrid>
-                <a:gridCol w="1179297"/>
-                <a:gridCol w="2058301"/>
+                <a:gridCol w="1179297">
+                  <a:extLst>
+                    <a:ext uri="{9D8B030D-6E8A-4147-A177-3AD203B41FA5}">
+                      <a16:colId xmlns:a16="http://schemas.microsoft.com/office/drawing/2014/main" val="20000"/>
+                    </a:ext>
+                  </a:extLst>
+                </a:gridCol>
+                <a:gridCol w="2058301">
+                  <a:extLst>
+                    <a:ext uri="{9D8B030D-6E8A-4147-A177-3AD203B41FA5}">
+                      <a16:colId xmlns:a16="http://schemas.microsoft.com/office/drawing/2014/main" val="20001"/>
+                    </a:ext>
+                  </a:extLst>
+                </a:gridCol>
               </a:tblGrid>
               <a:tr h="235252">
                 <a:tc gridSpan="2">
@@ -23025,14 +24693,25 @@
                         <a:rPr lang="en-US" sz="1050" b="0" dirty="0"/>
                         <a:t>Return Summary  Data Collection </a:t>
                       </a:r>
-                      <a:endParaRPr lang="en-US" sz="1050" b="0" dirty="0"/>
                     </a:p>
                   </a:txBody>
                   <a:tcPr/>
                 </a:tc>
                 <a:tc hMerge="1">
-                  <a:tcPr/>
-                </a:tc>
+                  <a:txBody>
+                    <a:bodyPr/>
+                    <a:lstStyle/>
+                    <a:p>
+                      <a:endParaRPr lang="en-US"/>
+                    </a:p>
+                  </a:txBody>
+                  <a:tcPr/>
+                </a:tc>
+                <a:extLst>
+                  <a:ext uri="{0D108BD9-81ED-4DB2-BD59-A6C34878D82A}">
+                    <a16:rowId xmlns:a16="http://schemas.microsoft.com/office/drawing/2014/main" val="10000"/>
+                  </a:ext>
+                </a:extLst>
               </a:tr>
               <a:tr h="235252">
                 <a:tc>
@@ -23044,7 +24723,6 @@
                         <a:rPr lang="en-US" sz="1050" b="1" dirty="0"/>
                         <a:t>_id</a:t>
                       </a:r>
-                      <a:endParaRPr lang="en-US" sz="1050" b="1" dirty="0"/>
                     </a:p>
                   </a:txBody>
                   <a:tcPr/>
@@ -23062,11 +24740,15 @@
                         <a:rPr lang="en-US" sz="1050" b="1" dirty="0"/>
                         <a:t> (Primary Key)</a:t>
                       </a:r>
-                      <a:endParaRPr lang="en-US" sz="1050" b="1" dirty="0"/>
-                    </a:p>
-                  </a:txBody>
-                  <a:tcPr/>
-                </a:tc>
+                    </a:p>
+                  </a:txBody>
+                  <a:tcPr/>
+                </a:tc>
+                <a:extLst>
+                  <a:ext uri="{0D108BD9-81ED-4DB2-BD59-A6C34878D82A}">
+                    <a16:rowId xmlns:a16="http://schemas.microsoft.com/office/drawing/2014/main" val="10001"/>
+                  </a:ext>
+                </a:extLst>
               </a:tr>
               <a:tr h="235252">
                 <a:tc>
@@ -23125,6 +24807,11 @@
                   </a:txBody>
                   <a:tcPr/>
                 </a:tc>
+                <a:extLst>
+                  <a:ext uri="{0D108BD9-81ED-4DB2-BD59-A6C34878D82A}">
+                    <a16:rowId xmlns:a16="http://schemas.microsoft.com/office/drawing/2014/main" val="10002"/>
+                  </a:ext>
+                </a:extLst>
               </a:tr>
               <a:tr h="235252">
                 <a:tc>
@@ -23170,11 +24857,15 @@
                         <a:rPr lang="en-US" sz="1050" b="1" dirty="0"/>
                         <a:t> (Foreign key)</a:t>
                       </a:r>
-                      <a:endParaRPr lang="en-US" sz="1050" b="1" dirty="0"/>
-                    </a:p>
-                  </a:txBody>
-                  <a:tcPr/>
-                </a:tc>
+                    </a:p>
+                  </a:txBody>
+                  <a:tcPr/>
+                </a:tc>
+                <a:extLst>
+                  <a:ext uri="{0D108BD9-81ED-4DB2-BD59-A6C34878D82A}">
+                    <a16:rowId xmlns:a16="http://schemas.microsoft.com/office/drawing/2014/main" val="10003"/>
+                  </a:ext>
+                </a:extLst>
               </a:tr>
               <a:tr h="235252">
                 <a:tc>
@@ -23208,11 +24899,15 @@
                         <a:rPr lang="en-US" sz="1050" b="0" dirty="0"/>
                         <a:t>Number</a:t>
                       </a:r>
-                      <a:endParaRPr lang="en-US" sz="1050" b="0" dirty="0"/>
-                    </a:p>
-                  </a:txBody>
-                  <a:tcPr/>
-                </a:tc>
+                    </a:p>
+                  </a:txBody>
+                  <a:tcPr/>
+                </a:tc>
+                <a:extLst>
+                  <a:ext uri="{0D108BD9-81ED-4DB2-BD59-A6C34878D82A}">
+                    <a16:rowId xmlns:a16="http://schemas.microsoft.com/office/drawing/2014/main" val="10004"/>
+                  </a:ext>
+                </a:extLst>
               </a:tr>
               <a:tr h="235252">
                 <a:tc>
@@ -23224,7 +24919,6 @@
                         <a:rPr lang="en-US" sz="1050" b="0" dirty="0"/>
                         <a:t>Discount</a:t>
                       </a:r>
-                      <a:endParaRPr lang="en-US" sz="1050" b="0" dirty="0"/>
                     </a:p>
                   </a:txBody>
                   <a:tcPr/>
@@ -23238,11 +24932,15 @@
                         <a:rPr lang="en-US" sz="1050" b="0" dirty="0"/>
                         <a:t>Number</a:t>
                       </a:r>
-                      <a:endParaRPr lang="en-US" sz="1050" b="0" dirty="0"/>
-                    </a:p>
-                  </a:txBody>
-                  <a:tcPr/>
-                </a:tc>
+                    </a:p>
+                  </a:txBody>
+                  <a:tcPr/>
+                </a:tc>
+                <a:extLst>
+                  <a:ext uri="{0D108BD9-81ED-4DB2-BD59-A6C34878D82A}">
+                    <a16:rowId xmlns:a16="http://schemas.microsoft.com/office/drawing/2014/main" val="10005"/>
+                  </a:ext>
+                </a:extLst>
               </a:tr>
               <a:tr h="235252">
                 <a:tc>
@@ -23268,11 +24966,15 @@
                         <a:rPr lang="en-US" sz="1050" b="0" dirty="0"/>
                         <a:t>Number</a:t>
                       </a:r>
-                      <a:endParaRPr lang="en-US" sz="1050" b="0" dirty="0"/>
-                    </a:p>
-                  </a:txBody>
-                  <a:tcPr/>
-                </a:tc>
+                    </a:p>
+                  </a:txBody>
+                  <a:tcPr/>
+                </a:tc>
+                <a:extLst>
+                  <a:ext uri="{0D108BD9-81ED-4DB2-BD59-A6C34878D82A}">
+                    <a16:rowId xmlns:a16="http://schemas.microsoft.com/office/drawing/2014/main" val="10006"/>
+                  </a:ext>
+                </a:extLst>
               </a:tr>
               <a:tr h="235252">
                 <a:tc>
@@ -23298,11 +25000,15 @@
                         <a:rPr lang="en-US" sz="1050" b="0" dirty="0"/>
                         <a:t>Number</a:t>
                       </a:r>
-                      <a:endParaRPr lang="en-US" sz="1050" b="0" dirty="0"/>
-                    </a:p>
-                  </a:txBody>
-                  <a:tcPr/>
-                </a:tc>
+                    </a:p>
+                  </a:txBody>
+                  <a:tcPr/>
+                </a:tc>
+                <a:extLst>
+                  <a:ext uri="{0D108BD9-81ED-4DB2-BD59-A6C34878D82A}">
+                    <a16:rowId xmlns:a16="http://schemas.microsoft.com/office/drawing/2014/main" val="10007"/>
+                  </a:ext>
+                </a:extLst>
               </a:tr>
               <a:tr h="235252">
                 <a:tc>
@@ -23328,11 +25034,15 @@
                         <a:rPr lang="en-US" sz="1050" b="0" dirty="0"/>
                         <a:t>Number</a:t>
                       </a:r>
-                      <a:endParaRPr lang="en-US" sz="1050" b="0" dirty="0"/>
-                    </a:p>
-                  </a:txBody>
-                  <a:tcPr/>
-                </a:tc>
+                    </a:p>
+                  </a:txBody>
+                  <a:tcPr/>
+                </a:tc>
+                <a:extLst>
+                  <a:ext uri="{0D108BD9-81ED-4DB2-BD59-A6C34878D82A}">
+                    <a16:rowId xmlns:a16="http://schemas.microsoft.com/office/drawing/2014/main" val="10008"/>
+                  </a:ext>
+                </a:extLst>
               </a:tr>
               <a:tr h="235252">
                 <a:tc>
@@ -23344,7 +25054,6 @@
                         <a:rPr lang="en-US" sz="1050" b="0" dirty="0"/>
                         <a:t>Note</a:t>
                       </a:r>
-                      <a:endParaRPr lang="en-US" sz="1050" b="0" dirty="0"/>
                     </a:p>
                   </a:txBody>
                   <a:tcPr/>
@@ -23371,6 +25080,11 @@
                   </a:txBody>
                   <a:tcPr/>
                 </a:tc>
+                <a:extLst>
+                  <a:ext uri="{0D108BD9-81ED-4DB2-BD59-A6C34878D82A}">
+                    <a16:rowId xmlns:a16="http://schemas.microsoft.com/office/drawing/2014/main" val="10009"/>
+                  </a:ext>
+                </a:extLst>
               </a:tr>
               <a:tr h="235252">
                 <a:tc>
@@ -23417,6 +25131,11 @@
                   </a:txBody>
                   <a:tcPr/>
                 </a:tc>
+                <a:extLst>
+                  <a:ext uri="{0D108BD9-81ED-4DB2-BD59-A6C34878D82A}">
+                    <a16:rowId xmlns:a16="http://schemas.microsoft.com/office/drawing/2014/main" val="10010"/>
+                  </a:ext>
+                </a:extLst>
               </a:tr>
             </a:tbl>
           </a:graphicData>
@@ -23441,8 +25160,20 @@
                 <a:tableStyleId>{5C22544A-7EE6-4342-B048-85BDC9FD1C3A}</a:tableStyleId>
               </a:tblPr>
               <a:tblGrid>
-                <a:gridCol w="884555"/>
-                <a:gridCol w="2133600"/>
+                <a:gridCol w="884555">
+                  <a:extLst>
+                    <a:ext uri="{9D8B030D-6E8A-4147-A177-3AD203B41FA5}">
+                      <a16:colId xmlns:a16="http://schemas.microsoft.com/office/drawing/2014/main" val="20000"/>
+                    </a:ext>
+                  </a:extLst>
+                </a:gridCol>
+                <a:gridCol w="2133600">
+                  <a:extLst>
+                    <a:ext uri="{9D8B030D-6E8A-4147-A177-3AD203B41FA5}">
+                      <a16:colId xmlns:a16="http://schemas.microsoft.com/office/drawing/2014/main" val="20001"/>
+                    </a:ext>
+                  </a:extLst>
+                </a:gridCol>
               </a:tblGrid>
               <a:tr h="236144">
                 <a:tc gridSpan="2">
@@ -23454,14 +25185,25 @@
                         <a:rPr lang="en-US" sz="1050" b="0" dirty="0"/>
                         <a:t>Return Product  Data Collection </a:t>
                       </a:r>
-                      <a:endParaRPr lang="en-US" sz="1050" b="0" dirty="0"/>
                     </a:p>
                   </a:txBody>
                   <a:tcPr/>
                 </a:tc>
                 <a:tc hMerge="1">
-                  <a:tcPr/>
-                </a:tc>
+                  <a:txBody>
+                    <a:bodyPr/>
+                    <a:lstStyle/>
+                    <a:p>
+                      <a:endParaRPr lang="en-US"/>
+                    </a:p>
+                  </a:txBody>
+                  <a:tcPr/>
+                </a:tc>
+                <a:extLst>
+                  <a:ext uri="{0D108BD9-81ED-4DB2-BD59-A6C34878D82A}">
+                    <a16:rowId xmlns:a16="http://schemas.microsoft.com/office/drawing/2014/main" val="10000"/>
+                  </a:ext>
+                </a:extLst>
               </a:tr>
               <a:tr h="287530">
                 <a:tc>
@@ -23473,7 +25215,6 @@
                         <a:rPr lang="en-US" sz="1050" b="1" dirty="0"/>
                         <a:t>_id</a:t>
                       </a:r>
-                      <a:endParaRPr lang="en-US" sz="1050" b="1" dirty="0"/>
                     </a:p>
                   </a:txBody>
                   <a:tcPr/>
@@ -23491,11 +25232,15 @@
                         <a:rPr lang="en-US" sz="1050" b="1" dirty="0"/>
                         <a:t> (Primary Key)</a:t>
                       </a:r>
-                      <a:endParaRPr lang="en-US" sz="1050" b="1" dirty="0"/>
-                    </a:p>
-                  </a:txBody>
-                  <a:tcPr/>
-                </a:tc>
+                    </a:p>
+                  </a:txBody>
+                  <a:tcPr/>
+                </a:tc>
+                <a:extLst>
+                  <a:ext uri="{0D108BD9-81ED-4DB2-BD59-A6C34878D82A}">
+                    <a16:rowId xmlns:a16="http://schemas.microsoft.com/office/drawing/2014/main" val="10001"/>
+                  </a:ext>
+                </a:extLst>
               </a:tr>
               <a:tr h="287530">
                 <a:tc>
@@ -23554,6 +25299,11 @@
                   </a:txBody>
                   <a:tcPr/>
                 </a:tc>
+                <a:extLst>
+                  <a:ext uri="{0D108BD9-81ED-4DB2-BD59-A6C34878D82A}">
+                    <a16:rowId xmlns:a16="http://schemas.microsoft.com/office/drawing/2014/main" val="10002"/>
+                  </a:ext>
+                </a:extLst>
               </a:tr>
               <a:tr h="287530">
                 <a:tc>
@@ -23599,11 +25349,15 @@
                         <a:rPr lang="en-US" sz="1050" b="1" dirty="0"/>
                         <a:t> (Foreign key)</a:t>
                       </a:r>
-                      <a:endParaRPr lang="en-US" sz="1050" b="1" dirty="0"/>
-                    </a:p>
-                  </a:txBody>
-                  <a:tcPr/>
-                </a:tc>
+                    </a:p>
+                  </a:txBody>
+                  <a:tcPr/>
+                </a:tc>
+                <a:extLst>
+                  <a:ext uri="{0D108BD9-81ED-4DB2-BD59-A6C34878D82A}">
+                    <a16:rowId xmlns:a16="http://schemas.microsoft.com/office/drawing/2014/main" val="10003"/>
+                  </a:ext>
+                </a:extLst>
               </a:tr>
               <a:tr h="287530">
                 <a:tc>
@@ -23649,11 +25403,15 @@
                         <a:rPr lang="en-US" sz="1050" b="1" dirty="0"/>
                         <a:t> (Foreign key)</a:t>
                       </a:r>
-                      <a:endParaRPr lang="en-US" sz="1050" b="1" dirty="0"/>
-                    </a:p>
-                  </a:txBody>
-                  <a:tcPr/>
-                </a:tc>
+                    </a:p>
+                  </a:txBody>
+                  <a:tcPr/>
+                </a:tc>
+                <a:extLst>
+                  <a:ext uri="{0D108BD9-81ED-4DB2-BD59-A6C34878D82A}">
+                    <a16:rowId xmlns:a16="http://schemas.microsoft.com/office/drawing/2014/main" val="10004"/>
+                  </a:ext>
+                </a:extLst>
               </a:tr>
               <a:tr h="287530">
                 <a:tc>
@@ -23687,11 +25445,15 @@
                         <a:rPr lang="en-US" sz="1050" b="0" dirty="0"/>
                         <a:t>Number</a:t>
                       </a:r>
-                      <a:endParaRPr lang="en-US" sz="1050" b="0" dirty="0"/>
-                    </a:p>
-                  </a:txBody>
-                  <a:tcPr/>
-                </a:tc>
+                    </a:p>
+                  </a:txBody>
+                  <a:tcPr/>
+                </a:tc>
+                <a:extLst>
+                  <a:ext uri="{0D108BD9-81ED-4DB2-BD59-A6C34878D82A}">
+                    <a16:rowId xmlns:a16="http://schemas.microsoft.com/office/drawing/2014/main" val="10005"/>
+                  </a:ext>
+                </a:extLst>
               </a:tr>
               <a:tr h="287530">
                 <a:tc>
@@ -23717,11 +25479,15 @@
                         <a:rPr lang="en-US" sz="1050" b="0" dirty="0"/>
                         <a:t>Number</a:t>
                       </a:r>
-                      <a:endParaRPr lang="en-US" sz="1050" b="0" dirty="0"/>
-                    </a:p>
-                  </a:txBody>
-                  <a:tcPr/>
-                </a:tc>
+                    </a:p>
+                  </a:txBody>
+                  <a:tcPr/>
+                </a:tc>
+                <a:extLst>
+                  <a:ext uri="{0D108BD9-81ED-4DB2-BD59-A6C34878D82A}">
+                    <a16:rowId xmlns:a16="http://schemas.microsoft.com/office/drawing/2014/main" val="10006"/>
+                  </a:ext>
+                </a:extLst>
               </a:tr>
               <a:tr h="287530">
                 <a:tc>
@@ -23733,7 +25499,6 @@
                         <a:rPr lang="en-US" sz="1050" b="0" dirty="0"/>
                         <a:t>Total</a:t>
                       </a:r>
-                      <a:endParaRPr lang="en-US" sz="1050" b="0" dirty="0"/>
                     </a:p>
                   </a:txBody>
                   <a:tcPr/>
@@ -23747,11 +25512,15 @@
                         <a:rPr lang="en-US" sz="1050" b="0" dirty="0"/>
                         <a:t>Number</a:t>
                       </a:r>
-                      <a:endParaRPr lang="en-US" sz="1050" b="0" dirty="0"/>
-                    </a:p>
-                  </a:txBody>
-                  <a:tcPr/>
-                </a:tc>
+                    </a:p>
+                  </a:txBody>
+                  <a:tcPr/>
+                </a:tc>
+                <a:extLst>
+                  <a:ext uri="{0D108BD9-81ED-4DB2-BD59-A6C34878D82A}">
+                    <a16:rowId xmlns:a16="http://schemas.microsoft.com/office/drawing/2014/main" val="10007"/>
+                  </a:ext>
+                </a:extLst>
               </a:tr>
               <a:tr h="287530">
                 <a:tc>
@@ -23798,6 +25567,11 @@
                   </a:txBody>
                   <a:tcPr/>
                 </a:tc>
+                <a:extLst>
+                  <a:ext uri="{0D108BD9-81ED-4DB2-BD59-A6C34878D82A}">
+                    <a16:rowId xmlns:a16="http://schemas.microsoft.com/office/drawing/2014/main" val="10008"/>
+                  </a:ext>
+                </a:extLst>
               </a:tr>
             </a:tbl>
           </a:graphicData>
@@ -23822,8 +25596,20 @@
                 <a:tableStyleId>{5C22544A-7EE6-4342-B048-85BDC9FD1C3A}</a:tableStyleId>
               </a:tblPr>
               <a:tblGrid>
-                <a:gridCol w="1179297"/>
-                <a:gridCol w="2058301"/>
+                <a:gridCol w="1179297">
+                  <a:extLst>
+                    <a:ext uri="{9D8B030D-6E8A-4147-A177-3AD203B41FA5}">
+                      <a16:colId xmlns:a16="http://schemas.microsoft.com/office/drawing/2014/main" val="20000"/>
+                    </a:ext>
+                  </a:extLst>
+                </a:gridCol>
+                <a:gridCol w="2058301">
+                  <a:extLst>
+                    <a:ext uri="{9D8B030D-6E8A-4147-A177-3AD203B41FA5}">
+                      <a16:colId xmlns:a16="http://schemas.microsoft.com/office/drawing/2014/main" val="20001"/>
+                    </a:ext>
+                  </a:extLst>
+                </a:gridCol>
               </a:tblGrid>
               <a:tr h="240738">
                 <a:tc gridSpan="2">
@@ -23835,14 +25621,25 @@
                         <a:rPr lang="en-US" sz="1050" b="0" dirty="0"/>
                         <a:t>Product List  Data Collection </a:t>
                       </a:r>
-                      <a:endParaRPr lang="en-US" sz="1050" b="0" dirty="0"/>
                     </a:p>
                   </a:txBody>
                   <a:tcPr marL="88011" marR="88011" marT="44005" marB="44005"/>
                 </a:tc>
                 <a:tc hMerge="1">
-                  <a:tcPr/>
-                </a:tc>
+                  <a:txBody>
+                    <a:bodyPr/>
+                    <a:lstStyle/>
+                    <a:p>
+                      <a:endParaRPr lang="en-US"/>
+                    </a:p>
+                  </a:txBody>
+                  <a:tcPr/>
+                </a:tc>
+                <a:extLst>
+                  <a:ext uri="{0D108BD9-81ED-4DB2-BD59-A6C34878D82A}">
+                    <a16:rowId xmlns:a16="http://schemas.microsoft.com/office/drawing/2014/main" val="10000"/>
+                  </a:ext>
+                </a:extLst>
               </a:tr>
               <a:tr h="240738">
                 <a:tc>
@@ -23854,7 +25651,6 @@
                         <a:rPr lang="en-US" sz="1050" b="1" dirty="0"/>
                         <a:t>_id</a:t>
                       </a:r>
-                      <a:endParaRPr lang="en-US" sz="1050" b="1" dirty="0"/>
                     </a:p>
                   </a:txBody>
                   <a:tcPr marL="88011" marR="88011" marT="44005" marB="44005"/>
@@ -23872,11 +25668,15 @@
                         <a:rPr lang="en-US" sz="1050" b="1" dirty="0"/>
                         <a:t> (Primary Key)</a:t>
                       </a:r>
-                      <a:endParaRPr lang="en-US" sz="1050" b="1" dirty="0"/>
                     </a:p>
                   </a:txBody>
                   <a:tcPr marL="88011" marR="88011" marT="44005" marB="44005"/>
                 </a:tc>
+                <a:extLst>
+                  <a:ext uri="{0D108BD9-81ED-4DB2-BD59-A6C34878D82A}">
+                    <a16:rowId xmlns:a16="http://schemas.microsoft.com/office/drawing/2014/main" val="10001"/>
+                  </a:ext>
+                </a:extLst>
               </a:tr>
               <a:tr h="240738">
                 <a:tc>
@@ -23967,6 +25767,11 @@
                   </a:txBody>
                   <a:tcPr marL="88011" marR="88011" marT="44005" marB="44005"/>
                 </a:tc>
+                <a:extLst>
+                  <a:ext uri="{0D108BD9-81ED-4DB2-BD59-A6C34878D82A}">
+                    <a16:rowId xmlns:a16="http://schemas.microsoft.com/office/drawing/2014/main" val="10002"/>
+                  </a:ext>
+                </a:extLst>
               </a:tr>
               <a:tr h="240738">
                 <a:tc>
@@ -24032,11 +25837,15 @@
                         <a:rPr lang="en-US" sz="1050" b="1" dirty="0"/>
                         <a:t> (Foreign key)</a:t>
                       </a:r>
-                      <a:endParaRPr lang="en-US" sz="1050" b="1" dirty="0"/>
                     </a:p>
                   </a:txBody>
                   <a:tcPr marL="88011" marR="88011" marT="44005" marB="44005"/>
                 </a:tc>
+                <a:extLst>
+                  <a:ext uri="{0D108BD9-81ED-4DB2-BD59-A6C34878D82A}">
+                    <a16:rowId xmlns:a16="http://schemas.microsoft.com/office/drawing/2014/main" val="10003"/>
+                  </a:ext>
+                </a:extLst>
               </a:tr>
               <a:tr h="240738">
                 <a:tc>
@@ -24090,11 +25899,15 @@
                         <a:rPr lang="en-US" sz="1050" b="1" dirty="0"/>
                         <a:t> (Foreign key)</a:t>
                       </a:r>
-                      <a:endParaRPr lang="en-US" sz="1050" b="1" dirty="0"/>
                     </a:p>
                   </a:txBody>
                   <a:tcPr marL="88011" marR="88011" marT="44005" marB="44005"/>
                 </a:tc>
+                <a:extLst>
+                  <a:ext uri="{0D108BD9-81ED-4DB2-BD59-A6C34878D82A}">
+                    <a16:rowId xmlns:a16="http://schemas.microsoft.com/office/drawing/2014/main" val="10004"/>
+                  </a:ext>
+                </a:extLst>
               </a:tr>
               <a:tr h="240738">
                 <a:tc>
@@ -24106,7 +25919,6 @@
                         <a:rPr lang="en-US" sz="1050" b="0" dirty="0"/>
                         <a:t>Name</a:t>
                       </a:r>
-                      <a:endParaRPr lang="en-US" sz="1050" b="0" dirty="0"/>
                     </a:p>
                   </a:txBody>
                   <a:tcPr marL="88011" marR="88011" marT="44005" marB="44005"/>
@@ -24133,6 +25945,11 @@
                   </a:txBody>
                   <a:tcPr marL="88011" marR="88011" marT="44005" marB="44005"/>
                 </a:tc>
+                <a:extLst>
+                  <a:ext uri="{0D108BD9-81ED-4DB2-BD59-A6C34878D82A}">
+                    <a16:rowId xmlns:a16="http://schemas.microsoft.com/office/drawing/2014/main" val="10005"/>
+                  </a:ext>
+                </a:extLst>
               </a:tr>
               <a:tr h="240738">
                 <a:tc>
@@ -24144,7 +25961,6 @@
                         <a:rPr lang="en-US" sz="1050" b="0" dirty="0"/>
                         <a:t>Unit</a:t>
                       </a:r>
-                      <a:endParaRPr lang="en-US" sz="1050" b="0" dirty="0"/>
                     </a:p>
                   </a:txBody>
                   <a:tcPr marL="88011" marR="88011" marT="44005" marB="44005"/>
@@ -24171,6 +25987,11 @@
                   </a:txBody>
                   <a:tcPr marL="88011" marR="88011" marT="44005" marB="44005"/>
                 </a:tc>
+                <a:extLst>
+                  <a:ext uri="{0D108BD9-81ED-4DB2-BD59-A6C34878D82A}">
+                    <a16:rowId xmlns:a16="http://schemas.microsoft.com/office/drawing/2014/main" val="10006"/>
+                  </a:ext>
+                </a:extLst>
               </a:tr>
               <a:tr h="240738">
                 <a:tc>
@@ -24182,7 +26003,6 @@
                         <a:rPr lang="en-US" sz="1050" b="0" dirty="0"/>
                         <a:t>Details</a:t>
                       </a:r>
-                      <a:endParaRPr lang="en-US" sz="1050" b="0" dirty="0"/>
                     </a:p>
                   </a:txBody>
                   <a:tcPr marL="88011" marR="88011" marT="44005" marB="44005"/>
@@ -24209,6 +26029,11 @@
                   </a:txBody>
                   <a:tcPr marL="88011" marR="88011" marT="44005" marB="44005"/>
                 </a:tc>
+                <a:extLst>
+                  <a:ext uri="{0D108BD9-81ED-4DB2-BD59-A6C34878D82A}">
+                    <a16:rowId xmlns:a16="http://schemas.microsoft.com/office/drawing/2014/main" val="10007"/>
+                  </a:ext>
+                </a:extLst>
               </a:tr>
               <a:tr h="240738">
                 <a:tc>
@@ -24255,6 +26080,11 @@
                   </a:txBody>
                   <a:tcPr marL="88011" marR="88011" marT="44005" marB="44005"/>
                 </a:tc>
+                <a:extLst>
+                  <a:ext uri="{0D108BD9-81ED-4DB2-BD59-A6C34878D82A}">
+                    <a16:rowId xmlns:a16="http://schemas.microsoft.com/office/drawing/2014/main" val="10008"/>
+                  </a:ext>
+                </a:extLst>
               </a:tr>
             </a:tbl>
           </a:graphicData>
@@ -24279,8 +26109,20 @@
                 <a:tableStyleId>{5C22544A-7EE6-4342-B048-85BDC9FD1C3A}</a:tableStyleId>
               </a:tblPr>
               <a:tblGrid>
-                <a:gridCol w="1433521"/>
-                <a:gridCol w="2502012"/>
+                <a:gridCol w="1433521">
+                  <a:extLst>
+                    <a:ext uri="{9D8B030D-6E8A-4147-A177-3AD203B41FA5}">
+                      <a16:colId xmlns:a16="http://schemas.microsoft.com/office/drawing/2014/main" val="20000"/>
+                    </a:ext>
+                  </a:extLst>
+                </a:gridCol>
+                <a:gridCol w="2502012">
+                  <a:extLst>
+                    <a:ext uri="{9D8B030D-6E8A-4147-A177-3AD203B41FA5}">
+                      <a16:colId xmlns:a16="http://schemas.microsoft.com/office/drawing/2014/main" val="20001"/>
+                    </a:ext>
+                  </a:extLst>
+                </a:gridCol>
               </a:tblGrid>
               <a:tr h="195059">
                 <a:tc gridSpan="2">
@@ -24292,14 +26134,25 @@
                         <a:rPr lang="en-US" sz="1050" b="0" dirty="0"/>
                         <a:t>Categories  Data Collection </a:t>
                       </a:r>
-                      <a:endParaRPr lang="en-US" sz="1050" b="0" dirty="0"/>
                     </a:p>
                   </a:txBody>
                   <a:tcPr/>
                 </a:tc>
                 <a:tc hMerge="1">
-                  <a:tcPr/>
-                </a:tc>
+                  <a:txBody>
+                    <a:bodyPr/>
+                    <a:lstStyle/>
+                    <a:p>
+                      <a:endParaRPr lang="en-US"/>
+                    </a:p>
+                  </a:txBody>
+                  <a:tcPr/>
+                </a:tc>
+                <a:extLst>
+                  <a:ext uri="{0D108BD9-81ED-4DB2-BD59-A6C34878D82A}">
+                    <a16:rowId xmlns:a16="http://schemas.microsoft.com/office/drawing/2014/main" val="10000"/>
+                  </a:ext>
+                </a:extLst>
               </a:tr>
               <a:tr h="287663">
                 <a:tc>
@@ -24311,7 +26164,6 @@
                         <a:rPr lang="en-US" sz="1050" b="1" dirty="0"/>
                         <a:t>_id</a:t>
                       </a:r>
-                      <a:endParaRPr lang="en-US" sz="1050" b="1" dirty="0"/>
                     </a:p>
                   </a:txBody>
                   <a:tcPr/>
@@ -24329,11 +26181,15 @@
                         <a:rPr lang="en-US" sz="1050" b="1" dirty="0"/>
                         <a:t> (Primary Key)</a:t>
                       </a:r>
-                      <a:endParaRPr lang="en-US" sz="1050" b="1" dirty="0"/>
-                    </a:p>
-                  </a:txBody>
-                  <a:tcPr/>
-                </a:tc>
+                    </a:p>
+                  </a:txBody>
+                  <a:tcPr/>
+                </a:tc>
+                <a:extLst>
+                  <a:ext uri="{0D108BD9-81ED-4DB2-BD59-A6C34878D82A}">
+                    <a16:rowId xmlns:a16="http://schemas.microsoft.com/office/drawing/2014/main" val="10001"/>
+                  </a:ext>
+                </a:extLst>
               </a:tr>
               <a:tr h="287663">
                 <a:tc>
@@ -24392,6 +26248,11 @@
                   </a:txBody>
                   <a:tcPr/>
                 </a:tc>
+                <a:extLst>
+                  <a:ext uri="{0D108BD9-81ED-4DB2-BD59-A6C34878D82A}">
+                    <a16:rowId xmlns:a16="http://schemas.microsoft.com/office/drawing/2014/main" val="10002"/>
+                  </a:ext>
+                </a:extLst>
               </a:tr>
               <a:tr h="287663">
                 <a:tc>
@@ -24438,6 +26299,11 @@
                   </a:txBody>
                   <a:tcPr/>
                 </a:tc>
+                <a:extLst>
+                  <a:ext uri="{0D108BD9-81ED-4DB2-BD59-A6C34878D82A}">
+                    <a16:rowId xmlns:a16="http://schemas.microsoft.com/office/drawing/2014/main" val="10003"/>
+                  </a:ext>
+                </a:extLst>
               </a:tr>
               <a:tr h="287663">
                 <a:tc>
@@ -24484,6 +26350,11 @@
                   </a:txBody>
                   <a:tcPr/>
                 </a:tc>
+                <a:extLst>
+                  <a:ext uri="{0D108BD9-81ED-4DB2-BD59-A6C34878D82A}">
+                    <a16:rowId xmlns:a16="http://schemas.microsoft.com/office/drawing/2014/main" val="10004"/>
+                  </a:ext>
+                </a:extLst>
               </a:tr>
             </a:tbl>
           </a:graphicData>
@@ -24508,8 +26379,20 @@
                 <a:tableStyleId>{5C22544A-7EE6-4342-B048-85BDC9FD1C3A}</a:tableStyleId>
               </a:tblPr>
               <a:tblGrid>
-                <a:gridCol w="1433521"/>
-                <a:gridCol w="2502012"/>
+                <a:gridCol w="1433521">
+                  <a:extLst>
+                    <a:ext uri="{9D8B030D-6E8A-4147-A177-3AD203B41FA5}">
+                      <a16:colId xmlns:a16="http://schemas.microsoft.com/office/drawing/2014/main" val="20000"/>
+                    </a:ext>
+                  </a:extLst>
+                </a:gridCol>
+                <a:gridCol w="2502012">
+                  <a:extLst>
+                    <a:ext uri="{9D8B030D-6E8A-4147-A177-3AD203B41FA5}">
+                      <a16:colId xmlns:a16="http://schemas.microsoft.com/office/drawing/2014/main" val="20001"/>
+                    </a:ext>
+                  </a:extLst>
+                </a:gridCol>
               </a:tblGrid>
               <a:tr h="280422">
                 <a:tc gridSpan="2">
@@ -24521,14 +26404,25 @@
                         <a:rPr lang="en-US" sz="1050" b="0" dirty="0"/>
                         <a:t>Brands  Data Collection </a:t>
                       </a:r>
-                      <a:endParaRPr lang="en-US" sz="1050" b="0" dirty="0"/>
                     </a:p>
                   </a:txBody>
                   <a:tcPr/>
                 </a:tc>
                 <a:tc hMerge="1">
-                  <a:tcPr/>
-                </a:tc>
+                  <a:txBody>
+                    <a:bodyPr/>
+                    <a:lstStyle/>
+                    <a:p>
+                      <a:endParaRPr lang="en-US"/>
+                    </a:p>
+                  </a:txBody>
+                  <a:tcPr/>
+                </a:tc>
+                <a:extLst>
+                  <a:ext uri="{0D108BD9-81ED-4DB2-BD59-A6C34878D82A}">
+                    <a16:rowId xmlns:a16="http://schemas.microsoft.com/office/drawing/2014/main" val="10000"/>
+                  </a:ext>
+                </a:extLst>
               </a:tr>
               <a:tr h="280422">
                 <a:tc>
@@ -24540,7 +26434,6 @@
                         <a:rPr lang="en-US" sz="1050" b="1" dirty="0"/>
                         <a:t>_id</a:t>
                       </a:r>
-                      <a:endParaRPr lang="en-US" sz="1050" b="1" dirty="0"/>
                     </a:p>
                   </a:txBody>
                   <a:tcPr/>
@@ -24558,11 +26451,15 @@
                         <a:rPr lang="en-US" sz="1050" b="1" dirty="0"/>
                         <a:t> (Primary Key)</a:t>
                       </a:r>
-                      <a:endParaRPr lang="en-US" sz="1050" b="1" dirty="0"/>
-                    </a:p>
-                  </a:txBody>
-                  <a:tcPr/>
-                </a:tc>
+                    </a:p>
+                  </a:txBody>
+                  <a:tcPr/>
+                </a:tc>
+                <a:extLst>
+                  <a:ext uri="{0D108BD9-81ED-4DB2-BD59-A6C34878D82A}">
+                    <a16:rowId xmlns:a16="http://schemas.microsoft.com/office/drawing/2014/main" val="10001"/>
+                  </a:ext>
+                </a:extLst>
               </a:tr>
               <a:tr h="280422">
                 <a:tc>
@@ -24621,6 +26518,11 @@
                   </a:txBody>
                   <a:tcPr/>
                 </a:tc>
+                <a:extLst>
+                  <a:ext uri="{0D108BD9-81ED-4DB2-BD59-A6C34878D82A}">
+                    <a16:rowId xmlns:a16="http://schemas.microsoft.com/office/drawing/2014/main" val="10002"/>
+                  </a:ext>
+                </a:extLst>
               </a:tr>
               <a:tr h="280422">
                 <a:tc>
@@ -24667,6 +26569,11 @@
                   </a:txBody>
                   <a:tcPr/>
                 </a:tc>
+                <a:extLst>
+                  <a:ext uri="{0D108BD9-81ED-4DB2-BD59-A6C34878D82A}">
+                    <a16:rowId xmlns:a16="http://schemas.microsoft.com/office/drawing/2014/main" val="10003"/>
+                  </a:ext>
+                </a:extLst>
               </a:tr>
               <a:tr h="280422">
                 <a:tc>
@@ -24713,6 +26620,11 @@
                   </a:txBody>
                   <a:tcPr/>
                 </a:tc>
+                <a:extLst>
+                  <a:ext uri="{0D108BD9-81ED-4DB2-BD59-A6C34878D82A}">
+                    <a16:rowId xmlns:a16="http://schemas.microsoft.com/office/drawing/2014/main" val="10004"/>
+                  </a:ext>
+                </a:extLst>
               </a:tr>
             </a:tbl>
           </a:graphicData>
@@ -25647,10 +27559,6 @@
               </a:rPr>
               <a:t>New return create ( with transaction rollback ) </a:t>
             </a:r>
-            <a:endParaRPr lang="en-US" sz="1400" dirty="0">
-              <a:latin typeface="Roboto" panose="02000000000000000000" pitchFamily="2" charset="0"/>
-              <a:ea typeface="Roboto" panose="02000000000000000000" pitchFamily="2" charset="0"/>
-            </a:endParaRPr>
           </a:p>
           <a:p>
             <a:pPr marL="342900" indent="-342900">
@@ -25664,10 +27572,6 @@
               </a:rPr>
               <a:t>Return update ( with transaction rollback ) </a:t>
             </a:r>
-            <a:endParaRPr lang="en-US" sz="1400" dirty="0">
-              <a:latin typeface="Roboto" panose="02000000000000000000" pitchFamily="2" charset="0"/>
-              <a:ea typeface="Roboto" panose="02000000000000000000" pitchFamily="2" charset="0"/>
-            </a:endParaRPr>
           </a:p>
           <a:p>
             <a:pPr marL="342900" indent="-342900">
@@ -25680,10 +27584,6 @@
               </a:rPr>
               <a:t>Read/search/filter return list </a:t>
             </a:r>
-            <a:endParaRPr lang="en-US" sz="1400" dirty="0">
-              <a:latin typeface="Roboto" panose="02000000000000000000" pitchFamily="2" charset="0"/>
-              <a:ea typeface="Roboto" panose="02000000000000000000" pitchFamily="2" charset="0"/>
-            </a:endParaRPr>
           </a:p>
           <a:p>
             <a:pPr marL="342900" indent="-342900">
@@ -25696,10 +27596,6 @@
               </a:rPr>
               <a:t>Can delete sell with safety ( with transaction rollback )</a:t>
             </a:r>
-            <a:endParaRPr lang="en-US" sz="1400" dirty="0">
-              <a:latin typeface="Roboto" panose="02000000000000000000" pitchFamily="2" charset="0"/>
-              <a:ea typeface="Roboto" panose="02000000000000000000" pitchFamily="2" charset="0"/>
-            </a:endParaRPr>
           </a:p>
           <a:p>
             <a:pPr marL="342900" indent="-342900">
@@ -25712,10 +27608,6 @@
               </a:rPr>
               <a:t>Return Invoice Create &amp; Print  </a:t>
             </a:r>
-            <a:endParaRPr lang="en-US" sz="1400" dirty="0">
-              <a:latin typeface="Roboto" panose="02000000000000000000" pitchFamily="2" charset="0"/>
-              <a:ea typeface="Roboto" panose="02000000000000000000" pitchFamily="2" charset="0"/>
-            </a:endParaRPr>
           </a:p>
         </p:txBody>
       </p:sp>
@@ -26425,10 +28317,6 @@
               </a:rPr>
               <a:t>Stock Report With Alert </a:t>
             </a:r>
-            <a:endParaRPr lang="en-US" sz="1600" dirty="0">
-              <a:latin typeface="Roboto" panose="02000000000000000000" pitchFamily="2" charset="0"/>
-              <a:ea typeface="Roboto" panose="02000000000000000000" pitchFamily="2" charset="0"/>
-            </a:endParaRPr>
           </a:p>
           <a:p>
             <a:pPr marL="342900" indent="-342900">
@@ -26442,10 +28330,6 @@
               </a:rPr>
               <a:t>Expense Report Date Range </a:t>
             </a:r>
-            <a:endParaRPr lang="en-US" sz="1600" dirty="0">
-              <a:latin typeface="Roboto" panose="02000000000000000000" pitchFamily="2" charset="0"/>
-              <a:ea typeface="Roboto" panose="02000000000000000000" pitchFamily="2" charset="0"/>
-            </a:endParaRPr>
           </a:p>
           <a:p>
             <a:pPr marL="342900" indent="-342900">
@@ -26458,10 +28342,6 @@
               </a:rPr>
               <a:t>Purchase Report Date Range </a:t>
             </a:r>
-            <a:endParaRPr lang="en-US" sz="1600" dirty="0">
-              <a:latin typeface="Roboto" panose="02000000000000000000" pitchFamily="2" charset="0"/>
-              <a:ea typeface="Roboto" panose="02000000000000000000" pitchFamily="2" charset="0"/>
-            </a:endParaRPr>
           </a:p>
           <a:p>
             <a:pPr marL="342900" indent="-342900">
@@ -26475,10 +28355,6 @@
               </a:rPr>
               <a:t>Sell Report Date Range </a:t>
             </a:r>
-            <a:endParaRPr lang="en-US" sz="1600" dirty="0">
-              <a:latin typeface="Roboto" panose="02000000000000000000" pitchFamily="2" charset="0"/>
-              <a:ea typeface="Roboto" panose="02000000000000000000" pitchFamily="2" charset="0"/>
-            </a:endParaRPr>
           </a:p>
           <a:p>
             <a:pPr marL="342900" indent="-342900">
@@ -26492,10 +28368,6 @@
               </a:rPr>
               <a:t>Return Report Date Range </a:t>
             </a:r>
-            <a:endParaRPr lang="en-US" sz="1600" dirty="0">
-              <a:latin typeface="Roboto" panose="02000000000000000000" pitchFamily="2" charset="0"/>
-              <a:ea typeface="Roboto" panose="02000000000000000000" pitchFamily="2" charset="0"/>
-            </a:endParaRPr>
           </a:p>
           <a:p>
             <a:pPr marL="342900" indent="-342900">
@@ -26509,10 +28381,6 @@
               </a:rPr>
               <a:t>Profit/Loss Report Date Range </a:t>
             </a:r>
-            <a:endParaRPr lang="en-US" sz="1600" dirty="0">
-              <a:latin typeface="Roboto" panose="02000000000000000000" pitchFamily="2" charset="0"/>
-              <a:ea typeface="Roboto" panose="02000000000000000000" pitchFamily="2" charset="0"/>
-            </a:endParaRPr>
           </a:p>
         </p:txBody>
       </p:sp>
@@ -26896,6 +28764,469 @@
       </p:par>
     </p:tnLst>
   </p:timing>
+</p:sld>
+</file>
+
+<file path=ppt/slides/slide25.xml><?xml version="1.0" encoding="utf-8"?>
+<p:sld xmlns:a="http://schemas.openxmlformats.org/drawingml/2006/main" xmlns:r="http://schemas.openxmlformats.org/officeDocument/2006/relationships" xmlns:p="http://schemas.openxmlformats.org/presentationml/2006/main">
+  <p:cSld>
+    <p:spTree>
+      <p:nvGrpSpPr>
+        <p:cNvPr id="1" name=""/>
+        <p:cNvGrpSpPr/>
+        <p:nvPr/>
+      </p:nvGrpSpPr>
+      <p:grpSpPr>
+        <a:xfrm>
+          <a:off x="0" y="0"/>
+          <a:ext cx="0" cy="0"/>
+          <a:chOff x="0" y="0"/>
+          <a:chExt cx="0" cy="0"/>
+        </a:xfrm>
+      </p:grpSpPr>
+      <p:sp>
+        <p:nvSpPr>
+          <p:cNvPr id="5" name="TextBox 4">
+            <a:extLst>
+              <a:ext uri="{FF2B5EF4-FFF2-40B4-BE49-F238E27FC236}">
+                <a16:creationId xmlns:a16="http://schemas.microsoft.com/office/drawing/2014/main" id="{F2387BDE-E6EC-63C0-EDCF-84EBE6F77E2F}"/>
+              </a:ext>
+            </a:extLst>
+          </p:cNvPr>
+          <p:cNvSpPr txBox="1"/>
+          <p:nvPr/>
+        </p:nvSpPr>
+        <p:spPr>
+          <a:xfrm>
+            <a:off x="6792915" y="2521373"/>
+            <a:ext cx="3286477" cy="1077218"/>
+          </a:xfrm>
+          <a:prstGeom prst="rect">
+            <a:avLst/>
+          </a:prstGeom>
+          <a:noFill/>
+        </p:spPr>
+        <p:txBody>
+          <a:bodyPr wrap="none" rtlCol="0">
+            <a:spAutoFit/>
+          </a:bodyPr>
+          <a:lstStyle/>
+          <a:p>
+            <a:pPr algn="ctr"/>
+            <a:r>
+              <a:rPr lang="en-US" sz="2400" b="1" dirty="0">
+                <a:solidFill>
+                  <a:schemeClr val="accent1">
+                    <a:lumMod val="75000"/>
+                  </a:schemeClr>
+                </a:solidFill>
+                <a:latin typeface="Roboto" panose="02000000000000000000" pitchFamily="2" charset="0"/>
+                <a:ea typeface="Roboto" panose="02000000000000000000" pitchFamily="2" charset="0"/>
+              </a:rPr>
+              <a:t>BACKEND PROEJCT </a:t>
+            </a:r>
+          </a:p>
+          <a:p>
+            <a:pPr algn="ctr"/>
+            <a:r>
+              <a:rPr lang="en-US" sz="3600" b="1" dirty="0">
+                <a:solidFill>
+                  <a:schemeClr val="accent1">
+                    <a:lumMod val="75000"/>
+                  </a:schemeClr>
+                </a:solidFill>
+                <a:latin typeface="Roboto" panose="02000000000000000000" pitchFamily="2" charset="0"/>
+                <a:ea typeface="Roboto" panose="02000000000000000000" pitchFamily="2" charset="0"/>
+              </a:rPr>
+              <a:t>-STRUCTURE-</a:t>
+            </a:r>
+            <a:r>
+              <a:rPr lang="en-US" sz="4000" b="1" dirty="0">
+                <a:solidFill>
+                  <a:schemeClr val="accent1">
+                    <a:lumMod val="75000"/>
+                  </a:schemeClr>
+                </a:solidFill>
+                <a:latin typeface="Roboto" panose="02000000000000000000" pitchFamily="2" charset="0"/>
+                <a:ea typeface="Roboto" panose="02000000000000000000" pitchFamily="2" charset="0"/>
+              </a:rPr>
+              <a:t> </a:t>
+            </a:r>
+          </a:p>
+        </p:txBody>
+      </p:sp>
+      <p:pic>
+        <p:nvPicPr>
+          <p:cNvPr id="9" name="Picture 8">
+            <a:extLst>
+              <a:ext uri="{FF2B5EF4-FFF2-40B4-BE49-F238E27FC236}">
+                <a16:creationId xmlns:a16="http://schemas.microsoft.com/office/drawing/2014/main" id="{75BD068F-12BF-35D7-5F3F-9C7C33FE7862}"/>
+              </a:ext>
+            </a:extLst>
+          </p:cNvPr>
+          <p:cNvPicPr>
+            <a:picLocks noChangeAspect="1"/>
+          </p:cNvPicPr>
+          <p:nvPr/>
+        </p:nvPicPr>
+        <p:blipFill>
+          <a:blip r:embed="rId3"/>
+          <a:stretch>
+            <a:fillRect/>
+          </a:stretch>
+        </p:blipFill>
+        <p:spPr>
+          <a:xfrm>
+            <a:off x="119743" y="243398"/>
+            <a:ext cx="4931229" cy="6371203"/>
+          </a:xfrm>
+          <a:prstGeom prst="rect">
+            <a:avLst/>
+          </a:prstGeom>
+        </p:spPr>
+      </p:pic>
+    </p:spTree>
+    <p:extLst>
+      <p:ext uri="{BB962C8B-B14F-4D97-AF65-F5344CB8AC3E}">
+        <p14:creationId xmlns:p14="http://schemas.microsoft.com/office/powerpoint/2010/main" val="3822538601"/>
+      </p:ext>
+    </p:extLst>
+  </p:cSld>
+  <p:clrMapOvr>
+    <a:masterClrMapping/>
+  </p:clrMapOvr>
+</p:sld>
+</file>
+
+<file path=ppt/slides/slide26.xml><?xml version="1.0" encoding="utf-8"?>
+<p:sld xmlns:a="http://schemas.openxmlformats.org/drawingml/2006/main" xmlns:r="http://schemas.openxmlformats.org/officeDocument/2006/relationships" xmlns:p="http://schemas.openxmlformats.org/presentationml/2006/main">
+  <p:cSld>
+    <p:spTree>
+      <p:nvGrpSpPr>
+        <p:cNvPr id="1" name=""/>
+        <p:cNvGrpSpPr/>
+        <p:nvPr/>
+      </p:nvGrpSpPr>
+      <p:grpSpPr>
+        <a:xfrm>
+          <a:off x="0" y="0"/>
+          <a:ext cx="0" cy="0"/>
+          <a:chOff x="0" y="0"/>
+          <a:chExt cx="0" cy="0"/>
+        </a:xfrm>
+      </p:grpSpPr>
+      <p:sp>
+        <p:nvSpPr>
+          <p:cNvPr id="5" name="TextBox 4">
+            <a:extLst>
+              <a:ext uri="{FF2B5EF4-FFF2-40B4-BE49-F238E27FC236}">
+                <a16:creationId xmlns:a16="http://schemas.microsoft.com/office/drawing/2014/main" id="{F2387BDE-E6EC-63C0-EDCF-84EBE6F77E2F}"/>
+              </a:ext>
+            </a:extLst>
+          </p:cNvPr>
+          <p:cNvSpPr txBox="1"/>
+          <p:nvPr/>
+        </p:nvSpPr>
+        <p:spPr>
+          <a:xfrm>
+            <a:off x="6330724" y="3228945"/>
+            <a:ext cx="4107215" cy="400110"/>
+          </a:xfrm>
+          <a:prstGeom prst="rect">
+            <a:avLst/>
+          </a:prstGeom>
+          <a:noFill/>
+        </p:spPr>
+        <p:txBody>
+          <a:bodyPr wrap="none" rtlCol="0">
+            <a:spAutoFit/>
+          </a:bodyPr>
+          <a:lstStyle/>
+          <a:p>
+            <a:r>
+              <a:rPr lang="en-US" sz="2000" b="1" dirty="0">
+                <a:solidFill>
+                  <a:schemeClr val="accent1">
+                    <a:lumMod val="75000"/>
+                  </a:schemeClr>
+                </a:solidFill>
+                <a:latin typeface="Roboto" panose="02000000000000000000" pitchFamily="2" charset="0"/>
+                <a:ea typeface="Roboto" panose="02000000000000000000" pitchFamily="2" charset="0"/>
+              </a:rPr>
+              <a:t>BACKEND PROEJCT STRUCTURE </a:t>
+            </a:r>
+          </a:p>
+        </p:txBody>
+      </p:sp>
+      <p:pic>
+        <p:nvPicPr>
+          <p:cNvPr id="9" name="Picture 8">
+            <a:extLst>
+              <a:ext uri="{FF2B5EF4-FFF2-40B4-BE49-F238E27FC236}">
+                <a16:creationId xmlns:a16="http://schemas.microsoft.com/office/drawing/2014/main" id="{75BD068F-12BF-35D7-5F3F-9C7C33FE7862}"/>
+              </a:ext>
+            </a:extLst>
+          </p:cNvPr>
+          <p:cNvPicPr>
+            <a:picLocks noChangeAspect="1"/>
+          </p:cNvPicPr>
+          <p:nvPr/>
+        </p:nvPicPr>
+        <p:blipFill>
+          <a:blip r:embed="rId2"/>
+          <a:stretch>
+            <a:fillRect/>
+          </a:stretch>
+        </p:blipFill>
+        <p:spPr>
+          <a:xfrm>
+            <a:off x="600755" y="434407"/>
+            <a:ext cx="4635552" cy="5989185"/>
+          </a:xfrm>
+          <a:prstGeom prst="rect">
+            <a:avLst/>
+          </a:prstGeom>
+        </p:spPr>
+      </p:pic>
+    </p:spTree>
+    <p:extLst>
+      <p:ext uri="{BB962C8B-B14F-4D97-AF65-F5344CB8AC3E}">
+        <p14:creationId xmlns:p14="http://schemas.microsoft.com/office/powerpoint/2010/main" val="1422259252"/>
+      </p:ext>
+    </p:extLst>
+  </p:cSld>
+  <p:clrMapOvr>
+    <a:masterClrMapping/>
+  </p:clrMapOvr>
+</p:sld>
+</file>
+
+<file path=ppt/slides/slide27.xml><?xml version="1.0" encoding="utf-8"?>
+<p:sld xmlns:a="http://schemas.openxmlformats.org/drawingml/2006/main" xmlns:r="http://schemas.openxmlformats.org/officeDocument/2006/relationships" xmlns:p="http://schemas.openxmlformats.org/presentationml/2006/main">
+  <p:cSld>
+    <p:spTree>
+      <p:nvGrpSpPr>
+        <p:cNvPr id="1" name=""/>
+        <p:cNvGrpSpPr/>
+        <p:nvPr/>
+      </p:nvGrpSpPr>
+      <p:grpSpPr>
+        <a:xfrm>
+          <a:off x="0" y="0"/>
+          <a:ext cx="0" cy="0"/>
+          <a:chOff x="0" y="0"/>
+          <a:chExt cx="0" cy="0"/>
+        </a:xfrm>
+      </p:grpSpPr>
+      <p:sp>
+        <p:nvSpPr>
+          <p:cNvPr id="4" name="TextBox 3"/>
+          <p:cNvSpPr txBox="1"/>
+          <p:nvPr/>
+        </p:nvSpPr>
+        <p:spPr>
+          <a:xfrm>
+            <a:off x="2922204" y="2466982"/>
+            <a:ext cx="6599884" cy="1200329"/>
+          </a:xfrm>
+          <a:prstGeom prst="rect">
+            <a:avLst/>
+          </a:prstGeom>
+          <a:noFill/>
+        </p:spPr>
+        <p:txBody>
+          <a:bodyPr wrap="none" rtlCol="0">
+            <a:spAutoFit/>
+          </a:bodyPr>
+          <a:lstStyle/>
+          <a:p>
+            <a:r>
+              <a:rPr lang="en-US" sz="3600" b="1" dirty="0">
+                <a:solidFill>
+                  <a:schemeClr val="accent1">
+                    <a:lumMod val="75000"/>
+                  </a:schemeClr>
+                </a:solidFill>
+                <a:latin typeface="Roboto" panose="02000000000000000000" pitchFamily="2" charset="0"/>
+                <a:ea typeface="Roboto" panose="02000000000000000000" pitchFamily="2" charset="0"/>
+              </a:rPr>
+              <a:t>Create New Back-End Project </a:t>
+            </a:r>
+          </a:p>
+          <a:p>
+            <a:r>
+              <a:rPr lang="en-US" sz="3600" b="1" dirty="0">
+                <a:solidFill>
+                  <a:schemeClr val="accent1">
+                    <a:lumMod val="75000"/>
+                  </a:schemeClr>
+                </a:solidFill>
+                <a:latin typeface="Roboto" panose="02000000000000000000" pitchFamily="2" charset="0"/>
+                <a:ea typeface="Roboto" panose="02000000000000000000" pitchFamily="2" charset="0"/>
+              </a:rPr>
+              <a:t>With Essential Node Packages </a:t>
+            </a:r>
+          </a:p>
+        </p:txBody>
+      </p:sp>
+    </p:spTree>
+    <p:extLst>
+      <p:ext uri="{BB962C8B-B14F-4D97-AF65-F5344CB8AC3E}">
+        <p14:creationId xmlns:p14="http://schemas.microsoft.com/office/powerpoint/2010/main" val="1960513681"/>
+      </p:ext>
+    </p:extLst>
+  </p:cSld>
+  <p:clrMapOvr>
+    <a:masterClrMapping/>
+  </p:clrMapOvr>
+</p:sld>
+</file>
+
+<file path=ppt/slides/slide28.xml><?xml version="1.0" encoding="utf-8"?>
+<p:sld xmlns:a="http://schemas.openxmlformats.org/drawingml/2006/main" xmlns:r="http://schemas.openxmlformats.org/officeDocument/2006/relationships" xmlns:p="http://schemas.openxmlformats.org/presentationml/2006/main">
+  <p:cSld>
+    <p:spTree>
+      <p:nvGrpSpPr>
+        <p:cNvPr id="1" name=""/>
+        <p:cNvGrpSpPr/>
+        <p:nvPr/>
+      </p:nvGrpSpPr>
+      <p:grpSpPr>
+        <a:xfrm>
+          <a:off x="0" y="0"/>
+          <a:ext cx="0" cy="0"/>
+          <a:chOff x="0" y="0"/>
+          <a:chExt cx="0" cy="0"/>
+        </a:xfrm>
+      </p:grpSpPr>
+      <p:sp>
+        <p:nvSpPr>
+          <p:cNvPr id="4" name="TextBox 3"/>
+          <p:cNvSpPr txBox="1"/>
+          <p:nvPr/>
+        </p:nvSpPr>
+        <p:spPr>
+          <a:xfrm>
+            <a:off x="3531805" y="2456098"/>
+            <a:ext cx="5644494" cy="1200329"/>
+          </a:xfrm>
+          <a:prstGeom prst="rect">
+            <a:avLst/>
+          </a:prstGeom>
+          <a:noFill/>
+        </p:spPr>
+        <p:txBody>
+          <a:bodyPr wrap="none" rtlCol="0">
+            <a:spAutoFit/>
+          </a:bodyPr>
+          <a:lstStyle/>
+          <a:p>
+            <a:r>
+              <a:rPr lang="en-US" sz="3600" b="1" dirty="0">
+                <a:solidFill>
+                  <a:schemeClr val="accent1">
+                    <a:lumMod val="75000"/>
+                  </a:schemeClr>
+                </a:solidFill>
+                <a:latin typeface="Roboto" panose="02000000000000000000" pitchFamily="2" charset="0"/>
+                <a:ea typeface="Roboto" panose="02000000000000000000" pitchFamily="2" charset="0"/>
+              </a:rPr>
+              <a:t>Create Essential Files For </a:t>
+            </a:r>
+          </a:p>
+          <a:p>
+            <a:r>
+              <a:rPr lang="en-US" sz="3600" b="1" dirty="0">
+                <a:solidFill>
+                  <a:schemeClr val="accent1">
+                    <a:lumMod val="75000"/>
+                  </a:schemeClr>
+                </a:solidFill>
+                <a:latin typeface="Roboto" panose="02000000000000000000" pitchFamily="2" charset="0"/>
+                <a:ea typeface="Roboto" panose="02000000000000000000" pitchFamily="2" charset="0"/>
+              </a:rPr>
+              <a:t>Model/Controller &amp; Others</a:t>
+            </a:r>
+          </a:p>
+        </p:txBody>
+      </p:sp>
+    </p:spTree>
+    <p:extLst>
+      <p:ext uri="{BB962C8B-B14F-4D97-AF65-F5344CB8AC3E}">
+        <p14:creationId xmlns:p14="http://schemas.microsoft.com/office/powerpoint/2010/main" val="3016125061"/>
+      </p:ext>
+    </p:extLst>
+  </p:cSld>
+  <p:clrMapOvr>
+    <a:masterClrMapping/>
+  </p:clrMapOvr>
+</p:sld>
+</file>
+
+<file path=ppt/slides/slide29.xml><?xml version="1.0" encoding="utf-8"?>
+<p:sld xmlns:a="http://schemas.openxmlformats.org/drawingml/2006/main" xmlns:r="http://schemas.openxmlformats.org/officeDocument/2006/relationships" xmlns:p="http://schemas.openxmlformats.org/presentationml/2006/main">
+  <p:cSld>
+    <p:spTree>
+      <p:nvGrpSpPr>
+        <p:cNvPr id="1" name=""/>
+        <p:cNvGrpSpPr/>
+        <p:nvPr/>
+      </p:nvGrpSpPr>
+      <p:grpSpPr>
+        <a:xfrm>
+          <a:off x="0" y="0"/>
+          <a:ext cx="0" cy="0"/>
+          <a:chOff x="0" y="0"/>
+          <a:chExt cx="0" cy="0"/>
+        </a:xfrm>
+      </p:grpSpPr>
+      <p:sp>
+        <p:nvSpPr>
+          <p:cNvPr id="4" name="TextBox 3"/>
+          <p:cNvSpPr txBox="1"/>
+          <p:nvPr/>
+        </p:nvSpPr>
+        <p:spPr>
+          <a:xfrm>
+            <a:off x="4587719" y="2782669"/>
+            <a:ext cx="3321743" cy="646331"/>
+          </a:xfrm>
+          <a:prstGeom prst="rect">
+            <a:avLst/>
+          </a:prstGeom>
+          <a:noFill/>
+        </p:spPr>
+        <p:txBody>
+          <a:bodyPr wrap="none" rtlCol="0">
+            <a:spAutoFit/>
+          </a:bodyPr>
+          <a:lstStyle/>
+          <a:p>
+            <a:r>
+              <a:rPr lang="en-US" sz="3600" b="1" dirty="0">
+                <a:solidFill>
+                  <a:schemeClr val="accent1">
+                    <a:lumMod val="75000"/>
+                  </a:schemeClr>
+                </a:solidFill>
+                <a:latin typeface="Roboto" panose="02000000000000000000" pitchFamily="2" charset="0"/>
+                <a:ea typeface="Roboto" panose="02000000000000000000" pitchFamily="2" charset="0"/>
+              </a:rPr>
+              <a:t>Create Models </a:t>
+            </a:r>
+          </a:p>
+        </p:txBody>
+      </p:sp>
+    </p:spTree>
+    <p:extLst>
+      <p:ext uri="{BB962C8B-B14F-4D97-AF65-F5344CB8AC3E}">
+        <p14:creationId xmlns:p14="http://schemas.microsoft.com/office/powerpoint/2010/main" val="2538951667"/>
+      </p:ext>
+    </p:extLst>
+  </p:cSld>
+  <p:clrMapOvr>
+    <a:masterClrMapping/>
+  </p:clrMapOvr>
 </p:sld>
 </file>
 
@@ -26950,15 +29281,6 @@
               </a:rPr>
               <a:t>TECHNOLOGY WE ARE GOING TO USE ? </a:t>
             </a:r>
-            <a:endParaRPr lang="en-US" sz="2400" b="1" dirty="0">
-              <a:solidFill>
-                <a:schemeClr val="accent1">
-                  <a:lumMod val="75000"/>
-                </a:schemeClr>
-              </a:solidFill>
-              <a:latin typeface="Roboto" panose="02000000000000000000" pitchFamily="2" charset="0"/>
-              <a:ea typeface="Roboto" panose="02000000000000000000" pitchFamily="2" charset="0"/>
-            </a:endParaRPr>
           </a:p>
         </p:txBody>
       </p:sp>
@@ -26991,7 +29313,6 @@
               <a:rPr lang="en-US" dirty="0"/>
               <a:t>MongoDB</a:t>
             </a:r>
-            <a:endParaRPr lang="en-US" dirty="0"/>
           </a:p>
           <a:p>
             <a:pPr marL="342900" indent="-342900">
@@ -27001,7 +29322,6 @@
               <a:rPr lang="en-US" dirty="0"/>
               <a:t>Express</a:t>
             </a:r>
-            <a:endParaRPr lang="en-US" dirty="0"/>
           </a:p>
           <a:p>
             <a:pPr marL="342900" indent="-342900">
@@ -27011,7 +29331,6 @@
               <a:rPr lang="en-US" dirty="0"/>
               <a:t>React </a:t>
             </a:r>
-            <a:endParaRPr lang="en-US" dirty="0"/>
           </a:p>
         </p:txBody>
       </p:sp>
@@ -27395,6 +29714,73 @@
       </p:par>
     </p:tnLst>
   </p:timing>
+</p:sld>
+</file>
+
+<file path=ppt/slides/slide30.xml><?xml version="1.0" encoding="utf-8"?>
+<p:sld xmlns:a="http://schemas.openxmlformats.org/drawingml/2006/main" xmlns:r="http://schemas.openxmlformats.org/officeDocument/2006/relationships" xmlns:p="http://schemas.openxmlformats.org/presentationml/2006/main">
+  <p:cSld>
+    <p:spTree>
+      <p:nvGrpSpPr>
+        <p:cNvPr id="1" name=""/>
+        <p:cNvGrpSpPr/>
+        <p:nvPr/>
+      </p:nvGrpSpPr>
+      <p:grpSpPr>
+        <a:xfrm>
+          <a:off x="0" y="0"/>
+          <a:ext cx="0" cy="0"/>
+          <a:chOff x="0" y="0"/>
+          <a:chExt cx="0" cy="0"/>
+        </a:xfrm>
+      </p:grpSpPr>
+      <p:sp>
+        <p:nvSpPr>
+          <p:cNvPr id="4" name="TextBox 3"/>
+          <p:cNvSpPr txBox="1"/>
+          <p:nvPr/>
+        </p:nvSpPr>
+        <p:spPr>
+          <a:xfrm>
+            <a:off x="4587719" y="2782669"/>
+            <a:ext cx="2691763" cy="646331"/>
+          </a:xfrm>
+          <a:prstGeom prst="rect">
+            <a:avLst/>
+          </a:prstGeom>
+          <a:noFill/>
+        </p:spPr>
+        <p:txBody>
+          <a:bodyPr wrap="none" rtlCol="0">
+            <a:spAutoFit/>
+          </a:bodyPr>
+          <a:lstStyle/>
+          <a:p>
+            <a:r>
+              <a:rPr lang="en-US" sz="3600" b="1" dirty="0">
+                <a:solidFill>
+                  <a:schemeClr val="accent1">
+                    <a:lumMod val="75000"/>
+                  </a:schemeClr>
+                </a:solidFill>
+                <a:latin typeface="Roboto" panose="02000000000000000000" pitchFamily="2" charset="0"/>
+                <a:ea typeface="Roboto" panose="02000000000000000000" pitchFamily="2" charset="0"/>
+              </a:rPr>
+              <a:t>Completing </a:t>
+            </a:r>
+          </a:p>
+        </p:txBody>
+      </p:sp>
+    </p:spTree>
+    <p:extLst>
+      <p:ext uri="{BB962C8B-B14F-4D97-AF65-F5344CB8AC3E}">
+        <p14:creationId xmlns:p14="http://schemas.microsoft.com/office/powerpoint/2010/main" val="2013660638"/>
+      </p:ext>
+    </p:extLst>
+  </p:cSld>
+  <p:clrMapOvr>
+    <a:masterClrMapping/>
+  </p:clrMapOvr>
 </p:sld>
 </file>
 
@@ -27471,15 +29857,6 @@
               </a:rPr>
               <a:t> BUSIENSS FLOW  !</a:t>
             </a:r>
-            <a:endParaRPr lang="en-US" sz="2400" b="1" dirty="0">
-              <a:solidFill>
-                <a:schemeClr val="accent1">
-                  <a:lumMod val="75000"/>
-                </a:schemeClr>
-              </a:solidFill>
-              <a:latin typeface="Roboto" panose="02000000000000000000" pitchFamily="2" charset="0"/>
-              <a:ea typeface="Roboto" panose="02000000000000000000" pitchFamily="2" charset="0"/>
-            </a:endParaRPr>
           </a:p>
         </p:txBody>
       </p:sp>
@@ -27515,10 +29892,6 @@
               </a:rPr>
               <a:t>Business Product/Goods Management   </a:t>
             </a:r>
-            <a:endParaRPr lang="en-US" sz="1600" dirty="0">
-              <a:latin typeface="Roboto" panose="02000000000000000000" pitchFamily="2" charset="0"/>
-              <a:ea typeface="Roboto" panose="02000000000000000000" pitchFamily="2" charset="0"/>
-            </a:endParaRPr>
           </a:p>
           <a:p>
             <a:pPr marL="342900" indent="-342900">
@@ -27531,10 +29904,6 @@
               </a:rPr>
               <a:t>Business Supplier’s Management </a:t>
             </a:r>
-            <a:endParaRPr lang="en-US" sz="1600" dirty="0">
-              <a:latin typeface="Roboto" panose="02000000000000000000" pitchFamily="2" charset="0"/>
-              <a:ea typeface="Roboto" panose="02000000000000000000" pitchFamily="2" charset="0"/>
-            </a:endParaRPr>
           </a:p>
           <a:p>
             <a:pPr marL="342900" indent="-342900">
@@ -27547,10 +29916,6 @@
               </a:rPr>
               <a:t>Customer’s Management </a:t>
             </a:r>
-            <a:endParaRPr lang="en-US" sz="1600" dirty="0">
-              <a:latin typeface="Roboto" panose="02000000000000000000" pitchFamily="2" charset="0"/>
-              <a:ea typeface="Roboto" panose="02000000000000000000" pitchFamily="2" charset="0"/>
-            </a:endParaRPr>
           </a:p>
           <a:p>
             <a:pPr marL="342900" indent="-342900">
@@ -27563,10 +29928,6 @@
               </a:rPr>
               <a:t>Product Sales Management </a:t>
             </a:r>
-            <a:endParaRPr lang="en-US" sz="1600" dirty="0">
-              <a:latin typeface="Roboto" panose="02000000000000000000" pitchFamily="2" charset="0"/>
-              <a:ea typeface="Roboto" panose="02000000000000000000" pitchFamily="2" charset="0"/>
-            </a:endParaRPr>
           </a:p>
           <a:p>
             <a:pPr marL="342900" indent="-342900">
@@ -27580,10 +29941,6 @@
               </a:rPr>
               <a:t>Product Return Management </a:t>
             </a:r>
-            <a:endParaRPr lang="en-US" sz="1600" dirty="0">
-              <a:latin typeface="Roboto" panose="02000000000000000000" pitchFamily="2" charset="0"/>
-              <a:ea typeface="Roboto" panose="02000000000000000000" pitchFamily="2" charset="0"/>
-            </a:endParaRPr>
           </a:p>
           <a:p>
             <a:pPr marL="342900" indent="-342900">
@@ -27596,10 +29953,6 @@
               </a:rPr>
               <a:t>Product Buy/Purchase Management </a:t>
             </a:r>
-            <a:endParaRPr lang="en-US" sz="1600" dirty="0">
-              <a:latin typeface="Roboto" panose="02000000000000000000" pitchFamily="2" charset="0"/>
-              <a:ea typeface="Roboto" panose="02000000000000000000" pitchFamily="2" charset="0"/>
-            </a:endParaRPr>
           </a:p>
           <a:p>
             <a:pPr marL="342900" indent="-342900">
@@ -27612,10 +29965,6 @@
               </a:rPr>
               <a:t>Business Expense Management </a:t>
             </a:r>
-            <a:endParaRPr lang="en-US" sz="1600" dirty="0">
-              <a:latin typeface="Roboto" panose="02000000000000000000" pitchFamily="2" charset="0"/>
-              <a:ea typeface="Roboto" panose="02000000000000000000" pitchFamily="2" charset="0"/>
-            </a:endParaRPr>
           </a:p>
           <a:p>
             <a:pPr marL="342900" indent="-342900">
@@ -27628,10 +29977,6 @@
               </a:rPr>
               <a:t>Product Stock Management </a:t>
             </a:r>
-            <a:endParaRPr lang="en-US" sz="1600" dirty="0">
-              <a:latin typeface="Roboto" panose="02000000000000000000" pitchFamily="2" charset="0"/>
-              <a:ea typeface="Roboto" panose="02000000000000000000" pitchFamily="2" charset="0"/>
-            </a:endParaRPr>
           </a:p>
           <a:p>
             <a:pPr marL="342900" indent="-342900">
@@ -27644,10 +29989,6 @@
               </a:rPr>
               <a:t>Business Profit-Loss-Growth </a:t>
             </a:r>
-            <a:endParaRPr lang="en-US" sz="1600" dirty="0">
-              <a:latin typeface="Roboto" panose="02000000000000000000" pitchFamily="2" charset="0"/>
-              <a:ea typeface="Roboto" panose="02000000000000000000" pitchFamily="2" charset="0"/>
-            </a:endParaRPr>
           </a:p>
           <a:p>
             <a:pPr marL="342900" indent="-342900">
@@ -27660,10 +30001,6 @@
               </a:rPr>
               <a:t>And More </a:t>
             </a:r>
-            <a:endParaRPr lang="en-US" sz="1600" dirty="0">
-              <a:latin typeface="Roboto" panose="02000000000000000000" pitchFamily="2" charset="0"/>
-              <a:ea typeface="Roboto" panose="02000000000000000000" pitchFamily="2" charset="0"/>
-            </a:endParaRPr>
           </a:p>
         </p:txBody>
       </p:sp>
@@ -28906,15 +31243,6 @@
               </a:rPr>
               <a:t>SOFTWARE DATA DESIGN</a:t>
             </a:r>
-            <a:endParaRPr lang="en-US" sz="3600" b="1" dirty="0">
-              <a:solidFill>
-                <a:schemeClr val="accent1">
-                  <a:lumMod val="75000"/>
-                </a:schemeClr>
-              </a:solidFill>
-              <a:latin typeface="Roboto" panose="02000000000000000000" pitchFamily="2" charset="0"/>
-              <a:ea typeface="Roboto" panose="02000000000000000000" pitchFamily="2" charset="0"/>
-            </a:endParaRPr>
           </a:p>
         </p:txBody>
       </p:sp>
@@ -28977,15 +31305,6 @@
               </a:rPr>
               <a:t>Data Model</a:t>
             </a:r>
-            <a:endParaRPr lang="en-US" sz="3600" b="1" dirty="0">
-              <a:solidFill>
-                <a:schemeClr val="accent1">
-                  <a:lumMod val="75000"/>
-                </a:schemeClr>
-              </a:solidFill>
-              <a:latin typeface="Roboto" panose="02000000000000000000" pitchFamily="2" charset="0"/>
-              <a:ea typeface="Roboto" panose="02000000000000000000" pitchFamily="2" charset="0"/>
-            </a:endParaRPr>
           </a:p>
         </p:txBody>
       </p:sp>
@@ -29018,7 +31337,6 @@
               <a:rPr lang="en-US" dirty="0"/>
               <a:t>Database normalization</a:t>
             </a:r>
-            <a:endParaRPr lang="en-US" dirty="0"/>
           </a:p>
           <a:p>
             <a:pPr marL="342900" indent="-342900">
@@ -29028,7 +31346,6 @@
               <a:rPr lang="en-US" dirty="0"/>
               <a:t>Embedded data model </a:t>
             </a:r>
-            <a:endParaRPr lang="en-US" dirty="0"/>
           </a:p>
         </p:txBody>
       </p:sp>
@@ -29383,13 +31700,6 @@
               </a:rPr>
               <a:t>BUSINESS </a:t>
             </a:r>
-            <a:endParaRPr lang="en-US" sz="2400" b="1" dirty="0">
-              <a:solidFill>
-                <a:srgbClr val="00B050"/>
-              </a:solidFill>
-              <a:latin typeface="Roboto" panose="02000000000000000000" pitchFamily="2" charset="0"/>
-              <a:ea typeface="Roboto" panose="02000000000000000000" pitchFamily="2" charset="0"/>
-            </a:endParaRPr>
           </a:p>
         </p:txBody>
       </p:sp>
@@ -29412,8 +31722,20 @@
                 <a:tableStyleId>{5C22544A-7EE6-4342-B048-85BDC9FD1C3A}</a:tableStyleId>
               </a:tblPr>
               <a:tblGrid>
-                <a:gridCol w="1433521"/>
-                <a:gridCol w="2502012"/>
+                <a:gridCol w="1433521">
+                  <a:extLst>
+                    <a:ext uri="{9D8B030D-6E8A-4147-A177-3AD203B41FA5}">
+                      <a16:colId xmlns:a16="http://schemas.microsoft.com/office/drawing/2014/main" val="20000"/>
+                    </a:ext>
+                  </a:extLst>
+                </a:gridCol>
+                <a:gridCol w="2502012">
+                  <a:extLst>
+                    <a:ext uri="{9D8B030D-6E8A-4147-A177-3AD203B41FA5}">
+                      <a16:colId xmlns:a16="http://schemas.microsoft.com/office/drawing/2014/main" val="20001"/>
+                    </a:ext>
+                  </a:extLst>
+                </a:gridCol>
               </a:tblGrid>
               <a:tr h="370840">
                 <a:tc gridSpan="2">
@@ -29425,14 +31747,25 @@
                         <a:rPr lang="en-US" sz="1400" b="0" dirty="0"/>
                         <a:t>Users Data Collection </a:t>
                       </a:r>
-                      <a:endParaRPr lang="en-US" sz="1400" b="0" dirty="0"/>
                     </a:p>
                   </a:txBody>
                   <a:tcPr/>
                 </a:tc>
                 <a:tc hMerge="1">
-                  <a:tcPr/>
-                </a:tc>
+                  <a:txBody>
+                    <a:bodyPr/>
+                    <a:lstStyle/>
+                    <a:p>
+                      <a:endParaRPr lang="en-US"/>
+                    </a:p>
+                  </a:txBody>
+                  <a:tcPr/>
+                </a:tc>
+                <a:extLst>
+                  <a:ext uri="{0D108BD9-81ED-4DB2-BD59-A6C34878D82A}">
+                    <a16:rowId xmlns:a16="http://schemas.microsoft.com/office/drawing/2014/main" val="10000"/>
+                  </a:ext>
+                </a:extLst>
               </a:tr>
               <a:tr h="370840">
                 <a:tc>
@@ -29444,7 +31777,6 @@
                         <a:rPr lang="en-US" sz="1400" b="1" dirty="0"/>
                         <a:t>_id</a:t>
                       </a:r>
-                      <a:endParaRPr lang="en-US" sz="1400" b="1" dirty="0"/>
                     </a:p>
                   </a:txBody>
                   <a:tcPr/>
@@ -29462,11 +31794,15 @@
                         <a:rPr lang="en-US" sz="1400" b="1" dirty="0"/>
                         <a:t> (Primary Key)</a:t>
                       </a:r>
-                      <a:endParaRPr lang="en-US" sz="1400" b="1" dirty="0"/>
-                    </a:p>
-                  </a:txBody>
-                  <a:tcPr/>
-                </a:tc>
+                    </a:p>
+                  </a:txBody>
+                  <a:tcPr/>
+                </a:tc>
+                <a:extLst>
+                  <a:ext uri="{0D108BD9-81ED-4DB2-BD59-A6C34878D82A}">
+                    <a16:rowId xmlns:a16="http://schemas.microsoft.com/office/drawing/2014/main" val="10001"/>
+                  </a:ext>
+                </a:extLst>
               </a:tr>
               <a:tr h="370840">
                 <a:tc>
@@ -29513,6 +31849,11 @@
                   </a:txBody>
                   <a:tcPr/>
                 </a:tc>
+                <a:extLst>
+                  <a:ext uri="{0D108BD9-81ED-4DB2-BD59-A6C34878D82A}">
+                    <a16:rowId xmlns:a16="http://schemas.microsoft.com/office/drawing/2014/main" val="10002"/>
+                  </a:ext>
+                </a:extLst>
               </a:tr>
               <a:tr h="370840">
                 <a:tc>
@@ -29559,6 +31900,11 @@
                   </a:txBody>
                   <a:tcPr/>
                 </a:tc>
+                <a:extLst>
+                  <a:ext uri="{0D108BD9-81ED-4DB2-BD59-A6C34878D82A}">
+                    <a16:rowId xmlns:a16="http://schemas.microsoft.com/office/drawing/2014/main" val="10003"/>
+                  </a:ext>
+                </a:extLst>
               </a:tr>
               <a:tr h="370840">
                 <a:tc>
@@ -29605,6 +31951,11 @@
                   </a:txBody>
                   <a:tcPr/>
                 </a:tc>
+                <a:extLst>
+                  <a:ext uri="{0D108BD9-81ED-4DB2-BD59-A6C34878D82A}">
+                    <a16:rowId xmlns:a16="http://schemas.microsoft.com/office/drawing/2014/main" val="10004"/>
+                  </a:ext>
+                </a:extLst>
               </a:tr>
               <a:tr h="370840">
                 <a:tc>
@@ -29651,6 +32002,11 @@
                   </a:txBody>
                   <a:tcPr/>
                 </a:tc>
+                <a:extLst>
+                  <a:ext uri="{0D108BD9-81ED-4DB2-BD59-A6C34878D82A}">
+                    <a16:rowId xmlns:a16="http://schemas.microsoft.com/office/drawing/2014/main" val="10005"/>
+                  </a:ext>
+                </a:extLst>
               </a:tr>
               <a:tr h="370840">
                 <a:tc>
@@ -29697,6 +32053,11 @@
                   </a:txBody>
                   <a:tcPr/>
                 </a:tc>
+                <a:extLst>
+                  <a:ext uri="{0D108BD9-81ED-4DB2-BD59-A6C34878D82A}">
+                    <a16:rowId xmlns:a16="http://schemas.microsoft.com/office/drawing/2014/main" val="10006"/>
+                  </a:ext>
+                </a:extLst>
               </a:tr>
               <a:tr h="0">
                 <a:tc>
@@ -29743,6 +32104,11 @@
                   </a:txBody>
                   <a:tcPr/>
                 </a:tc>
+                <a:extLst>
+                  <a:ext uri="{0D108BD9-81ED-4DB2-BD59-A6C34878D82A}">
+                    <a16:rowId xmlns:a16="http://schemas.microsoft.com/office/drawing/2014/main" val="10007"/>
+                  </a:ext>
+                </a:extLst>
               </a:tr>
               <a:tr h="370840">
                 <a:tc>
@@ -29789,6 +32155,11 @@
                   </a:txBody>
                   <a:tcPr/>
                 </a:tc>
+                <a:extLst>
+                  <a:ext uri="{0D108BD9-81ED-4DB2-BD59-A6C34878D82A}">
+                    <a16:rowId xmlns:a16="http://schemas.microsoft.com/office/drawing/2014/main" val="10008"/>
+                  </a:ext>
+                </a:extLst>
               </a:tr>
             </a:tbl>
           </a:graphicData>
@@ -29813,8 +32184,20 @@
                 <a:tableStyleId>{5C22544A-7EE6-4342-B048-85BDC9FD1C3A}</a:tableStyleId>
               </a:tblPr>
               <a:tblGrid>
-                <a:gridCol w="2111217"/>
-                <a:gridCol w="2266727"/>
+                <a:gridCol w="2111217">
+                  <a:extLst>
+                    <a:ext uri="{9D8B030D-6E8A-4147-A177-3AD203B41FA5}">
+                      <a16:colId xmlns:a16="http://schemas.microsoft.com/office/drawing/2014/main" val="20000"/>
+                    </a:ext>
+                  </a:extLst>
+                </a:gridCol>
+                <a:gridCol w="2266727">
+                  <a:extLst>
+                    <a:ext uri="{9D8B030D-6E8A-4147-A177-3AD203B41FA5}">
+                      <a16:colId xmlns:a16="http://schemas.microsoft.com/office/drawing/2014/main" val="20001"/>
+                    </a:ext>
+                  </a:extLst>
+                </a:gridCol>
               </a:tblGrid>
               <a:tr h="370840">
                 <a:tc gridSpan="2">
@@ -29826,14 +32209,25 @@
                         <a:rPr lang="en-US" sz="1400" b="0" dirty="0"/>
                         <a:t>OTP Data Collection </a:t>
                       </a:r>
-                      <a:endParaRPr lang="en-US" sz="1400" b="0" dirty="0"/>
                     </a:p>
                   </a:txBody>
                   <a:tcPr/>
                 </a:tc>
                 <a:tc hMerge="1">
-                  <a:tcPr/>
-                </a:tc>
+                  <a:txBody>
+                    <a:bodyPr/>
+                    <a:lstStyle/>
+                    <a:p>
+                      <a:endParaRPr lang="en-US"/>
+                    </a:p>
+                  </a:txBody>
+                  <a:tcPr/>
+                </a:tc>
+                <a:extLst>
+                  <a:ext uri="{0D108BD9-81ED-4DB2-BD59-A6C34878D82A}">
+                    <a16:rowId xmlns:a16="http://schemas.microsoft.com/office/drawing/2014/main" val="10000"/>
+                  </a:ext>
+                </a:extLst>
               </a:tr>
               <a:tr h="370840">
                 <a:tc>
@@ -29845,7 +32239,6 @@
                         <a:rPr lang="en-US" sz="1400" b="1" dirty="0"/>
                         <a:t>_id</a:t>
                       </a:r>
-                      <a:endParaRPr lang="en-US" sz="1400" b="1" dirty="0"/>
                     </a:p>
                   </a:txBody>
                   <a:tcPr/>
@@ -29863,11 +32256,15 @@
                         <a:rPr lang="en-US" sz="1400" b="1" dirty="0"/>
                         <a:t> (Primary Key)</a:t>
                       </a:r>
-                      <a:endParaRPr lang="en-US" sz="1400" b="1" dirty="0"/>
-                    </a:p>
-                  </a:txBody>
-                  <a:tcPr/>
-                </a:tc>
+                    </a:p>
+                  </a:txBody>
+                  <a:tcPr/>
+                </a:tc>
+                <a:extLst>
+                  <a:ext uri="{0D108BD9-81ED-4DB2-BD59-A6C34878D82A}">
+                    <a16:rowId xmlns:a16="http://schemas.microsoft.com/office/drawing/2014/main" val="10001"/>
+                  </a:ext>
+                </a:extLst>
               </a:tr>
               <a:tr h="370840">
                 <a:tc>
@@ -29914,6 +32311,11 @@
                   </a:txBody>
                   <a:tcPr/>
                 </a:tc>
+                <a:extLst>
+                  <a:ext uri="{0D108BD9-81ED-4DB2-BD59-A6C34878D82A}">
+                    <a16:rowId xmlns:a16="http://schemas.microsoft.com/office/drawing/2014/main" val="10002"/>
+                  </a:ext>
+                </a:extLst>
               </a:tr>
               <a:tr h="370840">
                 <a:tc>
@@ -29960,6 +32362,11 @@
                   </a:txBody>
                   <a:tcPr/>
                 </a:tc>
+                <a:extLst>
+                  <a:ext uri="{0D108BD9-81ED-4DB2-BD59-A6C34878D82A}">
+                    <a16:rowId xmlns:a16="http://schemas.microsoft.com/office/drawing/2014/main" val="10003"/>
+                  </a:ext>
+                </a:extLst>
               </a:tr>
               <a:tr h="370840">
                 <a:tc>
@@ -30006,6 +32413,11 @@
                   </a:txBody>
                   <a:tcPr/>
                 </a:tc>
+                <a:extLst>
+                  <a:ext uri="{0D108BD9-81ED-4DB2-BD59-A6C34878D82A}">
+                    <a16:rowId xmlns:a16="http://schemas.microsoft.com/office/drawing/2014/main" val="10004"/>
+                  </a:ext>
+                </a:extLst>
               </a:tr>
               <a:tr h="370840">
                 <a:tc>
@@ -30052,6 +32464,11 @@
                   </a:txBody>
                   <a:tcPr/>
                 </a:tc>
+                <a:extLst>
+                  <a:ext uri="{0D108BD9-81ED-4DB2-BD59-A6C34878D82A}">
+                    <a16:rowId xmlns:a16="http://schemas.microsoft.com/office/drawing/2014/main" val="10005"/>
+                  </a:ext>
+                </a:extLst>
               </a:tr>
             </a:tbl>
           </a:graphicData>
@@ -30089,10 +32506,6 @@
               </a:rPr>
               <a:t>Business/User Sign Up </a:t>
             </a:r>
-            <a:endParaRPr lang="en-US" sz="1400" dirty="0">
-              <a:latin typeface="Roboto" panose="02000000000000000000" pitchFamily="2" charset="0"/>
-              <a:ea typeface="Roboto" panose="02000000000000000000" pitchFamily="2" charset="0"/>
-            </a:endParaRPr>
           </a:p>
           <a:p>
             <a:pPr marL="342900" indent="-342900">
@@ -30105,10 +32518,6 @@
               </a:rPr>
               <a:t>User Login </a:t>
             </a:r>
-            <a:endParaRPr lang="en-US" sz="1400" dirty="0">
-              <a:latin typeface="Roboto" panose="02000000000000000000" pitchFamily="2" charset="0"/>
-              <a:ea typeface="Roboto" panose="02000000000000000000" pitchFamily="2" charset="0"/>
-            </a:endParaRPr>
           </a:p>
           <a:p>
             <a:pPr marL="342900" indent="-342900">
@@ -30121,10 +32530,6 @@
               </a:rPr>
               <a:t>Account  Recover/Reset Using OTP Code</a:t>
             </a:r>
-            <a:endParaRPr lang="en-US" sz="1400" dirty="0">
-              <a:latin typeface="Roboto" panose="02000000000000000000" pitchFamily="2" charset="0"/>
-              <a:ea typeface="Roboto" panose="02000000000000000000" pitchFamily="2" charset="0"/>
-            </a:endParaRPr>
           </a:p>
           <a:p>
             <a:pPr marL="342900" indent="-342900">
@@ -30156,10 +32561,6 @@
               </a:rPr>
               <a:t>)  </a:t>
             </a:r>
-            <a:endParaRPr lang="en-US" sz="1400" dirty="0">
-              <a:latin typeface="Roboto" panose="02000000000000000000" pitchFamily="2" charset="0"/>
-              <a:ea typeface="Roboto" panose="02000000000000000000" pitchFamily="2" charset="0"/>
-            </a:endParaRPr>
           </a:p>
         </p:txBody>
       </p:sp>
@@ -30961,8 +33362,20 @@
                 <a:tableStyleId>{5C22544A-7EE6-4342-B048-85BDC9FD1C3A}</a:tableStyleId>
               </a:tblPr>
               <a:tblGrid>
-                <a:gridCol w="1433521"/>
-                <a:gridCol w="2502012"/>
+                <a:gridCol w="1433521">
+                  <a:extLst>
+                    <a:ext uri="{9D8B030D-6E8A-4147-A177-3AD203B41FA5}">
+                      <a16:colId xmlns:a16="http://schemas.microsoft.com/office/drawing/2014/main" val="20000"/>
+                    </a:ext>
+                  </a:extLst>
+                </a:gridCol>
+                <a:gridCol w="2502012">
+                  <a:extLst>
+                    <a:ext uri="{9D8B030D-6E8A-4147-A177-3AD203B41FA5}">
+                      <a16:colId xmlns:a16="http://schemas.microsoft.com/office/drawing/2014/main" val="20001"/>
+                    </a:ext>
+                  </a:extLst>
+                </a:gridCol>
               </a:tblGrid>
               <a:tr h="370840">
                 <a:tc gridSpan="2">
@@ -30974,14 +33387,25 @@
                         <a:rPr lang="en-US" sz="1400" b="0" dirty="0"/>
                         <a:t>Brands  Data Collection </a:t>
                       </a:r>
-                      <a:endParaRPr lang="en-US" sz="1400" b="0" dirty="0"/>
                     </a:p>
                   </a:txBody>
                   <a:tcPr/>
                 </a:tc>
                 <a:tc hMerge="1">
-                  <a:tcPr/>
-                </a:tc>
+                  <a:txBody>
+                    <a:bodyPr/>
+                    <a:lstStyle/>
+                    <a:p>
+                      <a:endParaRPr lang="en-US"/>
+                    </a:p>
+                  </a:txBody>
+                  <a:tcPr/>
+                </a:tc>
+                <a:extLst>
+                  <a:ext uri="{0D108BD9-81ED-4DB2-BD59-A6C34878D82A}">
+                    <a16:rowId xmlns:a16="http://schemas.microsoft.com/office/drawing/2014/main" val="10000"/>
+                  </a:ext>
+                </a:extLst>
               </a:tr>
               <a:tr h="370840">
                 <a:tc>
@@ -30993,7 +33417,6 @@
                         <a:rPr lang="en-US" sz="1400" b="1" dirty="0"/>
                         <a:t>_id</a:t>
                       </a:r>
-                      <a:endParaRPr lang="en-US" sz="1400" b="1" dirty="0"/>
                     </a:p>
                   </a:txBody>
                   <a:tcPr/>
@@ -31011,11 +33434,15 @@
                         <a:rPr lang="en-US" sz="1400" b="1" dirty="0"/>
                         <a:t> (Primary Key)</a:t>
                       </a:r>
-                      <a:endParaRPr lang="en-US" sz="1400" b="1" dirty="0"/>
-                    </a:p>
-                  </a:txBody>
-                  <a:tcPr/>
-                </a:tc>
+                    </a:p>
+                  </a:txBody>
+                  <a:tcPr/>
+                </a:tc>
+                <a:extLst>
+                  <a:ext uri="{0D108BD9-81ED-4DB2-BD59-A6C34878D82A}">
+                    <a16:rowId xmlns:a16="http://schemas.microsoft.com/office/drawing/2014/main" val="10001"/>
+                  </a:ext>
+                </a:extLst>
               </a:tr>
               <a:tr h="370840">
                 <a:tc>
@@ -31074,6 +33501,11 @@
                   </a:txBody>
                   <a:tcPr/>
                 </a:tc>
+                <a:extLst>
+                  <a:ext uri="{0D108BD9-81ED-4DB2-BD59-A6C34878D82A}">
+                    <a16:rowId xmlns:a16="http://schemas.microsoft.com/office/drawing/2014/main" val="10002"/>
+                  </a:ext>
+                </a:extLst>
               </a:tr>
               <a:tr h="370840">
                 <a:tc>
@@ -31120,6 +33552,11 @@
                   </a:txBody>
                   <a:tcPr/>
                 </a:tc>
+                <a:extLst>
+                  <a:ext uri="{0D108BD9-81ED-4DB2-BD59-A6C34878D82A}">
+                    <a16:rowId xmlns:a16="http://schemas.microsoft.com/office/drawing/2014/main" val="10003"/>
+                  </a:ext>
+                </a:extLst>
               </a:tr>
               <a:tr h="370840">
                 <a:tc>
@@ -31166,6 +33603,11 @@
                   </a:txBody>
                   <a:tcPr/>
                 </a:tc>
+                <a:extLst>
+                  <a:ext uri="{0D108BD9-81ED-4DB2-BD59-A6C34878D82A}">
+                    <a16:rowId xmlns:a16="http://schemas.microsoft.com/office/drawing/2014/main" val="10004"/>
+                  </a:ext>
+                </a:extLst>
               </a:tr>
             </a:tbl>
           </a:graphicData>
@@ -31203,10 +33645,6 @@
               </a:rPr>
               <a:t>New brand create </a:t>
             </a:r>
-            <a:endParaRPr lang="en-US" sz="1400" dirty="0">
-              <a:latin typeface="Roboto" panose="02000000000000000000" pitchFamily="2" charset="0"/>
-              <a:ea typeface="Roboto" panose="02000000000000000000" pitchFamily="2" charset="0"/>
-            </a:endParaRPr>
           </a:p>
           <a:p>
             <a:pPr marL="342900" indent="-342900">
@@ -31219,10 +33657,6 @@
               </a:rPr>
               <a:t>Brand name update </a:t>
             </a:r>
-            <a:endParaRPr lang="en-US" sz="1400" dirty="0">
-              <a:latin typeface="Roboto" panose="02000000000000000000" pitchFamily="2" charset="0"/>
-              <a:ea typeface="Roboto" panose="02000000000000000000" pitchFamily="2" charset="0"/>
-            </a:endParaRPr>
           </a:p>
           <a:p>
             <a:pPr marL="342900" indent="-342900">
@@ -31235,10 +33669,6 @@
               </a:rPr>
               <a:t>Read/search/filter brand list </a:t>
             </a:r>
-            <a:endParaRPr lang="en-US" sz="1400" dirty="0">
-              <a:latin typeface="Roboto" panose="02000000000000000000" pitchFamily="2" charset="0"/>
-              <a:ea typeface="Roboto" panose="02000000000000000000" pitchFamily="2" charset="0"/>
-            </a:endParaRPr>
           </a:p>
           <a:p>
             <a:pPr marL="342900" indent="-342900">
@@ -31251,10 +33681,6 @@
               </a:rPr>
               <a:t>Can delete brand item if never used </a:t>
             </a:r>
-            <a:endParaRPr lang="en-US" sz="1400" dirty="0">
-              <a:latin typeface="Roboto" panose="02000000000000000000" pitchFamily="2" charset="0"/>
-              <a:ea typeface="Roboto" panose="02000000000000000000" pitchFamily="2" charset="0"/>
-            </a:endParaRPr>
           </a:p>
           <a:p>
             <a:pPr marL="342900" indent="-342900">
@@ -31267,10 +33693,6 @@
               </a:rPr>
               <a:t>Can’t delete brand if exist with any other’s product </a:t>
             </a:r>
-            <a:endParaRPr lang="en-US" sz="1400" dirty="0">
-              <a:latin typeface="Roboto" panose="02000000000000000000" pitchFamily="2" charset="0"/>
-              <a:ea typeface="Roboto" panose="02000000000000000000" pitchFamily="2" charset="0"/>
-            </a:endParaRPr>
           </a:p>
         </p:txBody>
       </p:sp>
@@ -32088,8 +34510,20 @@
                 <a:tableStyleId>{5C22544A-7EE6-4342-B048-85BDC9FD1C3A}</a:tableStyleId>
               </a:tblPr>
               <a:tblGrid>
-                <a:gridCol w="1433521"/>
-                <a:gridCol w="2502012"/>
+                <a:gridCol w="1433521">
+                  <a:extLst>
+                    <a:ext uri="{9D8B030D-6E8A-4147-A177-3AD203B41FA5}">
+                      <a16:colId xmlns:a16="http://schemas.microsoft.com/office/drawing/2014/main" val="20000"/>
+                    </a:ext>
+                  </a:extLst>
+                </a:gridCol>
+                <a:gridCol w="2502012">
+                  <a:extLst>
+                    <a:ext uri="{9D8B030D-6E8A-4147-A177-3AD203B41FA5}">
+                      <a16:colId xmlns:a16="http://schemas.microsoft.com/office/drawing/2014/main" val="20001"/>
+                    </a:ext>
+                  </a:extLst>
+                </a:gridCol>
               </a:tblGrid>
               <a:tr h="370840">
                 <a:tc gridSpan="2">
@@ -32101,14 +34535,25 @@
                         <a:rPr lang="en-US" sz="1400" b="0" dirty="0"/>
                         <a:t>Categories  Data Collection </a:t>
                       </a:r>
-                      <a:endParaRPr lang="en-US" sz="1400" b="0" dirty="0"/>
                     </a:p>
                   </a:txBody>
                   <a:tcPr/>
                 </a:tc>
                 <a:tc hMerge="1">
-                  <a:tcPr/>
-                </a:tc>
+                  <a:txBody>
+                    <a:bodyPr/>
+                    <a:lstStyle/>
+                    <a:p>
+                      <a:endParaRPr lang="en-US"/>
+                    </a:p>
+                  </a:txBody>
+                  <a:tcPr/>
+                </a:tc>
+                <a:extLst>
+                  <a:ext uri="{0D108BD9-81ED-4DB2-BD59-A6C34878D82A}">
+                    <a16:rowId xmlns:a16="http://schemas.microsoft.com/office/drawing/2014/main" val="10000"/>
+                  </a:ext>
+                </a:extLst>
               </a:tr>
               <a:tr h="370840">
                 <a:tc>
@@ -32120,7 +34565,6 @@
                         <a:rPr lang="en-US" sz="1400" b="1" dirty="0"/>
                         <a:t>_id</a:t>
                       </a:r>
-                      <a:endParaRPr lang="en-US" sz="1400" b="1" dirty="0"/>
                     </a:p>
                   </a:txBody>
                   <a:tcPr/>
@@ -32138,11 +34582,15 @@
                         <a:rPr lang="en-US" sz="1400" b="1" dirty="0"/>
                         <a:t> (Primary Key)</a:t>
                       </a:r>
-                      <a:endParaRPr lang="en-US" sz="1400" b="1" dirty="0"/>
-                    </a:p>
-                  </a:txBody>
-                  <a:tcPr/>
-                </a:tc>
+                    </a:p>
+                  </a:txBody>
+                  <a:tcPr/>
+                </a:tc>
+                <a:extLst>
+                  <a:ext uri="{0D108BD9-81ED-4DB2-BD59-A6C34878D82A}">
+                    <a16:rowId xmlns:a16="http://schemas.microsoft.com/office/drawing/2014/main" val="10001"/>
+                  </a:ext>
+                </a:extLst>
               </a:tr>
               <a:tr h="370840">
                 <a:tc>
@@ -32201,6 +34649,11 @@
                   </a:txBody>
                   <a:tcPr/>
                 </a:tc>
+                <a:extLst>
+                  <a:ext uri="{0D108BD9-81ED-4DB2-BD59-A6C34878D82A}">
+                    <a16:rowId xmlns:a16="http://schemas.microsoft.com/office/drawing/2014/main" val="10002"/>
+                  </a:ext>
+                </a:extLst>
               </a:tr>
               <a:tr h="370840">
                 <a:tc>
@@ -32247,6 +34700,11 @@
                   </a:txBody>
                   <a:tcPr/>
                 </a:tc>
+                <a:extLst>
+                  <a:ext uri="{0D108BD9-81ED-4DB2-BD59-A6C34878D82A}">
+                    <a16:rowId xmlns:a16="http://schemas.microsoft.com/office/drawing/2014/main" val="10003"/>
+                  </a:ext>
+                </a:extLst>
               </a:tr>
               <a:tr h="370840">
                 <a:tc>
@@ -32293,6 +34751,11 @@
                   </a:txBody>
                   <a:tcPr/>
                 </a:tc>
+                <a:extLst>
+                  <a:ext uri="{0D108BD9-81ED-4DB2-BD59-A6C34878D82A}">
+                    <a16:rowId xmlns:a16="http://schemas.microsoft.com/office/drawing/2014/main" val="10004"/>
+                  </a:ext>
+                </a:extLst>
               </a:tr>
             </a:tbl>
           </a:graphicData>
@@ -32330,10 +34793,6 @@
               </a:rPr>
               <a:t>New category create </a:t>
             </a:r>
-            <a:endParaRPr lang="en-US" sz="1400" dirty="0">
-              <a:latin typeface="Roboto" panose="02000000000000000000" pitchFamily="2" charset="0"/>
-              <a:ea typeface="Roboto" panose="02000000000000000000" pitchFamily="2" charset="0"/>
-            </a:endParaRPr>
           </a:p>
           <a:p>
             <a:pPr marL="342900" indent="-342900">
@@ -32346,10 +34805,6 @@
               </a:rPr>
               <a:t>Category name update </a:t>
             </a:r>
-            <a:endParaRPr lang="en-US" sz="1400" dirty="0">
-              <a:latin typeface="Roboto" panose="02000000000000000000" pitchFamily="2" charset="0"/>
-              <a:ea typeface="Roboto" panose="02000000000000000000" pitchFamily="2" charset="0"/>
-            </a:endParaRPr>
           </a:p>
           <a:p>
             <a:pPr marL="342900" indent="-342900">
@@ -32362,10 +34817,6 @@
               </a:rPr>
               <a:t>Read/search/filter category list </a:t>
             </a:r>
-            <a:endParaRPr lang="en-US" sz="1400" dirty="0">
-              <a:latin typeface="Roboto" panose="02000000000000000000" pitchFamily="2" charset="0"/>
-              <a:ea typeface="Roboto" panose="02000000000000000000" pitchFamily="2" charset="0"/>
-            </a:endParaRPr>
           </a:p>
           <a:p>
             <a:pPr marL="342900" indent="-342900">
@@ -32378,10 +34829,6 @@
               </a:rPr>
               <a:t>Can delete category item if never used </a:t>
             </a:r>
-            <a:endParaRPr lang="en-US" sz="1400" dirty="0">
-              <a:latin typeface="Roboto" panose="02000000000000000000" pitchFamily="2" charset="0"/>
-              <a:ea typeface="Roboto" panose="02000000000000000000" pitchFamily="2" charset="0"/>
-            </a:endParaRPr>
           </a:p>
           <a:p>
             <a:pPr marL="342900" indent="-342900">
@@ -32394,10 +34841,6 @@
               </a:rPr>
               <a:t>Can’t delete category if exist with any other’s product </a:t>
             </a:r>
-            <a:endParaRPr lang="en-US" sz="1400" dirty="0">
-              <a:latin typeface="Roboto" panose="02000000000000000000" pitchFamily="2" charset="0"/>
-              <a:ea typeface="Roboto" panose="02000000000000000000" pitchFamily="2" charset="0"/>
-            </a:endParaRPr>
           </a:p>
         </p:txBody>
       </p:sp>
@@ -33114,55 +35557,55 @@
 </file>
 
 <file path=ppt/tags/tag1.xml><?xml version="1.0" encoding="utf-8"?>
-<p:tagLst xmlns:p="http://schemas.openxmlformats.org/presentationml/2006/main">
+<p:tagLst xmlns:a="http://schemas.openxmlformats.org/drawingml/2006/main" xmlns:r="http://schemas.openxmlformats.org/officeDocument/2006/relationships" xmlns:p="http://schemas.openxmlformats.org/presentationml/2006/main">
   <p:tag name="KSO_WM_UNIT_TABLE_BEAUTIFY" val="smartTable{13e62f5f-eae5-4b3a-b8a2-04d55d84b150}"/>
 </p:tagLst>
 </file>
 
 <file path=ppt/tags/tag2.xml><?xml version="1.0" encoding="utf-8"?>
-<p:tagLst xmlns:p="http://schemas.openxmlformats.org/presentationml/2006/main">
+<p:tagLst xmlns:a="http://schemas.openxmlformats.org/drawingml/2006/main" xmlns:r="http://schemas.openxmlformats.org/officeDocument/2006/relationships" xmlns:p="http://schemas.openxmlformats.org/presentationml/2006/main">
   <p:tag name="KSO_WM_UNIT_TABLE_BEAUTIFY" val="smartTable{02f7af2d-a79e-4770-9196-497d71918457}"/>
 </p:tagLst>
 </file>
 
 <file path=ppt/tags/tag3.xml><?xml version="1.0" encoding="utf-8"?>
-<p:tagLst xmlns:p="http://schemas.openxmlformats.org/presentationml/2006/main">
+<p:tagLst xmlns:a="http://schemas.openxmlformats.org/drawingml/2006/main" xmlns:r="http://schemas.openxmlformats.org/officeDocument/2006/relationships" xmlns:p="http://schemas.openxmlformats.org/presentationml/2006/main">
   <p:tag name="KSO_WM_UNIT_TABLE_BEAUTIFY" val="smartTable{d34e51c3-1235-48ee-9dbc-95a3f1e326be}"/>
 </p:tagLst>
 </file>
 
 <file path=ppt/tags/tag4.xml><?xml version="1.0" encoding="utf-8"?>
-<p:tagLst xmlns:p="http://schemas.openxmlformats.org/presentationml/2006/main">
+<p:tagLst xmlns:a="http://schemas.openxmlformats.org/drawingml/2006/main" xmlns:r="http://schemas.openxmlformats.org/officeDocument/2006/relationships" xmlns:p="http://schemas.openxmlformats.org/presentationml/2006/main">
   <p:tag name="KSO_WM_UNIT_TABLE_BEAUTIFY" val="smartTable{301c62a8-e711-4cb1-9f5b-648b83fbf8d5}"/>
 </p:tagLst>
 </file>
 
 <file path=ppt/tags/tag5.xml><?xml version="1.0" encoding="utf-8"?>
-<p:tagLst xmlns:p="http://schemas.openxmlformats.org/presentationml/2006/main">
+<p:tagLst xmlns:a="http://schemas.openxmlformats.org/drawingml/2006/main" xmlns:r="http://schemas.openxmlformats.org/officeDocument/2006/relationships" xmlns:p="http://schemas.openxmlformats.org/presentationml/2006/main">
   <p:tag name="KSO_WM_UNIT_TABLE_BEAUTIFY" val="smartTable{398043f5-6662-4677-bd4d-0e1ddd78371b}"/>
 </p:tagLst>
 </file>
 
 <file path=ppt/tags/tag6.xml><?xml version="1.0" encoding="utf-8"?>
-<p:tagLst xmlns:p="http://schemas.openxmlformats.org/presentationml/2006/main">
+<p:tagLst xmlns:a="http://schemas.openxmlformats.org/drawingml/2006/main" xmlns:r="http://schemas.openxmlformats.org/officeDocument/2006/relationships" xmlns:p="http://schemas.openxmlformats.org/presentationml/2006/main">
   <p:tag name="KSO_WM_UNIT_TABLE_BEAUTIFY" val="smartTable{2a3eca8d-b705-41d4-8237-7c6588fb4ff4}"/>
 </p:tagLst>
 </file>
 
 <file path=ppt/tags/tag7.xml><?xml version="1.0" encoding="utf-8"?>
-<p:tagLst xmlns:p="http://schemas.openxmlformats.org/presentationml/2006/main">
+<p:tagLst xmlns:a="http://schemas.openxmlformats.org/drawingml/2006/main" xmlns:r="http://schemas.openxmlformats.org/officeDocument/2006/relationships" xmlns:p="http://schemas.openxmlformats.org/presentationml/2006/main">
   <p:tag name="KSO_WM_UNIT_TABLE_BEAUTIFY" val="smartTable{4196f110-3e17-49f1-ab1b-6cc9d6ecfb9d}"/>
 </p:tagLst>
 </file>
 
 <file path=ppt/tags/tag8.xml><?xml version="1.0" encoding="utf-8"?>
-<p:tagLst xmlns:p="http://schemas.openxmlformats.org/presentationml/2006/main">
+<p:tagLst xmlns:a="http://schemas.openxmlformats.org/drawingml/2006/main" xmlns:r="http://schemas.openxmlformats.org/officeDocument/2006/relationships" xmlns:p="http://schemas.openxmlformats.org/presentationml/2006/main">
   <p:tag name="KSO_WM_UNIT_TABLE_BEAUTIFY" val="smartTable{bfb0d53e-90b8-4461-8064-aab2e59686cd}"/>
 </p:tagLst>
 </file>
 
 <file path=ppt/tags/tag9.xml><?xml version="1.0" encoding="utf-8"?>
-<p:tagLst xmlns:p="http://schemas.openxmlformats.org/presentationml/2006/main">
+<p:tagLst xmlns:a="http://schemas.openxmlformats.org/drawingml/2006/main" xmlns:r="http://schemas.openxmlformats.org/officeDocument/2006/relationships" xmlns:p="http://schemas.openxmlformats.org/presentationml/2006/main">
   <p:tag name="KSO_WM_UNIT_TABLE_BEAUTIFY" val="smartTable{1940f43f-1ab9-482e-84bf-6152c74d5c8d}"/>
 </p:tagLst>
 </file>
@@ -33418,6 +35861,303 @@
       </a:bgFillStyleLst>
     </a:fmtScheme>
   </a:themeElements>
+  <a:objectDefaults/>
+  <a:extraClrSchemeLst/>
+  <a:extLst>
+    <a:ext uri="{05A4C25C-085E-4340-85A3-A5531E510DB2}">
+      <thm15:themeFamily xmlns:thm15="http://schemas.microsoft.com/office/thememl/2012/main" name="Office Theme" id="{62F939B6-93AF-4DB8-9C6B-D6C7DFDC589F}" vid="{4A3C46E8-61CC-4603-A589-7422A47A8E4A}"/>
+    </a:ext>
+  </a:extLst>
+</a:theme>
+</file>
+
+<file path=ppt/theme/theme2.xml><?xml version="1.0" encoding="utf-8"?>
+<a:theme xmlns:a="http://schemas.openxmlformats.org/drawingml/2006/main" name="Office Theme">
+  <a:themeElements>
+    <a:clrScheme name="Office">
+      <a:dk1>
+        <a:sysClr val="windowText" lastClr="000000"/>
+      </a:dk1>
+      <a:lt1>
+        <a:sysClr val="window" lastClr="FFFFFF"/>
+      </a:lt1>
+      <a:dk2>
+        <a:srgbClr val="44546A"/>
+      </a:dk2>
+      <a:lt2>
+        <a:srgbClr val="E7E6E6"/>
+      </a:lt2>
+      <a:accent1>
+        <a:srgbClr val="4472C4"/>
+      </a:accent1>
+      <a:accent2>
+        <a:srgbClr val="ED7D31"/>
+      </a:accent2>
+      <a:accent3>
+        <a:srgbClr val="A5A5A5"/>
+      </a:accent3>
+      <a:accent4>
+        <a:srgbClr val="FFC000"/>
+      </a:accent4>
+      <a:accent5>
+        <a:srgbClr val="5B9BD5"/>
+      </a:accent5>
+      <a:accent6>
+        <a:srgbClr val="70AD47"/>
+      </a:accent6>
+      <a:hlink>
+        <a:srgbClr val="0563C1"/>
+      </a:hlink>
+      <a:folHlink>
+        <a:srgbClr val="954F72"/>
+      </a:folHlink>
+    </a:clrScheme>
+    <a:fontScheme name="Office">
+      <a:majorFont>
+        <a:latin typeface="Calibri Light" panose="020F0302020204030204"/>
+        <a:ea typeface=""/>
+        <a:cs typeface=""/>
+        <a:font script="Jpan" typeface="游ゴシック Light"/>
+        <a:font script="Hang" typeface="맑은 고딕"/>
+        <a:font script="Hans" typeface="等线 Light"/>
+        <a:font script="Hant" typeface="新細明體"/>
+        <a:font script="Arab" typeface="Times New Roman"/>
+        <a:font script="Hebr" typeface="Times New Roman"/>
+        <a:font script="Thai" typeface="Angsana New"/>
+        <a:font script="Ethi" typeface="Nyala"/>
+        <a:font script="Beng" typeface="Vrinda"/>
+        <a:font script="Gujr" typeface="Shruti"/>
+        <a:font script="Khmr" typeface="MoolBoran"/>
+        <a:font script="Knda" typeface="Tunga"/>
+        <a:font script="Guru" typeface="Raavi"/>
+        <a:font script="Cans" typeface="Euphemia"/>
+        <a:font script="Cher" typeface="Plantagenet Cherokee"/>
+        <a:font script="Yiii" typeface="Microsoft Yi Baiti"/>
+        <a:font script="Tibt" typeface="Microsoft Himalaya"/>
+        <a:font script="Thaa" typeface="MV Boli"/>
+        <a:font script="Deva" typeface="Mangal"/>
+        <a:font script="Telu" typeface="Gautami"/>
+        <a:font script="Taml" typeface="Latha"/>
+        <a:font script="Syrc" typeface="Estrangelo Edessa"/>
+        <a:font script="Orya" typeface="Kalinga"/>
+        <a:font script="Mlym" typeface="Kartika"/>
+        <a:font script="Laoo" typeface="DokChampa"/>
+        <a:font script="Sinh" typeface="Iskoola Pota"/>
+        <a:font script="Mong" typeface="Mongolian Baiti"/>
+        <a:font script="Viet" typeface="Times New Roman"/>
+        <a:font script="Uigh" typeface="Microsoft Uighur"/>
+        <a:font script="Geor" typeface="Sylfaen"/>
+        <a:font script="Armn" typeface="Arial"/>
+        <a:font script="Bugi" typeface="Leelawadee UI"/>
+        <a:font script="Bopo" typeface="Microsoft JhengHei"/>
+        <a:font script="Java" typeface="Javanese Text"/>
+        <a:font script="Lisu" typeface="Segoe UI"/>
+        <a:font script="Mymr" typeface="Myanmar Text"/>
+        <a:font script="Nkoo" typeface="Ebrima"/>
+        <a:font script="Olck" typeface="Nirmala UI"/>
+        <a:font script="Osma" typeface="Ebrima"/>
+        <a:font script="Phag" typeface="Phagspa"/>
+        <a:font script="Syrn" typeface="Estrangelo Edessa"/>
+        <a:font script="Syrj" typeface="Estrangelo Edessa"/>
+        <a:font script="Syre" typeface="Estrangelo Edessa"/>
+        <a:font script="Sora" typeface="Nirmala UI"/>
+        <a:font script="Tale" typeface="Microsoft Tai Le"/>
+        <a:font script="Talu" typeface="Microsoft New Tai Lue"/>
+        <a:font script="Tfng" typeface="Ebrima"/>
+      </a:majorFont>
+      <a:minorFont>
+        <a:latin typeface="Calibri" panose="020F0502020204030204"/>
+        <a:ea typeface=""/>
+        <a:cs typeface=""/>
+        <a:font script="Jpan" typeface="游ゴシック"/>
+        <a:font script="Hang" typeface="맑은 고딕"/>
+        <a:font script="Hans" typeface="等线"/>
+        <a:font script="Hant" typeface="新細明體"/>
+        <a:font script="Arab" typeface="Arial"/>
+        <a:font script="Hebr" typeface="Arial"/>
+        <a:font script="Thai" typeface="Cordia New"/>
+        <a:font script="Ethi" typeface="Nyala"/>
+        <a:font script="Beng" typeface="Vrinda"/>
+        <a:font script="Gujr" typeface="Shruti"/>
+        <a:font script="Khmr" typeface="DaunPenh"/>
+        <a:font script="Knda" typeface="Tunga"/>
+        <a:font script="Guru" typeface="Raavi"/>
+        <a:font script="Cans" typeface="Euphemia"/>
+        <a:font script="Cher" typeface="Plantagenet Cherokee"/>
+        <a:font script="Yiii" typeface="Microsoft Yi Baiti"/>
+        <a:font script="Tibt" typeface="Microsoft Himalaya"/>
+        <a:font script="Thaa" typeface="MV Boli"/>
+        <a:font script="Deva" typeface="Mangal"/>
+        <a:font script="Telu" typeface="Gautami"/>
+        <a:font script="Taml" typeface="Latha"/>
+        <a:font script="Syrc" typeface="Estrangelo Edessa"/>
+        <a:font script="Orya" typeface="Kalinga"/>
+        <a:font script="Mlym" typeface="Kartika"/>
+        <a:font script="Laoo" typeface="DokChampa"/>
+        <a:font script="Sinh" typeface="Iskoola Pota"/>
+        <a:font script="Mong" typeface="Mongolian Baiti"/>
+        <a:font script="Viet" typeface="Arial"/>
+        <a:font script="Uigh" typeface="Microsoft Uighur"/>
+        <a:font script="Geor" typeface="Sylfaen"/>
+        <a:font script="Armn" typeface="Arial"/>
+        <a:font script="Bugi" typeface="Leelawadee UI"/>
+        <a:font script="Bopo" typeface="Microsoft JhengHei"/>
+        <a:font script="Java" typeface="Javanese Text"/>
+        <a:font script="Lisu" typeface="Segoe UI"/>
+        <a:font script="Mymr" typeface="Myanmar Text"/>
+        <a:font script="Nkoo" typeface="Ebrima"/>
+        <a:font script="Olck" typeface="Nirmala UI"/>
+        <a:font script="Osma" typeface="Ebrima"/>
+        <a:font script="Phag" typeface="Phagspa"/>
+        <a:font script="Syrn" typeface="Estrangelo Edessa"/>
+        <a:font script="Syrj" typeface="Estrangelo Edessa"/>
+        <a:font script="Syre" typeface="Estrangelo Edessa"/>
+        <a:font script="Sora" typeface="Nirmala UI"/>
+        <a:font script="Tale" typeface="Microsoft Tai Le"/>
+        <a:font script="Talu" typeface="Microsoft New Tai Lue"/>
+        <a:font script="Tfng" typeface="Ebrima"/>
+      </a:minorFont>
+    </a:fontScheme>
+    <a:fmtScheme name="Office">
+      <a:fillStyleLst>
+        <a:solidFill>
+          <a:schemeClr val="phClr"/>
+        </a:solidFill>
+        <a:gradFill rotWithShape="1">
+          <a:gsLst>
+            <a:gs pos="0">
+              <a:schemeClr val="phClr">
+                <a:lumMod val="110000"/>
+                <a:satMod val="105000"/>
+                <a:tint val="67000"/>
+              </a:schemeClr>
+            </a:gs>
+            <a:gs pos="50000">
+              <a:schemeClr val="phClr">
+                <a:lumMod val="105000"/>
+                <a:satMod val="103000"/>
+                <a:tint val="73000"/>
+              </a:schemeClr>
+            </a:gs>
+            <a:gs pos="100000">
+              <a:schemeClr val="phClr">
+                <a:lumMod val="105000"/>
+                <a:satMod val="109000"/>
+                <a:tint val="81000"/>
+              </a:schemeClr>
+            </a:gs>
+          </a:gsLst>
+          <a:lin ang="5400000" scaled="0"/>
+        </a:gradFill>
+        <a:gradFill rotWithShape="1">
+          <a:gsLst>
+            <a:gs pos="0">
+              <a:schemeClr val="phClr">
+                <a:satMod val="103000"/>
+                <a:lumMod val="102000"/>
+                <a:tint val="94000"/>
+              </a:schemeClr>
+            </a:gs>
+            <a:gs pos="50000">
+              <a:schemeClr val="phClr">
+                <a:satMod val="110000"/>
+                <a:lumMod val="100000"/>
+                <a:shade val="100000"/>
+              </a:schemeClr>
+            </a:gs>
+            <a:gs pos="100000">
+              <a:schemeClr val="phClr">
+                <a:lumMod val="99000"/>
+                <a:satMod val="120000"/>
+                <a:shade val="78000"/>
+              </a:schemeClr>
+            </a:gs>
+          </a:gsLst>
+          <a:lin ang="5400000" scaled="0"/>
+        </a:gradFill>
+      </a:fillStyleLst>
+      <a:lnStyleLst>
+        <a:ln w="6350" cap="flat" cmpd="sng" algn="ctr">
+          <a:solidFill>
+            <a:schemeClr val="phClr"/>
+          </a:solidFill>
+          <a:prstDash val="solid"/>
+          <a:miter lim="800000"/>
+        </a:ln>
+        <a:ln w="12700" cap="flat" cmpd="sng" algn="ctr">
+          <a:solidFill>
+            <a:schemeClr val="phClr"/>
+          </a:solidFill>
+          <a:prstDash val="solid"/>
+          <a:miter lim="800000"/>
+        </a:ln>
+        <a:ln w="19050" cap="flat" cmpd="sng" algn="ctr">
+          <a:solidFill>
+            <a:schemeClr val="phClr"/>
+          </a:solidFill>
+          <a:prstDash val="solid"/>
+          <a:miter lim="800000"/>
+        </a:ln>
+      </a:lnStyleLst>
+      <a:effectStyleLst>
+        <a:effectStyle>
+          <a:effectLst/>
+        </a:effectStyle>
+        <a:effectStyle>
+          <a:effectLst/>
+        </a:effectStyle>
+        <a:effectStyle>
+          <a:effectLst>
+            <a:outerShdw blurRad="57150" dist="19050" dir="5400000" algn="ctr" rotWithShape="0">
+              <a:srgbClr val="000000">
+                <a:alpha val="63000"/>
+              </a:srgbClr>
+            </a:outerShdw>
+          </a:effectLst>
+        </a:effectStyle>
+      </a:effectStyleLst>
+      <a:bgFillStyleLst>
+        <a:solidFill>
+          <a:schemeClr val="phClr"/>
+        </a:solidFill>
+        <a:solidFill>
+          <a:schemeClr val="phClr">
+            <a:tint val="95000"/>
+            <a:satMod val="170000"/>
+          </a:schemeClr>
+        </a:solidFill>
+        <a:gradFill rotWithShape="1">
+          <a:gsLst>
+            <a:gs pos="0">
+              <a:schemeClr val="phClr">
+                <a:tint val="93000"/>
+                <a:satMod val="150000"/>
+                <a:shade val="98000"/>
+                <a:lumMod val="102000"/>
+              </a:schemeClr>
+            </a:gs>
+            <a:gs pos="50000">
+              <a:schemeClr val="phClr">
+                <a:tint val="98000"/>
+                <a:satMod val="130000"/>
+                <a:shade val="90000"/>
+                <a:lumMod val="103000"/>
+              </a:schemeClr>
+            </a:gs>
+            <a:gs pos="100000">
+              <a:schemeClr val="phClr">
+                <a:shade val="63000"/>
+                <a:satMod val="120000"/>
+              </a:schemeClr>
+            </a:gs>
+          </a:gsLst>
+          <a:lin ang="5400000" scaled="0"/>
+        </a:gradFill>
+      </a:bgFillStyleLst>
+    </a:fmtScheme>
+  </a:themeElements>
+  <a:objectDefaults/>
+  <a:extraClrSchemeLst/>
   <a:extLst>
     <a:ext uri="{05A4C25C-085E-4340-85A3-A5531E510DB2}">
       <thm15:themeFamily xmlns:thm15="http://schemas.microsoft.com/office/thememl/2012/main" name="Office Theme" id="{62F939B6-93AF-4DB8-9C6B-D6C7DFDC589F}" vid="{4A3C46E8-61CC-4603-A589-7422A47A8E4A}"/>

--- a/Inventory/PPT.pptx
+++ b/Inventory/PPT.pptx
@@ -49,7 +49,8 @@
     <p:sldId id="304" r:id="rId42"/>
     <p:sldId id="305" r:id="rId43"/>
     <p:sldId id="306" r:id="rId44"/>
-    <p:sldId id="307" r:id="rId45"/>
+    <p:sldId id="321" r:id="rId45"/>
+    <p:sldId id="307" r:id="rId46"/>
   </p:sldIdLst>
   <p:sldSz cx="12192000" cy="6858000"/>
   <p:notesSz cx="6858000" cy="9144000"/>
@@ -32465,6 +32466,180 @@
 </p:sld>
 </file>
 
+<file path=ppt/slides/slide43.xml><?xml version="1.0" encoding="utf-8"?>
+<p:sld xmlns:a="http://schemas.openxmlformats.org/drawingml/2006/main" xmlns:r="http://schemas.openxmlformats.org/officeDocument/2006/relationships" xmlns:p="http://schemas.openxmlformats.org/presentationml/2006/main">
+  <p:cSld>
+    <p:spTree>
+      <p:nvGrpSpPr>
+        <p:cNvPr id="1" name=""/>
+        <p:cNvGrpSpPr/>
+        <p:nvPr/>
+      </p:nvGrpSpPr>
+      <p:grpSpPr>
+        <a:xfrm>
+          <a:off x="0" y="0"/>
+          <a:ext cx="0" cy="0"/>
+          <a:chOff x="0" y="0"/>
+          <a:chExt cx="0" cy="0"/>
+        </a:xfrm>
+      </p:grpSpPr>
+      <p:sp>
+        <p:nvSpPr>
+          <p:cNvPr id="4" name="TextBox 3"/>
+          <p:cNvSpPr txBox="1"/>
+          <p:nvPr/>
+        </p:nvSpPr>
+        <p:spPr>
+          <a:xfrm>
+            <a:off x="527619" y="821697"/>
+            <a:ext cx="5092700" cy="645160"/>
+          </a:xfrm>
+          <a:prstGeom prst="rect">
+            <a:avLst/>
+          </a:prstGeom>
+          <a:noFill/>
+        </p:spPr>
+        <p:txBody>
+          <a:bodyPr wrap="none" rtlCol="0">
+            <a:spAutoFit/>
+          </a:bodyPr>
+          <a:lstStyle/>
+          <a:p>
+            <a:pPr algn="ctr"/>
+            <a:r>
+              <a:rPr lang="en-US" sz="3600" b="1" dirty="0">
+                <a:solidFill>
+                  <a:schemeClr val="accent1">
+                    <a:lumMod val="75000"/>
+                  </a:schemeClr>
+                </a:solidFill>
+                <a:latin typeface="Roboto" panose="02000000000000000000" pitchFamily="2" charset="0"/>
+                <a:ea typeface="Roboto" panose="02000000000000000000" pitchFamily="2" charset="0"/>
+              </a:rPr>
+              <a:t>Front End Development </a:t>
+            </a:r>
+            <a:endParaRPr lang="en-US" sz="3600" b="1" dirty="0">
+              <a:solidFill>
+                <a:schemeClr val="accent1">
+                  <a:lumMod val="75000"/>
+                </a:schemeClr>
+              </a:solidFill>
+              <a:latin typeface="Roboto" panose="02000000000000000000" pitchFamily="2" charset="0"/>
+              <a:ea typeface="Roboto" panose="02000000000000000000" pitchFamily="2" charset="0"/>
+            </a:endParaRPr>
+          </a:p>
+        </p:txBody>
+      </p:sp>
+      <p:sp>
+        <p:nvSpPr>
+          <p:cNvPr id="6" name="TextBox 5"/>
+          <p:cNvSpPr txBox="1"/>
+          <p:nvPr/>
+        </p:nvSpPr>
+        <p:spPr>
+          <a:xfrm>
+            <a:off x="527451" y="1677974"/>
+            <a:ext cx="9213215" cy="1630045"/>
+          </a:xfrm>
+          <a:prstGeom prst="rect">
+            <a:avLst/>
+          </a:prstGeom>
+          <a:noFill/>
+        </p:spPr>
+        <p:txBody>
+          <a:bodyPr wrap="none" rtlCol="0">
+            <a:spAutoFit/>
+          </a:bodyPr>
+          <a:p>
+            <a:pPr marL="342900" indent="-342900" algn="l">
+              <a:buAutoNum type="arabicPeriod"/>
+            </a:pPr>
+            <a:r>
+              <a:rPr lang="en-US" sz="2000" dirty="0">
+                <a:latin typeface="Roboto" panose="02000000000000000000" pitchFamily="2" charset="0"/>
+                <a:ea typeface="Roboto" panose="02000000000000000000" pitchFamily="2" charset="0"/>
+              </a:rPr>
+              <a:t>Project Structure -&gt; Taken From Task Manager Project</a:t>
+            </a:r>
+            <a:endParaRPr lang="en-US" sz="2000" dirty="0">
+              <a:latin typeface="Roboto" panose="02000000000000000000" pitchFamily="2" charset="0"/>
+              <a:ea typeface="Roboto" panose="02000000000000000000" pitchFamily="2" charset="0"/>
+            </a:endParaRPr>
+          </a:p>
+          <a:p>
+            <a:pPr marL="342900" indent="-342900" algn="l">
+              <a:buAutoNum type="arabicPeriod"/>
+            </a:pPr>
+            <a:r>
+              <a:rPr lang="en-US" sz="2000" dirty="0">
+                <a:latin typeface="Roboto" panose="02000000000000000000" pitchFamily="2" charset="0"/>
+                <a:ea typeface="Roboto" panose="02000000000000000000" pitchFamily="2" charset="0"/>
+              </a:rPr>
+              <a:t>Neccessary File Folders</a:t>
+            </a:r>
+            <a:endParaRPr lang="en-US" sz="2000" dirty="0">
+              <a:latin typeface="Roboto" panose="02000000000000000000" pitchFamily="2" charset="0"/>
+              <a:ea typeface="Roboto" panose="02000000000000000000" pitchFamily="2" charset="0"/>
+            </a:endParaRPr>
+          </a:p>
+          <a:p>
+            <a:pPr marL="342900" indent="-342900" algn="l">
+              <a:buAutoNum type="arabicPeriod"/>
+            </a:pPr>
+            <a:r>
+              <a:rPr lang="en-US" sz="2000" dirty="0">
+                <a:latin typeface="Roboto" panose="02000000000000000000" pitchFamily="2" charset="0"/>
+                <a:ea typeface="Roboto" panose="02000000000000000000" pitchFamily="2" charset="0"/>
+              </a:rPr>
+              <a:t>Project Template -&gt;  Taken From Task Manager Project</a:t>
+            </a:r>
+            <a:endParaRPr lang="en-US" sz="2000" dirty="0">
+              <a:latin typeface="Roboto" panose="02000000000000000000" pitchFamily="2" charset="0"/>
+              <a:ea typeface="Roboto" panose="02000000000000000000" pitchFamily="2" charset="0"/>
+            </a:endParaRPr>
+          </a:p>
+          <a:p>
+            <a:pPr marL="342900" indent="-342900" algn="l">
+              <a:buAutoNum type="arabicPeriod"/>
+            </a:pPr>
+            <a:r>
+              <a:rPr lang="en-US" sz="2000" dirty="0">
+                <a:latin typeface="Roboto" panose="02000000000000000000" pitchFamily="2" charset="0"/>
+                <a:ea typeface="Roboto" panose="02000000000000000000" pitchFamily="2" charset="0"/>
+              </a:rPr>
+              <a:t>User Login Registration Profile Recover -&gt; Taken From Task Manager Project </a:t>
+            </a:r>
+            <a:endParaRPr lang="en-US" sz="2000" dirty="0">
+              <a:latin typeface="Roboto" panose="02000000000000000000" pitchFamily="2" charset="0"/>
+              <a:ea typeface="Roboto" panose="02000000000000000000" pitchFamily="2" charset="0"/>
+            </a:endParaRPr>
+          </a:p>
+          <a:p>
+            <a:pPr marL="342900" indent="-342900" algn="l">
+              <a:buAutoNum type="arabicPeriod"/>
+            </a:pPr>
+            <a:r>
+              <a:rPr lang="en-US" sz="2000" dirty="0">
+                <a:latin typeface="Roboto" panose="02000000000000000000" pitchFamily="2" charset="0"/>
+                <a:ea typeface="Roboto" panose="02000000000000000000" pitchFamily="2" charset="0"/>
+              </a:rPr>
+              <a:t>Table , Paginaiton , Search, Perpage -&gt; Taken From Business Table Project </a:t>
+            </a:r>
+            <a:endParaRPr lang="en-US" sz="2000" dirty="0">
+              <a:latin typeface="Roboto" panose="02000000000000000000" pitchFamily="2" charset="0"/>
+              <a:ea typeface="Roboto" panose="02000000000000000000" pitchFamily="2" charset="0"/>
+            </a:endParaRPr>
+          </a:p>
+        </p:txBody>
+      </p:sp>
+    </p:spTree>
+  </p:cSld>
+  <p:clrMapOvr>
+    <a:masterClrMapping/>
+  </p:clrMapOvr>
+</p:sld>
+</file>
+
 <file path=ppt/slides/slide5.xml><?xml version="1.0" encoding="utf-8"?>
 <p:sld xmlns:a="http://schemas.openxmlformats.org/drawingml/2006/main" xmlns:r="http://schemas.openxmlformats.org/officeDocument/2006/relationships" xmlns:p="http://schemas.openxmlformats.org/presentationml/2006/main">
   <p:cSld>

--- a/Inventory/PPT.pptx
+++ b/Inventory/PPT.pptx
@@ -32637,6 +32637,9 @@
   <p:clrMapOvr>
     <a:masterClrMapping/>
   </p:clrMapOvr>
+  <p:transition>
+    <p:fade/>
+  </p:transition>
 </p:sld>
 </file>
 
